--- a/Eksamen/datastruktur.pptx
+++ b/Eksamen/datastruktur.pptx
@@ -6,6 +6,7 @@
   </p:sldMasterIdLst>
   <p:sldIdLst>
     <p:sldId id="256" r:id="rId2"/>
+    <p:sldId id="257" r:id="rId3"/>
   </p:sldIdLst>
   <p:sldSz cx="12192000" cy="6858000"/>
   <p:notesSz cx="6858000" cy="9144000"/>
@@ -104,6 +105,11 @@
       </a:defRPr>
     </a:lvl9pPr>
   </p:defaultTextStyle>
+  <p:extLst>
+    <p:ext uri="{EFAFB233-063F-42B5-8137-9DF3F51BA10A}">
+      <p15:sldGuideLst xmlns:p15="http://schemas.microsoft.com/office/powerpoint/2012/main"/>
+    </p:ext>
+  </p:extLst>
 </p:presentation>
 </file>
 
@@ -240,7 +246,7 @@
               <a:rPr lang="nb-NO" smtClean="0"/>
               <a:t>04.06.2020</a:t>
             </a:fld>
-            <a:endParaRPr lang="nb-NO"/>
+            <a:endParaRPr lang="nb-NO" dirty="0"/>
           </a:p>
         </p:txBody>
       </p:sp>
@@ -259,7 +265,7 @@
           <a:bodyPr/>
           <a:lstStyle/>
           <a:p>
-            <a:endParaRPr lang="nb-NO"/>
+            <a:endParaRPr lang="nb-NO" dirty="0"/>
           </a:p>
         </p:txBody>
       </p:sp>
@@ -282,7 +288,7 @@
               <a:rPr lang="nb-NO" smtClean="0"/>
               <a:t>‹#›</a:t>
             </a:fld>
-            <a:endParaRPr lang="nb-NO"/>
+            <a:endParaRPr lang="nb-NO" dirty="0"/>
           </a:p>
         </p:txBody>
       </p:sp>
@@ -410,7 +416,7 @@
               <a:rPr lang="nb-NO" smtClean="0"/>
               <a:t>04.06.2020</a:t>
             </a:fld>
-            <a:endParaRPr lang="nb-NO"/>
+            <a:endParaRPr lang="nb-NO" dirty="0"/>
           </a:p>
         </p:txBody>
       </p:sp>
@@ -429,7 +435,7 @@
           <a:bodyPr/>
           <a:lstStyle/>
           <a:p>
-            <a:endParaRPr lang="nb-NO"/>
+            <a:endParaRPr lang="nb-NO" dirty="0"/>
           </a:p>
         </p:txBody>
       </p:sp>
@@ -452,7 +458,7 @@
               <a:rPr lang="nb-NO" smtClean="0"/>
               <a:t>‹#›</a:t>
             </a:fld>
-            <a:endParaRPr lang="nb-NO"/>
+            <a:endParaRPr lang="nb-NO" dirty="0"/>
           </a:p>
         </p:txBody>
       </p:sp>
@@ -590,7 +596,7 @@
               <a:rPr lang="nb-NO" smtClean="0"/>
               <a:t>04.06.2020</a:t>
             </a:fld>
-            <a:endParaRPr lang="nb-NO"/>
+            <a:endParaRPr lang="nb-NO" dirty="0"/>
           </a:p>
         </p:txBody>
       </p:sp>
@@ -609,7 +615,7 @@
           <a:bodyPr/>
           <a:lstStyle/>
           <a:p>
-            <a:endParaRPr lang="nb-NO"/>
+            <a:endParaRPr lang="nb-NO" dirty="0"/>
           </a:p>
         </p:txBody>
       </p:sp>
@@ -632,7 +638,7 @@
               <a:rPr lang="nb-NO" smtClean="0"/>
               <a:t>‹#›</a:t>
             </a:fld>
-            <a:endParaRPr lang="nb-NO"/>
+            <a:endParaRPr lang="nb-NO" dirty="0"/>
           </a:p>
         </p:txBody>
       </p:sp>
@@ -760,7 +766,7 @@
               <a:rPr lang="nb-NO" smtClean="0"/>
               <a:t>04.06.2020</a:t>
             </a:fld>
-            <a:endParaRPr lang="nb-NO"/>
+            <a:endParaRPr lang="nb-NO" dirty="0"/>
           </a:p>
         </p:txBody>
       </p:sp>
@@ -779,7 +785,7 @@
           <a:bodyPr/>
           <a:lstStyle/>
           <a:p>
-            <a:endParaRPr lang="nb-NO"/>
+            <a:endParaRPr lang="nb-NO" dirty="0"/>
           </a:p>
         </p:txBody>
       </p:sp>
@@ -802,7 +808,7 @@
               <a:rPr lang="nb-NO" smtClean="0"/>
               <a:t>‹#›</a:t>
             </a:fld>
-            <a:endParaRPr lang="nb-NO"/>
+            <a:endParaRPr lang="nb-NO" dirty="0"/>
           </a:p>
         </p:txBody>
       </p:sp>
@@ -1006,7 +1012,7 @@
               <a:rPr lang="nb-NO" smtClean="0"/>
               <a:t>04.06.2020</a:t>
             </a:fld>
-            <a:endParaRPr lang="nb-NO"/>
+            <a:endParaRPr lang="nb-NO" dirty="0"/>
           </a:p>
         </p:txBody>
       </p:sp>
@@ -1025,7 +1031,7 @@
           <a:bodyPr/>
           <a:lstStyle/>
           <a:p>
-            <a:endParaRPr lang="nb-NO"/>
+            <a:endParaRPr lang="nb-NO" dirty="0"/>
           </a:p>
         </p:txBody>
       </p:sp>
@@ -1048,7 +1054,7 @@
               <a:rPr lang="nb-NO" smtClean="0"/>
               <a:t>‹#›</a:t>
             </a:fld>
-            <a:endParaRPr lang="nb-NO"/>
+            <a:endParaRPr lang="nb-NO" dirty="0"/>
           </a:p>
         </p:txBody>
       </p:sp>
@@ -1238,7 +1244,7 @@
               <a:rPr lang="nb-NO" smtClean="0"/>
               <a:t>04.06.2020</a:t>
             </a:fld>
-            <a:endParaRPr lang="nb-NO"/>
+            <a:endParaRPr lang="nb-NO" dirty="0"/>
           </a:p>
         </p:txBody>
       </p:sp>
@@ -1257,7 +1263,7 @@
           <a:bodyPr/>
           <a:lstStyle/>
           <a:p>
-            <a:endParaRPr lang="nb-NO"/>
+            <a:endParaRPr lang="nb-NO" dirty="0"/>
           </a:p>
         </p:txBody>
       </p:sp>
@@ -1280,7 +1286,7 @@
               <a:rPr lang="nb-NO" smtClean="0"/>
               <a:t>‹#›</a:t>
             </a:fld>
-            <a:endParaRPr lang="nb-NO"/>
+            <a:endParaRPr lang="nb-NO" dirty="0"/>
           </a:p>
         </p:txBody>
       </p:sp>
@@ -1605,7 +1611,7 @@
               <a:rPr lang="nb-NO" smtClean="0"/>
               <a:t>04.06.2020</a:t>
             </a:fld>
-            <a:endParaRPr lang="nb-NO"/>
+            <a:endParaRPr lang="nb-NO" dirty="0"/>
           </a:p>
         </p:txBody>
       </p:sp>
@@ -1624,7 +1630,7 @@
           <a:bodyPr/>
           <a:lstStyle/>
           <a:p>
-            <a:endParaRPr lang="nb-NO"/>
+            <a:endParaRPr lang="nb-NO" dirty="0"/>
           </a:p>
         </p:txBody>
       </p:sp>
@@ -1647,7 +1653,7 @@
               <a:rPr lang="nb-NO" smtClean="0"/>
               <a:t>‹#›</a:t>
             </a:fld>
-            <a:endParaRPr lang="nb-NO"/>
+            <a:endParaRPr lang="nb-NO" dirty="0"/>
           </a:p>
         </p:txBody>
       </p:sp>
@@ -1723,7 +1729,7 @@
               <a:rPr lang="nb-NO" smtClean="0"/>
               <a:t>04.06.2020</a:t>
             </a:fld>
-            <a:endParaRPr lang="nb-NO"/>
+            <a:endParaRPr lang="nb-NO" dirty="0"/>
           </a:p>
         </p:txBody>
       </p:sp>
@@ -1742,7 +1748,7 @@
           <a:bodyPr/>
           <a:lstStyle/>
           <a:p>
-            <a:endParaRPr lang="nb-NO"/>
+            <a:endParaRPr lang="nb-NO" dirty="0"/>
           </a:p>
         </p:txBody>
       </p:sp>
@@ -1765,7 +1771,7 @@
               <a:rPr lang="nb-NO" smtClean="0"/>
               <a:t>‹#›</a:t>
             </a:fld>
-            <a:endParaRPr lang="nb-NO"/>
+            <a:endParaRPr lang="nb-NO" dirty="0"/>
           </a:p>
         </p:txBody>
       </p:sp>
@@ -1818,7 +1824,7 @@
               <a:rPr lang="nb-NO" smtClean="0"/>
               <a:t>04.06.2020</a:t>
             </a:fld>
-            <a:endParaRPr lang="nb-NO"/>
+            <a:endParaRPr lang="nb-NO" dirty="0"/>
           </a:p>
         </p:txBody>
       </p:sp>
@@ -1837,7 +1843,7 @@
           <a:bodyPr/>
           <a:lstStyle/>
           <a:p>
-            <a:endParaRPr lang="nb-NO"/>
+            <a:endParaRPr lang="nb-NO" dirty="0"/>
           </a:p>
         </p:txBody>
       </p:sp>
@@ -1860,7 +1866,7 @@
               <a:rPr lang="nb-NO" smtClean="0"/>
               <a:t>‹#›</a:t>
             </a:fld>
-            <a:endParaRPr lang="nb-NO"/>
+            <a:endParaRPr lang="nb-NO" dirty="0"/>
           </a:p>
         </p:txBody>
       </p:sp>
@@ -2095,7 +2101,7 @@
               <a:rPr lang="nb-NO" smtClean="0"/>
               <a:t>04.06.2020</a:t>
             </a:fld>
-            <a:endParaRPr lang="nb-NO"/>
+            <a:endParaRPr lang="nb-NO" dirty="0"/>
           </a:p>
         </p:txBody>
       </p:sp>
@@ -2114,7 +2120,7 @@
           <a:bodyPr/>
           <a:lstStyle/>
           <a:p>
-            <a:endParaRPr lang="nb-NO"/>
+            <a:endParaRPr lang="nb-NO" dirty="0"/>
           </a:p>
         </p:txBody>
       </p:sp>
@@ -2137,7 +2143,7 @@
               <a:rPr lang="nb-NO" smtClean="0"/>
               <a:t>‹#›</a:t>
             </a:fld>
-            <a:endParaRPr lang="nb-NO"/>
+            <a:endParaRPr lang="nb-NO" dirty="0"/>
           </a:p>
         </p:txBody>
       </p:sp>
@@ -2260,7 +2266,7 @@
             </a:lvl9pPr>
           </a:lstStyle>
           <a:p>
-            <a:endParaRPr lang="nb-NO"/>
+            <a:endParaRPr lang="nb-NO" dirty="0"/>
           </a:p>
         </p:txBody>
       </p:sp>
@@ -2348,7 +2354,7 @@
               <a:rPr lang="nb-NO" smtClean="0"/>
               <a:t>04.06.2020</a:t>
             </a:fld>
-            <a:endParaRPr lang="nb-NO"/>
+            <a:endParaRPr lang="nb-NO" dirty="0"/>
           </a:p>
         </p:txBody>
       </p:sp>
@@ -2367,7 +2373,7 @@
           <a:bodyPr/>
           <a:lstStyle/>
           <a:p>
-            <a:endParaRPr lang="nb-NO"/>
+            <a:endParaRPr lang="nb-NO" dirty="0"/>
           </a:p>
         </p:txBody>
       </p:sp>
@@ -2390,7 +2396,7 @@
               <a:rPr lang="nb-NO" smtClean="0"/>
               <a:t>‹#›</a:t>
             </a:fld>
-            <a:endParaRPr lang="nb-NO"/>
+            <a:endParaRPr lang="nb-NO" dirty="0"/>
           </a:p>
         </p:txBody>
       </p:sp>
@@ -2561,7 +2567,7 @@
               <a:rPr lang="nb-NO" smtClean="0"/>
               <a:t>04.06.2020</a:t>
             </a:fld>
-            <a:endParaRPr lang="nb-NO"/>
+            <a:endParaRPr lang="nb-NO" dirty="0"/>
           </a:p>
         </p:txBody>
       </p:sp>
@@ -2598,7 +2604,7 @@
             </a:lvl1pPr>
           </a:lstStyle>
           <a:p>
-            <a:endParaRPr lang="nb-NO"/>
+            <a:endParaRPr lang="nb-NO" dirty="0"/>
           </a:p>
         </p:txBody>
       </p:sp>
@@ -2639,7 +2645,7 @@
               <a:rPr lang="nb-NO" smtClean="0"/>
               <a:t>‹#›</a:t>
             </a:fld>
-            <a:endParaRPr lang="nb-NO"/>
+            <a:endParaRPr lang="nb-NO" dirty="0"/>
           </a:p>
         </p:txBody>
       </p:sp>
@@ -3023,94 +3029,22 @@
                   <a:schemeClr val="tx1"/>
                 </a:solidFill>
               </a:rPr>
-              <a:t>void </a:t>
-            </a:r>
-            <a:r>
-              <a:rPr lang="en-US" sz="800" dirty="0" err="1" smtClean="0">
-                <a:solidFill>
-                  <a:schemeClr val="tx1"/>
-                </a:solidFill>
-              </a:rPr>
-              <a:t>giStatus</a:t>
-            </a:r>
+              <a:t>void giStatus(String status)</a:t>
+            </a:r>
+            <a:endParaRPr lang="en-US" sz="800" dirty="0">
+              <a:solidFill>
+                <a:schemeClr val="tx1"/>
+              </a:solidFill>
+            </a:endParaRPr>
+          </a:p>
+          <a:p>
             <a:r>
               <a:rPr lang="en-US" sz="800" dirty="0" smtClean="0">
                 <a:solidFill>
                   <a:schemeClr val="tx1"/>
                 </a:solidFill>
               </a:rPr>
-              <a:t>(String status)</a:t>
-            </a:r>
-            <a:endParaRPr lang="en-US" sz="800" dirty="0">
-              <a:solidFill>
-                <a:schemeClr val="tx1"/>
-              </a:solidFill>
-            </a:endParaRPr>
-          </a:p>
-          <a:p>
-            <a:r>
-              <a:rPr lang="en-US" sz="800" dirty="0" err="1" smtClean="0">
-                <a:solidFill>
-                  <a:schemeClr val="tx1"/>
-                </a:solidFill>
-              </a:rPr>
-              <a:t>Int</a:t>
-            </a:r>
-            <a:r>
-              <a:rPr lang="en-US" sz="800" dirty="0" smtClean="0">
-                <a:solidFill>
-                  <a:schemeClr val="tx1"/>
-                </a:solidFill>
-              </a:rPr>
-              <a:t> </a:t>
-            </a:r>
-            <a:r>
-              <a:rPr lang="en-US" sz="800" dirty="0" err="1" smtClean="0">
-                <a:solidFill>
-                  <a:schemeClr val="tx1"/>
-                </a:solidFill>
-              </a:rPr>
-              <a:t>beOmKommando</a:t>
-            </a:r>
-            <a:r>
-              <a:rPr lang="en-US" sz="800" dirty="0" smtClean="0">
-                <a:solidFill>
-                  <a:schemeClr val="tx1"/>
-                </a:solidFill>
-              </a:rPr>
-              <a:t>(String </a:t>
-            </a:r>
-            <a:r>
-              <a:rPr lang="en-US" sz="800" dirty="0" err="1" smtClean="0">
-                <a:solidFill>
-                  <a:schemeClr val="tx1"/>
-                </a:solidFill>
-              </a:rPr>
-              <a:t>spoersmaal</a:t>
-            </a:r>
-            <a:r>
-              <a:rPr lang="en-US" sz="800" dirty="0" smtClean="0">
-                <a:solidFill>
-                  <a:schemeClr val="tx1"/>
-                </a:solidFill>
-              </a:rPr>
-              <a:t>, String[] </a:t>
-            </a:r>
-            <a:r>
-              <a:rPr lang="en-US" sz="800" dirty="0" err="1" smtClean="0">
-                <a:solidFill>
-                  <a:schemeClr val="tx1"/>
-                </a:solidFill>
-              </a:rPr>
-              <a:t>alternativer</a:t>
-            </a:r>
-            <a:r>
-              <a:rPr lang="en-US" sz="800" dirty="0" smtClean="0">
-                <a:solidFill>
-                  <a:schemeClr val="tx1"/>
-                </a:solidFill>
-              </a:rPr>
-              <a:t>)</a:t>
+              <a:t>Int beOmKommando(String spoersmaal, String[] alternativer)</a:t>
             </a:r>
             <a:endParaRPr lang="nb-NO" sz="800" dirty="0">
               <a:solidFill>
@@ -3179,23 +3113,7 @@
                   <a:schemeClr val="tx1"/>
                 </a:solidFill>
               </a:rPr>
-              <a:t>Terminal(Scanner </a:t>
-            </a:r>
-            <a:r>
-              <a:rPr lang="en-US" sz="1000" dirty="0" err="1" smtClean="0">
-                <a:solidFill>
-                  <a:schemeClr val="tx1"/>
-                </a:solidFill>
-              </a:rPr>
-              <a:t>obj</a:t>
-            </a:r>
-            <a:r>
-              <a:rPr lang="en-US" sz="1000" dirty="0" smtClean="0">
-                <a:solidFill>
-                  <a:schemeClr val="tx1"/>
-                </a:solidFill>
-              </a:rPr>
-              <a:t>)</a:t>
+              <a:t>Terminal(Scanner obj)</a:t>
             </a:r>
             <a:endParaRPr lang="nb-NO" sz="1000" dirty="0">
               <a:solidFill>
@@ -3427,44 +3345,30 @@
           </a:p>
           <a:p>
             <a:r>
-              <a:rPr lang="en-US" sz="1000" dirty="0" err="1" smtClean="0">
-                <a:solidFill>
-                  <a:schemeClr val="tx1"/>
-                </a:solidFill>
-              </a:rPr>
-              <a:t>Sted</a:t>
-            </a:r>
-            <a:r>
               <a:rPr lang="en-US" sz="1000" dirty="0" smtClean="0">
                 <a:solidFill>
                   <a:schemeClr val="tx1"/>
                 </a:solidFill>
               </a:rPr>
-              <a:t>(String </a:t>
-            </a:r>
-            <a:r>
-              <a:rPr lang="en-US" sz="1000" dirty="0" err="1" smtClean="0">
-                <a:solidFill>
-                  <a:schemeClr val="tx1"/>
-                </a:solidFill>
-              </a:rPr>
-              <a:t>sted</a:t>
-            </a:r>
+              <a:t>Sted(String sted)</a:t>
+            </a:r>
+          </a:p>
+          <a:p>
+            <a:endParaRPr lang="en-US" sz="1000" dirty="0">
+              <a:solidFill>
+                <a:schemeClr val="tx1"/>
+              </a:solidFill>
+            </a:endParaRPr>
+          </a:p>
+          <a:p>
             <a:r>
               <a:rPr lang="en-US" sz="1000" dirty="0" smtClean="0">
                 <a:solidFill>
                   <a:schemeClr val="tx1"/>
                 </a:solidFill>
               </a:rPr>
-              <a:t>)</a:t>
-            </a:r>
-          </a:p>
-          <a:p>
-            <a:endParaRPr lang="en-US" sz="1000" dirty="0">
-              <a:solidFill>
-                <a:schemeClr val="tx1"/>
-              </a:solidFill>
-            </a:endParaRPr>
+              <a:t>void plasserSkattekiste()</a:t>
+            </a:r>
           </a:p>
           <a:p>
             <a:r>
@@ -3473,91 +3377,17 @@
                   <a:schemeClr val="tx1"/>
                 </a:solidFill>
               </a:rPr>
-              <a:t>void </a:t>
-            </a:r>
-            <a:r>
-              <a:rPr lang="en-US" sz="1000" dirty="0" err="1" smtClean="0">
-                <a:solidFill>
-                  <a:schemeClr val="tx1"/>
-                </a:solidFill>
-              </a:rPr>
-              <a:t>plasserSkattekiste</a:t>
-            </a:r>
+              <a:t>Skattekiste hentSkattekiste()</a:t>
+            </a:r>
+          </a:p>
+          <a:p>
             <a:r>
               <a:rPr lang="en-US" sz="1000" dirty="0" smtClean="0">
                 <a:solidFill>
                   <a:schemeClr val="tx1"/>
                 </a:solidFill>
               </a:rPr>
-              <a:t>()</a:t>
-            </a:r>
-          </a:p>
-          <a:p>
-            <a:r>
-              <a:rPr lang="en-US" sz="1000" dirty="0" err="1" smtClean="0">
-                <a:solidFill>
-                  <a:schemeClr val="tx1"/>
-                </a:solidFill>
-              </a:rPr>
-              <a:t>Skattekiste</a:t>
-            </a:r>
-            <a:r>
-              <a:rPr lang="en-US" sz="1000" dirty="0" smtClean="0">
-                <a:solidFill>
-                  <a:schemeClr val="tx1"/>
-                </a:solidFill>
-              </a:rPr>
-              <a:t> </a:t>
-            </a:r>
-            <a:r>
-              <a:rPr lang="en-US" sz="1000" dirty="0" err="1" smtClean="0">
-                <a:solidFill>
-                  <a:schemeClr val="tx1"/>
-                </a:solidFill>
-              </a:rPr>
-              <a:t>hentSkattekiste</a:t>
-            </a:r>
-            <a:r>
-              <a:rPr lang="en-US" sz="1000" dirty="0" smtClean="0">
-                <a:solidFill>
-                  <a:schemeClr val="tx1"/>
-                </a:solidFill>
-              </a:rPr>
-              <a:t>()</a:t>
-            </a:r>
-          </a:p>
-          <a:p>
-            <a:r>
-              <a:rPr lang="en-US" sz="1000" dirty="0" err="1" smtClean="0">
-                <a:solidFill>
-                  <a:schemeClr val="tx1"/>
-                </a:solidFill>
-              </a:rPr>
-              <a:t>Sted</a:t>
-            </a:r>
-            <a:r>
-              <a:rPr lang="en-US" sz="1000" dirty="0" smtClean="0">
-                <a:solidFill>
-                  <a:schemeClr val="tx1"/>
-                </a:solidFill>
-              </a:rPr>
-              <a:t> </a:t>
-            </a:r>
-            <a:r>
-              <a:rPr lang="en-US" sz="1000" dirty="0" err="1" smtClean="0">
-                <a:solidFill>
-                  <a:schemeClr val="tx1"/>
-                </a:solidFill>
-              </a:rPr>
-              <a:t>gaaVidere</a:t>
-            </a:r>
-            <a:r>
-              <a:rPr lang="en-US" sz="1000" dirty="0" smtClean="0">
-                <a:solidFill>
-                  <a:schemeClr val="tx1"/>
-                </a:solidFill>
-              </a:rPr>
-              <a:t>()</a:t>
+              <a:t>Sted gaaVidere()</a:t>
             </a:r>
           </a:p>
         </p:txBody>
@@ -3663,34 +3493,13 @@
           </a:p>
           <a:p>
             <a:r>
-              <a:rPr lang="en-US" sz="1000" dirty="0" err="1" smtClean="0">
-                <a:solidFill>
-                  <a:schemeClr val="tx1"/>
-                </a:solidFill>
-              </a:rPr>
-              <a:t>Skattkiste</a:t>
-            </a:r>
-            <a:r>
               <a:rPr lang="en-US" sz="1000" dirty="0" smtClean="0">
                 <a:solidFill>
                   <a:schemeClr val="tx1"/>
                 </a:solidFill>
               </a:rPr>
-              <a:t> </a:t>
-            </a:r>
-            <a:r>
-              <a:rPr lang="en-US" sz="1000" dirty="0" err="1" smtClean="0">
-                <a:solidFill>
-                  <a:schemeClr val="tx1"/>
-                </a:solidFill>
-              </a:rPr>
-              <a:t>ryggsekk</a:t>
-            </a:r>
-            <a:endParaRPr lang="en-US" sz="1000" dirty="0" smtClean="0">
-              <a:solidFill>
-                <a:schemeClr val="tx1"/>
-              </a:solidFill>
-            </a:endParaRPr>
+              <a:t>Skattkiste ryggsekk</a:t>
+            </a:r>
           </a:p>
           <a:p>
             <a:endParaRPr lang="en-US" sz="1000" dirty="0">
@@ -3706,71 +3515,7 @@
                   <a:schemeClr val="tx1"/>
                 </a:solidFill>
               </a:rPr>
-              <a:t>Spiller(</a:t>
-            </a:r>
-            <a:r>
-              <a:rPr lang="en-US" sz="1000" dirty="0" err="1" smtClean="0">
-                <a:solidFill>
-                  <a:schemeClr val="tx1"/>
-                </a:solidFill>
-              </a:rPr>
-              <a:t>Sted</a:t>
-            </a:r>
-            <a:r>
-              <a:rPr lang="en-US" sz="1000" dirty="0" smtClean="0">
-                <a:solidFill>
-                  <a:schemeClr val="tx1"/>
-                </a:solidFill>
-              </a:rPr>
-              <a:t> </a:t>
-            </a:r>
-            <a:r>
-              <a:rPr lang="en-US" sz="1000" dirty="0" err="1" smtClean="0">
-                <a:solidFill>
-                  <a:schemeClr val="tx1"/>
-                </a:solidFill>
-              </a:rPr>
-              <a:t>startSted</a:t>
-            </a:r>
-            <a:r>
-              <a:rPr lang="en-US" sz="1000" dirty="0" smtClean="0">
-                <a:solidFill>
-                  <a:schemeClr val="tx1"/>
-                </a:solidFill>
-              </a:rPr>
-              <a:t>, </a:t>
-            </a:r>
-            <a:r>
-              <a:rPr lang="en-US" sz="1000" dirty="0" err="1" smtClean="0">
-                <a:solidFill>
-                  <a:schemeClr val="tx1"/>
-                </a:solidFill>
-              </a:rPr>
-              <a:t>obj</a:t>
-            </a:r>
-            <a:r>
-              <a:rPr lang="en-US" sz="1000" dirty="0" smtClean="0">
-                <a:solidFill>
-                  <a:schemeClr val="tx1"/>
-                </a:solidFill>
-              </a:rPr>
-              <a:t> </a:t>
-            </a:r>
-            <a:r>
-              <a:rPr lang="en-US" sz="1000" dirty="0" err="1" smtClean="0">
-                <a:solidFill>
-                  <a:schemeClr val="tx1"/>
-                </a:solidFill>
-              </a:rPr>
-              <a:t>Brukerg</a:t>
-            </a:r>
-            <a:r>
-              <a:rPr lang="en-US" sz="1000" dirty="0" smtClean="0">
-                <a:solidFill>
-                  <a:schemeClr val="tx1"/>
-                </a:solidFill>
-              </a:rPr>
-              <a:t>)</a:t>
+              <a:t>Spiller(Sted startSted, obj Brukerg)</a:t>
             </a:r>
           </a:p>
           <a:p>
@@ -3795,49 +3540,17 @@
                   <a:schemeClr val="tx1"/>
                 </a:solidFill>
               </a:rPr>
-              <a:t>oid </a:t>
-            </a:r>
-            <a:r>
-              <a:rPr lang="en-US" sz="1000" dirty="0" err="1" smtClean="0">
-                <a:solidFill>
-                  <a:schemeClr val="tx1"/>
-                </a:solidFill>
-              </a:rPr>
-              <a:t>nyttTrekk</a:t>
-            </a:r>
+              <a:t>oid nyttTrekk()</a:t>
+            </a:r>
+          </a:p>
+          <a:p>
             <a:r>
               <a:rPr lang="en-US" sz="1000" dirty="0" smtClean="0">
                 <a:solidFill>
                   <a:schemeClr val="tx1"/>
                 </a:solidFill>
               </a:rPr>
-              <a:t>()</a:t>
-            </a:r>
-          </a:p>
-          <a:p>
-            <a:r>
-              <a:rPr lang="en-US" sz="1000" dirty="0" smtClean="0">
-                <a:solidFill>
-                  <a:schemeClr val="tx1"/>
-                </a:solidFill>
-              </a:rPr>
-              <a:t>void </a:t>
-            </a:r>
-            <a:r>
-              <a:rPr lang="en-US" sz="1000" dirty="0" err="1" smtClean="0">
-                <a:solidFill>
-                  <a:schemeClr val="tx1"/>
-                </a:solidFill>
-              </a:rPr>
-              <a:t>oppdaterFormue</a:t>
-            </a:r>
-            <a:r>
-              <a:rPr lang="en-US" sz="1000" dirty="0" smtClean="0">
-                <a:solidFill>
-                  <a:schemeClr val="tx1"/>
-                </a:solidFill>
-              </a:rPr>
-              <a:t>()</a:t>
+              <a:t>void oppdaterFormue()</a:t>
             </a:r>
           </a:p>
           <a:p>
@@ -3916,23 +3629,7 @@
                   <a:schemeClr val="tx1"/>
                 </a:solidFill>
               </a:rPr>
-              <a:t>ublic static void main(String[] </a:t>
-            </a:r>
-            <a:r>
-              <a:rPr lang="en-US" sz="1000" dirty="0" err="1" smtClean="0">
-                <a:solidFill>
-                  <a:schemeClr val="tx1"/>
-                </a:solidFill>
-              </a:rPr>
-              <a:t>args</a:t>
-            </a:r>
-            <a:r>
-              <a:rPr lang="en-US" sz="1000" dirty="0" smtClean="0">
-                <a:solidFill>
-                  <a:schemeClr val="tx1"/>
-                </a:solidFill>
-              </a:rPr>
-              <a:t>)</a:t>
+              <a:t>ublic static void main(String[] args)</a:t>
             </a:r>
           </a:p>
         </p:txBody>
@@ -4004,23 +3701,7 @@
                   <a:schemeClr val="tx1"/>
                 </a:solidFill>
               </a:rPr>
-              <a:t>ublic static void main(String[] </a:t>
-            </a:r>
-            <a:r>
-              <a:rPr lang="en-US" sz="1000" dirty="0" err="1" smtClean="0">
-                <a:solidFill>
-                  <a:schemeClr val="tx1"/>
-                </a:solidFill>
-              </a:rPr>
-              <a:t>args</a:t>
-            </a:r>
-            <a:r>
-              <a:rPr lang="en-US" sz="1000" dirty="0" smtClean="0">
-                <a:solidFill>
-                  <a:schemeClr val="tx1"/>
-                </a:solidFill>
-              </a:rPr>
-              <a:t>)</a:t>
+              <a:t>ublic static void main(String[] args)</a:t>
             </a:r>
           </a:p>
         </p:txBody>
@@ -4072,37 +3753,27 @@
           </a:p>
           <a:p>
             <a:r>
-              <a:rPr lang="en-US" sz="1000" dirty="0" err="1" smtClean="0">
+              <a:rPr lang="en-US" sz="1000" dirty="0" smtClean="0">
                 <a:solidFill>
                   <a:schemeClr val="tx1"/>
                 </a:solidFill>
               </a:rPr>
               <a:t>Hoyre</a:t>
             </a:r>
-            <a:endParaRPr lang="en-US" sz="1000" dirty="0" smtClean="0">
-              <a:solidFill>
-                <a:schemeClr val="tx1"/>
-              </a:solidFill>
-            </a:endParaRPr>
-          </a:p>
-          <a:p>
-            <a:r>
-              <a:rPr lang="en-US" sz="1000" dirty="0" err="1" smtClean="0">
+          </a:p>
+          <a:p>
+            <a:r>
+              <a:rPr lang="en-US" sz="1000" dirty="0" smtClean="0">
                 <a:solidFill>
                   <a:schemeClr val="tx1"/>
                 </a:solidFill>
               </a:rPr>
               <a:t>Venstre</a:t>
             </a:r>
-            <a:endParaRPr lang="en-US" sz="1000" dirty="0" smtClean="0">
-              <a:solidFill>
-                <a:schemeClr val="tx1"/>
-              </a:solidFill>
-            </a:endParaRPr>
-          </a:p>
-          <a:p>
-            <a:r>
-              <a:rPr lang="en-US" sz="1000" dirty="0" err="1" smtClean="0">
+          </a:p>
+          <a:p>
+            <a:r>
+              <a:rPr lang="en-US" sz="1000" dirty="0" smtClean="0">
                 <a:solidFill>
                   <a:schemeClr val="tx1"/>
                 </a:solidFill>
@@ -4242,6 +3913,5471 @@
       </p:par>
     </p:tnLst>
   </p:timing>
+</p:sld>
+</file>
+
+<file path=ppt/slides/slide2.xml><?xml version="1.0" encoding="utf-8"?>
+<p:sld xmlns:a="http://schemas.openxmlformats.org/drawingml/2006/main" xmlns:r="http://schemas.openxmlformats.org/officeDocument/2006/relationships" xmlns:p="http://schemas.openxmlformats.org/presentationml/2006/main">
+  <p:cSld>
+    <p:spTree>
+      <p:nvGrpSpPr>
+        <p:cNvPr id="1" name=""/>
+        <p:cNvGrpSpPr/>
+        <p:nvPr/>
+      </p:nvGrpSpPr>
+      <p:grpSpPr>
+        <a:xfrm>
+          <a:off x="0" y="0"/>
+          <a:ext cx="0" cy="0"/>
+          <a:chOff x="0" y="0"/>
+          <a:chExt cx="0" cy="0"/>
+        </a:xfrm>
+      </p:grpSpPr>
+      <p:sp>
+        <p:nvSpPr>
+          <p:cNvPr id="4" name="Avrundet rektangel 3"/>
+          <p:cNvSpPr/>
+          <p:nvPr/>
+        </p:nvSpPr>
+        <p:spPr>
+          <a:xfrm>
+            <a:off x="244266" y="224545"/>
+            <a:ext cx="2164615" cy="1948708"/>
+          </a:xfrm>
+          <a:prstGeom prst="roundRect">
+            <a:avLst/>
+          </a:prstGeom>
+          <a:noFill/>
+          <a:ln>
+            <a:prstDash val="dash"/>
+          </a:ln>
+        </p:spPr>
+        <p:style>
+          <a:lnRef idx="2">
+            <a:schemeClr val="accent1">
+              <a:shade val="50000"/>
+            </a:schemeClr>
+          </a:lnRef>
+          <a:fillRef idx="1">
+            <a:schemeClr val="accent1"/>
+          </a:fillRef>
+          <a:effectRef idx="0">
+            <a:schemeClr val="accent1"/>
+          </a:effectRef>
+          <a:fontRef idx="minor">
+            <a:schemeClr val="lt1"/>
+          </a:fontRef>
+        </p:style>
+        <p:txBody>
+          <a:bodyPr rtlCol="0" anchor="ctr"/>
+          <a:lstStyle/>
+          <a:p>
+            <a:endParaRPr lang="en-US" sz="1000" dirty="0" smtClean="0">
+              <a:solidFill>
+                <a:schemeClr val="tx1"/>
+              </a:solidFill>
+            </a:endParaRPr>
+          </a:p>
+          <a:p>
+            <a:endParaRPr lang="en-US" sz="1000" dirty="0" smtClean="0">
+              <a:solidFill>
+                <a:schemeClr val="tx1"/>
+              </a:solidFill>
+            </a:endParaRPr>
+          </a:p>
+          <a:p>
+            <a:endParaRPr lang="en-US" sz="1000" dirty="0" smtClean="0">
+              <a:solidFill>
+                <a:schemeClr val="tx1"/>
+              </a:solidFill>
+            </a:endParaRPr>
+          </a:p>
+          <a:p>
+            <a:endParaRPr lang="en-US" sz="1000" dirty="0">
+              <a:solidFill>
+                <a:schemeClr val="tx1"/>
+              </a:solidFill>
+            </a:endParaRPr>
+          </a:p>
+        </p:txBody>
+      </p:sp>
+      <p:sp>
+        <p:nvSpPr>
+          <p:cNvPr id="5" name="TekstSylinder 4"/>
+          <p:cNvSpPr txBox="1"/>
+          <p:nvPr/>
+        </p:nvSpPr>
+        <p:spPr>
+          <a:xfrm>
+            <a:off x="324707" y="17514"/>
+            <a:ext cx="1515764" cy="261610"/>
+          </a:xfrm>
+          <a:prstGeom prst="rect">
+            <a:avLst/>
+          </a:prstGeom>
+          <a:noFill/>
+        </p:spPr>
+        <p:txBody>
+          <a:bodyPr wrap="square" rtlCol="0">
+            <a:spAutoFit/>
+          </a:bodyPr>
+          <a:lstStyle/>
+          <a:p>
+            <a:r>
+              <a:rPr lang="en-US" sz="1050" dirty="0"/>
+              <a:t>k</a:t>
+            </a:r>
+            <a:r>
+              <a:rPr lang="en-US" sz="1050" dirty="0" smtClean="0"/>
+              <a:t>lasse Spill</a:t>
+            </a:r>
+            <a:endParaRPr lang="nb-NO" sz="1050" dirty="0"/>
+          </a:p>
+        </p:txBody>
+      </p:sp>
+      <p:sp>
+        <p:nvSpPr>
+          <p:cNvPr id="19" name="Avrundet rektangel 18"/>
+          <p:cNvSpPr/>
+          <p:nvPr/>
+        </p:nvSpPr>
+        <p:spPr>
+          <a:xfrm>
+            <a:off x="5065529" y="458669"/>
+            <a:ext cx="1068984" cy="1238000"/>
+          </a:xfrm>
+          <a:prstGeom prst="roundRect">
+            <a:avLst/>
+          </a:prstGeom>
+          <a:noFill/>
+        </p:spPr>
+        <p:style>
+          <a:lnRef idx="2">
+            <a:schemeClr val="accent1">
+              <a:shade val="50000"/>
+            </a:schemeClr>
+          </a:lnRef>
+          <a:fillRef idx="1">
+            <a:schemeClr val="accent1"/>
+          </a:fillRef>
+          <a:effectRef idx="0">
+            <a:schemeClr val="accent1"/>
+          </a:effectRef>
+          <a:fontRef idx="minor">
+            <a:schemeClr val="lt1"/>
+          </a:fontRef>
+        </p:style>
+        <p:txBody>
+          <a:bodyPr rtlCol="0" anchor="ctr"/>
+          <a:lstStyle/>
+          <a:p>
+            <a:endParaRPr lang="en-US" sz="1000" dirty="0" smtClean="0">
+              <a:solidFill>
+                <a:schemeClr val="tx1"/>
+              </a:solidFill>
+            </a:endParaRPr>
+          </a:p>
+        </p:txBody>
+      </p:sp>
+      <p:sp>
+        <p:nvSpPr>
+          <p:cNvPr id="20" name="TekstSylinder 19"/>
+          <p:cNvSpPr txBox="1"/>
+          <p:nvPr/>
+        </p:nvSpPr>
+        <p:spPr>
+          <a:xfrm>
+            <a:off x="4991388" y="245399"/>
+            <a:ext cx="2144488" cy="246221"/>
+          </a:xfrm>
+          <a:prstGeom prst="rect">
+            <a:avLst/>
+          </a:prstGeom>
+          <a:noFill/>
+        </p:spPr>
+        <p:txBody>
+          <a:bodyPr wrap="square" rtlCol="0">
+            <a:spAutoFit/>
+          </a:bodyPr>
+          <a:lstStyle/>
+          <a:p>
+            <a:r>
+              <a:rPr lang="en-US" sz="1000" dirty="0"/>
+              <a:t>Instans av </a:t>
+            </a:r>
+            <a:r>
+              <a:rPr lang="en-US" sz="1000" dirty="0" smtClean="0"/>
+              <a:t>Gjenstand</a:t>
+            </a:r>
+            <a:endParaRPr lang="en-US" sz="1000" dirty="0"/>
+          </a:p>
+        </p:txBody>
+      </p:sp>
+      <p:grpSp>
+        <p:nvGrpSpPr>
+          <p:cNvPr id="21" name="Gruppe 20"/>
+          <p:cNvGrpSpPr/>
+          <p:nvPr/>
+        </p:nvGrpSpPr>
+        <p:grpSpPr>
+          <a:xfrm>
+            <a:off x="470029" y="1315639"/>
+            <a:ext cx="1021491" cy="609541"/>
+            <a:chOff x="3599935" y="588258"/>
+            <a:chExt cx="1070919" cy="721038"/>
+          </a:xfrm>
+        </p:grpSpPr>
+        <p:sp>
+          <p:nvSpPr>
+            <p:cNvPr id="22" name="Rektangel 21"/>
+            <p:cNvSpPr/>
+            <p:nvPr/>
+          </p:nvSpPr>
+          <p:spPr>
+            <a:xfrm>
+              <a:off x="3599935" y="840259"/>
+              <a:ext cx="782595" cy="214184"/>
+            </a:xfrm>
+            <a:prstGeom prst="rect">
+              <a:avLst/>
+            </a:prstGeom>
+            <a:noFill/>
+          </p:spPr>
+          <p:style>
+            <a:lnRef idx="2">
+              <a:schemeClr val="accent1">
+                <a:shade val="50000"/>
+              </a:schemeClr>
+            </a:lnRef>
+            <a:fillRef idx="1">
+              <a:schemeClr val="accent1"/>
+            </a:fillRef>
+            <a:effectRef idx="0">
+              <a:schemeClr val="accent1"/>
+            </a:effectRef>
+            <a:fontRef idx="minor">
+              <a:schemeClr val="lt1"/>
+            </a:fontRef>
+          </p:style>
+          <p:txBody>
+            <a:bodyPr rtlCol="0" anchor="ctr"/>
+            <a:lstStyle/>
+            <a:p>
+              <a:pPr algn="ctr"/>
+              <a:endParaRPr lang="nb-NO" sz="800" dirty="0"/>
+            </a:p>
+          </p:txBody>
+        </p:sp>
+        <p:sp>
+          <p:nvSpPr>
+            <p:cNvPr id="23" name="TekstSylinder 22"/>
+            <p:cNvSpPr txBox="1"/>
+            <p:nvPr/>
+          </p:nvSpPr>
+          <p:spPr>
+            <a:xfrm>
+              <a:off x="3599935" y="588258"/>
+              <a:ext cx="1070919" cy="254853"/>
+            </a:xfrm>
+            <a:prstGeom prst="rect">
+              <a:avLst/>
+            </a:prstGeom>
+            <a:noFill/>
+          </p:spPr>
+          <p:txBody>
+            <a:bodyPr wrap="square" rtlCol="0">
+              <a:spAutoFit/>
+            </a:bodyPr>
+            <a:lstStyle/>
+            <a:p>
+              <a:r>
+                <a:rPr lang="en-US" sz="800" dirty="0" smtClean="0"/>
+                <a:t>Navn: terreng</a:t>
+              </a:r>
+              <a:endParaRPr lang="nb-NO" sz="800" dirty="0"/>
+            </a:p>
+          </p:txBody>
+        </p:sp>
+        <p:sp>
+          <p:nvSpPr>
+            <p:cNvPr id="24" name="TekstSylinder 23"/>
+            <p:cNvSpPr txBox="1"/>
+            <p:nvPr/>
+          </p:nvSpPr>
+          <p:spPr>
+            <a:xfrm>
+              <a:off x="3599935" y="1054443"/>
+              <a:ext cx="1070919" cy="254853"/>
+            </a:xfrm>
+            <a:prstGeom prst="rect">
+              <a:avLst/>
+            </a:prstGeom>
+            <a:noFill/>
+          </p:spPr>
+          <p:txBody>
+            <a:bodyPr wrap="square" rtlCol="0">
+              <a:spAutoFit/>
+            </a:bodyPr>
+            <a:lstStyle/>
+            <a:p>
+              <a:r>
+                <a:rPr lang="en-US" sz="800" dirty="0" smtClean="0"/>
+                <a:t>Type: Terreng</a:t>
+              </a:r>
+              <a:endParaRPr lang="nb-NO" sz="800" dirty="0"/>
+            </a:p>
+          </p:txBody>
+        </p:sp>
+      </p:grpSp>
+      <p:grpSp>
+        <p:nvGrpSpPr>
+          <p:cNvPr id="25" name="Gruppe 24"/>
+          <p:cNvGrpSpPr/>
+          <p:nvPr/>
+        </p:nvGrpSpPr>
+        <p:grpSpPr>
+          <a:xfrm>
+            <a:off x="5226166" y="1090077"/>
+            <a:ext cx="1021491" cy="609541"/>
+            <a:chOff x="3599935" y="588258"/>
+            <a:chExt cx="1070919" cy="721038"/>
+          </a:xfrm>
+        </p:grpSpPr>
+        <p:sp>
+          <p:nvSpPr>
+            <p:cNvPr id="26" name="Rektangel 25"/>
+            <p:cNvSpPr/>
+            <p:nvPr/>
+          </p:nvSpPr>
+          <p:spPr>
+            <a:xfrm>
+              <a:off x="3599935" y="840259"/>
+              <a:ext cx="782595" cy="214184"/>
+            </a:xfrm>
+            <a:prstGeom prst="rect">
+              <a:avLst/>
+            </a:prstGeom>
+            <a:noFill/>
+          </p:spPr>
+          <p:style>
+            <a:lnRef idx="2">
+              <a:schemeClr val="accent1">
+                <a:shade val="50000"/>
+              </a:schemeClr>
+            </a:lnRef>
+            <a:fillRef idx="1">
+              <a:schemeClr val="accent1"/>
+            </a:fillRef>
+            <a:effectRef idx="0">
+              <a:schemeClr val="accent1"/>
+            </a:effectRef>
+            <a:fontRef idx="minor">
+              <a:schemeClr val="lt1"/>
+            </a:fontRef>
+          </p:style>
+          <p:txBody>
+            <a:bodyPr rtlCol="0" anchor="ctr"/>
+            <a:lstStyle/>
+            <a:p>
+              <a:pPr algn="ctr"/>
+              <a:endParaRPr lang="nb-NO" sz="800" dirty="0"/>
+            </a:p>
+          </p:txBody>
+        </p:sp>
+        <p:sp>
+          <p:nvSpPr>
+            <p:cNvPr id="27" name="TekstSylinder 26"/>
+            <p:cNvSpPr txBox="1"/>
+            <p:nvPr/>
+          </p:nvSpPr>
+          <p:spPr>
+            <a:xfrm>
+              <a:off x="3599935" y="588258"/>
+              <a:ext cx="1070919" cy="254853"/>
+            </a:xfrm>
+            <a:prstGeom prst="rect">
+              <a:avLst/>
+            </a:prstGeom>
+            <a:noFill/>
+          </p:spPr>
+          <p:txBody>
+            <a:bodyPr wrap="square" rtlCol="0">
+              <a:spAutoFit/>
+            </a:bodyPr>
+            <a:lstStyle/>
+            <a:p>
+              <a:r>
+                <a:rPr lang="en-US" sz="800" dirty="0" smtClean="0"/>
+                <a:t>Navn: verdi</a:t>
+              </a:r>
+              <a:endParaRPr lang="nb-NO" sz="800" dirty="0"/>
+            </a:p>
+          </p:txBody>
+        </p:sp>
+        <p:sp>
+          <p:nvSpPr>
+            <p:cNvPr id="28" name="TekstSylinder 27"/>
+            <p:cNvSpPr txBox="1"/>
+            <p:nvPr/>
+          </p:nvSpPr>
+          <p:spPr>
+            <a:xfrm>
+              <a:off x="3599935" y="1054443"/>
+              <a:ext cx="1070919" cy="254853"/>
+            </a:xfrm>
+            <a:prstGeom prst="rect">
+              <a:avLst/>
+            </a:prstGeom>
+            <a:noFill/>
+          </p:spPr>
+          <p:txBody>
+            <a:bodyPr wrap="square" rtlCol="0">
+              <a:spAutoFit/>
+            </a:bodyPr>
+            <a:lstStyle/>
+            <a:p>
+              <a:r>
+                <a:rPr lang="en-US" sz="800" dirty="0" smtClean="0"/>
+                <a:t>Type: int</a:t>
+              </a:r>
+              <a:endParaRPr lang="nb-NO" sz="800" dirty="0"/>
+            </a:p>
+          </p:txBody>
+        </p:sp>
+      </p:grpSp>
+      <p:sp>
+        <p:nvSpPr>
+          <p:cNvPr id="61" name="TekstSylinder 60"/>
+          <p:cNvSpPr txBox="1"/>
+          <p:nvPr/>
+        </p:nvSpPr>
+        <p:spPr>
+          <a:xfrm>
+            <a:off x="7371768" y="868525"/>
+            <a:ext cx="840260" cy="369332"/>
+          </a:xfrm>
+          <a:prstGeom prst="rect">
+            <a:avLst/>
+          </a:prstGeom>
+          <a:noFill/>
+        </p:spPr>
+        <p:txBody>
+          <a:bodyPr wrap="square" rtlCol="0">
+            <a:spAutoFit/>
+          </a:bodyPr>
+          <a:lstStyle/>
+          <a:p>
+            <a:pPr algn="ctr"/>
+            <a:r>
+              <a:rPr lang="en-US" dirty="0" smtClean="0"/>
+              <a:t>…</a:t>
+            </a:r>
+            <a:endParaRPr lang="nb-NO" dirty="0"/>
+          </a:p>
+        </p:txBody>
+      </p:sp>
+      <p:sp>
+        <p:nvSpPr>
+          <p:cNvPr id="67" name="Rektangel 66"/>
+          <p:cNvSpPr/>
+          <p:nvPr/>
+        </p:nvSpPr>
+        <p:spPr>
+          <a:xfrm>
+            <a:off x="343050" y="1254590"/>
+            <a:ext cx="2010034" cy="723950"/>
+          </a:xfrm>
+          <a:prstGeom prst="rect">
+            <a:avLst/>
+          </a:prstGeom>
+          <a:noFill/>
+        </p:spPr>
+        <p:style>
+          <a:lnRef idx="2">
+            <a:schemeClr val="accent1">
+              <a:shade val="50000"/>
+            </a:schemeClr>
+          </a:lnRef>
+          <a:fillRef idx="1">
+            <a:schemeClr val="accent1"/>
+          </a:fillRef>
+          <a:effectRef idx="0">
+            <a:schemeClr val="accent1"/>
+          </a:effectRef>
+          <a:fontRef idx="minor">
+            <a:schemeClr val="lt1"/>
+          </a:fontRef>
+        </p:style>
+        <p:txBody>
+          <a:bodyPr rtlCol="0" anchor="ctr"/>
+          <a:lstStyle/>
+          <a:p>
+            <a:pPr algn="ctr"/>
+            <a:endParaRPr lang="nb-NO" dirty="0"/>
+          </a:p>
+        </p:txBody>
+      </p:sp>
+      <p:sp>
+        <p:nvSpPr>
+          <p:cNvPr id="68" name="TekstSylinder 67"/>
+          <p:cNvSpPr txBox="1"/>
+          <p:nvPr/>
+        </p:nvSpPr>
+        <p:spPr>
+          <a:xfrm>
+            <a:off x="285391" y="1025437"/>
+            <a:ext cx="2010032" cy="215444"/>
+          </a:xfrm>
+          <a:prstGeom prst="rect">
+            <a:avLst/>
+          </a:prstGeom>
+          <a:noFill/>
+        </p:spPr>
+        <p:txBody>
+          <a:bodyPr wrap="square" rtlCol="0">
+            <a:spAutoFit/>
+          </a:bodyPr>
+          <a:lstStyle/>
+          <a:p>
+            <a:r>
+              <a:rPr lang="en-US" sz="800" dirty="0"/>
+              <a:t>public static void main(String[] args</a:t>
+            </a:r>
+            <a:r>
+              <a:rPr lang="en-US" sz="800" dirty="0" smtClean="0"/>
+              <a:t>)</a:t>
+            </a:r>
+            <a:endParaRPr lang="en-US" sz="800" dirty="0"/>
+          </a:p>
+        </p:txBody>
+      </p:sp>
+      <p:cxnSp>
+        <p:nvCxnSpPr>
+          <p:cNvPr id="70" name="Rett linje 69"/>
+          <p:cNvCxnSpPr/>
+          <p:nvPr/>
+        </p:nvCxnSpPr>
+        <p:spPr>
+          <a:xfrm flipH="1">
+            <a:off x="132985" y="1237857"/>
+            <a:ext cx="420130" cy="0"/>
+          </a:xfrm>
+          <a:prstGeom prst="line">
+            <a:avLst/>
+          </a:prstGeom>
+        </p:spPr>
+        <p:style>
+          <a:lnRef idx="1">
+            <a:schemeClr val="accent1"/>
+          </a:lnRef>
+          <a:fillRef idx="0">
+            <a:schemeClr val="accent1"/>
+          </a:fillRef>
+          <a:effectRef idx="0">
+            <a:schemeClr val="accent1"/>
+          </a:effectRef>
+          <a:fontRef idx="minor">
+            <a:schemeClr val="tx1"/>
+          </a:fontRef>
+        </p:style>
+      </p:cxnSp>
+      <p:grpSp>
+        <p:nvGrpSpPr>
+          <p:cNvPr id="71" name="Gruppe 70"/>
+          <p:cNvGrpSpPr/>
+          <p:nvPr/>
+        </p:nvGrpSpPr>
+        <p:grpSpPr>
+          <a:xfrm>
+            <a:off x="5230821" y="493374"/>
+            <a:ext cx="1021491" cy="609541"/>
+            <a:chOff x="3599935" y="588258"/>
+            <a:chExt cx="1070919" cy="721038"/>
+          </a:xfrm>
+        </p:grpSpPr>
+        <p:sp>
+          <p:nvSpPr>
+            <p:cNvPr id="72" name="Rektangel 71"/>
+            <p:cNvSpPr/>
+            <p:nvPr/>
+          </p:nvSpPr>
+          <p:spPr>
+            <a:xfrm>
+              <a:off x="3599935" y="840259"/>
+              <a:ext cx="782595" cy="214184"/>
+            </a:xfrm>
+            <a:prstGeom prst="rect">
+              <a:avLst/>
+            </a:prstGeom>
+            <a:noFill/>
+          </p:spPr>
+          <p:style>
+            <a:lnRef idx="2">
+              <a:schemeClr val="accent1">
+                <a:shade val="50000"/>
+              </a:schemeClr>
+            </a:lnRef>
+            <a:fillRef idx="1">
+              <a:schemeClr val="accent1"/>
+            </a:fillRef>
+            <a:effectRef idx="0">
+              <a:schemeClr val="accent1"/>
+            </a:effectRef>
+            <a:fontRef idx="minor">
+              <a:schemeClr val="lt1"/>
+            </a:fontRef>
+          </p:style>
+          <p:txBody>
+            <a:bodyPr rtlCol="0" anchor="ctr"/>
+            <a:lstStyle/>
+            <a:p>
+              <a:pPr algn="ctr"/>
+              <a:endParaRPr lang="nb-NO" sz="800" dirty="0"/>
+            </a:p>
+          </p:txBody>
+        </p:sp>
+        <p:sp>
+          <p:nvSpPr>
+            <p:cNvPr id="73" name="TekstSylinder 72"/>
+            <p:cNvSpPr txBox="1"/>
+            <p:nvPr/>
+          </p:nvSpPr>
+          <p:spPr>
+            <a:xfrm>
+              <a:off x="3599935" y="588258"/>
+              <a:ext cx="1070919" cy="254853"/>
+            </a:xfrm>
+            <a:prstGeom prst="rect">
+              <a:avLst/>
+            </a:prstGeom>
+            <a:noFill/>
+          </p:spPr>
+          <p:txBody>
+            <a:bodyPr wrap="square" rtlCol="0">
+              <a:spAutoFit/>
+            </a:bodyPr>
+            <a:lstStyle/>
+            <a:p>
+              <a:r>
+                <a:rPr lang="en-US" sz="800" dirty="0" smtClean="0"/>
+                <a:t>Navn: type</a:t>
+              </a:r>
+              <a:endParaRPr lang="nb-NO" sz="800" dirty="0"/>
+            </a:p>
+          </p:txBody>
+        </p:sp>
+        <p:sp>
+          <p:nvSpPr>
+            <p:cNvPr id="74" name="TekstSylinder 73"/>
+            <p:cNvSpPr txBox="1"/>
+            <p:nvPr/>
+          </p:nvSpPr>
+          <p:spPr>
+            <a:xfrm>
+              <a:off x="3599935" y="1054443"/>
+              <a:ext cx="1070919" cy="254853"/>
+            </a:xfrm>
+            <a:prstGeom prst="rect">
+              <a:avLst/>
+            </a:prstGeom>
+            <a:noFill/>
+          </p:spPr>
+          <p:txBody>
+            <a:bodyPr wrap="square" rtlCol="0">
+              <a:spAutoFit/>
+            </a:bodyPr>
+            <a:lstStyle/>
+            <a:p>
+              <a:r>
+                <a:rPr lang="en-US" sz="800" dirty="0" smtClean="0"/>
+                <a:t>Type: String</a:t>
+              </a:r>
+              <a:endParaRPr lang="nb-NO" sz="800" dirty="0"/>
+            </a:p>
+          </p:txBody>
+        </p:sp>
+      </p:grpSp>
+      <p:grpSp>
+        <p:nvGrpSpPr>
+          <p:cNvPr id="75" name="Gruppe 74"/>
+          <p:cNvGrpSpPr/>
+          <p:nvPr/>
+        </p:nvGrpSpPr>
+        <p:grpSpPr>
+          <a:xfrm>
+            <a:off x="1412529" y="1310113"/>
+            <a:ext cx="1021491" cy="609541"/>
+            <a:chOff x="3599935" y="588258"/>
+            <a:chExt cx="1070919" cy="721038"/>
+          </a:xfrm>
+        </p:grpSpPr>
+        <p:sp>
+          <p:nvSpPr>
+            <p:cNvPr id="76" name="Rektangel 75"/>
+            <p:cNvSpPr/>
+            <p:nvPr/>
+          </p:nvSpPr>
+          <p:spPr>
+            <a:xfrm>
+              <a:off x="3599935" y="840259"/>
+              <a:ext cx="782595" cy="214184"/>
+            </a:xfrm>
+            <a:prstGeom prst="rect">
+              <a:avLst/>
+            </a:prstGeom>
+            <a:noFill/>
+          </p:spPr>
+          <p:style>
+            <a:lnRef idx="2">
+              <a:schemeClr val="accent1">
+                <a:shade val="50000"/>
+              </a:schemeClr>
+            </a:lnRef>
+            <a:fillRef idx="1">
+              <a:schemeClr val="accent1"/>
+            </a:fillRef>
+            <a:effectRef idx="0">
+              <a:schemeClr val="accent1"/>
+            </a:effectRef>
+            <a:fontRef idx="minor">
+              <a:schemeClr val="lt1"/>
+            </a:fontRef>
+          </p:style>
+          <p:txBody>
+            <a:bodyPr rtlCol="0" anchor="ctr"/>
+            <a:lstStyle/>
+            <a:p>
+              <a:pPr algn="ctr"/>
+              <a:endParaRPr lang="nb-NO" sz="800" dirty="0"/>
+            </a:p>
+          </p:txBody>
+        </p:sp>
+        <p:sp>
+          <p:nvSpPr>
+            <p:cNvPr id="77" name="TekstSylinder 76"/>
+            <p:cNvSpPr txBox="1"/>
+            <p:nvPr/>
+          </p:nvSpPr>
+          <p:spPr>
+            <a:xfrm>
+              <a:off x="3599935" y="588258"/>
+              <a:ext cx="1070919" cy="254853"/>
+            </a:xfrm>
+            <a:prstGeom prst="rect">
+              <a:avLst/>
+            </a:prstGeom>
+            <a:noFill/>
+          </p:spPr>
+          <p:txBody>
+            <a:bodyPr wrap="square" rtlCol="0">
+              <a:spAutoFit/>
+            </a:bodyPr>
+            <a:lstStyle/>
+            <a:p>
+              <a:r>
+                <a:rPr lang="en-US" sz="800" dirty="0" smtClean="0"/>
+                <a:t>Navn: spiller</a:t>
+              </a:r>
+              <a:endParaRPr lang="nb-NO" sz="800" dirty="0"/>
+            </a:p>
+          </p:txBody>
+        </p:sp>
+        <p:sp>
+          <p:nvSpPr>
+            <p:cNvPr id="78" name="TekstSylinder 77"/>
+            <p:cNvSpPr txBox="1"/>
+            <p:nvPr/>
+          </p:nvSpPr>
+          <p:spPr>
+            <a:xfrm>
+              <a:off x="3599935" y="1054443"/>
+              <a:ext cx="1070919" cy="254853"/>
+            </a:xfrm>
+            <a:prstGeom prst="rect">
+              <a:avLst/>
+            </a:prstGeom>
+            <a:noFill/>
+          </p:spPr>
+          <p:txBody>
+            <a:bodyPr wrap="square" rtlCol="0">
+              <a:spAutoFit/>
+            </a:bodyPr>
+            <a:lstStyle/>
+            <a:p>
+              <a:r>
+                <a:rPr lang="en-US" sz="800" dirty="0" smtClean="0"/>
+                <a:t>Type: Spiller</a:t>
+              </a:r>
+              <a:endParaRPr lang="nb-NO" sz="800" dirty="0"/>
+            </a:p>
+          </p:txBody>
+        </p:sp>
+      </p:grpSp>
+      <p:sp>
+        <p:nvSpPr>
+          <p:cNvPr id="79" name="Avrundet rektangel 78"/>
+          <p:cNvSpPr/>
+          <p:nvPr/>
+        </p:nvSpPr>
+        <p:spPr>
+          <a:xfrm>
+            <a:off x="260178" y="3839408"/>
+            <a:ext cx="2144488" cy="693735"/>
+          </a:xfrm>
+          <a:prstGeom prst="roundRect">
+            <a:avLst/>
+          </a:prstGeom>
+          <a:noFill/>
+        </p:spPr>
+        <p:style>
+          <a:lnRef idx="2">
+            <a:schemeClr val="accent1">
+              <a:shade val="50000"/>
+            </a:schemeClr>
+          </a:lnRef>
+          <a:fillRef idx="1">
+            <a:schemeClr val="accent1"/>
+          </a:fillRef>
+          <a:effectRef idx="0">
+            <a:schemeClr val="accent1"/>
+          </a:effectRef>
+          <a:fontRef idx="minor">
+            <a:schemeClr val="lt1"/>
+          </a:fontRef>
+        </p:style>
+        <p:txBody>
+          <a:bodyPr rtlCol="0" anchor="ctr"/>
+          <a:lstStyle/>
+          <a:p>
+            <a:endParaRPr lang="en-US" sz="1000" dirty="0" smtClean="0">
+              <a:solidFill>
+                <a:schemeClr val="tx1"/>
+              </a:solidFill>
+            </a:endParaRPr>
+          </a:p>
+        </p:txBody>
+      </p:sp>
+      <p:sp>
+        <p:nvSpPr>
+          <p:cNvPr id="80" name="TekstSylinder 79"/>
+          <p:cNvSpPr txBox="1"/>
+          <p:nvPr/>
+        </p:nvSpPr>
+        <p:spPr>
+          <a:xfrm>
+            <a:off x="279820" y="3623964"/>
+            <a:ext cx="2144488" cy="246221"/>
+          </a:xfrm>
+          <a:prstGeom prst="rect">
+            <a:avLst/>
+          </a:prstGeom>
+          <a:noFill/>
+        </p:spPr>
+        <p:txBody>
+          <a:bodyPr wrap="square" rtlCol="0">
+            <a:spAutoFit/>
+          </a:bodyPr>
+          <a:lstStyle/>
+          <a:p>
+            <a:r>
+              <a:rPr lang="en-US" sz="1000" dirty="0"/>
+              <a:t>Instans av </a:t>
+            </a:r>
+            <a:r>
+              <a:rPr lang="en-US" sz="1000" dirty="0" smtClean="0"/>
+              <a:t>Terreng</a:t>
+            </a:r>
+            <a:endParaRPr lang="en-US" sz="1000" dirty="0"/>
+          </a:p>
+        </p:txBody>
+      </p:sp>
+      <p:grpSp>
+        <p:nvGrpSpPr>
+          <p:cNvPr id="96" name="Gruppe 95"/>
+          <p:cNvGrpSpPr/>
+          <p:nvPr/>
+        </p:nvGrpSpPr>
+        <p:grpSpPr>
+          <a:xfrm>
+            <a:off x="1477690" y="3886752"/>
+            <a:ext cx="1021493" cy="609541"/>
+            <a:chOff x="6896511" y="3559237"/>
+            <a:chExt cx="1021493" cy="609541"/>
+          </a:xfrm>
+        </p:grpSpPr>
+        <p:sp>
+          <p:nvSpPr>
+            <p:cNvPr id="89" name="Rektangel 88"/>
+            <p:cNvSpPr/>
+            <p:nvPr/>
+          </p:nvSpPr>
+          <p:spPr>
+            <a:xfrm>
+              <a:off x="6896513" y="3743698"/>
+              <a:ext cx="746475" cy="62249"/>
+            </a:xfrm>
+            <a:prstGeom prst="rect">
+              <a:avLst/>
+            </a:prstGeom>
+            <a:noFill/>
+          </p:spPr>
+          <p:style>
+            <a:lnRef idx="2">
+              <a:schemeClr val="accent1">
+                <a:shade val="50000"/>
+              </a:schemeClr>
+            </a:lnRef>
+            <a:fillRef idx="1">
+              <a:schemeClr val="accent1"/>
+            </a:fillRef>
+            <a:effectRef idx="0">
+              <a:schemeClr val="accent1"/>
+            </a:effectRef>
+            <a:fontRef idx="minor">
+              <a:schemeClr val="lt1"/>
+            </a:fontRef>
+          </p:style>
+          <p:txBody>
+            <a:bodyPr rtlCol="0" anchor="ctr"/>
+            <a:lstStyle/>
+            <a:p>
+              <a:pPr algn="ctr"/>
+              <a:endParaRPr lang="nb-NO" sz="800" dirty="0"/>
+            </a:p>
+          </p:txBody>
+        </p:sp>
+        <p:sp>
+          <p:nvSpPr>
+            <p:cNvPr id="90" name="TekstSylinder 89"/>
+            <p:cNvSpPr txBox="1"/>
+            <p:nvPr/>
+          </p:nvSpPr>
+          <p:spPr>
+            <a:xfrm>
+              <a:off x="6896513" y="3559237"/>
+              <a:ext cx="1021491" cy="215444"/>
+            </a:xfrm>
+            <a:prstGeom prst="rect">
+              <a:avLst/>
+            </a:prstGeom>
+            <a:noFill/>
+          </p:spPr>
+          <p:txBody>
+            <a:bodyPr wrap="square" rtlCol="0">
+              <a:spAutoFit/>
+            </a:bodyPr>
+            <a:lstStyle/>
+            <a:p>
+              <a:r>
+                <a:rPr lang="en-US" sz="800" dirty="0" smtClean="0"/>
+                <a:t>Navn: steder</a:t>
+              </a:r>
+              <a:endParaRPr lang="nb-NO" sz="800" dirty="0"/>
+            </a:p>
+          </p:txBody>
+        </p:sp>
+        <p:sp>
+          <p:nvSpPr>
+            <p:cNvPr id="91" name="TekstSylinder 90"/>
+            <p:cNvSpPr txBox="1"/>
+            <p:nvPr/>
+          </p:nvSpPr>
+          <p:spPr>
+            <a:xfrm>
+              <a:off x="6896513" y="3953334"/>
+              <a:ext cx="1021491" cy="215444"/>
+            </a:xfrm>
+            <a:prstGeom prst="rect">
+              <a:avLst/>
+            </a:prstGeom>
+            <a:noFill/>
+          </p:spPr>
+          <p:txBody>
+            <a:bodyPr wrap="square" rtlCol="0">
+              <a:spAutoFit/>
+            </a:bodyPr>
+            <a:lstStyle/>
+            <a:p>
+              <a:r>
+                <a:rPr lang="en-US" sz="800" dirty="0" smtClean="0"/>
+                <a:t>Type: Sted[]</a:t>
+              </a:r>
+              <a:endParaRPr lang="nb-NO" sz="800" dirty="0"/>
+            </a:p>
+          </p:txBody>
+        </p:sp>
+        <p:sp>
+          <p:nvSpPr>
+            <p:cNvPr id="92" name="Rektangel 91"/>
+            <p:cNvSpPr/>
+            <p:nvPr/>
+          </p:nvSpPr>
+          <p:spPr>
+            <a:xfrm>
+              <a:off x="6896513" y="3805427"/>
+              <a:ext cx="746475" cy="62249"/>
+            </a:xfrm>
+            <a:prstGeom prst="rect">
+              <a:avLst/>
+            </a:prstGeom>
+            <a:noFill/>
+          </p:spPr>
+          <p:style>
+            <a:lnRef idx="2">
+              <a:schemeClr val="accent1">
+                <a:shade val="50000"/>
+              </a:schemeClr>
+            </a:lnRef>
+            <a:fillRef idx="1">
+              <a:schemeClr val="accent1"/>
+            </a:fillRef>
+            <a:effectRef idx="0">
+              <a:schemeClr val="accent1"/>
+            </a:effectRef>
+            <a:fontRef idx="minor">
+              <a:schemeClr val="lt1"/>
+            </a:fontRef>
+          </p:style>
+          <p:txBody>
+            <a:bodyPr rtlCol="0" anchor="ctr"/>
+            <a:lstStyle/>
+            <a:p>
+              <a:pPr algn="ctr"/>
+              <a:endParaRPr lang="nb-NO" sz="800" dirty="0"/>
+            </a:p>
+          </p:txBody>
+        </p:sp>
+        <p:sp>
+          <p:nvSpPr>
+            <p:cNvPr id="93" name="Rektangel 92"/>
+            <p:cNvSpPr/>
+            <p:nvPr/>
+          </p:nvSpPr>
+          <p:spPr>
+            <a:xfrm>
+              <a:off x="6896512" y="3929356"/>
+              <a:ext cx="746475" cy="62249"/>
+            </a:xfrm>
+            <a:prstGeom prst="rect">
+              <a:avLst/>
+            </a:prstGeom>
+            <a:noFill/>
+          </p:spPr>
+          <p:style>
+            <a:lnRef idx="2">
+              <a:schemeClr val="accent1">
+                <a:shade val="50000"/>
+              </a:schemeClr>
+            </a:lnRef>
+            <a:fillRef idx="1">
+              <a:schemeClr val="accent1"/>
+            </a:fillRef>
+            <a:effectRef idx="0">
+              <a:schemeClr val="accent1"/>
+            </a:effectRef>
+            <a:fontRef idx="minor">
+              <a:schemeClr val="lt1"/>
+            </a:fontRef>
+          </p:style>
+          <p:txBody>
+            <a:bodyPr rtlCol="0" anchor="ctr"/>
+            <a:lstStyle/>
+            <a:p>
+              <a:pPr algn="ctr"/>
+              <a:endParaRPr lang="nb-NO" sz="800" dirty="0"/>
+            </a:p>
+          </p:txBody>
+        </p:sp>
+        <p:sp>
+          <p:nvSpPr>
+            <p:cNvPr id="94" name="Rektangel 93"/>
+            <p:cNvSpPr/>
+            <p:nvPr/>
+          </p:nvSpPr>
+          <p:spPr>
+            <a:xfrm>
+              <a:off x="6896511" y="3867341"/>
+              <a:ext cx="746475" cy="62249"/>
+            </a:xfrm>
+            <a:prstGeom prst="rect">
+              <a:avLst/>
+            </a:prstGeom>
+            <a:noFill/>
+          </p:spPr>
+          <p:style>
+            <a:lnRef idx="2">
+              <a:schemeClr val="accent1">
+                <a:shade val="50000"/>
+              </a:schemeClr>
+            </a:lnRef>
+            <a:fillRef idx="1">
+              <a:schemeClr val="accent1"/>
+            </a:fillRef>
+            <a:effectRef idx="0">
+              <a:schemeClr val="accent1"/>
+            </a:effectRef>
+            <a:fontRef idx="minor">
+              <a:schemeClr val="lt1"/>
+            </a:fontRef>
+          </p:style>
+          <p:txBody>
+            <a:bodyPr rtlCol="0" anchor="ctr"/>
+            <a:lstStyle/>
+            <a:p>
+              <a:pPr algn="ctr"/>
+              <a:endParaRPr lang="nb-NO" sz="800" dirty="0"/>
+            </a:p>
+          </p:txBody>
+        </p:sp>
+        <p:sp>
+          <p:nvSpPr>
+            <p:cNvPr id="95" name="TekstSylinder 94"/>
+            <p:cNvSpPr txBox="1"/>
+            <p:nvPr/>
+          </p:nvSpPr>
+          <p:spPr>
+            <a:xfrm>
+              <a:off x="7128426" y="3740157"/>
+              <a:ext cx="207169" cy="369332"/>
+            </a:xfrm>
+            <a:prstGeom prst="rect">
+              <a:avLst/>
+            </a:prstGeom>
+            <a:noFill/>
+          </p:spPr>
+          <p:txBody>
+            <a:bodyPr wrap="square" rtlCol="0">
+              <a:spAutoFit/>
+            </a:bodyPr>
+            <a:lstStyle/>
+            <a:p>
+              <a:endParaRPr lang="nb-NO" dirty="0"/>
+            </a:p>
+          </p:txBody>
+        </p:sp>
+      </p:grpSp>
+      <p:sp>
+        <p:nvSpPr>
+          <p:cNvPr id="97" name="Avrundet rektangel 96"/>
+          <p:cNvSpPr/>
+          <p:nvPr/>
+        </p:nvSpPr>
+        <p:spPr>
+          <a:xfrm>
+            <a:off x="1431269" y="5203787"/>
+            <a:ext cx="2144488" cy="1127844"/>
+          </a:xfrm>
+          <a:prstGeom prst="roundRect">
+            <a:avLst/>
+          </a:prstGeom>
+          <a:noFill/>
+        </p:spPr>
+        <p:style>
+          <a:lnRef idx="2">
+            <a:schemeClr val="accent1">
+              <a:shade val="50000"/>
+            </a:schemeClr>
+          </a:lnRef>
+          <a:fillRef idx="1">
+            <a:schemeClr val="accent1"/>
+          </a:fillRef>
+          <a:effectRef idx="0">
+            <a:schemeClr val="accent1"/>
+          </a:effectRef>
+          <a:fontRef idx="minor">
+            <a:schemeClr val="lt1"/>
+          </a:fontRef>
+        </p:style>
+        <p:txBody>
+          <a:bodyPr rtlCol="0" anchor="ctr"/>
+          <a:lstStyle/>
+          <a:p>
+            <a:endParaRPr lang="en-US" sz="1000" dirty="0" smtClean="0">
+              <a:solidFill>
+                <a:schemeClr val="tx1"/>
+              </a:solidFill>
+            </a:endParaRPr>
+          </a:p>
+        </p:txBody>
+      </p:sp>
+      <p:sp>
+        <p:nvSpPr>
+          <p:cNvPr id="98" name="TekstSylinder 97"/>
+          <p:cNvSpPr txBox="1"/>
+          <p:nvPr/>
+        </p:nvSpPr>
+        <p:spPr>
+          <a:xfrm>
+            <a:off x="1357128" y="4990517"/>
+            <a:ext cx="2144488" cy="246221"/>
+          </a:xfrm>
+          <a:prstGeom prst="rect">
+            <a:avLst/>
+          </a:prstGeom>
+          <a:noFill/>
+        </p:spPr>
+        <p:txBody>
+          <a:bodyPr wrap="square" rtlCol="0">
+            <a:spAutoFit/>
+          </a:bodyPr>
+          <a:lstStyle/>
+          <a:p>
+            <a:r>
+              <a:rPr lang="en-US" sz="1000" dirty="0"/>
+              <a:t>Instans av </a:t>
+            </a:r>
+            <a:r>
+              <a:rPr lang="en-US" sz="1000" dirty="0" smtClean="0"/>
+              <a:t>Sted</a:t>
+            </a:r>
+            <a:endParaRPr lang="en-US" sz="1000" dirty="0"/>
+          </a:p>
+        </p:txBody>
+      </p:sp>
+      <p:sp>
+        <p:nvSpPr>
+          <p:cNvPr id="139" name="TekstSylinder 138"/>
+          <p:cNvSpPr txBox="1"/>
+          <p:nvPr/>
+        </p:nvSpPr>
+        <p:spPr>
+          <a:xfrm>
+            <a:off x="6342921" y="5515582"/>
+            <a:ext cx="647700" cy="369332"/>
+          </a:xfrm>
+          <a:prstGeom prst="rect">
+            <a:avLst/>
+          </a:prstGeom>
+          <a:noFill/>
+        </p:spPr>
+        <p:txBody>
+          <a:bodyPr wrap="square" rtlCol="0">
+            <a:spAutoFit/>
+          </a:bodyPr>
+          <a:lstStyle/>
+          <a:p>
+            <a:pPr algn="ctr"/>
+            <a:r>
+              <a:rPr lang="en-US" dirty="0" smtClean="0"/>
+              <a:t>…</a:t>
+            </a:r>
+            <a:endParaRPr lang="nb-NO" dirty="0"/>
+          </a:p>
+        </p:txBody>
+      </p:sp>
+      <p:sp>
+        <p:nvSpPr>
+          <p:cNvPr id="140" name="Avrundet rektangel 139"/>
+          <p:cNvSpPr/>
+          <p:nvPr/>
+        </p:nvSpPr>
+        <p:spPr>
+          <a:xfrm>
+            <a:off x="3978777" y="5203787"/>
+            <a:ext cx="2144488" cy="1127844"/>
+          </a:xfrm>
+          <a:prstGeom prst="roundRect">
+            <a:avLst/>
+          </a:prstGeom>
+          <a:noFill/>
+        </p:spPr>
+        <p:style>
+          <a:lnRef idx="2">
+            <a:schemeClr val="accent1">
+              <a:shade val="50000"/>
+            </a:schemeClr>
+          </a:lnRef>
+          <a:fillRef idx="1">
+            <a:schemeClr val="accent1"/>
+          </a:fillRef>
+          <a:effectRef idx="0">
+            <a:schemeClr val="accent1"/>
+          </a:effectRef>
+          <a:fontRef idx="minor">
+            <a:schemeClr val="lt1"/>
+          </a:fontRef>
+        </p:style>
+        <p:txBody>
+          <a:bodyPr rtlCol="0" anchor="ctr"/>
+          <a:lstStyle/>
+          <a:p>
+            <a:endParaRPr lang="en-US" sz="1000" dirty="0" smtClean="0">
+              <a:solidFill>
+                <a:schemeClr val="tx1"/>
+              </a:solidFill>
+            </a:endParaRPr>
+          </a:p>
+        </p:txBody>
+      </p:sp>
+      <p:sp>
+        <p:nvSpPr>
+          <p:cNvPr id="141" name="TekstSylinder 140"/>
+          <p:cNvSpPr txBox="1"/>
+          <p:nvPr/>
+        </p:nvSpPr>
+        <p:spPr>
+          <a:xfrm>
+            <a:off x="3904636" y="4990517"/>
+            <a:ext cx="2144488" cy="246221"/>
+          </a:xfrm>
+          <a:prstGeom prst="rect">
+            <a:avLst/>
+          </a:prstGeom>
+          <a:noFill/>
+        </p:spPr>
+        <p:txBody>
+          <a:bodyPr wrap="square" rtlCol="0">
+            <a:spAutoFit/>
+          </a:bodyPr>
+          <a:lstStyle/>
+          <a:p>
+            <a:r>
+              <a:rPr lang="en-US" sz="1000" dirty="0"/>
+              <a:t>Instans av </a:t>
+            </a:r>
+            <a:r>
+              <a:rPr lang="en-US" sz="1000" dirty="0" smtClean="0"/>
+              <a:t>Sted</a:t>
+            </a:r>
+            <a:endParaRPr lang="en-US" sz="1000" dirty="0"/>
+          </a:p>
+        </p:txBody>
+      </p:sp>
+      <p:sp>
+        <p:nvSpPr>
+          <p:cNvPr id="154" name="Avrundet rektangel 153"/>
+          <p:cNvSpPr/>
+          <p:nvPr/>
+        </p:nvSpPr>
+        <p:spPr>
+          <a:xfrm>
+            <a:off x="7161322" y="5167746"/>
+            <a:ext cx="2144488" cy="1127844"/>
+          </a:xfrm>
+          <a:prstGeom prst="roundRect">
+            <a:avLst/>
+          </a:prstGeom>
+          <a:noFill/>
+        </p:spPr>
+        <p:style>
+          <a:lnRef idx="2">
+            <a:schemeClr val="accent1">
+              <a:shade val="50000"/>
+            </a:schemeClr>
+          </a:lnRef>
+          <a:fillRef idx="1">
+            <a:schemeClr val="accent1"/>
+          </a:fillRef>
+          <a:effectRef idx="0">
+            <a:schemeClr val="accent1"/>
+          </a:effectRef>
+          <a:fontRef idx="minor">
+            <a:schemeClr val="lt1"/>
+          </a:fontRef>
+        </p:style>
+        <p:txBody>
+          <a:bodyPr rtlCol="0" anchor="ctr"/>
+          <a:lstStyle/>
+          <a:p>
+            <a:endParaRPr lang="en-US" sz="1000" dirty="0" smtClean="0">
+              <a:solidFill>
+                <a:schemeClr val="tx1"/>
+              </a:solidFill>
+            </a:endParaRPr>
+          </a:p>
+        </p:txBody>
+      </p:sp>
+      <p:sp>
+        <p:nvSpPr>
+          <p:cNvPr id="155" name="TekstSylinder 154"/>
+          <p:cNvSpPr txBox="1"/>
+          <p:nvPr/>
+        </p:nvSpPr>
+        <p:spPr>
+          <a:xfrm>
+            <a:off x="7087181" y="4954476"/>
+            <a:ext cx="2144488" cy="246221"/>
+          </a:xfrm>
+          <a:prstGeom prst="rect">
+            <a:avLst/>
+          </a:prstGeom>
+          <a:noFill/>
+        </p:spPr>
+        <p:txBody>
+          <a:bodyPr wrap="square" rtlCol="0">
+            <a:spAutoFit/>
+          </a:bodyPr>
+          <a:lstStyle/>
+          <a:p>
+            <a:r>
+              <a:rPr lang="en-US" sz="1000" dirty="0"/>
+              <a:t>Instans av </a:t>
+            </a:r>
+            <a:r>
+              <a:rPr lang="en-US" sz="1000" dirty="0" smtClean="0"/>
+              <a:t>Sted</a:t>
+            </a:r>
+            <a:endParaRPr lang="en-US" sz="1000" dirty="0"/>
+          </a:p>
+        </p:txBody>
+      </p:sp>
+      <p:sp>
+        <p:nvSpPr>
+          <p:cNvPr id="168" name="Avrundet rektangel 167"/>
+          <p:cNvSpPr/>
+          <p:nvPr/>
+        </p:nvSpPr>
+        <p:spPr>
+          <a:xfrm>
+            <a:off x="9726407" y="5165186"/>
+            <a:ext cx="2144488" cy="1127844"/>
+          </a:xfrm>
+          <a:prstGeom prst="roundRect">
+            <a:avLst/>
+          </a:prstGeom>
+          <a:noFill/>
+        </p:spPr>
+        <p:style>
+          <a:lnRef idx="2">
+            <a:schemeClr val="accent1">
+              <a:shade val="50000"/>
+            </a:schemeClr>
+          </a:lnRef>
+          <a:fillRef idx="1">
+            <a:schemeClr val="accent1"/>
+          </a:fillRef>
+          <a:effectRef idx="0">
+            <a:schemeClr val="accent1"/>
+          </a:effectRef>
+          <a:fontRef idx="minor">
+            <a:schemeClr val="lt1"/>
+          </a:fontRef>
+        </p:style>
+        <p:txBody>
+          <a:bodyPr rtlCol="0" anchor="ctr"/>
+          <a:lstStyle/>
+          <a:p>
+            <a:endParaRPr lang="en-US" sz="1000" dirty="0" smtClean="0">
+              <a:solidFill>
+                <a:schemeClr val="tx1"/>
+              </a:solidFill>
+            </a:endParaRPr>
+          </a:p>
+        </p:txBody>
+      </p:sp>
+      <p:sp>
+        <p:nvSpPr>
+          <p:cNvPr id="169" name="TekstSylinder 168"/>
+          <p:cNvSpPr txBox="1"/>
+          <p:nvPr/>
+        </p:nvSpPr>
+        <p:spPr>
+          <a:xfrm>
+            <a:off x="9652266" y="4951916"/>
+            <a:ext cx="2144488" cy="246221"/>
+          </a:xfrm>
+          <a:prstGeom prst="rect">
+            <a:avLst/>
+          </a:prstGeom>
+          <a:noFill/>
+        </p:spPr>
+        <p:txBody>
+          <a:bodyPr wrap="square" rtlCol="0">
+            <a:spAutoFit/>
+          </a:bodyPr>
+          <a:lstStyle/>
+          <a:p>
+            <a:r>
+              <a:rPr lang="en-US" sz="1000" dirty="0"/>
+              <a:t>Instans av </a:t>
+            </a:r>
+            <a:r>
+              <a:rPr lang="en-US" sz="1000" dirty="0" smtClean="0"/>
+              <a:t>Sted</a:t>
+            </a:r>
+            <a:endParaRPr lang="en-US" sz="1000" dirty="0"/>
+          </a:p>
+        </p:txBody>
+      </p:sp>
+      <p:grpSp>
+        <p:nvGrpSpPr>
+          <p:cNvPr id="170" name="Gruppe 169"/>
+          <p:cNvGrpSpPr/>
+          <p:nvPr/>
+        </p:nvGrpSpPr>
+        <p:grpSpPr>
+          <a:xfrm>
+            <a:off x="9887661" y="5655761"/>
+            <a:ext cx="1021491" cy="609541"/>
+            <a:chOff x="3599935" y="588258"/>
+            <a:chExt cx="1070919" cy="721038"/>
+          </a:xfrm>
+        </p:grpSpPr>
+        <p:sp>
+          <p:nvSpPr>
+            <p:cNvPr id="171" name="Rektangel 170"/>
+            <p:cNvSpPr/>
+            <p:nvPr/>
+          </p:nvSpPr>
+          <p:spPr>
+            <a:xfrm>
+              <a:off x="3599935" y="840259"/>
+              <a:ext cx="782595" cy="214184"/>
+            </a:xfrm>
+            <a:prstGeom prst="rect">
+              <a:avLst/>
+            </a:prstGeom>
+            <a:noFill/>
+          </p:spPr>
+          <p:style>
+            <a:lnRef idx="2">
+              <a:schemeClr val="accent1">
+                <a:shade val="50000"/>
+              </a:schemeClr>
+            </a:lnRef>
+            <a:fillRef idx="1">
+              <a:schemeClr val="accent1"/>
+            </a:fillRef>
+            <a:effectRef idx="0">
+              <a:schemeClr val="accent1"/>
+            </a:effectRef>
+            <a:fontRef idx="minor">
+              <a:schemeClr val="lt1"/>
+            </a:fontRef>
+          </p:style>
+          <p:txBody>
+            <a:bodyPr rtlCol="0" anchor="ctr"/>
+            <a:lstStyle/>
+            <a:p>
+              <a:pPr algn="ctr"/>
+              <a:endParaRPr lang="nb-NO" sz="800" dirty="0"/>
+            </a:p>
+          </p:txBody>
+        </p:sp>
+        <p:sp>
+          <p:nvSpPr>
+            <p:cNvPr id="172" name="TekstSylinder 171"/>
+            <p:cNvSpPr txBox="1"/>
+            <p:nvPr/>
+          </p:nvSpPr>
+          <p:spPr>
+            <a:xfrm>
+              <a:off x="3599935" y="588258"/>
+              <a:ext cx="1070919" cy="254853"/>
+            </a:xfrm>
+            <a:prstGeom prst="rect">
+              <a:avLst/>
+            </a:prstGeom>
+            <a:noFill/>
+          </p:spPr>
+          <p:txBody>
+            <a:bodyPr wrap="square" rtlCol="0">
+              <a:spAutoFit/>
+            </a:bodyPr>
+            <a:lstStyle/>
+            <a:p>
+              <a:r>
+                <a:rPr lang="en-US" sz="800" dirty="0" smtClean="0"/>
+                <a:t>Navn: beskrivelse</a:t>
+              </a:r>
+              <a:endParaRPr lang="nb-NO" sz="800" dirty="0"/>
+            </a:p>
+          </p:txBody>
+        </p:sp>
+        <p:sp>
+          <p:nvSpPr>
+            <p:cNvPr id="173" name="TekstSylinder 172"/>
+            <p:cNvSpPr txBox="1"/>
+            <p:nvPr/>
+          </p:nvSpPr>
+          <p:spPr>
+            <a:xfrm>
+              <a:off x="3599935" y="1054443"/>
+              <a:ext cx="1070919" cy="254853"/>
+            </a:xfrm>
+            <a:prstGeom prst="rect">
+              <a:avLst/>
+            </a:prstGeom>
+            <a:noFill/>
+          </p:spPr>
+          <p:txBody>
+            <a:bodyPr wrap="square" rtlCol="0">
+              <a:spAutoFit/>
+            </a:bodyPr>
+            <a:lstStyle/>
+            <a:p>
+              <a:r>
+                <a:rPr lang="en-US" sz="800" dirty="0" smtClean="0"/>
+                <a:t>Type: String</a:t>
+              </a:r>
+              <a:endParaRPr lang="nb-NO" sz="800" dirty="0"/>
+            </a:p>
+          </p:txBody>
+        </p:sp>
+      </p:grpSp>
+      <p:grpSp>
+        <p:nvGrpSpPr>
+          <p:cNvPr id="174" name="Gruppe 173"/>
+          <p:cNvGrpSpPr/>
+          <p:nvPr/>
+        </p:nvGrpSpPr>
+        <p:grpSpPr>
+          <a:xfrm>
+            <a:off x="10570476" y="5143555"/>
+            <a:ext cx="1021493" cy="602523"/>
+            <a:chOff x="3599935" y="596560"/>
+            <a:chExt cx="1070921" cy="712736"/>
+          </a:xfrm>
+        </p:grpSpPr>
+        <p:sp>
+          <p:nvSpPr>
+            <p:cNvPr id="175" name="Rektangel 174"/>
+            <p:cNvSpPr/>
+            <p:nvPr/>
+          </p:nvSpPr>
+          <p:spPr>
+            <a:xfrm>
+              <a:off x="3599935" y="840259"/>
+              <a:ext cx="782595" cy="214184"/>
+            </a:xfrm>
+            <a:prstGeom prst="rect">
+              <a:avLst/>
+            </a:prstGeom>
+            <a:noFill/>
+          </p:spPr>
+          <p:style>
+            <a:lnRef idx="2">
+              <a:schemeClr val="accent1">
+                <a:shade val="50000"/>
+              </a:schemeClr>
+            </a:lnRef>
+            <a:fillRef idx="1">
+              <a:schemeClr val="accent1"/>
+            </a:fillRef>
+            <a:effectRef idx="0">
+              <a:schemeClr val="accent1"/>
+            </a:effectRef>
+            <a:fontRef idx="minor">
+              <a:schemeClr val="lt1"/>
+            </a:fontRef>
+          </p:style>
+          <p:txBody>
+            <a:bodyPr rtlCol="0" anchor="ctr"/>
+            <a:lstStyle/>
+            <a:p>
+              <a:pPr algn="ctr"/>
+              <a:endParaRPr lang="nb-NO" sz="800" dirty="0"/>
+            </a:p>
+          </p:txBody>
+        </p:sp>
+        <p:sp>
+          <p:nvSpPr>
+            <p:cNvPr id="176" name="TekstSylinder 175"/>
+            <p:cNvSpPr txBox="1"/>
+            <p:nvPr/>
+          </p:nvSpPr>
+          <p:spPr>
+            <a:xfrm>
+              <a:off x="3599935" y="596560"/>
+              <a:ext cx="1070919" cy="254853"/>
+            </a:xfrm>
+            <a:prstGeom prst="rect">
+              <a:avLst/>
+            </a:prstGeom>
+            <a:noFill/>
+          </p:spPr>
+          <p:txBody>
+            <a:bodyPr wrap="square" rtlCol="0">
+              <a:spAutoFit/>
+            </a:bodyPr>
+            <a:lstStyle/>
+            <a:p>
+              <a:r>
+                <a:rPr lang="en-US" sz="800" dirty="0" smtClean="0"/>
+                <a:t>Navn: kiste</a:t>
+              </a:r>
+              <a:endParaRPr lang="nb-NO" sz="800" dirty="0"/>
+            </a:p>
+          </p:txBody>
+        </p:sp>
+        <p:sp>
+          <p:nvSpPr>
+            <p:cNvPr id="177" name="TekstSylinder 176"/>
+            <p:cNvSpPr txBox="1"/>
+            <p:nvPr/>
+          </p:nvSpPr>
+          <p:spPr>
+            <a:xfrm>
+              <a:off x="3599937" y="1054443"/>
+              <a:ext cx="1070919" cy="254853"/>
+            </a:xfrm>
+            <a:prstGeom prst="rect">
+              <a:avLst/>
+            </a:prstGeom>
+            <a:noFill/>
+          </p:spPr>
+          <p:txBody>
+            <a:bodyPr wrap="square" rtlCol="0">
+              <a:spAutoFit/>
+            </a:bodyPr>
+            <a:lstStyle/>
+            <a:p>
+              <a:r>
+                <a:rPr lang="en-US" sz="800" dirty="0" smtClean="0"/>
+                <a:t>Type: Skattkiste</a:t>
+              </a:r>
+              <a:endParaRPr lang="nb-NO" sz="800" dirty="0"/>
+            </a:p>
+          </p:txBody>
+        </p:sp>
+      </p:grpSp>
+      <p:grpSp>
+        <p:nvGrpSpPr>
+          <p:cNvPr id="178" name="Gruppe 177"/>
+          <p:cNvGrpSpPr/>
+          <p:nvPr/>
+        </p:nvGrpSpPr>
+        <p:grpSpPr>
+          <a:xfrm>
+            <a:off x="10898360" y="5690507"/>
+            <a:ext cx="1021493" cy="602523"/>
+            <a:chOff x="3599935" y="596560"/>
+            <a:chExt cx="1070921" cy="712736"/>
+          </a:xfrm>
+        </p:grpSpPr>
+        <p:sp>
+          <p:nvSpPr>
+            <p:cNvPr id="179" name="Rektangel 178"/>
+            <p:cNvSpPr/>
+            <p:nvPr/>
+          </p:nvSpPr>
+          <p:spPr>
+            <a:xfrm>
+              <a:off x="3599935" y="840259"/>
+              <a:ext cx="782595" cy="214184"/>
+            </a:xfrm>
+            <a:prstGeom prst="rect">
+              <a:avLst/>
+            </a:prstGeom>
+            <a:noFill/>
+          </p:spPr>
+          <p:style>
+            <a:lnRef idx="2">
+              <a:schemeClr val="accent1">
+                <a:shade val="50000"/>
+              </a:schemeClr>
+            </a:lnRef>
+            <a:fillRef idx="1">
+              <a:schemeClr val="accent1"/>
+            </a:fillRef>
+            <a:effectRef idx="0">
+              <a:schemeClr val="accent1"/>
+            </a:effectRef>
+            <a:fontRef idx="minor">
+              <a:schemeClr val="lt1"/>
+            </a:fontRef>
+          </p:style>
+          <p:txBody>
+            <a:bodyPr rtlCol="0" anchor="ctr"/>
+            <a:lstStyle/>
+            <a:p>
+              <a:pPr algn="ctr"/>
+              <a:endParaRPr lang="nb-NO" sz="800" dirty="0"/>
+            </a:p>
+          </p:txBody>
+        </p:sp>
+        <p:sp>
+          <p:nvSpPr>
+            <p:cNvPr id="180" name="TekstSylinder 179"/>
+            <p:cNvSpPr txBox="1"/>
+            <p:nvPr/>
+          </p:nvSpPr>
+          <p:spPr>
+            <a:xfrm>
+              <a:off x="3599935" y="596560"/>
+              <a:ext cx="1070919" cy="254853"/>
+            </a:xfrm>
+            <a:prstGeom prst="rect">
+              <a:avLst/>
+            </a:prstGeom>
+            <a:noFill/>
+          </p:spPr>
+          <p:txBody>
+            <a:bodyPr wrap="square" rtlCol="0">
+              <a:spAutoFit/>
+            </a:bodyPr>
+            <a:lstStyle/>
+            <a:p>
+              <a:r>
+                <a:rPr lang="en-US" sz="800" dirty="0" smtClean="0"/>
+                <a:t>Navn: nesteSted</a:t>
+              </a:r>
+              <a:endParaRPr lang="nb-NO" sz="800" dirty="0"/>
+            </a:p>
+          </p:txBody>
+        </p:sp>
+        <p:sp>
+          <p:nvSpPr>
+            <p:cNvPr id="181" name="TekstSylinder 180"/>
+            <p:cNvSpPr txBox="1"/>
+            <p:nvPr/>
+          </p:nvSpPr>
+          <p:spPr>
+            <a:xfrm>
+              <a:off x="3599937" y="1054443"/>
+              <a:ext cx="1070919" cy="254853"/>
+            </a:xfrm>
+            <a:prstGeom prst="rect">
+              <a:avLst/>
+            </a:prstGeom>
+            <a:noFill/>
+          </p:spPr>
+          <p:txBody>
+            <a:bodyPr wrap="square" rtlCol="0">
+              <a:spAutoFit/>
+            </a:bodyPr>
+            <a:lstStyle/>
+            <a:p>
+              <a:r>
+                <a:rPr lang="en-US" sz="800" dirty="0" smtClean="0"/>
+                <a:t>Type: Sted</a:t>
+              </a:r>
+              <a:endParaRPr lang="nb-NO" sz="800" dirty="0"/>
+            </a:p>
+          </p:txBody>
+        </p:sp>
+      </p:grpSp>
+      <p:sp>
+        <p:nvSpPr>
+          <p:cNvPr id="194" name="Avrundet rektangel 193"/>
+          <p:cNvSpPr/>
+          <p:nvPr/>
+        </p:nvSpPr>
+        <p:spPr>
+          <a:xfrm>
+            <a:off x="8546394" y="2662912"/>
+            <a:ext cx="2144488" cy="1116237"/>
+          </a:xfrm>
+          <a:prstGeom prst="roundRect">
+            <a:avLst/>
+          </a:prstGeom>
+          <a:noFill/>
+        </p:spPr>
+        <p:style>
+          <a:lnRef idx="2">
+            <a:schemeClr val="accent1">
+              <a:shade val="50000"/>
+            </a:schemeClr>
+          </a:lnRef>
+          <a:fillRef idx="1">
+            <a:schemeClr val="accent1"/>
+          </a:fillRef>
+          <a:effectRef idx="0">
+            <a:schemeClr val="accent1"/>
+          </a:effectRef>
+          <a:fontRef idx="minor">
+            <a:schemeClr val="lt1"/>
+          </a:fontRef>
+        </p:style>
+        <p:txBody>
+          <a:bodyPr rtlCol="0" anchor="ctr"/>
+          <a:lstStyle/>
+          <a:p>
+            <a:endParaRPr lang="en-US" sz="1000" dirty="0" smtClean="0">
+              <a:solidFill>
+                <a:schemeClr val="tx1"/>
+              </a:solidFill>
+            </a:endParaRPr>
+          </a:p>
+        </p:txBody>
+      </p:sp>
+      <p:sp>
+        <p:nvSpPr>
+          <p:cNvPr id="226" name="TekstSylinder 225"/>
+          <p:cNvSpPr txBox="1"/>
+          <p:nvPr/>
+        </p:nvSpPr>
+        <p:spPr>
+          <a:xfrm>
+            <a:off x="8515292" y="2440669"/>
+            <a:ext cx="2144488" cy="246221"/>
+          </a:xfrm>
+          <a:prstGeom prst="rect">
+            <a:avLst/>
+          </a:prstGeom>
+          <a:noFill/>
+        </p:spPr>
+        <p:txBody>
+          <a:bodyPr wrap="square" rtlCol="0">
+            <a:spAutoFit/>
+          </a:bodyPr>
+          <a:lstStyle/>
+          <a:p>
+            <a:r>
+              <a:rPr lang="en-US" sz="1000" dirty="0"/>
+              <a:t>Instans av </a:t>
+            </a:r>
+            <a:r>
+              <a:rPr lang="en-US" sz="1000" dirty="0" smtClean="0"/>
+              <a:t>Skattkiste</a:t>
+            </a:r>
+            <a:endParaRPr lang="en-US" sz="1000" dirty="0"/>
+          </a:p>
+        </p:txBody>
+      </p:sp>
+      <p:grpSp>
+        <p:nvGrpSpPr>
+          <p:cNvPr id="231" name="Gruppe 230"/>
+          <p:cNvGrpSpPr/>
+          <p:nvPr/>
+        </p:nvGrpSpPr>
+        <p:grpSpPr>
+          <a:xfrm>
+            <a:off x="8739443" y="2772962"/>
+            <a:ext cx="1322991" cy="655654"/>
+            <a:chOff x="6889658" y="3559237"/>
+            <a:chExt cx="1322991" cy="655654"/>
+          </a:xfrm>
+        </p:grpSpPr>
+        <p:sp>
+          <p:nvSpPr>
+            <p:cNvPr id="232" name="Rektangel 231"/>
+            <p:cNvSpPr/>
+            <p:nvPr/>
+          </p:nvSpPr>
+          <p:spPr>
+            <a:xfrm>
+              <a:off x="6896513" y="3743698"/>
+              <a:ext cx="746475" cy="62249"/>
+            </a:xfrm>
+            <a:prstGeom prst="rect">
+              <a:avLst/>
+            </a:prstGeom>
+            <a:noFill/>
+          </p:spPr>
+          <p:style>
+            <a:lnRef idx="2">
+              <a:schemeClr val="accent1">
+                <a:shade val="50000"/>
+              </a:schemeClr>
+            </a:lnRef>
+            <a:fillRef idx="1">
+              <a:schemeClr val="accent1"/>
+            </a:fillRef>
+            <a:effectRef idx="0">
+              <a:schemeClr val="accent1"/>
+            </a:effectRef>
+            <a:fontRef idx="minor">
+              <a:schemeClr val="lt1"/>
+            </a:fontRef>
+          </p:style>
+          <p:txBody>
+            <a:bodyPr rtlCol="0" anchor="ctr"/>
+            <a:lstStyle/>
+            <a:p>
+              <a:pPr algn="ctr"/>
+              <a:endParaRPr lang="nb-NO" sz="800" dirty="0"/>
+            </a:p>
+          </p:txBody>
+        </p:sp>
+        <p:sp>
+          <p:nvSpPr>
+            <p:cNvPr id="233" name="TekstSylinder 232"/>
+            <p:cNvSpPr txBox="1"/>
+            <p:nvPr/>
+          </p:nvSpPr>
+          <p:spPr>
+            <a:xfrm>
+              <a:off x="6896513" y="3559237"/>
+              <a:ext cx="1021491" cy="215444"/>
+            </a:xfrm>
+            <a:prstGeom prst="rect">
+              <a:avLst/>
+            </a:prstGeom>
+            <a:noFill/>
+          </p:spPr>
+          <p:txBody>
+            <a:bodyPr wrap="square" rtlCol="0">
+              <a:spAutoFit/>
+            </a:bodyPr>
+            <a:lstStyle/>
+            <a:p>
+              <a:r>
+                <a:rPr lang="en-US" sz="800" dirty="0" smtClean="0"/>
+                <a:t>Navn: innhold</a:t>
+              </a:r>
+              <a:endParaRPr lang="nb-NO" sz="800" dirty="0"/>
+            </a:p>
+          </p:txBody>
+        </p:sp>
+        <p:sp>
+          <p:nvSpPr>
+            <p:cNvPr id="234" name="TekstSylinder 233"/>
+            <p:cNvSpPr txBox="1"/>
+            <p:nvPr/>
+          </p:nvSpPr>
+          <p:spPr>
+            <a:xfrm>
+              <a:off x="6889658" y="3876337"/>
+              <a:ext cx="1322991" cy="338554"/>
+            </a:xfrm>
+            <a:prstGeom prst="rect">
+              <a:avLst/>
+            </a:prstGeom>
+            <a:noFill/>
+          </p:spPr>
+          <p:txBody>
+            <a:bodyPr wrap="square" rtlCol="0">
+              <a:spAutoFit/>
+            </a:bodyPr>
+            <a:lstStyle/>
+            <a:p>
+              <a:r>
+                <a:rPr lang="en-US" sz="800" dirty="0" smtClean="0"/>
+                <a:t>Type: ArrayList&lt;Gjenstand&gt;</a:t>
+              </a:r>
+              <a:endParaRPr lang="nb-NO" sz="800" dirty="0"/>
+            </a:p>
+          </p:txBody>
+        </p:sp>
+        <p:sp>
+          <p:nvSpPr>
+            <p:cNvPr id="236" name="Rektangel 235"/>
+            <p:cNvSpPr/>
+            <p:nvPr/>
+          </p:nvSpPr>
+          <p:spPr>
+            <a:xfrm>
+              <a:off x="6896512" y="3805531"/>
+              <a:ext cx="746475" cy="62249"/>
+            </a:xfrm>
+            <a:prstGeom prst="rect">
+              <a:avLst/>
+            </a:prstGeom>
+            <a:noFill/>
+          </p:spPr>
+          <p:style>
+            <a:lnRef idx="2">
+              <a:schemeClr val="accent1">
+                <a:shade val="50000"/>
+              </a:schemeClr>
+            </a:lnRef>
+            <a:fillRef idx="1">
+              <a:schemeClr val="accent1"/>
+            </a:fillRef>
+            <a:effectRef idx="0">
+              <a:schemeClr val="accent1"/>
+            </a:effectRef>
+            <a:fontRef idx="minor">
+              <a:schemeClr val="lt1"/>
+            </a:fontRef>
+          </p:style>
+          <p:txBody>
+            <a:bodyPr rtlCol="0" anchor="ctr"/>
+            <a:lstStyle/>
+            <a:p>
+              <a:pPr algn="ctr"/>
+              <a:endParaRPr lang="nb-NO" sz="800" dirty="0"/>
+            </a:p>
+          </p:txBody>
+        </p:sp>
+        <p:sp>
+          <p:nvSpPr>
+            <p:cNvPr id="238" name="TekstSylinder 237"/>
+            <p:cNvSpPr txBox="1"/>
+            <p:nvPr/>
+          </p:nvSpPr>
+          <p:spPr>
+            <a:xfrm>
+              <a:off x="7128426" y="3740157"/>
+              <a:ext cx="207169" cy="369332"/>
+            </a:xfrm>
+            <a:prstGeom prst="rect">
+              <a:avLst/>
+            </a:prstGeom>
+            <a:noFill/>
+          </p:spPr>
+          <p:txBody>
+            <a:bodyPr wrap="square" rtlCol="0">
+              <a:spAutoFit/>
+            </a:bodyPr>
+            <a:lstStyle/>
+            <a:p>
+              <a:endParaRPr lang="nb-NO" dirty="0"/>
+            </a:p>
+          </p:txBody>
+        </p:sp>
+      </p:grpSp>
+      <p:sp>
+        <p:nvSpPr>
+          <p:cNvPr id="245" name="Avrundet rektangel 244"/>
+          <p:cNvSpPr/>
+          <p:nvPr/>
+        </p:nvSpPr>
+        <p:spPr>
+          <a:xfrm>
+            <a:off x="2457934" y="2473350"/>
+            <a:ext cx="2144488" cy="1127844"/>
+          </a:xfrm>
+          <a:prstGeom prst="roundRect">
+            <a:avLst/>
+          </a:prstGeom>
+          <a:noFill/>
+        </p:spPr>
+        <p:style>
+          <a:lnRef idx="2">
+            <a:schemeClr val="accent1">
+              <a:shade val="50000"/>
+            </a:schemeClr>
+          </a:lnRef>
+          <a:fillRef idx="1">
+            <a:schemeClr val="accent1"/>
+          </a:fillRef>
+          <a:effectRef idx="0">
+            <a:schemeClr val="accent1"/>
+          </a:effectRef>
+          <a:fontRef idx="minor">
+            <a:schemeClr val="lt1"/>
+          </a:fontRef>
+        </p:style>
+        <p:txBody>
+          <a:bodyPr rtlCol="0" anchor="ctr"/>
+          <a:lstStyle/>
+          <a:p>
+            <a:endParaRPr lang="en-US" sz="1000" dirty="0" smtClean="0">
+              <a:solidFill>
+                <a:schemeClr val="tx1"/>
+              </a:solidFill>
+            </a:endParaRPr>
+          </a:p>
+        </p:txBody>
+      </p:sp>
+      <p:sp>
+        <p:nvSpPr>
+          <p:cNvPr id="246" name="TekstSylinder 245"/>
+          <p:cNvSpPr txBox="1"/>
+          <p:nvPr/>
+        </p:nvSpPr>
+        <p:spPr>
+          <a:xfrm>
+            <a:off x="2383793" y="2260080"/>
+            <a:ext cx="2144488" cy="246221"/>
+          </a:xfrm>
+          <a:prstGeom prst="rect">
+            <a:avLst/>
+          </a:prstGeom>
+          <a:noFill/>
+        </p:spPr>
+        <p:txBody>
+          <a:bodyPr wrap="square" rtlCol="0">
+            <a:spAutoFit/>
+          </a:bodyPr>
+          <a:lstStyle/>
+          <a:p>
+            <a:r>
+              <a:rPr lang="en-US" sz="1000" dirty="0"/>
+              <a:t>Instans av </a:t>
+            </a:r>
+            <a:r>
+              <a:rPr lang="en-US" sz="1000" dirty="0" smtClean="0"/>
+              <a:t>Spiller</a:t>
+            </a:r>
+            <a:endParaRPr lang="en-US" sz="1000" dirty="0"/>
+          </a:p>
+        </p:txBody>
+      </p:sp>
+      <p:grpSp>
+        <p:nvGrpSpPr>
+          <p:cNvPr id="247" name="Gruppe 246"/>
+          <p:cNvGrpSpPr/>
+          <p:nvPr/>
+        </p:nvGrpSpPr>
+        <p:grpSpPr>
+          <a:xfrm>
+            <a:off x="3135524" y="2493598"/>
+            <a:ext cx="1021491" cy="609541"/>
+            <a:chOff x="3599935" y="588258"/>
+            <a:chExt cx="1070919" cy="721038"/>
+          </a:xfrm>
+        </p:grpSpPr>
+        <p:sp>
+          <p:nvSpPr>
+            <p:cNvPr id="248" name="Rektangel 247"/>
+            <p:cNvSpPr/>
+            <p:nvPr/>
+          </p:nvSpPr>
+          <p:spPr>
+            <a:xfrm>
+              <a:off x="3599935" y="840259"/>
+              <a:ext cx="782595" cy="214184"/>
+            </a:xfrm>
+            <a:prstGeom prst="rect">
+              <a:avLst/>
+            </a:prstGeom>
+            <a:noFill/>
+          </p:spPr>
+          <p:style>
+            <a:lnRef idx="2">
+              <a:schemeClr val="accent1">
+                <a:shade val="50000"/>
+              </a:schemeClr>
+            </a:lnRef>
+            <a:fillRef idx="1">
+              <a:schemeClr val="accent1"/>
+            </a:fillRef>
+            <a:effectRef idx="0">
+              <a:schemeClr val="accent1"/>
+            </a:effectRef>
+            <a:fontRef idx="minor">
+              <a:schemeClr val="lt1"/>
+            </a:fontRef>
+          </p:style>
+          <p:txBody>
+            <a:bodyPr rtlCol="0" anchor="ctr"/>
+            <a:lstStyle/>
+            <a:p>
+              <a:pPr algn="ctr"/>
+              <a:endParaRPr lang="nb-NO" sz="800" dirty="0"/>
+            </a:p>
+          </p:txBody>
+        </p:sp>
+        <p:sp>
+          <p:nvSpPr>
+            <p:cNvPr id="249" name="TekstSylinder 248"/>
+            <p:cNvSpPr txBox="1"/>
+            <p:nvPr/>
+          </p:nvSpPr>
+          <p:spPr>
+            <a:xfrm>
+              <a:off x="3599935" y="588258"/>
+              <a:ext cx="1070919" cy="254853"/>
+            </a:xfrm>
+            <a:prstGeom prst="rect">
+              <a:avLst/>
+            </a:prstGeom>
+            <a:noFill/>
+          </p:spPr>
+          <p:txBody>
+            <a:bodyPr wrap="square" rtlCol="0">
+              <a:spAutoFit/>
+            </a:bodyPr>
+            <a:lstStyle/>
+            <a:p>
+              <a:r>
+                <a:rPr lang="en-US" sz="800" dirty="0" smtClean="0"/>
+                <a:t>Navn: ryggsekk</a:t>
+              </a:r>
+              <a:endParaRPr lang="nb-NO" sz="800" dirty="0"/>
+            </a:p>
+          </p:txBody>
+        </p:sp>
+        <p:sp>
+          <p:nvSpPr>
+            <p:cNvPr id="250" name="TekstSylinder 249"/>
+            <p:cNvSpPr txBox="1"/>
+            <p:nvPr/>
+          </p:nvSpPr>
+          <p:spPr>
+            <a:xfrm>
+              <a:off x="3599935" y="1054443"/>
+              <a:ext cx="1070919" cy="254853"/>
+            </a:xfrm>
+            <a:prstGeom prst="rect">
+              <a:avLst/>
+            </a:prstGeom>
+            <a:noFill/>
+          </p:spPr>
+          <p:txBody>
+            <a:bodyPr wrap="square" rtlCol="0">
+              <a:spAutoFit/>
+            </a:bodyPr>
+            <a:lstStyle/>
+            <a:p>
+              <a:r>
+                <a:rPr lang="en-US" sz="800" dirty="0" smtClean="0"/>
+                <a:t>Type: Skattkiste</a:t>
+              </a:r>
+              <a:endParaRPr lang="nb-NO" sz="800" dirty="0"/>
+            </a:p>
+          </p:txBody>
+        </p:sp>
+      </p:grpSp>
+      <p:grpSp>
+        <p:nvGrpSpPr>
+          <p:cNvPr id="251" name="Gruppe 250"/>
+          <p:cNvGrpSpPr/>
+          <p:nvPr/>
+        </p:nvGrpSpPr>
+        <p:grpSpPr>
+          <a:xfrm>
+            <a:off x="2623802" y="2987063"/>
+            <a:ext cx="1021493" cy="602523"/>
+            <a:chOff x="3599935" y="596560"/>
+            <a:chExt cx="1070921" cy="712736"/>
+          </a:xfrm>
+        </p:grpSpPr>
+        <p:sp>
+          <p:nvSpPr>
+            <p:cNvPr id="252" name="Rektangel 251"/>
+            <p:cNvSpPr/>
+            <p:nvPr/>
+          </p:nvSpPr>
+          <p:spPr>
+            <a:xfrm>
+              <a:off x="3599935" y="840259"/>
+              <a:ext cx="782595" cy="214184"/>
+            </a:xfrm>
+            <a:prstGeom prst="rect">
+              <a:avLst/>
+            </a:prstGeom>
+            <a:noFill/>
+          </p:spPr>
+          <p:style>
+            <a:lnRef idx="2">
+              <a:schemeClr val="accent1">
+                <a:shade val="50000"/>
+              </a:schemeClr>
+            </a:lnRef>
+            <a:fillRef idx="1">
+              <a:schemeClr val="accent1"/>
+            </a:fillRef>
+            <a:effectRef idx="0">
+              <a:schemeClr val="accent1"/>
+            </a:effectRef>
+            <a:fontRef idx="minor">
+              <a:schemeClr val="lt1"/>
+            </a:fontRef>
+          </p:style>
+          <p:txBody>
+            <a:bodyPr rtlCol="0" anchor="ctr"/>
+            <a:lstStyle/>
+            <a:p>
+              <a:pPr algn="ctr"/>
+              <a:endParaRPr lang="nb-NO" sz="800" dirty="0"/>
+            </a:p>
+          </p:txBody>
+        </p:sp>
+        <p:sp>
+          <p:nvSpPr>
+            <p:cNvPr id="253" name="TekstSylinder 252"/>
+            <p:cNvSpPr txBox="1"/>
+            <p:nvPr/>
+          </p:nvSpPr>
+          <p:spPr>
+            <a:xfrm>
+              <a:off x="3599935" y="596560"/>
+              <a:ext cx="1070919" cy="254853"/>
+            </a:xfrm>
+            <a:prstGeom prst="rect">
+              <a:avLst/>
+            </a:prstGeom>
+            <a:noFill/>
+          </p:spPr>
+          <p:txBody>
+            <a:bodyPr wrap="square" rtlCol="0">
+              <a:spAutoFit/>
+            </a:bodyPr>
+            <a:lstStyle/>
+            <a:p>
+              <a:r>
+                <a:rPr lang="en-US" sz="800" dirty="0" smtClean="0"/>
+                <a:t>Navn: navn</a:t>
+              </a:r>
+              <a:endParaRPr lang="nb-NO" sz="800" dirty="0"/>
+            </a:p>
+          </p:txBody>
+        </p:sp>
+        <p:sp>
+          <p:nvSpPr>
+            <p:cNvPr id="254" name="TekstSylinder 253"/>
+            <p:cNvSpPr txBox="1"/>
+            <p:nvPr/>
+          </p:nvSpPr>
+          <p:spPr>
+            <a:xfrm>
+              <a:off x="3599937" y="1054443"/>
+              <a:ext cx="1070919" cy="254853"/>
+            </a:xfrm>
+            <a:prstGeom prst="rect">
+              <a:avLst/>
+            </a:prstGeom>
+            <a:noFill/>
+          </p:spPr>
+          <p:txBody>
+            <a:bodyPr wrap="square" rtlCol="0">
+              <a:spAutoFit/>
+            </a:bodyPr>
+            <a:lstStyle/>
+            <a:p>
+              <a:r>
+                <a:rPr lang="en-US" sz="800" dirty="0" smtClean="0"/>
+                <a:t>Type: String</a:t>
+              </a:r>
+              <a:endParaRPr lang="nb-NO" sz="800" dirty="0"/>
+            </a:p>
+          </p:txBody>
+        </p:sp>
+      </p:grpSp>
+      <p:grpSp>
+        <p:nvGrpSpPr>
+          <p:cNvPr id="255" name="Gruppe 254"/>
+          <p:cNvGrpSpPr/>
+          <p:nvPr/>
+        </p:nvGrpSpPr>
+        <p:grpSpPr>
+          <a:xfrm>
+            <a:off x="3629887" y="2998671"/>
+            <a:ext cx="1021493" cy="602523"/>
+            <a:chOff x="3599935" y="596560"/>
+            <a:chExt cx="1070921" cy="712736"/>
+          </a:xfrm>
+        </p:grpSpPr>
+        <p:sp>
+          <p:nvSpPr>
+            <p:cNvPr id="256" name="Rektangel 255"/>
+            <p:cNvSpPr/>
+            <p:nvPr/>
+          </p:nvSpPr>
+          <p:spPr>
+            <a:xfrm>
+              <a:off x="3599935" y="840259"/>
+              <a:ext cx="782595" cy="214184"/>
+            </a:xfrm>
+            <a:prstGeom prst="rect">
+              <a:avLst/>
+            </a:prstGeom>
+            <a:noFill/>
+          </p:spPr>
+          <p:style>
+            <a:lnRef idx="2">
+              <a:schemeClr val="accent1">
+                <a:shade val="50000"/>
+              </a:schemeClr>
+            </a:lnRef>
+            <a:fillRef idx="1">
+              <a:schemeClr val="accent1"/>
+            </a:fillRef>
+            <a:effectRef idx="0">
+              <a:schemeClr val="accent1"/>
+            </a:effectRef>
+            <a:fontRef idx="minor">
+              <a:schemeClr val="lt1"/>
+            </a:fontRef>
+          </p:style>
+          <p:txBody>
+            <a:bodyPr rtlCol="0" anchor="ctr"/>
+            <a:lstStyle/>
+            <a:p>
+              <a:pPr algn="ctr"/>
+              <a:endParaRPr lang="nb-NO" sz="800" dirty="0"/>
+            </a:p>
+          </p:txBody>
+        </p:sp>
+        <p:sp>
+          <p:nvSpPr>
+            <p:cNvPr id="257" name="TekstSylinder 256"/>
+            <p:cNvSpPr txBox="1"/>
+            <p:nvPr/>
+          </p:nvSpPr>
+          <p:spPr>
+            <a:xfrm>
+              <a:off x="3599935" y="596560"/>
+              <a:ext cx="1070919" cy="254853"/>
+            </a:xfrm>
+            <a:prstGeom prst="rect">
+              <a:avLst/>
+            </a:prstGeom>
+            <a:noFill/>
+          </p:spPr>
+          <p:txBody>
+            <a:bodyPr wrap="square" rtlCol="0">
+              <a:spAutoFit/>
+            </a:bodyPr>
+            <a:lstStyle/>
+            <a:p>
+              <a:r>
+                <a:rPr lang="en-US" sz="800" dirty="0" smtClean="0"/>
+                <a:t>Navn: her</a:t>
+              </a:r>
+              <a:endParaRPr lang="nb-NO" sz="800" dirty="0"/>
+            </a:p>
+          </p:txBody>
+        </p:sp>
+        <p:sp>
+          <p:nvSpPr>
+            <p:cNvPr id="258" name="TekstSylinder 257"/>
+            <p:cNvSpPr txBox="1"/>
+            <p:nvPr/>
+          </p:nvSpPr>
+          <p:spPr>
+            <a:xfrm>
+              <a:off x="3599937" y="1054443"/>
+              <a:ext cx="1070919" cy="254853"/>
+            </a:xfrm>
+            <a:prstGeom prst="rect">
+              <a:avLst/>
+            </a:prstGeom>
+            <a:noFill/>
+          </p:spPr>
+          <p:txBody>
+            <a:bodyPr wrap="square" rtlCol="0">
+              <a:spAutoFit/>
+            </a:bodyPr>
+            <a:lstStyle/>
+            <a:p>
+              <a:r>
+                <a:rPr lang="en-US" sz="800" dirty="0" smtClean="0"/>
+                <a:t>Type: Sted</a:t>
+              </a:r>
+              <a:endParaRPr lang="nb-NO" sz="800" dirty="0"/>
+            </a:p>
+          </p:txBody>
+        </p:sp>
+      </p:grpSp>
+      <p:sp>
+        <p:nvSpPr>
+          <p:cNvPr id="266" name="Avrundet rektangel 265"/>
+          <p:cNvSpPr/>
+          <p:nvPr/>
+        </p:nvSpPr>
+        <p:spPr>
+          <a:xfrm>
+            <a:off x="5614657" y="2657087"/>
+            <a:ext cx="2144488" cy="1116237"/>
+          </a:xfrm>
+          <a:prstGeom prst="roundRect">
+            <a:avLst/>
+          </a:prstGeom>
+          <a:noFill/>
+        </p:spPr>
+        <p:style>
+          <a:lnRef idx="2">
+            <a:schemeClr val="accent1">
+              <a:shade val="50000"/>
+            </a:schemeClr>
+          </a:lnRef>
+          <a:fillRef idx="1">
+            <a:schemeClr val="accent1"/>
+          </a:fillRef>
+          <a:effectRef idx="0">
+            <a:schemeClr val="accent1"/>
+          </a:effectRef>
+          <a:fontRef idx="minor">
+            <a:schemeClr val="lt1"/>
+          </a:fontRef>
+        </p:style>
+        <p:txBody>
+          <a:bodyPr rtlCol="0" anchor="ctr"/>
+          <a:lstStyle/>
+          <a:p>
+            <a:endParaRPr lang="en-US" sz="1000" dirty="0" smtClean="0">
+              <a:solidFill>
+                <a:schemeClr val="tx1"/>
+              </a:solidFill>
+            </a:endParaRPr>
+          </a:p>
+        </p:txBody>
+      </p:sp>
+      <p:sp>
+        <p:nvSpPr>
+          <p:cNvPr id="267" name="TekstSylinder 266"/>
+          <p:cNvSpPr txBox="1"/>
+          <p:nvPr/>
+        </p:nvSpPr>
+        <p:spPr>
+          <a:xfrm>
+            <a:off x="5533636" y="2464987"/>
+            <a:ext cx="2144488" cy="246221"/>
+          </a:xfrm>
+          <a:prstGeom prst="rect">
+            <a:avLst/>
+          </a:prstGeom>
+          <a:noFill/>
+        </p:spPr>
+        <p:txBody>
+          <a:bodyPr wrap="square" rtlCol="0">
+            <a:spAutoFit/>
+          </a:bodyPr>
+          <a:lstStyle/>
+          <a:p>
+            <a:r>
+              <a:rPr lang="en-US" sz="1000" dirty="0"/>
+              <a:t>Instans av </a:t>
+            </a:r>
+            <a:r>
+              <a:rPr lang="en-US" sz="1000" dirty="0" smtClean="0"/>
+              <a:t>Skattkiste</a:t>
+            </a:r>
+            <a:endParaRPr lang="en-US" sz="1000" dirty="0"/>
+          </a:p>
+        </p:txBody>
+      </p:sp>
+      <p:grpSp>
+        <p:nvGrpSpPr>
+          <p:cNvPr id="268" name="Gruppe 267"/>
+          <p:cNvGrpSpPr/>
+          <p:nvPr/>
+        </p:nvGrpSpPr>
+        <p:grpSpPr>
+          <a:xfrm>
+            <a:off x="5757787" y="2797280"/>
+            <a:ext cx="1322991" cy="624701"/>
+            <a:chOff x="6889658" y="3559237"/>
+            <a:chExt cx="1322991" cy="624701"/>
+          </a:xfrm>
+        </p:grpSpPr>
+        <p:sp>
+          <p:nvSpPr>
+            <p:cNvPr id="269" name="Rektangel 268"/>
+            <p:cNvSpPr/>
+            <p:nvPr/>
+          </p:nvSpPr>
+          <p:spPr>
+            <a:xfrm>
+              <a:off x="6896513" y="3743698"/>
+              <a:ext cx="746475" cy="62249"/>
+            </a:xfrm>
+            <a:prstGeom prst="rect">
+              <a:avLst/>
+            </a:prstGeom>
+            <a:noFill/>
+          </p:spPr>
+          <p:style>
+            <a:lnRef idx="2">
+              <a:schemeClr val="accent1">
+                <a:shade val="50000"/>
+              </a:schemeClr>
+            </a:lnRef>
+            <a:fillRef idx="1">
+              <a:schemeClr val="accent1"/>
+            </a:fillRef>
+            <a:effectRef idx="0">
+              <a:schemeClr val="accent1"/>
+            </a:effectRef>
+            <a:fontRef idx="minor">
+              <a:schemeClr val="lt1"/>
+            </a:fontRef>
+          </p:style>
+          <p:txBody>
+            <a:bodyPr rtlCol="0" anchor="ctr"/>
+            <a:lstStyle/>
+            <a:p>
+              <a:pPr algn="ctr"/>
+              <a:endParaRPr lang="nb-NO" sz="800" dirty="0"/>
+            </a:p>
+          </p:txBody>
+        </p:sp>
+        <p:sp>
+          <p:nvSpPr>
+            <p:cNvPr id="270" name="TekstSylinder 269"/>
+            <p:cNvSpPr txBox="1"/>
+            <p:nvPr/>
+          </p:nvSpPr>
+          <p:spPr>
+            <a:xfrm>
+              <a:off x="6896513" y="3559237"/>
+              <a:ext cx="1021491" cy="215444"/>
+            </a:xfrm>
+            <a:prstGeom prst="rect">
+              <a:avLst/>
+            </a:prstGeom>
+            <a:noFill/>
+          </p:spPr>
+          <p:txBody>
+            <a:bodyPr wrap="square" rtlCol="0">
+              <a:spAutoFit/>
+            </a:bodyPr>
+            <a:lstStyle/>
+            <a:p>
+              <a:r>
+                <a:rPr lang="en-US" sz="800" dirty="0" smtClean="0"/>
+                <a:t>Navn: innhold</a:t>
+              </a:r>
+              <a:endParaRPr lang="nb-NO" sz="800" dirty="0"/>
+            </a:p>
+          </p:txBody>
+        </p:sp>
+        <p:sp>
+          <p:nvSpPr>
+            <p:cNvPr id="271" name="TekstSylinder 270"/>
+            <p:cNvSpPr txBox="1"/>
+            <p:nvPr/>
+          </p:nvSpPr>
+          <p:spPr>
+            <a:xfrm>
+              <a:off x="6889658" y="3845384"/>
+              <a:ext cx="1322991" cy="338554"/>
+            </a:xfrm>
+            <a:prstGeom prst="rect">
+              <a:avLst/>
+            </a:prstGeom>
+            <a:noFill/>
+          </p:spPr>
+          <p:txBody>
+            <a:bodyPr wrap="square" rtlCol="0">
+              <a:spAutoFit/>
+            </a:bodyPr>
+            <a:lstStyle/>
+            <a:p>
+              <a:r>
+                <a:rPr lang="en-US" sz="800" dirty="0" smtClean="0"/>
+                <a:t>Type: ArrayList&lt;Gjenstand&gt;</a:t>
+              </a:r>
+              <a:endParaRPr lang="nb-NO" sz="800" dirty="0"/>
+            </a:p>
+          </p:txBody>
+        </p:sp>
+        <p:sp>
+          <p:nvSpPr>
+            <p:cNvPr id="272" name="Rektangel 271"/>
+            <p:cNvSpPr/>
+            <p:nvPr/>
+          </p:nvSpPr>
+          <p:spPr>
+            <a:xfrm>
+              <a:off x="6896512" y="3805531"/>
+              <a:ext cx="746475" cy="62249"/>
+            </a:xfrm>
+            <a:prstGeom prst="rect">
+              <a:avLst/>
+            </a:prstGeom>
+            <a:noFill/>
+          </p:spPr>
+          <p:style>
+            <a:lnRef idx="2">
+              <a:schemeClr val="accent1">
+                <a:shade val="50000"/>
+              </a:schemeClr>
+            </a:lnRef>
+            <a:fillRef idx="1">
+              <a:schemeClr val="accent1"/>
+            </a:fillRef>
+            <a:effectRef idx="0">
+              <a:schemeClr val="accent1"/>
+            </a:effectRef>
+            <a:fontRef idx="minor">
+              <a:schemeClr val="lt1"/>
+            </a:fontRef>
+          </p:style>
+          <p:txBody>
+            <a:bodyPr rtlCol="0" anchor="ctr"/>
+            <a:lstStyle/>
+            <a:p>
+              <a:pPr algn="ctr"/>
+              <a:endParaRPr lang="nb-NO" sz="800" dirty="0"/>
+            </a:p>
+          </p:txBody>
+        </p:sp>
+        <p:sp>
+          <p:nvSpPr>
+            <p:cNvPr id="273" name="TekstSylinder 272"/>
+            <p:cNvSpPr txBox="1"/>
+            <p:nvPr/>
+          </p:nvSpPr>
+          <p:spPr>
+            <a:xfrm>
+              <a:off x="7128426" y="3740157"/>
+              <a:ext cx="207169" cy="369332"/>
+            </a:xfrm>
+            <a:prstGeom prst="rect">
+              <a:avLst/>
+            </a:prstGeom>
+            <a:noFill/>
+          </p:spPr>
+          <p:txBody>
+            <a:bodyPr wrap="square" rtlCol="0">
+              <a:spAutoFit/>
+            </a:bodyPr>
+            <a:lstStyle/>
+            <a:p>
+              <a:endParaRPr lang="nb-NO" dirty="0"/>
+            </a:p>
+          </p:txBody>
+        </p:sp>
+      </p:grpSp>
+      <p:cxnSp>
+        <p:nvCxnSpPr>
+          <p:cNvPr id="285" name="Rett pilkobling 284"/>
+          <p:cNvCxnSpPr>
+            <a:endCxn id="245" idx="1"/>
+          </p:cNvCxnSpPr>
+          <p:nvPr/>
+        </p:nvCxnSpPr>
+        <p:spPr>
+          <a:xfrm>
+            <a:off x="1709605" y="1627781"/>
+            <a:ext cx="748329" cy="1409491"/>
+          </a:xfrm>
+          <a:prstGeom prst="straightConnector1">
+            <a:avLst/>
+          </a:prstGeom>
+          <a:ln>
+            <a:tailEnd type="triangle"/>
+          </a:ln>
+        </p:spPr>
+        <p:style>
+          <a:lnRef idx="1">
+            <a:schemeClr val="accent1"/>
+          </a:lnRef>
+          <a:fillRef idx="0">
+            <a:schemeClr val="accent1"/>
+          </a:fillRef>
+          <a:effectRef idx="0">
+            <a:schemeClr val="accent1"/>
+          </a:effectRef>
+          <a:fontRef idx="minor">
+            <a:schemeClr val="tx1"/>
+          </a:fontRef>
+        </p:style>
+      </p:cxnSp>
+      <p:sp>
+        <p:nvSpPr>
+          <p:cNvPr id="290" name="Avrundet rektangel 289"/>
+          <p:cNvSpPr/>
+          <p:nvPr/>
+        </p:nvSpPr>
+        <p:spPr>
+          <a:xfrm>
+            <a:off x="6348209" y="458633"/>
+            <a:ext cx="1068984" cy="1238000"/>
+          </a:xfrm>
+          <a:prstGeom prst="roundRect">
+            <a:avLst/>
+          </a:prstGeom>
+          <a:noFill/>
+        </p:spPr>
+        <p:style>
+          <a:lnRef idx="2">
+            <a:schemeClr val="accent1">
+              <a:shade val="50000"/>
+            </a:schemeClr>
+          </a:lnRef>
+          <a:fillRef idx="1">
+            <a:schemeClr val="accent1"/>
+          </a:fillRef>
+          <a:effectRef idx="0">
+            <a:schemeClr val="accent1"/>
+          </a:effectRef>
+          <a:fontRef idx="minor">
+            <a:schemeClr val="lt1"/>
+          </a:fontRef>
+        </p:style>
+        <p:txBody>
+          <a:bodyPr rtlCol="0" anchor="ctr"/>
+          <a:lstStyle/>
+          <a:p>
+            <a:endParaRPr lang="en-US" sz="1000" dirty="0" smtClean="0">
+              <a:solidFill>
+                <a:schemeClr val="tx1"/>
+              </a:solidFill>
+            </a:endParaRPr>
+          </a:p>
+        </p:txBody>
+      </p:sp>
+      <p:sp>
+        <p:nvSpPr>
+          <p:cNvPr id="291" name="TekstSylinder 290"/>
+          <p:cNvSpPr txBox="1"/>
+          <p:nvPr/>
+        </p:nvSpPr>
+        <p:spPr>
+          <a:xfrm>
+            <a:off x="6274068" y="245363"/>
+            <a:ext cx="2144488" cy="246221"/>
+          </a:xfrm>
+          <a:prstGeom prst="rect">
+            <a:avLst/>
+          </a:prstGeom>
+          <a:noFill/>
+        </p:spPr>
+        <p:txBody>
+          <a:bodyPr wrap="square" rtlCol="0">
+            <a:spAutoFit/>
+          </a:bodyPr>
+          <a:lstStyle/>
+          <a:p>
+            <a:r>
+              <a:rPr lang="en-US" sz="1000" dirty="0"/>
+              <a:t>Instans av </a:t>
+            </a:r>
+            <a:r>
+              <a:rPr lang="en-US" sz="1000" dirty="0" smtClean="0"/>
+              <a:t>Gjenstand</a:t>
+            </a:r>
+            <a:endParaRPr lang="en-US" sz="1000" dirty="0"/>
+          </a:p>
+        </p:txBody>
+      </p:sp>
+      <p:grpSp>
+        <p:nvGrpSpPr>
+          <p:cNvPr id="292" name="Gruppe 291"/>
+          <p:cNvGrpSpPr/>
+          <p:nvPr/>
+        </p:nvGrpSpPr>
+        <p:grpSpPr>
+          <a:xfrm>
+            <a:off x="6508846" y="1090041"/>
+            <a:ext cx="1021491" cy="609541"/>
+            <a:chOff x="3599935" y="588258"/>
+            <a:chExt cx="1070919" cy="721038"/>
+          </a:xfrm>
+        </p:grpSpPr>
+        <p:sp>
+          <p:nvSpPr>
+            <p:cNvPr id="293" name="Rektangel 292"/>
+            <p:cNvSpPr/>
+            <p:nvPr/>
+          </p:nvSpPr>
+          <p:spPr>
+            <a:xfrm>
+              <a:off x="3599935" y="840259"/>
+              <a:ext cx="782595" cy="214184"/>
+            </a:xfrm>
+            <a:prstGeom prst="rect">
+              <a:avLst/>
+            </a:prstGeom>
+            <a:noFill/>
+          </p:spPr>
+          <p:style>
+            <a:lnRef idx="2">
+              <a:schemeClr val="accent1">
+                <a:shade val="50000"/>
+              </a:schemeClr>
+            </a:lnRef>
+            <a:fillRef idx="1">
+              <a:schemeClr val="accent1"/>
+            </a:fillRef>
+            <a:effectRef idx="0">
+              <a:schemeClr val="accent1"/>
+            </a:effectRef>
+            <a:fontRef idx="minor">
+              <a:schemeClr val="lt1"/>
+            </a:fontRef>
+          </p:style>
+          <p:txBody>
+            <a:bodyPr rtlCol="0" anchor="ctr"/>
+            <a:lstStyle/>
+            <a:p>
+              <a:pPr algn="ctr"/>
+              <a:endParaRPr lang="nb-NO" sz="800" dirty="0"/>
+            </a:p>
+          </p:txBody>
+        </p:sp>
+        <p:sp>
+          <p:nvSpPr>
+            <p:cNvPr id="294" name="TekstSylinder 293"/>
+            <p:cNvSpPr txBox="1"/>
+            <p:nvPr/>
+          </p:nvSpPr>
+          <p:spPr>
+            <a:xfrm>
+              <a:off x="3599935" y="588258"/>
+              <a:ext cx="1070919" cy="254853"/>
+            </a:xfrm>
+            <a:prstGeom prst="rect">
+              <a:avLst/>
+            </a:prstGeom>
+            <a:noFill/>
+          </p:spPr>
+          <p:txBody>
+            <a:bodyPr wrap="square" rtlCol="0">
+              <a:spAutoFit/>
+            </a:bodyPr>
+            <a:lstStyle/>
+            <a:p>
+              <a:r>
+                <a:rPr lang="en-US" sz="800" dirty="0" smtClean="0"/>
+                <a:t>Navn: verdi</a:t>
+              </a:r>
+              <a:endParaRPr lang="nb-NO" sz="800" dirty="0"/>
+            </a:p>
+          </p:txBody>
+        </p:sp>
+        <p:sp>
+          <p:nvSpPr>
+            <p:cNvPr id="295" name="TekstSylinder 294"/>
+            <p:cNvSpPr txBox="1"/>
+            <p:nvPr/>
+          </p:nvSpPr>
+          <p:spPr>
+            <a:xfrm>
+              <a:off x="3599935" y="1054443"/>
+              <a:ext cx="1070919" cy="254853"/>
+            </a:xfrm>
+            <a:prstGeom prst="rect">
+              <a:avLst/>
+            </a:prstGeom>
+            <a:noFill/>
+          </p:spPr>
+          <p:txBody>
+            <a:bodyPr wrap="square" rtlCol="0">
+              <a:spAutoFit/>
+            </a:bodyPr>
+            <a:lstStyle/>
+            <a:p>
+              <a:r>
+                <a:rPr lang="en-US" sz="800" dirty="0" smtClean="0"/>
+                <a:t>Type: int</a:t>
+              </a:r>
+              <a:endParaRPr lang="nb-NO" sz="800" dirty="0"/>
+            </a:p>
+          </p:txBody>
+        </p:sp>
+      </p:grpSp>
+      <p:grpSp>
+        <p:nvGrpSpPr>
+          <p:cNvPr id="296" name="Gruppe 295"/>
+          <p:cNvGrpSpPr/>
+          <p:nvPr/>
+        </p:nvGrpSpPr>
+        <p:grpSpPr>
+          <a:xfrm>
+            <a:off x="6513501" y="493338"/>
+            <a:ext cx="1021491" cy="609541"/>
+            <a:chOff x="3599935" y="588258"/>
+            <a:chExt cx="1070919" cy="721038"/>
+          </a:xfrm>
+        </p:grpSpPr>
+        <p:sp>
+          <p:nvSpPr>
+            <p:cNvPr id="297" name="Rektangel 296"/>
+            <p:cNvSpPr/>
+            <p:nvPr/>
+          </p:nvSpPr>
+          <p:spPr>
+            <a:xfrm>
+              <a:off x="3599935" y="840259"/>
+              <a:ext cx="782595" cy="214184"/>
+            </a:xfrm>
+            <a:prstGeom prst="rect">
+              <a:avLst/>
+            </a:prstGeom>
+            <a:noFill/>
+          </p:spPr>
+          <p:style>
+            <a:lnRef idx="2">
+              <a:schemeClr val="accent1">
+                <a:shade val="50000"/>
+              </a:schemeClr>
+            </a:lnRef>
+            <a:fillRef idx="1">
+              <a:schemeClr val="accent1"/>
+            </a:fillRef>
+            <a:effectRef idx="0">
+              <a:schemeClr val="accent1"/>
+            </a:effectRef>
+            <a:fontRef idx="minor">
+              <a:schemeClr val="lt1"/>
+            </a:fontRef>
+          </p:style>
+          <p:txBody>
+            <a:bodyPr rtlCol="0" anchor="ctr"/>
+            <a:lstStyle/>
+            <a:p>
+              <a:pPr algn="ctr"/>
+              <a:endParaRPr lang="nb-NO" sz="800" dirty="0"/>
+            </a:p>
+          </p:txBody>
+        </p:sp>
+        <p:sp>
+          <p:nvSpPr>
+            <p:cNvPr id="298" name="TekstSylinder 297"/>
+            <p:cNvSpPr txBox="1"/>
+            <p:nvPr/>
+          </p:nvSpPr>
+          <p:spPr>
+            <a:xfrm>
+              <a:off x="3599935" y="588258"/>
+              <a:ext cx="1070919" cy="254853"/>
+            </a:xfrm>
+            <a:prstGeom prst="rect">
+              <a:avLst/>
+            </a:prstGeom>
+            <a:noFill/>
+          </p:spPr>
+          <p:txBody>
+            <a:bodyPr wrap="square" rtlCol="0">
+              <a:spAutoFit/>
+            </a:bodyPr>
+            <a:lstStyle/>
+            <a:p>
+              <a:r>
+                <a:rPr lang="en-US" sz="800" dirty="0" smtClean="0"/>
+                <a:t>Navn: type</a:t>
+              </a:r>
+              <a:endParaRPr lang="nb-NO" sz="800" dirty="0"/>
+            </a:p>
+          </p:txBody>
+        </p:sp>
+        <p:sp>
+          <p:nvSpPr>
+            <p:cNvPr id="299" name="TekstSylinder 298"/>
+            <p:cNvSpPr txBox="1"/>
+            <p:nvPr/>
+          </p:nvSpPr>
+          <p:spPr>
+            <a:xfrm>
+              <a:off x="3599935" y="1054443"/>
+              <a:ext cx="1070919" cy="254853"/>
+            </a:xfrm>
+            <a:prstGeom prst="rect">
+              <a:avLst/>
+            </a:prstGeom>
+            <a:noFill/>
+          </p:spPr>
+          <p:txBody>
+            <a:bodyPr wrap="square" rtlCol="0">
+              <a:spAutoFit/>
+            </a:bodyPr>
+            <a:lstStyle/>
+            <a:p>
+              <a:r>
+                <a:rPr lang="en-US" sz="800" dirty="0" smtClean="0"/>
+                <a:t>Type: String</a:t>
+              </a:r>
+              <a:endParaRPr lang="nb-NO" sz="800" dirty="0"/>
+            </a:p>
+          </p:txBody>
+        </p:sp>
+      </p:grpSp>
+      <p:sp>
+        <p:nvSpPr>
+          <p:cNvPr id="304" name="Avrundet rektangel 303"/>
+          <p:cNvSpPr/>
+          <p:nvPr/>
+        </p:nvSpPr>
+        <p:spPr>
+          <a:xfrm>
+            <a:off x="8105668" y="483166"/>
+            <a:ext cx="1068984" cy="1238000"/>
+          </a:xfrm>
+          <a:prstGeom prst="roundRect">
+            <a:avLst/>
+          </a:prstGeom>
+          <a:noFill/>
+        </p:spPr>
+        <p:style>
+          <a:lnRef idx="2">
+            <a:schemeClr val="accent1">
+              <a:shade val="50000"/>
+            </a:schemeClr>
+          </a:lnRef>
+          <a:fillRef idx="1">
+            <a:schemeClr val="accent1"/>
+          </a:fillRef>
+          <a:effectRef idx="0">
+            <a:schemeClr val="accent1"/>
+          </a:effectRef>
+          <a:fontRef idx="minor">
+            <a:schemeClr val="lt1"/>
+          </a:fontRef>
+        </p:style>
+        <p:txBody>
+          <a:bodyPr rtlCol="0" anchor="ctr"/>
+          <a:lstStyle/>
+          <a:p>
+            <a:endParaRPr lang="en-US" sz="1000" dirty="0" smtClean="0">
+              <a:solidFill>
+                <a:schemeClr val="tx1"/>
+              </a:solidFill>
+            </a:endParaRPr>
+          </a:p>
+        </p:txBody>
+      </p:sp>
+      <p:sp>
+        <p:nvSpPr>
+          <p:cNvPr id="305" name="TekstSylinder 304"/>
+          <p:cNvSpPr txBox="1"/>
+          <p:nvPr/>
+        </p:nvSpPr>
+        <p:spPr>
+          <a:xfrm>
+            <a:off x="8031527" y="269896"/>
+            <a:ext cx="2144488" cy="246221"/>
+          </a:xfrm>
+          <a:prstGeom prst="rect">
+            <a:avLst/>
+          </a:prstGeom>
+          <a:noFill/>
+        </p:spPr>
+        <p:txBody>
+          <a:bodyPr wrap="square" rtlCol="0">
+            <a:spAutoFit/>
+          </a:bodyPr>
+          <a:lstStyle/>
+          <a:p>
+            <a:r>
+              <a:rPr lang="en-US" sz="1000" dirty="0"/>
+              <a:t>Instans av </a:t>
+            </a:r>
+            <a:r>
+              <a:rPr lang="en-US" sz="1000" dirty="0" smtClean="0"/>
+              <a:t>Gjenstand</a:t>
+            </a:r>
+            <a:endParaRPr lang="en-US" sz="1000" dirty="0"/>
+          </a:p>
+        </p:txBody>
+      </p:sp>
+      <p:grpSp>
+        <p:nvGrpSpPr>
+          <p:cNvPr id="306" name="Gruppe 305"/>
+          <p:cNvGrpSpPr/>
+          <p:nvPr/>
+        </p:nvGrpSpPr>
+        <p:grpSpPr>
+          <a:xfrm>
+            <a:off x="8266305" y="1114574"/>
+            <a:ext cx="1021491" cy="609541"/>
+            <a:chOff x="3599935" y="588258"/>
+            <a:chExt cx="1070919" cy="721038"/>
+          </a:xfrm>
+        </p:grpSpPr>
+        <p:sp>
+          <p:nvSpPr>
+            <p:cNvPr id="307" name="Rektangel 306"/>
+            <p:cNvSpPr/>
+            <p:nvPr/>
+          </p:nvSpPr>
+          <p:spPr>
+            <a:xfrm>
+              <a:off x="3599935" y="840259"/>
+              <a:ext cx="782595" cy="214184"/>
+            </a:xfrm>
+            <a:prstGeom prst="rect">
+              <a:avLst/>
+            </a:prstGeom>
+            <a:noFill/>
+          </p:spPr>
+          <p:style>
+            <a:lnRef idx="2">
+              <a:schemeClr val="accent1">
+                <a:shade val="50000"/>
+              </a:schemeClr>
+            </a:lnRef>
+            <a:fillRef idx="1">
+              <a:schemeClr val="accent1"/>
+            </a:fillRef>
+            <a:effectRef idx="0">
+              <a:schemeClr val="accent1"/>
+            </a:effectRef>
+            <a:fontRef idx="minor">
+              <a:schemeClr val="lt1"/>
+            </a:fontRef>
+          </p:style>
+          <p:txBody>
+            <a:bodyPr rtlCol="0" anchor="ctr"/>
+            <a:lstStyle/>
+            <a:p>
+              <a:pPr algn="ctr"/>
+              <a:endParaRPr lang="nb-NO" sz="800" dirty="0"/>
+            </a:p>
+          </p:txBody>
+        </p:sp>
+        <p:sp>
+          <p:nvSpPr>
+            <p:cNvPr id="308" name="TekstSylinder 307"/>
+            <p:cNvSpPr txBox="1"/>
+            <p:nvPr/>
+          </p:nvSpPr>
+          <p:spPr>
+            <a:xfrm>
+              <a:off x="3599935" y="588258"/>
+              <a:ext cx="1070919" cy="254853"/>
+            </a:xfrm>
+            <a:prstGeom prst="rect">
+              <a:avLst/>
+            </a:prstGeom>
+            <a:noFill/>
+          </p:spPr>
+          <p:txBody>
+            <a:bodyPr wrap="square" rtlCol="0">
+              <a:spAutoFit/>
+            </a:bodyPr>
+            <a:lstStyle/>
+            <a:p>
+              <a:r>
+                <a:rPr lang="en-US" sz="800" dirty="0" smtClean="0"/>
+                <a:t>Navn: verdi</a:t>
+              </a:r>
+              <a:endParaRPr lang="nb-NO" sz="800" dirty="0"/>
+            </a:p>
+          </p:txBody>
+        </p:sp>
+        <p:sp>
+          <p:nvSpPr>
+            <p:cNvPr id="309" name="TekstSylinder 308"/>
+            <p:cNvSpPr txBox="1"/>
+            <p:nvPr/>
+          </p:nvSpPr>
+          <p:spPr>
+            <a:xfrm>
+              <a:off x="3599935" y="1054443"/>
+              <a:ext cx="1070919" cy="254853"/>
+            </a:xfrm>
+            <a:prstGeom prst="rect">
+              <a:avLst/>
+            </a:prstGeom>
+            <a:noFill/>
+          </p:spPr>
+          <p:txBody>
+            <a:bodyPr wrap="square" rtlCol="0">
+              <a:spAutoFit/>
+            </a:bodyPr>
+            <a:lstStyle/>
+            <a:p>
+              <a:r>
+                <a:rPr lang="en-US" sz="800" dirty="0" smtClean="0"/>
+                <a:t>Type: int</a:t>
+              </a:r>
+              <a:endParaRPr lang="nb-NO" sz="800" dirty="0"/>
+            </a:p>
+          </p:txBody>
+        </p:sp>
+      </p:grpSp>
+      <p:grpSp>
+        <p:nvGrpSpPr>
+          <p:cNvPr id="310" name="Gruppe 309"/>
+          <p:cNvGrpSpPr/>
+          <p:nvPr/>
+        </p:nvGrpSpPr>
+        <p:grpSpPr>
+          <a:xfrm>
+            <a:off x="8270960" y="517871"/>
+            <a:ext cx="1021491" cy="609541"/>
+            <a:chOff x="3599935" y="588258"/>
+            <a:chExt cx="1070919" cy="721038"/>
+          </a:xfrm>
+        </p:grpSpPr>
+        <p:sp>
+          <p:nvSpPr>
+            <p:cNvPr id="311" name="Rektangel 310"/>
+            <p:cNvSpPr/>
+            <p:nvPr/>
+          </p:nvSpPr>
+          <p:spPr>
+            <a:xfrm>
+              <a:off x="3599935" y="840259"/>
+              <a:ext cx="782595" cy="214184"/>
+            </a:xfrm>
+            <a:prstGeom prst="rect">
+              <a:avLst/>
+            </a:prstGeom>
+            <a:noFill/>
+          </p:spPr>
+          <p:style>
+            <a:lnRef idx="2">
+              <a:schemeClr val="accent1">
+                <a:shade val="50000"/>
+              </a:schemeClr>
+            </a:lnRef>
+            <a:fillRef idx="1">
+              <a:schemeClr val="accent1"/>
+            </a:fillRef>
+            <a:effectRef idx="0">
+              <a:schemeClr val="accent1"/>
+            </a:effectRef>
+            <a:fontRef idx="minor">
+              <a:schemeClr val="lt1"/>
+            </a:fontRef>
+          </p:style>
+          <p:txBody>
+            <a:bodyPr rtlCol="0" anchor="ctr"/>
+            <a:lstStyle/>
+            <a:p>
+              <a:pPr algn="ctr"/>
+              <a:endParaRPr lang="nb-NO" sz="800" dirty="0"/>
+            </a:p>
+          </p:txBody>
+        </p:sp>
+        <p:sp>
+          <p:nvSpPr>
+            <p:cNvPr id="312" name="TekstSylinder 311"/>
+            <p:cNvSpPr txBox="1"/>
+            <p:nvPr/>
+          </p:nvSpPr>
+          <p:spPr>
+            <a:xfrm>
+              <a:off x="3599935" y="588258"/>
+              <a:ext cx="1070919" cy="254853"/>
+            </a:xfrm>
+            <a:prstGeom prst="rect">
+              <a:avLst/>
+            </a:prstGeom>
+            <a:noFill/>
+          </p:spPr>
+          <p:txBody>
+            <a:bodyPr wrap="square" rtlCol="0">
+              <a:spAutoFit/>
+            </a:bodyPr>
+            <a:lstStyle/>
+            <a:p>
+              <a:r>
+                <a:rPr lang="en-US" sz="800" dirty="0" smtClean="0"/>
+                <a:t>Navn: type</a:t>
+              </a:r>
+              <a:endParaRPr lang="nb-NO" sz="800" dirty="0"/>
+            </a:p>
+          </p:txBody>
+        </p:sp>
+        <p:sp>
+          <p:nvSpPr>
+            <p:cNvPr id="313" name="TekstSylinder 312"/>
+            <p:cNvSpPr txBox="1"/>
+            <p:nvPr/>
+          </p:nvSpPr>
+          <p:spPr>
+            <a:xfrm>
+              <a:off x="3599935" y="1054443"/>
+              <a:ext cx="1070919" cy="254853"/>
+            </a:xfrm>
+            <a:prstGeom prst="rect">
+              <a:avLst/>
+            </a:prstGeom>
+            <a:noFill/>
+          </p:spPr>
+          <p:txBody>
+            <a:bodyPr wrap="square" rtlCol="0">
+              <a:spAutoFit/>
+            </a:bodyPr>
+            <a:lstStyle/>
+            <a:p>
+              <a:r>
+                <a:rPr lang="en-US" sz="800" dirty="0" smtClean="0"/>
+                <a:t>Type: String</a:t>
+              </a:r>
+              <a:endParaRPr lang="nb-NO" sz="800" dirty="0"/>
+            </a:p>
+          </p:txBody>
+        </p:sp>
+      </p:grpSp>
+      <p:sp>
+        <p:nvSpPr>
+          <p:cNvPr id="314" name="Avrundet rektangel 313"/>
+          <p:cNvSpPr/>
+          <p:nvPr/>
+        </p:nvSpPr>
+        <p:spPr>
+          <a:xfrm>
+            <a:off x="9388348" y="483130"/>
+            <a:ext cx="1068984" cy="1238000"/>
+          </a:xfrm>
+          <a:prstGeom prst="roundRect">
+            <a:avLst/>
+          </a:prstGeom>
+          <a:noFill/>
+        </p:spPr>
+        <p:style>
+          <a:lnRef idx="2">
+            <a:schemeClr val="accent1">
+              <a:shade val="50000"/>
+            </a:schemeClr>
+          </a:lnRef>
+          <a:fillRef idx="1">
+            <a:schemeClr val="accent1"/>
+          </a:fillRef>
+          <a:effectRef idx="0">
+            <a:schemeClr val="accent1"/>
+          </a:effectRef>
+          <a:fontRef idx="minor">
+            <a:schemeClr val="lt1"/>
+          </a:fontRef>
+        </p:style>
+        <p:txBody>
+          <a:bodyPr rtlCol="0" anchor="ctr"/>
+          <a:lstStyle/>
+          <a:p>
+            <a:endParaRPr lang="en-US" sz="1000" dirty="0" smtClean="0">
+              <a:solidFill>
+                <a:schemeClr val="tx1"/>
+              </a:solidFill>
+            </a:endParaRPr>
+          </a:p>
+        </p:txBody>
+      </p:sp>
+      <p:sp>
+        <p:nvSpPr>
+          <p:cNvPr id="315" name="TekstSylinder 314"/>
+          <p:cNvSpPr txBox="1"/>
+          <p:nvPr/>
+        </p:nvSpPr>
+        <p:spPr>
+          <a:xfrm>
+            <a:off x="9287796" y="259262"/>
+            <a:ext cx="2144488" cy="246221"/>
+          </a:xfrm>
+          <a:prstGeom prst="rect">
+            <a:avLst/>
+          </a:prstGeom>
+          <a:noFill/>
+        </p:spPr>
+        <p:txBody>
+          <a:bodyPr wrap="square" rtlCol="0">
+            <a:spAutoFit/>
+          </a:bodyPr>
+          <a:lstStyle/>
+          <a:p>
+            <a:r>
+              <a:rPr lang="en-US" sz="1000" dirty="0"/>
+              <a:t>Instans av </a:t>
+            </a:r>
+            <a:r>
+              <a:rPr lang="en-US" sz="1000" dirty="0" smtClean="0"/>
+              <a:t>Gjenstand</a:t>
+            </a:r>
+            <a:endParaRPr lang="en-US" sz="1000" dirty="0"/>
+          </a:p>
+        </p:txBody>
+      </p:sp>
+      <p:grpSp>
+        <p:nvGrpSpPr>
+          <p:cNvPr id="316" name="Gruppe 315"/>
+          <p:cNvGrpSpPr/>
+          <p:nvPr/>
+        </p:nvGrpSpPr>
+        <p:grpSpPr>
+          <a:xfrm>
+            <a:off x="9548985" y="1114538"/>
+            <a:ext cx="1021491" cy="609541"/>
+            <a:chOff x="3599935" y="588258"/>
+            <a:chExt cx="1070919" cy="721038"/>
+          </a:xfrm>
+        </p:grpSpPr>
+        <p:sp>
+          <p:nvSpPr>
+            <p:cNvPr id="317" name="Rektangel 316"/>
+            <p:cNvSpPr/>
+            <p:nvPr/>
+          </p:nvSpPr>
+          <p:spPr>
+            <a:xfrm>
+              <a:off x="3599935" y="840259"/>
+              <a:ext cx="782595" cy="214184"/>
+            </a:xfrm>
+            <a:prstGeom prst="rect">
+              <a:avLst/>
+            </a:prstGeom>
+            <a:noFill/>
+          </p:spPr>
+          <p:style>
+            <a:lnRef idx="2">
+              <a:schemeClr val="accent1">
+                <a:shade val="50000"/>
+              </a:schemeClr>
+            </a:lnRef>
+            <a:fillRef idx="1">
+              <a:schemeClr val="accent1"/>
+            </a:fillRef>
+            <a:effectRef idx="0">
+              <a:schemeClr val="accent1"/>
+            </a:effectRef>
+            <a:fontRef idx="minor">
+              <a:schemeClr val="lt1"/>
+            </a:fontRef>
+          </p:style>
+          <p:txBody>
+            <a:bodyPr rtlCol="0" anchor="ctr"/>
+            <a:lstStyle/>
+            <a:p>
+              <a:pPr algn="ctr"/>
+              <a:endParaRPr lang="nb-NO" sz="800" dirty="0"/>
+            </a:p>
+          </p:txBody>
+        </p:sp>
+        <p:sp>
+          <p:nvSpPr>
+            <p:cNvPr id="318" name="TekstSylinder 317"/>
+            <p:cNvSpPr txBox="1"/>
+            <p:nvPr/>
+          </p:nvSpPr>
+          <p:spPr>
+            <a:xfrm>
+              <a:off x="3599935" y="588258"/>
+              <a:ext cx="1070919" cy="254853"/>
+            </a:xfrm>
+            <a:prstGeom prst="rect">
+              <a:avLst/>
+            </a:prstGeom>
+            <a:noFill/>
+          </p:spPr>
+          <p:txBody>
+            <a:bodyPr wrap="square" rtlCol="0">
+              <a:spAutoFit/>
+            </a:bodyPr>
+            <a:lstStyle/>
+            <a:p>
+              <a:r>
+                <a:rPr lang="en-US" sz="800" dirty="0" smtClean="0"/>
+                <a:t>Navn: verdi</a:t>
+              </a:r>
+              <a:endParaRPr lang="nb-NO" sz="800" dirty="0"/>
+            </a:p>
+          </p:txBody>
+        </p:sp>
+        <p:sp>
+          <p:nvSpPr>
+            <p:cNvPr id="319" name="TekstSylinder 318"/>
+            <p:cNvSpPr txBox="1"/>
+            <p:nvPr/>
+          </p:nvSpPr>
+          <p:spPr>
+            <a:xfrm>
+              <a:off x="3599935" y="1054443"/>
+              <a:ext cx="1070919" cy="254853"/>
+            </a:xfrm>
+            <a:prstGeom prst="rect">
+              <a:avLst/>
+            </a:prstGeom>
+            <a:noFill/>
+          </p:spPr>
+          <p:txBody>
+            <a:bodyPr wrap="square" rtlCol="0">
+              <a:spAutoFit/>
+            </a:bodyPr>
+            <a:lstStyle/>
+            <a:p>
+              <a:r>
+                <a:rPr lang="en-US" sz="800" dirty="0" smtClean="0"/>
+                <a:t>Type: int</a:t>
+              </a:r>
+              <a:endParaRPr lang="nb-NO" sz="800" dirty="0"/>
+            </a:p>
+          </p:txBody>
+        </p:sp>
+      </p:grpSp>
+      <p:grpSp>
+        <p:nvGrpSpPr>
+          <p:cNvPr id="320" name="Gruppe 319"/>
+          <p:cNvGrpSpPr/>
+          <p:nvPr/>
+        </p:nvGrpSpPr>
+        <p:grpSpPr>
+          <a:xfrm>
+            <a:off x="9553640" y="517835"/>
+            <a:ext cx="1021491" cy="609541"/>
+            <a:chOff x="3599935" y="588258"/>
+            <a:chExt cx="1070919" cy="721038"/>
+          </a:xfrm>
+        </p:grpSpPr>
+        <p:sp>
+          <p:nvSpPr>
+            <p:cNvPr id="321" name="Rektangel 320"/>
+            <p:cNvSpPr/>
+            <p:nvPr/>
+          </p:nvSpPr>
+          <p:spPr>
+            <a:xfrm>
+              <a:off x="3599935" y="840259"/>
+              <a:ext cx="782595" cy="214184"/>
+            </a:xfrm>
+            <a:prstGeom prst="rect">
+              <a:avLst/>
+            </a:prstGeom>
+            <a:noFill/>
+          </p:spPr>
+          <p:style>
+            <a:lnRef idx="2">
+              <a:schemeClr val="accent1">
+                <a:shade val="50000"/>
+              </a:schemeClr>
+            </a:lnRef>
+            <a:fillRef idx="1">
+              <a:schemeClr val="accent1"/>
+            </a:fillRef>
+            <a:effectRef idx="0">
+              <a:schemeClr val="accent1"/>
+            </a:effectRef>
+            <a:fontRef idx="minor">
+              <a:schemeClr val="lt1"/>
+            </a:fontRef>
+          </p:style>
+          <p:txBody>
+            <a:bodyPr rtlCol="0" anchor="ctr"/>
+            <a:lstStyle/>
+            <a:p>
+              <a:pPr algn="ctr"/>
+              <a:endParaRPr lang="nb-NO" sz="800" dirty="0"/>
+            </a:p>
+          </p:txBody>
+        </p:sp>
+        <p:sp>
+          <p:nvSpPr>
+            <p:cNvPr id="322" name="TekstSylinder 321"/>
+            <p:cNvSpPr txBox="1"/>
+            <p:nvPr/>
+          </p:nvSpPr>
+          <p:spPr>
+            <a:xfrm>
+              <a:off x="3599935" y="588258"/>
+              <a:ext cx="1070919" cy="254853"/>
+            </a:xfrm>
+            <a:prstGeom prst="rect">
+              <a:avLst/>
+            </a:prstGeom>
+            <a:noFill/>
+          </p:spPr>
+          <p:txBody>
+            <a:bodyPr wrap="square" rtlCol="0">
+              <a:spAutoFit/>
+            </a:bodyPr>
+            <a:lstStyle/>
+            <a:p>
+              <a:r>
+                <a:rPr lang="en-US" sz="800" dirty="0" smtClean="0"/>
+                <a:t>Navn: type</a:t>
+              </a:r>
+              <a:endParaRPr lang="nb-NO" sz="800" dirty="0"/>
+            </a:p>
+          </p:txBody>
+        </p:sp>
+        <p:sp>
+          <p:nvSpPr>
+            <p:cNvPr id="323" name="TekstSylinder 322"/>
+            <p:cNvSpPr txBox="1"/>
+            <p:nvPr/>
+          </p:nvSpPr>
+          <p:spPr>
+            <a:xfrm>
+              <a:off x="3599935" y="1054443"/>
+              <a:ext cx="1070919" cy="254853"/>
+            </a:xfrm>
+            <a:prstGeom prst="rect">
+              <a:avLst/>
+            </a:prstGeom>
+            <a:noFill/>
+          </p:spPr>
+          <p:txBody>
+            <a:bodyPr wrap="square" rtlCol="0">
+              <a:spAutoFit/>
+            </a:bodyPr>
+            <a:lstStyle/>
+            <a:p>
+              <a:r>
+                <a:rPr lang="en-US" sz="800" dirty="0" smtClean="0"/>
+                <a:t>Type: String</a:t>
+              </a:r>
+              <a:endParaRPr lang="nb-NO" sz="800" dirty="0"/>
+            </a:p>
+          </p:txBody>
+        </p:sp>
+      </p:grpSp>
+      <p:cxnSp>
+        <p:nvCxnSpPr>
+          <p:cNvPr id="368" name="Rett pilkobling 367"/>
+          <p:cNvCxnSpPr/>
+          <p:nvPr/>
+        </p:nvCxnSpPr>
+        <p:spPr>
+          <a:xfrm flipH="1" flipV="1">
+            <a:off x="5614657" y="1724079"/>
+            <a:ext cx="282548" cy="1288645"/>
+          </a:xfrm>
+          <a:prstGeom prst="straightConnector1">
+            <a:avLst/>
+          </a:prstGeom>
+          <a:ln>
+            <a:tailEnd type="triangle"/>
+          </a:ln>
+        </p:spPr>
+        <p:style>
+          <a:lnRef idx="1">
+            <a:schemeClr val="accent1"/>
+          </a:lnRef>
+          <a:fillRef idx="0">
+            <a:schemeClr val="accent1"/>
+          </a:fillRef>
+          <a:effectRef idx="0">
+            <a:schemeClr val="accent1"/>
+          </a:effectRef>
+          <a:fontRef idx="minor">
+            <a:schemeClr val="tx1"/>
+          </a:fontRef>
+        </p:style>
+      </p:cxnSp>
+      <p:cxnSp>
+        <p:nvCxnSpPr>
+          <p:cNvPr id="370" name="Rett pilkobling 369"/>
+          <p:cNvCxnSpPr/>
+          <p:nvPr/>
+        </p:nvCxnSpPr>
+        <p:spPr>
+          <a:xfrm flipV="1">
+            <a:off x="6342921" y="1724079"/>
+            <a:ext cx="1890645" cy="1350619"/>
+          </a:xfrm>
+          <a:prstGeom prst="straightConnector1">
+            <a:avLst/>
+          </a:prstGeom>
+          <a:ln>
+            <a:tailEnd type="triangle"/>
+          </a:ln>
+        </p:spPr>
+        <p:style>
+          <a:lnRef idx="1">
+            <a:schemeClr val="accent1"/>
+          </a:lnRef>
+          <a:fillRef idx="0">
+            <a:schemeClr val="accent1"/>
+          </a:fillRef>
+          <a:effectRef idx="0">
+            <a:schemeClr val="accent1"/>
+          </a:effectRef>
+          <a:fontRef idx="minor">
+            <a:schemeClr val="tx1"/>
+          </a:fontRef>
+        </p:style>
+      </p:cxnSp>
+      <p:cxnSp>
+        <p:nvCxnSpPr>
+          <p:cNvPr id="372" name="Rett pilkobling 371"/>
+          <p:cNvCxnSpPr>
+            <a:endCxn id="295" idx="2"/>
+          </p:cNvCxnSpPr>
+          <p:nvPr/>
+        </p:nvCxnSpPr>
+        <p:spPr>
+          <a:xfrm flipH="1" flipV="1">
+            <a:off x="7019592" y="1699582"/>
+            <a:ext cx="1892327" cy="1299089"/>
+          </a:xfrm>
+          <a:prstGeom prst="straightConnector1">
+            <a:avLst/>
+          </a:prstGeom>
+          <a:ln>
+            <a:tailEnd type="triangle"/>
+          </a:ln>
+        </p:spPr>
+        <p:style>
+          <a:lnRef idx="1">
+            <a:schemeClr val="accent1"/>
+          </a:lnRef>
+          <a:fillRef idx="0">
+            <a:schemeClr val="accent1"/>
+          </a:fillRef>
+          <a:effectRef idx="0">
+            <a:schemeClr val="accent1"/>
+          </a:effectRef>
+          <a:fontRef idx="minor">
+            <a:schemeClr val="tx1"/>
+          </a:fontRef>
+        </p:style>
+      </p:cxnSp>
+      <p:cxnSp>
+        <p:nvCxnSpPr>
+          <p:cNvPr id="374" name="Rett pilkobling 373"/>
+          <p:cNvCxnSpPr>
+            <a:endCxn id="309" idx="2"/>
+          </p:cNvCxnSpPr>
+          <p:nvPr/>
+        </p:nvCxnSpPr>
+        <p:spPr>
+          <a:xfrm flipH="1" flipV="1">
+            <a:off x="8777051" y="1724115"/>
+            <a:ext cx="471742" cy="1339120"/>
+          </a:xfrm>
+          <a:prstGeom prst="straightConnector1">
+            <a:avLst/>
+          </a:prstGeom>
+          <a:ln>
+            <a:tailEnd type="triangle"/>
+          </a:ln>
+        </p:spPr>
+        <p:style>
+          <a:lnRef idx="1">
+            <a:schemeClr val="accent1"/>
+          </a:lnRef>
+          <a:fillRef idx="0">
+            <a:schemeClr val="accent1"/>
+          </a:fillRef>
+          <a:effectRef idx="0">
+            <a:schemeClr val="accent1"/>
+          </a:effectRef>
+          <a:fontRef idx="minor">
+            <a:schemeClr val="tx1"/>
+          </a:fontRef>
+        </p:style>
+      </p:cxnSp>
+      <p:cxnSp>
+        <p:nvCxnSpPr>
+          <p:cNvPr id="377" name="Rett pilkobling 376"/>
+          <p:cNvCxnSpPr/>
+          <p:nvPr/>
+        </p:nvCxnSpPr>
+        <p:spPr>
+          <a:xfrm>
+            <a:off x="843266" y="1591860"/>
+            <a:ext cx="866339" cy="2438048"/>
+          </a:xfrm>
+          <a:prstGeom prst="straightConnector1">
+            <a:avLst/>
+          </a:prstGeom>
+          <a:ln>
+            <a:tailEnd type="triangle"/>
+          </a:ln>
+        </p:spPr>
+        <p:style>
+          <a:lnRef idx="1">
+            <a:schemeClr val="accent1"/>
+          </a:lnRef>
+          <a:fillRef idx="0">
+            <a:schemeClr val="accent1"/>
+          </a:fillRef>
+          <a:effectRef idx="0">
+            <a:schemeClr val="accent1"/>
+          </a:effectRef>
+          <a:fontRef idx="minor">
+            <a:schemeClr val="tx1"/>
+          </a:fontRef>
+        </p:style>
+      </p:cxnSp>
+      <p:cxnSp>
+        <p:nvCxnSpPr>
+          <p:cNvPr id="379" name="Rett pilkobling 378"/>
+          <p:cNvCxnSpPr/>
+          <p:nvPr/>
+        </p:nvCxnSpPr>
+        <p:spPr>
+          <a:xfrm>
+            <a:off x="1499272" y="4099488"/>
+            <a:ext cx="1078955" cy="1085946"/>
+          </a:xfrm>
+          <a:prstGeom prst="straightConnector1">
+            <a:avLst/>
+          </a:prstGeom>
+          <a:ln>
+            <a:tailEnd type="triangle"/>
+          </a:ln>
+        </p:spPr>
+        <p:style>
+          <a:lnRef idx="1">
+            <a:schemeClr val="accent1"/>
+          </a:lnRef>
+          <a:fillRef idx="0">
+            <a:schemeClr val="accent1"/>
+          </a:fillRef>
+          <a:effectRef idx="0">
+            <a:schemeClr val="accent1"/>
+          </a:effectRef>
+          <a:fontRef idx="minor">
+            <a:schemeClr val="tx1"/>
+          </a:fontRef>
+        </p:style>
+      </p:cxnSp>
+      <p:cxnSp>
+        <p:nvCxnSpPr>
+          <p:cNvPr id="381" name="Rett pilkobling 380"/>
+          <p:cNvCxnSpPr/>
+          <p:nvPr/>
+        </p:nvCxnSpPr>
+        <p:spPr>
+          <a:xfrm>
+            <a:off x="1613204" y="4164066"/>
+            <a:ext cx="2389920" cy="1117144"/>
+          </a:xfrm>
+          <a:prstGeom prst="straightConnector1">
+            <a:avLst/>
+          </a:prstGeom>
+          <a:ln>
+            <a:tailEnd type="triangle"/>
+          </a:ln>
+        </p:spPr>
+        <p:style>
+          <a:lnRef idx="1">
+            <a:schemeClr val="accent1"/>
+          </a:lnRef>
+          <a:fillRef idx="0">
+            <a:schemeClr val="accent1"/>
+          </a:fillRef>
+          <a:effectRef idx="0">
+            <a:schemeClr val="accent1"/>
+          </a:effectRef>
+          <a:fontRef idx="minor">
+            <a:schemeClr val="tx1"/>
+          </a:fontRef>
+        </p:style>
+      </p:cxnSp>
+      <p:cxnSp>
+        <p:nvCxnSpPr>
+          <p:cNvPr id="386" name="Rett pilkobling 385"/>
+          <p:cNvCxnSpPr/>
+          <p:nvPr/>
+        </p:nvCxnSpPr>
+        <p:spPr>
+          <a:xfrm>
+            <a:off x="1826512" y="4225980"/>
+            <a:ext cx="5334810" cy="1091991"/>
+          </a:xfrm>
+          <a:prstGeom prst="straightConnector1">
+            <a:avLst/>
+          </a:prstGeom>
+          <a:ln>
+            <a:tailEnd type="triangle"/>
+          </a:ln>
+        </p:spPr>
+        <p:style>
+          <a:lnRef idx="1">
+            <a:schemeClr val="accent1"/>
+          </a:lnRef>
+          <a:fillRef idx="0">
+            <a:schemeClr val="accent1"/>
+          </a:fillRef>
+          <a:effectRef idx="0">
+            <a:schemeClr val="accent1"/>
+          </a:effectRef>
+          <a:fontRef idx="minor">
+            <a:schemeClr val="tx1"/>
+          </a:fontRef>
+        </p:style>
+      </p:cxnSp>
+      <p:cxnSp>
+        <p:nvCxnSpPr>
+          <p:cNvPr id="394" name="Rett pilkobling 393"/>
+          <p:cNvCxnSpPr/>
+          <p:nvPr/>
+        </p:nvCxnSpPr>
+        <p:spPr>
+          <a:xfrm>
+            <a:off x="2184400" y="4282588"/>
+            <a:ext cx="7583389" cy="931768"/>
+          </a:xfrm>
+          <a:prstGeom prst="straightConnector1">
+            <a:avLst/>
+          </a:prstGeom>
+          <a:ln>
+            <a:tailEnd type="triangle"/>
+          </a:ln>
+        </p:spPr>
+        <p:style>
+          <a:lnRef idx="1">
+            <a:schemeClr val="accent1"/>
+          </a:lnRef>
+          <a:fillRef idx="0">
+            <a:schemeClr val="accent1"/>
+          </a:fillRef>
+          <a:effectRef idx="0">
+            <a:schemeClr val="accent1"/>
+          </a:effectRef>
+          <a:fontRef idx="minor">
+            <a:schemeClr val="tx1"/>
+          </a:fontRef>
+        </p:style>
+      </p:cxnSp>
+      <p:grpSp>
+        <p:nvGrpSpPr>
+          <p:cNvPr id="396" name="Gruppe 395"/>
+          <p:cNvGrpSpPr/>
+          <p:nvPr/>
+        </p:nvGrpSpPr>
+        <p:grpSpPr>
+          <a:xfrm>
+            <a:off x="7398183" y="5670640"/>
+            <a:ext cx="1021491" cy="609541"/>
+            <a:chOff x="3599935" y="588258"/>
+            <a:chExt cx="1070919" cy="721038"/>
+          </a:xfrm>
+        </p:grpSpPr>
+        <p:sp>
+          <p:nvSpPr>
+            <p:cNvPr id="397" name="Rektangel 396"/>
+            <p:cNvSpPr/>
+            <p:nvPr/>
+          </p:nvSpPr>
+          <p:spPr>
+            <a:xfrm>
+              <a:off x="3599935" y="840259"/>
+              <a:ext cx="782595" cy="214184"/>
+            </a:xfrm>
+            <a:prstGeom prst="rect">
+              <a:avLst/>
+            </a:prstGeom>
+            <a:noFill/>
+          </p:spPr>
+          <p:style>
+            <a:lnRef idx="2">
+              <a:schemeClr val="accent1">
+                <a:shade val="50000"/>
+              </a:schemeClr>
+            </a:lnRef>
+            <a:fillRef idx="1">
+              <a:schemeClr val="accent1"/>
+            </a:fillRef>
+            <a:effectRef idx="0">
+              <a:schemeClr val="accent1"/>
+            </a:effectRef>
+            <a:fontRef idx="minor">
+              <a:schemeClr val="lt1"/>
+            </a:fontRef>
+          </p:style>
+          <p:txBody>
+            <a:bodyPr rtlCol="0" anchor="ctr"/>
+            <a:lstStyle/>
+            <a:p>
+              <a:pPr algn="ctr"/>
+              <a:endParaRPr lang="nb-NO" sz="800" dirty="0"/>
+            </a:p>
+          </p:txBody>
+        </p:sp>
+        <p:sp>
+          <p:nvSpPr>
+            <p:cNvPr id="398" name="TekstSylinder 397"/>
+            <p:cNvSpPr txBox="1"/>
+            <p:nvPr/>
+          </p:nvSpPr>
+          <p:spPr>
+            <a:xfrm>
+              <a:off x="3599935" y="588258"/>
+              <a:ext cx="1070919" cy="254853"/>
+            </a:xfrm>
+            <a:prstGeom prst="rect">
+              <a:avLst/>
+            </a:prstGeom>
+            <a:noFill/>
+          </p:spPr>
+          <p:txBody>
+            <a:bodyPr wrap="square" rtlCol="0">
+              <a:spAutoFit/>
+            </a:bodyPr>
+            <a:lstStyle/>
+            <a:p>
+              <a:r>
+                <a:rPr lang="en-US" sz="800" dirty="0" smtClean="0"/>
+                <a:t>Navn: beskrivelse</a:t>
+              </a:r>
+              <a:endParaRPr lang="nb-NO" sz="800" dirty="0"/>
+            </a:p>
+          </p:txBody>
+        </p:sp>
+        <p:sp>
+          <p:nvSpPr>
+            <p:cNvPr id="399" name="TekstSylinder 398"/>
+            <p:cNvSpPr txBox="1"/>
+            <p:nvPr/>
+          </p:nvSpPr>
+          <p:spPr>
+            <a:xfrm>
+              <a:off x="3599935" y="1054443"/>
+              <a:ext cx="1070919" cy="254853"/>
+            </a:xfrm>
+            <a:prstGeom prst="rect">
+              <a:avLst/>
+            </a:prstGeom>
+            <a:noFill/>
+          </p:spPr>
+          <p:txBody>
+            <a:bodyPr wrap="square" rtlCol="0">
+              <a:spAutoFit/>
+            </a:bodyPr>
+            <a:lstStyle/>
+            <a:p>
+              <a:r>
+                <a:rPr lang="en-US" sz="800" dirty="0" smtClean="0"/>
+                <a:t>Type: String</a:t>
+              </a:r>
+              <a:endParaRPr lang="nb-NO" sz="800" dirty="0"/>
+            </a:p>
+          </p:txBody>
+        </p:sp>
+      </p:grpSp>
+      <p:grpSp>
+        <p:nvGrpSpPr>
+          <p:cNvPr id="400" name="Gruppe 399"/>
+          <p:cNvGrpSpPr/>
+          <p:nvPr/>
+        </p:nvGrpSpPr>
+        <p:grpSpPr>
+          <a:xfrm>
+            <a:off x="8080998" y="5158434"/>
+            <a:ext cx="1021493" cy="602523"/>
+            <a:chOff x="3599935" y="596560"/>
+            <a:chExt cx="1070921" cy="712736"/>
+          </a:xfrm>
+        </p:grpSpPr>
+        <p:sp>
+          <p:nvSpPr>
+            <p:cNvPr id="401" name="Rektangel 400"/>
+            <p:cNvSpPr/>
+            <p:nvPr/>
+          </p:nvSpPr>
+          <p:spPr>
+            <a:xfrm>
+              <a:off x="3599935" y="840259"/>
+              <a:ext cx="782595" cy="214184"/>
+            </a:xfrm>
+            <a:prstGeom prst="rect">
+              <a:avLst/>
+            </a:prstGeom>
+            <a:noFill/>
+          </p:spPr>
+          <p:style>
+            <a:lnRef idx="2">
+              <a:schemeClr val="accent1">
+                <a:shade val="50000"/>
+              </a:schemeClr>
+            </a:lnRef>
+            <a:fillRef idx="1">
+              <a:schemeClr val="accent1"/>
+            </a:fillRef>
+            <a:effectRef idx="0">
+              <a:schemeClr val="accent1"/>
+            </a:effectRef>
+            <a:fontRef idx="minor">
+              <a:schemeClr val="lt1"/>
+            </a:fontRef>
+          </p:style>
+          <p:txBody>
+            <a:bodyPr rtlCol="0" anchor="ctr"/>
+            <a:lstStyle/>
+            <a:p>
+              <a:pPr algn="ctr"/>
+              <a:endParaRPr lang="nb-NO" sz="800" dirty="0"/>
+            </a:p>
+          </p:txBody>
+        </p:sp>
+        <p:sp>
+          <p:nvSpPr>
+            <p:cNvPr id="402" name="TekstSylinder 401"/>
+            <p:cNvSpPr txBox="1"/>
+            <p:nvPr/>
+          </p:nvSpPr>
+          <p:spPr>
+            <a:xfrm>
+              <a:off x="3599935" y="596560"/>
+              <a:ext cx="1070919" cy="254853"/>
+            </a:xfrm>
+            <a:prstGeom prst="rect">
+              <a:avLst/>
+            </a:prstGeom>
+            <a:noFill/>
+          </p:spPr>
+          <p:txBody>
+            <a:bodyPr wrap="square" rtlCol="0">
+              <a:spAutoFit/>
+            </a:bodyPr>
+            <a:lstStyle/>
+            <a:p>
+              <a:r>
+                <a:rPr lang="en-US" sz="800" dirty="0" smtClean="0"/>
+                <a:t>Navn: kiste</a:t>
+              </a:r>
+              <a:endParaRPr lang="nb-NO" sz="800" dirty="0"/>
+            </a:p>
+          </p:txBody>
+        </p:sp>
+        <p:sp>
+          <p:nvSpPr>
+            <p:cNvPr id="403" name="TekstSylinder 402"/>
+            <p:cNvSpPr txBox="1"/>
+            <p:nvPr/>
+          </p:nvSpPr>
+          <p:spPr>
+            <a:xfrm>
+              <a:off x="3599937" y="1054443"/>
+              <a:ext cx="1070919" cy="254853"/>
+            </a:xfrm>
+            <a:prstGeom prst="rect">
+              <a:avLst/>
+            </a:prstGeom>
+            <a:noFill/>
+          </p:spPr>
+          <p:txBody>
+            <a:bodyPr wrap="square" rtlCol="0">
+              <a:spAutoFit/>
+            </a:bodyPr>
+            <a:lstStyle/>
+            <a:p>
+              <a:r>
+                <a:rPr lang="en-US" sz="800" dirty="0" smtClean="0"/>
+                <a:t>Type: Skattkiste</a:t>
+              </a:r>
+              <a:endParaRPr lang="nb-NO" sz="800" dirty="0"/>
+            </a:p>
+          </p:txBody>
+        </p:sp>
+      </p:grpSp>
+      <p:grpSp>
+        <p:nvGrpSpPr>
+          <p:cNvPr id="404" name="Gruppe 403"/>
+          <p:cNvGrpSpPr/>
+          <p:nvPr/>
+        </p:nvGrpSpPr>
+        <p:grpSpPr>
+          <a:xfrm>
+            <a:off x="8408882" y="5705386"/>
+            <a:ext cx="1021493" cy="602523"/>
+            <a:chOff x="3599935" y="596560"/>
+            <a:chExt cx="1070921" cy="712736"/>
+          </a:xfrm>
+        </p:grpSpPr>
+        <p:sp>
+          <p:nvSpPr>
+            <p:cNvPr id="405" name="Rektangel 404"/>
+            <p:cNvSpPr/>
+            <p:nvPr/>
+          </p:nvSpPr>
+          <p:spPr>
+            <a:xfrm>
+              <a:off x="3599935" y="840259"/>
+              <a:ext cx="782595" cy="214184"/>
+            </a:xfrm>
+            <a:prstGeom prst="rect">
+              <a:avLst/>
+            </a:prstGeom>
+            <a:noFill/>
+          </p:spPr>
+          <p:style>
+            <a:lnRef idx="2">
+              <a:schemeClr val="accent1">
+                <a:shade val="50000"/>
+              </a:schemeClr>
+            </a:lnRef>
+            <a:fillRef idx="1">
+              <a:schemeClr val="accent1"/>
+            </a:fillRef>
+            <a:effectRef idx="0">
+              <a:schemeClr val="accent1"/>
+            </a:effectRef>
+            <a:fontRef idx="minor">
+              <a:schemeClr val="lt1"/>
+            </a:fontRef>
+          </p:style>
+          <p:txBody>
+            <a:bodyPr rtlCol="0" anchor="ctr"/>
+            <a:lstStyle/>
+            <a:p>
+              <a:pPr algn="ctr"/>
+              <a:endParaRPr lang="nb-NO" sz="800" dirty="0"/>
+            </a:p>
+          </p:txBody>
+        </p:sp>
+        <p:sp>
+          <p:nvSpPr>
+            <p:cNvPr id="406" name="TekstSylinder 405"/>
+            <p:cNvSpPr txBox="1"/>
+            <p:nvPr/>
+          </p:nvSpPr>
+          <p:spPr>
+            <a:xfrm>
+              <a:off x="3599935" y="596560"/>
+              <a:ext cx="1070919" cy="254853"/>
+            </a:xfrm>
+            <a:prstGeom prst="rect">
+              <a:avLst/>
+            </a:prstGeom>
+            <a:noFill/>
+          </p:spPr>
+          <p:txBody>
+            <a:bodyPr wrap="square" rtlCol="0">
+              <a:spAutoFit/>
+            </a:bodyPr>
+            <a:lstStyle/>
+            <a:p>
+              <a:r>
+                <a:rPr lang="en-US" sz="800" dirty="0" smtClean="0"/>
+                <a:t>Navn: nesteSted</a:t>
+              </a:r>
+              <a:endParaRPr lang="nb-NO" sz="800" dirty="0"/>
+            </a:p>
+          </p:txBody>
+        </p:sp>
+        <p:sp>
+          <p:nvSpPr>
+            <p:cNvPr id="407" name="TekstSylinder 406"/>
+            <p:cNvSpPr txBox="1"/>
+            <p:nvPr/>
+          </p:nvSpPr>
+          <p:spPr>
+            <a:xfrm>
+              <a:off x="3599937" y="1054443"/>
+              <a:ext cx="1070919" cy="254853"/>
+            </a:xfrm>
+            <a:prstGeom prst="rect">
+              <a:avLst/>
+            </a:prstGeom>
+            <a:noFill/>
+          </p:spPr>
+          <p:txBody>
+            <a:bodyPr wrap="square" rtlCol="0">
+              <a:spAutoFit/>
+            </a:bodyPr>
+            <a:lstStyle/>
+            <a:p>
+              <a:r>
+                <a:rPr lang="en-US" sz="800" dirty="0" smtClean="0"/>
+                <a:t>Type: Sted</a:t>
+              </a:r>
+              <a:endParaRPr lang="nb-NO" sz="800" dirty="0"/>
+            </a:p>
+          </p:txBody>
+        </p:sp>
+      </p:grpSp>
+      <p:grpSp>
+        <p:nvGrpSpPr>
+          <p:cNvPr id="408" name="Gruppe 407"/>
+          <p:cNvGrpSpPr/>
+          <p:nvPr/>
+        </p:nvGrpSpPr>
+        <p:grpSpPr>
+          <a:xfrm>
+            <a:off x="4213233" y="5691162"/>
+            <a:ext cx="1021491" cy="609541"/>
+            <a:chOff x="3599935" y="588258"/>
+            <a:chExt cx="1070919" cy="721038"/>
+          </a:xfrm>
+        </p:grpSpPr>
+        <p:sp>
+          <p:nvSpPr>
+            <p:cNvPr id="409" name="Rektangel 408"/>
+            <p:cNvSpPr/>
+            <p:nvPr/>
+          </p:nvSpPr>
+          <p:spPr>
+            <a:xfrm>
+              <a:off x="3599935" y="840259"/>
+              <a:ext cx="782595" cy="214184"/>
+            </a:xfrm>
+            <a:prstGeom prst="rect">
+              <a:avLst/>
+            </a:prstGeom>
+            <a:noFill/>
+          </p:spPr>
+          <p:style>
+            <a:lnRef idx="2">
+              <a:schemeClr val="accent1">
+                <a:shade val="50000"/>
+              </a:schemeClr>
+            </a:lnRef>
+            <a:fillRef idx="1">
+              <a:schemeClr val="accent1"/>
+            </a:fillRef>
+            <a:effectRef idx="0">
+              <a:schemeClr val="accent1"/>
+            </a:effectRef>
+            <a:fontRef idx="minor">
+              <a:schemeClr val="lt1"/>
+            </a:fontRef>
+          </p:style>
+          <p:txBody>
+            <a:bodyPr rtlCol="0" anchor="ctr"/>
+            <a:lstStyle/>
+            <a:p>
+              <a:pPr algn="ctr"/>
+              <a:endParaRPr lang="nb-NO" sz="800" dirty="0"/>
+            </a:p>
+          </p:txBody>
+        </p:sp>
+        <p:sp>
+          <p:nvSpPr>
+            <p:cNvPr id="410" name="TekstSylinder 409"/>
+            <p:cNvSpPr txBox="1"/>
+            <p:nvPr/>
+          </p:nvSpPr>
+          <p:spPr>
+            <a:xfrm>
+              <a:off x="3599935" y="588258"/>
+              <a:ext cx="1070919" cy="254853"/>
+            </a:xfrm>
+            <a:prstGeom prst="rect">
+              <a:avLst/>
+            </a:prstGeom>
+            <a:noFill/>
+          </p:spPr>
+          <p:txBody>
+            <a:bodyPr wrap="square" rtlCol="0">
+              <a:spAutoFit/>
+            </a:bodyPr>
+            <a:lstStyle/>
+            <a:p>
+              <a:r>
+                <a:rPr lang="en-US" sz="800" dirty="0" smtClean="0"/>
+                <a:t>Navn: beskrivelse</a:t>
+              </a:r>
+              <a:endParaRPr lang="nb-NO" sz="800" dirty="0"/>
+            </a:p>
+          </p:txBody>
+        </p:sp>
+        <p:sp>
+          <p:nvSpPr>
+            <p:cNvPr id="411" name="TekstSylinder 410"/>
+            <p:cNvSpPr txBox="1"/>
+            <p:nvPr/>
+          </p:nvSpPr>
+          <p:spPr>
+            <a:xfrm>
+              <a:off x="3599935" y="1054443"/>
+              <a:ext cx="1070919" cy="254853"/>
+            </a:xfrm>
+            <a:prstGeom prst="rect">
+              <a:avLst/>
+            </a:prstGeom>
+            <a:noFill/>
+          </p:spPr>
+          <p:txBody>
+            <a:bodyPr wrap="square" rtlCol="0">
+              <a:spAutoFit/>
+            </a:bodyPr>
+            <a:lstStyle/>
+            <a:p>
+              <a:r>
+                <a:rPr lang="en-US" sz="800" dirty="0" smtClean="0"/>
+                <a:t>Type: String</a:t>
+              </a:r>
+              <a:endParaRPr lang="nb-NO" sz="800" dirty="0"/>
+            </a:p>
+          </p:txBody>
+        </p:sp>
+      </p:grpSp>
+      <p:grpSp>
+        <p:nvGrpSpPr>
+          <p:cNvPr id="412" name="Gruppe 411"/>
+          <p:cNvGrpSpPr/>
+          <p:nvPr/>
+        </p:nvGrpSpPr>
+        <p:grpSpPr>
+          <a:xfrm>
+            <a:off x="4896048" y="5178956"/>
+            <a:ext cx="1021493" cy="602523"/>
+            <a:chOff x="3599935" y="596560"/>
+            <a:chExt cx="1070921" cy="712736"/>
+          </a:xfrm>
+        </p:grpSpPr>
+        <p:sp>
+          <p:nvSpPr>
+            <p:cNvPr id="413" name="Rektangel 412"/>
+            <p:cNvSpPr/>
+            <p:nvPr/>
+          </p:nvSpPr>
+          <p:spPr>
+            <a:xfrm>
+              <a:off x="3599935" y="840259"/>
+              <a:ext cx="782595" cy="214184"/>
+            </a:xfrm>
+            <a:prstGeom prst="rect">
+              <a:avLst/>
+            </a:prstGeom>
+            <a:noFill/>
+          </p:spPr>
+          <p:style>
+            <a:lnRef idx="2">
+              <a:schemeClr val="accent1">
+                <a:shade val="50000"/>
+              </a:schemeClr>
+            </a:lnRef>
+            <a:fillRef idx="1">
+              <a:schemeClr val="accent1"/>
+            </a:fillRef>
+            <a:effectRef idx="0">
+              <a:schemeClr val="accent1"/>
+            </a:effectRef>
+            <a:fontRef idx="minor">
+              <a:schemeClr val="lt1"/>
+            </a:fontRef>
+          </p:style>
+          <p:txBody>
+            <a:bodyPr rtlCol="0" anchor="ctr"/>
+            <a:lstStyle/>
+            <a:p>
+              <a:pPr algn="ctr"/>
+              <a:endParaRPr lang="nb-NO" sz="800" dirty="0"/>
+            </a:p>
+          </p:txBody>
+        </p:sp>
+        <p:sp>
+          <p:nvSpPr>
+            <p:cNvPr id="414" name="TekstSylinder 413"/>
+            <p:cNvSpPr txBox="1"/>
+            <p:nvPr/>
+          </p:nvSpPr>
+          <p:spPr>
+            <a:xfrm>
+              <a:off x="3599935" y="596560"/>
+              <a:ext cx="1070919" cy="254853"/>
+            </a:xfrm>
+            <a:prstGeom prst="rect">
+              <a:avLst/>
+            </a:prstGeom>
+            <a:noFill/>
+          </p:spPr>
+          <p:txBody>
+            <a:bodyPr wrap="square" rtlCol="0">
+              <a:spAutoFit/>
+            </a:bodyPr>
+            <a:lstStyle/>
+            <a:p>
+              <a:r>
+                <a:rPr lang="en-US" sz="800" dirty="0" smtClean="0"/>
+                <a:t>Navn: kiste</a:t>
+              </a:r>
+              <a:endParaRPr lang="nb-NO" sz="800" dirty="0"/>
+            </a:p>
+          </p:txBody>
+        </p:sp>
+        <p:sp>
+          <p:nvSpPr>
+            <p:cNvPr id="415" name="TekstSylinder 414"/>
+            <p:cNvSpPr txBox="1"/>
+            <p:nvPr/>
+          </p:nvSpPr>
+          <p:spPr>
+            <a:xfrm>
+              <a:off x="3599937" y="1054443"/>
+              <a:ext cx="1070919" cy="254853"/>
+            </a:xfrm>
+            <a:prstGeom prst="rect">
+              <a:avLst/>
+            </a:prstGeom>
+            <a:noFill/>
+          </p:spPr>
+          <p:txBody>
+            <a:bodyPr wrap="square" rtlCol="0">
+              <a:spAutoFit/>
+            </a:bodyPr>
+            <a:lstStyle/>
+            <a:p>
+              <a:r>
+                <a:rPr lang="en-US" sz="800" dirty="0" smtClean="0"/>
+                <a:t>Type: Skattkiste</a:t>
+              </a:r>
+              <a:endParaRPr lang="nb-NO" sz="800" dirty="0"/>
+            </a:p>
+          </p:txBody>
+        </p:sp>
+      </p:grpSp>
+      <p:grpSp>
+        <p:nvGrpSpPr>
+          <p:cNvPr id="416" name="Gruppe 415"/>
+          <p:cNvGrpSpPr/>
+          <p:nvPr/>
+        </p:nvGrpSpPr>
+        <p:grpSpPr>
+          <a:xfrm>
+            <a:off x="5223932" y="5725908"/>
+            <a:ext cx="1021493" cy="602523"/>
+            <a:chOff x="3599935" y="596560"/>
+            <a:chExt cx="1070921" cy="712736"/>
+          </a:xfrm>
+        </p:grpSpPr>
+        <p:sp>
+          <p:nvSpPr>
+            <p:cNvPr id="417" name="Rektangel 416"/>
+            <p:cNvSpPr/>
+            <p:nvPr/>
+          </p:nvSpPr>
+          <p:spPr>
+            <a:xfrm>
+              <a:off x="3599935" y="840259"/>
+              <a:ext cx="782595" cy="214184"/>
+            </a:xfrm>
+            <a:prstGeom prst="rect">
+              <a:avLst/>
+            </a:prstGeom>
+            <a:noFill/>
+          </p:spPr>
+          <p:style>
+            <a:lnRef idx="2">
+              <a:schemeClr val="accent1">
+                <a:shade val="50000"/>
+              </a:schemeClr>
+            </a:lnRef>
+            <a:fillRef idx="1">
+              <a:schemeClr val="accent1"/>
+            </a:fillRef>
+            <a:effectRef idx="0">
+              <a:schemeClr val="accent1"/>
+            </a:effectRef>
+            <a:fontRef idx="minor">
+              <a:schemeClr val="lt1"/>
+            </a:fontRef>
+          </p:style>
+          <p:txBody>
+            <a:bodyPr rtlCol="0" anchor="ctr"/>
+            <a:lstStyle/>
+            <a:p>
+              <a:pPr algn="ctr"/>
+              <a:endParaRPr lang="nb-NO" sz="800" dirty="0"/>
+            </a:p>
+          </p:txBody>
+        </p:sp>
+        <p:sp>
+          <p:nvSpPr>
+            <p:cNvPr id="418" name="TekstSylinder 417"/>
+            <p:cNvSpPr txBox="1"/>
+            <p:nvPr/>
+          </p:nvSpPr>
+          <p:spPr>
+            <a:xfrm>
+              <a:off x="3599935" y="596560"/>
+              <a:ext cx="1070919" cy="254853"/>
+            </a:xfrm>
+            <a:prstGeom prst="rect">
+              <a:avLst/>
+            </a:prstGeom>
+            <a:noFill/>
+          </p:spPr>
+          <p:txBody>
+            <a:bodyPr wrap="square" rtlCol="0">
+              <a:spAutoFit/>
+            </a:bodyPr>
+            <a:lstStyle/>
+            <a:p>
+              <a:r>
+                <a:rPr lang="en-US" sz="800" dirty="0" smtClean="0"/>
+                <a:t>Navn: nesteSted</a:t>
+              </a:r>
+              <a:endParaRPr lang="nb-NO" sz="800" dirty="0"/>
+            </a:p>
+          </p:txBody>
+        </p:sp>
+        <p:sp>
+          <p:nvSpPr>
+            <p:cNvPr id="419" name="TekstSylinder 418"/>
+            <p:cNvSpPr txBox="1"/>
+            <p:nvPr/>
+          </p:nvSpPr>
+          <p:spPr>
+            <a:xfrm>
+              <a:off x="3599937" y="1054443"/>
+              <a:ext cx="1070919" cy="254853"/>
+            </a:xfrm>
+            <a:prstGeom prst="rect">
+              <a:avLst/>
+            </a:prstGeom>
+            <a:noFill/>
+          </p:spPr>
+          <p:txBody>
+            <a:bodyPr wrap="square" rtlCol="0">
+              <a:spAutoFit/>
+            </a:bodyPr>
+            <a:lstStyle/>
+            <a:p>
+              <a:r>
+                <a:rPr lang="en-US" sz="800" dirty="0" smtClean="0"/>
+                <a:t>Type: Sted</a:t>
+              </a:r>
+              <a:endParaRPr lang="nb-NO" sz="800" dirty="0"/>
+            </a:p>
+          </p:txBody>
+        </p:sp>
+      </p:grpSp>
+      <p:grpSp>
+        <p:nvGrpSpPr>
+          <p:cNvPr id="420" name="Gruppe 419"/>
+          <p:cNvGrpSpPr/>
+          <p:nvPr/>
+        </p:nvGrpSpPr>
+        <p:grpSpPr>
+          <a:xfrm>
+            <a:off x="1612608" y="5666421"/>
+            <a:ext cx="1021491" cy="609541"/>
+            <a:chOff x="3599935" y="588258"/>
+            <a:chExt cx="1070919" cy="721038"/>
+          </a:xfrm>
+        </p:grpSpPr>
+        <p:sp>
+          <p:nvSpPr>
+            <p:cNvPr id="421" name="Rektangel 420"/>
+            <p:cNvSpPr/>
+            <p:nvPr/>
+          </p:nvSpPr>
+          <p:spPr>
+            <a:xfrm>
+              <a:off x="3599935" y="840259"/>
+              <a:ext cx="782595" cy="214184"/>
+            </a:xfrm>
+            <a:prstGeom prst="rect">
+              <a:avLst/>
+            </a:prstGeom>
+            <a:noFill/>
+          </p:spPr>
+          <p:style>
+            <a:lnRef idx="2">
+              <a:schemeClr val="accent1">
+                <a:shade val="50000"/>
+              </a:schemeClr>
+            </a:lnRef>
+            <a:fillRef idx="1">
+              <a:schemeClr val="accent1"/>
+            </a:fillRef>
+            <a:effectRef idx="0">
+              <a:schemeClr val="accent1"/>
+            </a:effectRef>
+            <a:fontRef idx="minor">
+              <a:schemeClr val="lt1"/>
+            </a:fontRef>
+          </p:style>
+          <p:txBody>
+            <a:bodyPr rtlCol="0" anchor="ctr"/>
+            <a:lstStyle/>
+            <a:p>
+              <a:pPr algn="ctr"/>
+              <a:endParaRPr lang="nb-NO" sz="800" dirty="0"/>
+            </a:p>
+          </p:txBody>
+        </p:sp>
+        <p:sp>
+          <p:nvSpPr>
+            <p:cNvPr id="422" name="TekstSylinder 421"/>
+            <p:cNvSpPr txBox="1"/>
+            <p:nvPr/>
+          </p:nvSpPr>
+          <p:spPr>
+            <a:xfrm>
+              <a:off x="3599935" y="588258"/>
+              <a:ext cx="1070919" cy="254853"/>
+            </a:xfrm>
+            <a:prstGeom prst="rect">
+              <a:avLst/>
+            </a:prstGeom>
+            <a:noFill/>
+          </p:spPr>
+          <p:txBody>
+            <a:bodyPr wrap="square" rtlCol="0">
+              <a:spAutoFit/>
+            </a:bodyPr>
+            <a:lstStyle/>
+            <a:p>
+              <a:r>
+                <a:rPr lang="en-US" sz="800" dirty="0" smtClean="0"/>
+                <a:t>Navn: beskrivelse</a:t>
+              </a:r>
+              <a:endParaRPr lang="nb-NO" sz="800" dirty="0"/>
+            </a:p>
+          </p:txBody>
+        </p:sp>
+        <p:sp>
+          <p:nvSpPr>
+            <p:cNvPr id="423" name="TekstSylinder 422"/>
+            <p:cNvSpPr txBox="1"/>
+            <p:nvPr/>
+          </p:nvSpPr>
+          <p:spPr>
+            <a:xfrm>
+              <a:off x="3599935" y="1054443"/>
+              <a:ext cx="1070919" cy="254853"/>
+            </a:xfrm>
+            <a:prstGeom prst="rect">
+              <a:avLst/>
+            </a:prstGeom>
+            <a:noFill/>
+          </p:spPr>
+          <p:txBody>
+            <a:bodyPr wrap="square" rtlCol="0">
+              <a:spAutoFit/>
+            </a:bodyPr>
+            <a:lstStyle/>
+            <a:p>
+              <a:r>
+                <a:rPr lang="en-US" sz="800" dirty="0" smtClean="0"/>
+                <a:t>Type: String</a:t>
+              </a:r>
+              <a:endParaRPr lang="nb-NO" sz="800" dirty="0"/>
+            </a:p>
+          </p:txBody>
+        </p:sp>
+      </p:grpSp>
+      <p:grpSp>
+        <p:nvGrpSpPr>
+          <p:cNvPr id="424" name="Gruppe 423"/>
+          <p:cNvGrpSpPr/>
+          <p:nvPr/>
+        </p:nvGrpSpPr>
+        <p:grpSpPr>
+          <a:xfrm>
+            <a:off x="2295423" y="5154215"/>
+            <a:ext cx="1021493" cy="602523"/>
+            <a:chOff x="3599935" y="596560"/>
+            <a:chExt cx="1070921" cy="712736"/>
+          </a:xfrm>
+        </p:grpSpPr>
+        <p:sp>
+          <p:nvSpPr>
+            <p:cNvPr id="425" name="Rektangel 424"/>
+            <p:cNvSpPr/>
+            <p:nvPr/>
+          </p:nvSpPr>
+          <p:spPr>
+            <a:xfrm>
+              <a:off x="3599935" y="840259"/>
+              <a:ext cx="782595" cy="214184"/>
+            </a:xfrm>
+            <a:prstGeom prst="rect">
+              <a:avLst/>
+            </a:prstGeom>
+            <a:noFill/>
+          </p:spPr>
+          <p:style>
+            <a:lnRef idx="2">
+              <a:schemeClr val="accent1">
+                <a:shade val="50000"/>
+              </a:schemeClr>
+            </a:lnRef>
+            <a:fillRef idx="1">
+              <a:schemeClr val="accent1"/>
+            </a:fillRef>
+            <a:effectRef idx="0">
+              <a:schemeClr val="accent1"/>
+            </a:effectRef>
+            <a:fontRef idx="minor">
+              <a:schemeClr val="lt1"/>
+            </a:fontRef>
+          </p:style>
+          <p:txBody>
+            <a:bodyPr rtlCol="0" anchor="ctr"/>
+            <a:lstStyle/>
+            <a:p>
+              <a:pPr algn="ctr"/>
+              <a:endParaRPr lang="nb-NO" sz="800" dirty="0"/>
+            </a:p>
+          </p:txBody>
+        </p:sp>
+        <p:sp>
+          <p:nvSpPr>
+            <p:cNvPr id="426" name="TekstSylinder 425"/>
+            <p:cNvSpPr txBox="1"/>
+            <p:nvPr/>
+          </p:nvSpPr>
+          <p:spPr>
+            <a:xfrm>
+              <a:off x="3599935" y="596560"/>
+              <a:ext cx="1070919" cy="254853"/>
+            </a:xfrm>
+            <a:prstGeom prst="rect">
+              <a:avLst/>
+            </a:prstGeom>
+            <a:noFill/>
+          </p:spPr>
+          <p:txBody>
+            <a:bodyPr wrap="square" rtlCol="0">
+              <a:spAutoFit/>
+            </a:bodyPr>
+            <a:lstStyle/>
+            <a:p>
+              <a:r>
+                <a:rPr lang="en-US" sz="800" dirty="0" smtClean="0"/>
+                <a:t>Navn: kiste</a:t>
+              </a:r>
+              <a:endParaRPr lang="nb-NO" sz="800" dirty="0"/>
+            </a:p>
+          </p:txBody>
+        </p:sp>
+        <p:sp>
+          <p:nvSpPr>
+            <p:cNvPr id="427" name="TekstSylinder 426"/>
+            <p:cNvSpPr txBox="1"/>
+            <p:nvPr/>
+          </p:nvSpPr>
+          <p:spPr>
+            <a:xfrm>
+              <a:off x="3599937" y="1054443"/>
+              <a:ext cx="1070919" cy="254853"/>
+            </a:xfrm>
+            <a:prstGeom prst="rect">
+              <a:avLst/>
+            </a:prstGeom>
+            <a:noFill/>
+          </p:spPr>
+          <p:txBody>
+            <a:bodyPr wrap="square" rtlCol="0">
+              <a:spAutoFit/>
+            </a:bodyPr>
+            <a:lstStyle/>
+            <a:p>
+              <a:r>
+                <a:rPr lang="en-US" sz="800" dirty="0" smtClean="0"/>
+                <a:t>Type: Skattkiste</a:t>
+              </a:r>
+              <a:endParaRPr lang="nb-NO" sz="800" dirty="0"/>
+            </a:p>
+          </p:txBody>
+        </p:sp>
+      </p:grpSp>
+      <p:grpSp>
+        <p:nvGrpSpPr>
+          <p:cNvPr id="428" name="Gruppe 427"/>
+          <p:cNvGrpSpPr/>
+          <p:nvPr/>
+        </p:nvGrpSpPr>
+        <p:grpSpPr>
+          <a:xfrm>
+            <a:off x="2623307" y="5701167"/>
+            <a:ext cx="1021493" cy="602523"/>
+            <a:chOff x="3599935" y="596560"/>
+            <a:chExt cx="1070921" cy="712736"/>
+          </a:xfrm>
+        </p:grpSpPr>
+        <p:sp>
+          <p:nvSpPr>
+            <p:cNvPr id="429" name="Rektangel 428"/>
+            <p:cNvSpPr/>
+            <p:nvPr/>
+          </p:nvSpPr>
+          <p:spPr>
+            <a:xfrm>
+              <a:off x="3599935" y="840259"/>
+              <a:ext cx="782595" cy="214184"/>
+            </a:xfrm>
+            <a:prstGeom prst="rect">
+              <a:avLst/>
+            </a:prstGeom>
+            <a:noFill/>
+          </p:spPr>
+          <p:style>
+            <a:lnRef idx="2">
+              <a:schemeClr val="accent1">
+                <a:shade val="50000"/>
+              </a:schemeClr>
+            </a:lnRef>
+            <a:fillRef idx="1">
+              <a:schemeClr val="accent1"/>
+            </a:fillRef>
+            <a:effectRef idx="0">
+              <a:schemeClr val="accent1"/>
+            </a:effectRef>
+            <a:fontRef idx="minor">
+              <a:schemeClr val="lt1"/>
+            </a:fontRef>
+          </p:style>
+          <p:txBody>
+            <a:bodyPr rtlCol="0" anchor="ctr"/>
+            <a:lstStyle/>
+            <a:p>
+              <a:pPr algn="ctr"/>
+              <a:endParaRPr lang="nb-NO" sz="800" dirty="0"/>
+            </a:p>
+          </p:txBody>
+        </p:sp>
+        <p:sp>
+          <p:nvSpPr>
+            <p:cNvPr id="430" name="TekstSylinder 429"/>
+            <p:cNvSpPr txBox="1"/>
+            <p:nvPr/>
+          </p:nvSpPr>
+          <p:spPr>
+            <a:xfrm>
+              <a:off x="3599935" y="596560"/>
+              <a:ext cx="1070919" cy="254853"/>
+            </a:xfrm>
+            <a:prstGeom prst="rect">
+              <a:avLst/>
+            </a:prstGeom>
+            <a:noFill/>
+          </p:spPr>
+          <p:txBody>
+            <a:bodyPr wrap="square" rtlCol="0">
+              <a:spAutoFit/>
+            </a:bodyPr>
+            <a:lstStyle/>
+            <a:p>
+              <a:r>
+                <a:rPr lang="en-US" sz="800" dirty="0" smtClean="0"/>
+                <a:t>Navn: nesteSted</a:t>
+              </a:r>
+              <a:endParaRPr lang="nb-NO" sz="800" dirty="0"/>
+            </a:p>
+          </p:txBody>
+        </p:sp>
+        <p:sp>
+          <p:nvSpPr>
+            <p:cNvPr id="431" name="TekstSylinder 430"/>
+            <p:cNvSpPr txBox="1"/>
+            <p:nvPr/>
+          </p:nvSpPr>
+          <p:spPr>
+            <a:xfrm>
+              <a:off x="3599937" y="1054443"/>
+              <a:ext cx="1070919" cy="254853"/>
+            </a:xfrm>
+            <a:prstGeom prst="rect">
+              <a:avLst/>
+            </a:prstGeom>
+            <a:noFill/>
+          </p:spPr>
+          <p:txBody>
+            <a:bodyPr wrap="square" rtlCol="0">
+              <a:spAutoFit/>
+            </a:bodyPr>
+            <a:lstStyle/>
+            <a:p>
+              <a:r>
+                <a:rPr lang="en-US" sz="800" dirty="0" smtClean="0"/>
+                <a:t>Type: Sted</a:t>
+              </a:r>
+              <a:endParaRPr lang="nb-NO" sz="800" dirty="0"/>
+            </a:p>
+          </p:txBody>
+        </p:sp>
+      </p:grpSp>
+      <p:cxnSp>
+        <p:nvCxnSpPr>
+          <p:cNvPr id="433" name="Rett pilkobling 432"/>
+          <p:cNvCxnSpPr/>
+          <p:nvPr/>
+        </p:nvCxnSpPr>
+        <p:spPr>
+          <a:xfrm flipH="1" flipV="1">
+            <a:off x="9848810" y="3797541"/>
+            <a:ext cx="1049551" cy="1596859"/>
+          </a:xfrm>
+          <a:prstGeom prst="straightConnector1">
+            <a:avLst/>
+          </a:prstGeom>
+          <a:ln>
+            <a:tailEnd type="triangle"/>
+          </a:ln>
+        </p:spPr>
+        <p:style>
+          <a:lnRef idx="1">
+            <a:schemeClr val="accent1"/>
+          </a:lnRef>
+          <a:fillRef idx="0">
+            <a:schemeClr val="accent1"/>
+          </a:fillRef>
+          <a:effectRef idx="0">
+            <a:schemeClr val="accent1"/>
+          </a:effectRef>
+          <a:fontRef idx="minor">
+            <a:schemeClr val="tx1"/>
+          </a:fontRef>
+        </p:style>
+      </p:cxnSp>
+      <p:cxnSp>
+        <p:nvCxnSpPr>
+          <p:cNvPr id="435" name="Rett pilkobling 434"/>
+          <p:cNvCxnSpPr/>
+          <p:nvPr/>
+        </p:nvCxnSpPr>
+        <p:spPr>
+          <a:xfrm>
+            <a:off x="3501616" y="2810576"/>
+            <a:ext cx="2113041" cy="233414"/>
+          </a:xfrm>
+          <a:prstGeom prst="straightConnector1">
+            <a:avLst/>
+          </a:prstGeom>
+          <a:ln>
+            <a:tailEnd type="triangle"/>
+          </a:ln>
+        </p:spPr>
+        <p:style>
+          <a:lnRef idx="1">
+            <a:schemeClr val="accent1"/>
+          </a:lnRef>
+          <a:fillRef idx="0">
+            <a:schemeClr val="accent1"/>
+          </a:fillRef>
+          <a:effectRef idx="0">
+            <a:schemeClr val="accent1"/>
+          </a:effectRef>
+          <a:fontRef idx="minor">
+            <a:schemeClr val="tx1"/>
+          </a:fontRef>
+        </p:style>
+      </p:cxnSp>
+      <p:cxnSp>
+        <p:nvCxnSpPr>
+          <p:cNvPr id="438" name="Rett pilkobling 437"/>
+          <p:cNvCxnSpPr/>
+          <p:nvPr/>
+        </p:nvCxnSpPr>
+        <p:spPr>
+          <a:xfrm>
+            <a:off x="3904636" y="3323214"/>
+            <a:ext cx="1319296" cy="1841972"/>
+          </a:xfrm>
+          <a:prstGeom prst="straightConnector1">
+            <a:avLst/>
+          </a:prstGeom>
+          <a:ln>
+            <a:tailEnd type="triangle"/>
+          </a:ln>
+        </p:spPr>
+        <p:style>
+          <a:lnRef idx="1">
+            <a:schemeClr val="accent1"/>
+          </a:lnRef>
+          <a:fillRef idx="0">
+            <a:schemeClr val="accent1"/>
+          </a:fillRef>
+          <a:effectRef idx="0">
+            <a:schemeClr val="accent1"/>
+          </a:effectRef>
+          <a:fontRef idx="minor">
+            <a:schemeClr val="tx1"/>
+          </a:fontRef>
+        </p:style>
+      </p:cxnSp>
+      <p:cxnSp>
+        <p:nvCxnSpPr>
+          <p:cNvPr id="440" name="Rett pilkobling 439"/>
+          <p:cNvCxnSpPr>
+            <a:stCxn id="431" idx="0"/>
+          </p:cNvCxnSpPr>
+          <p:nvPr/>
+        </p:nvCxnSpPr>
+        <p:spPr>
+          <a:xfrm flipV="1">
+            <a:off x="3134055" y="6049858"/>
+            <a:ext cx="844722" cy="38388"/>
+          </a:xfrm>
+          <a:prstGeom prst="straightConnector1">
+            <a:avLst/>
+          </a:prstGeom>
+          <a:ln>
+            <a:tailEnd type="triangle"/>
+          </a:ln>
+        </p:spPr>
+        <p:style>
+          <a:lnRef idx="1">
+            <a:schemeClr val="accent1"/>
+          </a:lnRef>
+          <a:fillRef idx="0">
+            <a:schemeClr val="accent1"/>
+          </a:fillRef>
+          <a:effectRef idx="0">
+            <a:schemeClr val="accent1"/>
+          </a:effectRef>
+          <a:fontRef idx="minor">
+            <a:schemeClr val="tx1"/>
+          </a:fontRef>
+        </p:style>
+      </p:cxnSp>
+      <p:cxnSp>
+        <p:nvCxnSpPr>
+          <p:cNvPr id="442" name="Rett pilkobling 441"/>
+          <p:cNvCxnSpPr>
+            <a:endCxn id="139" idx="1"/>
+          </p:cNvCxnSpPr>
+          <p:nvPr/>
+        </p:nvCxnSpPr>
+        <p:spPr>
+          <a:xfrm flipV="1">
+            <a:off x="6123265" y="5700248"/>
+            <a:ext cx="219656" cy="325652"/>
+          </a:xfrm>
+          <a:prstGeom prst="straightConnector1">
+            <a:avLst/>
+          </a:prstGeom>
+          <a:ln>
+            <a:tailEnd type="triangle"/>
+          </a:ln>
+        </p:spPr>
+        <p:style>
+          <a:lnRef idx="1">
+            <a:schemeClr val="accent1"/>
+          </a:lnRef>
+          <a:fillRef idx="0">
+            <a:schemeClr val="accent1"/>
+          </a:fillRef>
+          <a:effectRef idx="0">
+            <a:schemeClr val="accent1"/>
+          </a:effectRef>
+          <a:fontRef idx="minor">
+            <a:schemeClr val="tx1"/>
+          </a:fontRef>
+        </p:style>
+      </p:cxnSp>
+      <p:cxnSp>
+        <p:nvCxnSpPr>
+          <p:cNvPr id="444" name="Rett pilkobling 443"/>
+          <p:cNvCxnSpPr>
+            <a:stCxn id="139" idx="3"/>
+          </p:cNvCxnSpPr>
+          <p:nvPr/>
+        </p:nvCxnSpPr>
+        <p:spPr>
+          <a:xfrm>
+            <a:off x="6990621" y="5700248"/>
+            <a:ext cx="199701" cy="241104"/>
+          </a:xfrm>
+          <a:prstGeom prst="straightConnector1">
+            <a:avLst/>
+          </a:prstGeom>
+          <a:ln>
+            <a:tailEnd type="triangle"/>
+          </a:ln>
+        </p:spPr>
+        <p:style>
+          <a:lnRef idx="1">
+            <a:schemeClr val="accent1"/>
+          </a:lnRef>
+          <a:fillRef idx="0">
+            <a:schemeClr val="accent1"/>
+          </a:fillRef>
+          <a:effectRef idx="0">
+            <a:schemeClr val="accent1"/>
+          </a:effectRef>
+          <a:fontRef idx="minor">
+            <a:schemeClr val="tx1"/>
+          </a:fontRef>
+        </p:style>
+      </p:cxnSp>
+      <p:cxnSp>
+        <p:nvCxnSpPr>
+          <p:cNvPr id="448" name="Rett pilkobling 447"/>
+          <p:cNvCxnSpPr/>
+          <p:nvPr/>
+        </p:nvCxnSpPr>
+        <p:spPr>
+          <a:xfrm>
+            <a:off x="8911919" y="6025900"/>
+            <a:ext cx="814488" cy="0"/>
+          </a:xfrm>
+          <a:prstGeom prst="straightConnector1">
+            <a:avLst/>
+          </a:prstGeom>
+          <a:ln>
+            <a:tailEnd type="triangle"/>
+          </a:ln>
+        </p:spPr>
+        <p:style>
+          <a:lnRef idx="1">
+            <a:schemeClr val="accent1"/>
+          </a:lnRef>
+          <a:fillRef idx="0">
+            <a:schemeClr val="accent1"/>
+          </a:fillRef>
+          <a:effectRef idx="0">
+            <a:schemeClr val="accent1"/>
+          </a:effectRef>
+          <a:fontRef idx="minor">
+            <a:schemeClr val="tx1"/>
+          </a:fontRef>
+        </p:style>
+      </p:cxnSp>
+      <p:sp>
+        <p:nvSpPr>
+          <p:cNvPr id="454" name="Bue 453"/>
+          <p:cNvSpPr/>
+          <p:nvPr/>
+        </p:nvSpPr>
+        <p:spPr>
+          <a:xfrm rot="10498845">
+            <a:off x="3065361" y="4508210"/>
+            <a:ext cx="8974181" cy="2138301"/>
+          </a:xfrm>
+          <a:prstGeom prst="arc">
+            <a:avLst>
+              <a:gd name="adj1" fmla="val 11455292"/>
+              <a:gd name="adj2" fmla="val 21257420"/>
+            </a:avLst>
+          </a:prstGeom>
+          <a:ln w="9525" cap="flat" cmpd="sng" algn="ctr">
+            <a:solidFill>
+              <a:schemeClr val="accent1"/>
+            </a:solidFill>
+            <a:prstDash val="solid"/>
+            <a:round/>
+            <a:headEnd type="none" w="med" len="med"/>
+            <a:tailEnd type="arrow" w="med" len="med"/>
+          </a:ln>
+        </p:spPr>
+        <p:style>
+          <a:lnRef idx="0">
+            <a:scrgbClr r="0" g="0" b="0"/>
+          </a:lnRef>
+          <a:fillRef idx="0">
+            <a:scrgbClr r="0" g="0" b="0"/>
+          </a:fillRef>
+          <a:effectRef idx="0">
+            <a:scrgbClr r="0" g="0" b="0"/>
+          </a:effectRef>
+          <a:fontRef idx="minor">
+            <a:schemeClr val="tx1"/>
+          </a:fontRef>
+        </p:style>
+        <p:txBody>
+          <a:bodyPr rtlCol="0" anchor="ctr"/>
+          <a:lstStyle/>
+          <a:p>
+            <a:pPr algn="ctr"/>
+            <a:endParaRPr lang="nb-NO" dirty="0"/>
+          </a:p>
+        </p:txBody>
+      </p:sp>
+      <p:sp>
+        <p:nvSpPr>
+          <p:cNvPr id="458" name="Rektangel 457"/>
+          <p:cNvSpPr/>
+          <p:nvPr/>
+        </p:nvSpPr>
+        <p:spPr>
+          <a:xfrm>
+            <a:off x="8746297" y="3081152"/>
+            <a:ext cx="746475" cy="62249"/>
+          </a:xfrm>
+          <a:prstGeom prst="rect">
+            <a:avLst/>
+          </a:prstGeom>
+          <a:noFill/>
+        </p:spPr>
+        <p:style>
+          <a:lnRef idx="2">
+            <a:schemeClr val="accent1">
+              <a:shade val="50000"/>
+            </a:schemeClr>
+          </a:lnRef>
+          <a:fillRef idx="1">
+            <a:schemeClr val="accent1"/>
+          </a:fillRef>
+          <a:effectRef idx="0">
+            <a:schemeClr val="accent1"/>
+          </a:effectRef>
+          <a:fontRef idx="minor">
+            <a:schemeClr val="lt1"/>
+          </a:fontRef>
+        </p:style>
+        <p:txBody>
+          <a:bodyPr rtlCol="0" anchor="ctr"/>
+          <a:lstStyle/>
+          <a:p>
+            <a:pPr algn="ctr"/>
+            <a:endParaRPr lang="nb-NO" sz="800" dirty="0"/>
+          </a:p>
+        </p:txBody>
+      </p:sp>
+      <p:cxnSp>
+        <p:nvCxnSpPr>
+          <p:cNvPr id="460" name="Rett pilkobling 459"/>
+          <p:cNvCxnSpPr>
+            <a:stCxn id="234" idx="0"/>
+          </p:cNvCxnSpPr>
+          <p:nvPr/>
+        </p:nvCxnSpPr>
+        <p:spPr>
+          <a:xfrm flipV="1">
+            <a:off x="9400939" y="1721130"/>
+            <a:ext cx="521283" cy="1368932"/>
+          </a:xfrm>
+          <a:prstGeom prst="straightConnector1">
+            <a:avLst/>
+          </a:prstGeom>
+          <a:ln>
+            <a:tailEnd type="triangle"/>
+          </a:ln>
+        </p:spPr>
+        <p:style>
+          <a:lnRef idx="1">
+            <a:schemeClr val="accent1"/>
+          </a:lnRef>
+          <a:fillRef idx="0">
+            <a:schemeClr val="accent1"/>
+          </a:fillRef>
+          <a:effectRef idx="0">
+            <a:schemeClr val="accent1"/>
+          </a:effectRef>
+          <a:fontRef idx="minor">
+            <a:schemeClr val="tx1"/>
+          </a:fontRef>
+        </p:style>
+      </p:cxnSp>
+    </p:spTree>
+    <p:extLst>
+      <p:ext uri="{BB962C8B-B14F-4D97-AF65-F5344CB8AC3E}">
+        <p14:creationId xmlns:p14="http://schemas.microsoft.com/office/powerpoint/2010/main" val="1510726945"/>
+      </p:ext>
+    </p:extLst>
+  </p:cSld>
+  <p:clrMapOvr>
+    <a:masterClrMapping/>
+  </p:clrMapOvr>
 </p:sld>
 </file>
 

--- a/Eksamen/datastruktur.pptx
+++ b/Eksamen/datastruktur.pptx
@@ -244,7 +244,7 @@
           <a:p>
             <a:fld id="{8AEE21A2-6830-4344-823D-EC3B1CDF88AC}" type="datetimeFigureOut">
               <a:rPr lang="nb-NO" smtClean="0"/>
-              <a:t>04.06.2020</a:t>
+              <a:t>06.06.2020</a:t>
             </a:fld>
             <a:endParaRPr lang="nb-NO" dirty="0"/>
           </a:p>
@@ -414,7 +414,7 @@
           <a:p>
             <a:fld id="{8AEE21A2-6830-4344-823D-EC3B1CDF88AC}" type="datetimeFigureOut">
               <a:rPr lang="nb-NO" smtClean="0"/>
-              <a:t>04.06.2020</a:t>
+              <a:t>06.06.2020</a:t>
             </a:fld>
             <a:endParaRPr lang="nb-NO" dirty="0"/>
           </a:p>
@@ -594,7 +594,7 @@
           <a:p>
             <a:fld id="{8AEE21A2-6830-4344-823D-EC3B1CDF88AC}" type="datetimeFigureOut">
               <a:rPr lang="nb-NO" smtClean="0"/>
-              <a:t>04.06.2020</a:t>
+              <a:t>06.06.2020</a:t>
             </a:fld>
             <a:endParaRPr lang="nb-NO" dirty="0"/>
           </a:p>
@@ -764,7 +764,7 @@
           <a:p>
             <a:fld id="{8AEE21A2-6830-4344-823D-EC3B1CDF88AC}" type="datetimeFigureOut">
               <a:rPr lang="nb-NO" smtClean="0"/>
-              <a:t>04.06.2020</a:t>
+              <a:t>06.06.2020</a:t>
             </a:fld>
             <a:endParaRPr lang="nb-NO" dirty="0"/>
           </a:p>
@@ -1010,7 +1010,7 @@
           <a:p>
             <a:fld id="{8AEE21A2-6830-4344-823D-EC3B1CDF88AC}" type="datetimeFigureOut">
               <a:rPr lang="nb-NO" smtClean="0"/>
-              <a:t>04.06.2020</a:t>
+              <a:t>06.06.2020</a:t>
             </a:fld>
             <a:endParaRPr lang="nb-NO" dirty="0"/>
           </a:p>
@@ -1242,7 +1242,7 @@
           <a:p>
             <a:fld id="{8AEE21A2-6830-4344-823D-EC3B1CDF88AC}" type="datetimeFigureOut">
               <a:rPr lang="nb-NO" smtClean="0"/>
-              <a:t>04.06.2020</a:t>
+              <a:t>06.06.2020</a:t>
             </a:fld>
             <a:endParaRPr lang="nb-NO" dirty="0"/>
           </a:p>
@@ -1609,7 +1609,7 @@
           <a:p>
             <a:fld id="{8AEE21A2-6830-4344-823D-EC3B1CDF88AC}" type="datetimeFigureOut">
               <a:rPr lang="nb-NO" smtClean="0"/>
-              <a:t>04.06.2020</a:t>
+              <a:t>06.06.2020</a:t>
             </a:fld>
             <a:endParaRPr lang="nb-NO" dirty="0"/>
           </a:p>
@@ -1727,7 +1727,7 @@
           <a:p>
             <a:fld id="{8AEE21A2-6830-4344-823D-EC3B1CDF88AC}" type="datetimeFigureOut">
               <a:rPr lang="nb-NO" smtClean="0"/>
-              <a:t>04.06.2020</a:t>
+              <a:t>06.06.2020</a:t>
             </a:fld>
             <a:endParaRPr lang="nb-NO" dirty="0"/>
           </a:p>
@@ -1822,7 +1822,7 @@
           <a:p>
             <a:fld id="{8AEE21A2-6830-4344-823D-EC3B1CDF88AC}" type="datetimeFigureOut">
               <a:rPr lang="nb-NO" smtClean="0"/>
-              <a:t>04.06.2020</a:t>
+              <a:t>06.06.2020</a:t>
             </a:fld>
             <a:endParaRPr lang="nb-NO" dirty="0"/>
           </a:p>
@@ -2099,7 +2099,7 @@
           <a:p>
             <a:fld id="{8AEE21A2-6830-4344-823D-EC3B1CDF88AC}" type="datetimeFigureOut">
               <a:rPr lang="nb-NO" smtClean="0"/>
-              <a:t>04.06.2020</a:t>
+              <a:t>06.06.2020</a:t>
             </a:fld>
             <a:endParaRPr lang="nb-NO" dirty="0"/>
           </a:p>
@@ -2352,7 +2352,7 @@
           <a:p>
             <a:fld id="{8AEE21A2-6830-4344-823D-EC3B1CDF88AC}" type="datetimeFigureOut">
               <a:rPr lang="nb-NO" smtClean="0"/>
-              <a:t>04.06.2020</a:t>
+              <a:t>06.06.2020</a:t>
             </a:fld>
             <a:endParaRPr lang="nb-NO" dirty="0"/>
           </a:p>
@@ -2565,7 +2565,7 @@
           <a:p>
             <a:fld id="{8AEE21A2-6830-4344-823D-EC3B1CDF88AC}" type="datetimeFigureOut">
               <a:rPr lang="nb-NO" smtClean="0"/>
-              <a:t>04.06.2020</a:t>
+              <a:t>06.06.2020</a:t>
             </a:fld>
             <a:endParaRPr lang="nb-NO" dirty="0"/>
           </a:p>
@@ -3942,7 +3942,7 @@
         <p:spPr>
           <a:xfrm>
             <a:off x="244266" y="224545"/>
-            <a:ext cx="2164615" cy="1948708"/>
+            <a:ext cx="2614264" cy="1948708"/>
           </a:xfrm>
           <a:prstGeom prst="roundRect">
             <a:avLst/>
@@ -4385,7 +4385,7 @@
         <p:spPr>
           <a:xfrm>
             <a:off x="343050" y="1254590"/>
-            <a:ext cx="2010034" cy="723950"/>
+            <a:ext cx="2424864" cy="723950"/>
           </a:xfrm>
           <a:prstGeom prst="rect">
             <a:avLst/>
@@ -4425,8 +4425,8 @@
         </p:nvSpPr>
         <p:spPr>
           <a:xfrm>
-            <a:off x="285391" y="1025437"/>
-            <a:ext cx="2010032" cy="215444"/>
+            <a:off x="285390" y="1025437"/>
+            <a:ext cx="2703635" cy="215444"/>
           </a:xfrm>
           <a:prstGeom prst="rect">
             <a:avLst/>
@@ -4441,7 +4441,31 @@
           <a:p>
             <a:r>
               <a:rPr lang="en-US" sz="800" dirty="0"/>
-              <a:t>public static void main(String[] args</a:t>
+              <a:t>public static Spiller </a:t>
+            </a:r>
+            <a:r>
+              <a:rPr lang="en-US" sz="800" dirty="0" err="1"/>
+              <a:t>startSpill</a:t>
+            </a:r>
+            <a:r>
+              <a:rPr lang="en-US" sz="800" dirty="0"/>
+              <a:t>(</a:t>
+            </a:r>
+            <a:r>
+              <a:rPr lang="en-US" sz="800" dirty="0" err="1"/>
+              <a:t>Terreng</a:t>
+            </a:r>
+            <a:r>
+              <a:rPr lang="en-US" sz="800" dirty="0"/>
+              <a:t> </a:t>
+            </a:r>
+            <a:r>
+              <a:rPr lang="en-US" sz="800" dirty="0" err="1"/>
+              <a:t>terreng</a:t>
+            </a:r>
+            <a:r>
+              <a:rPr lang="en-US" sz="800" dirty="0"/>
+              <a:t>, Spiller spiller</a:t>
             </a:r>
             <a:r>
               <a:rPr lang="en-US" sz="800" dirty="0" smtClean="0"/>

--- a/Eksamen/datastruktur.pptx
+++ b/Eksamen/datastruktur.pptx
@@ -7,6 +7,7 @@
   <p:sldIdLst>
     <p:sldId id="256" r:id="rId2"/>
     <p:sldId id="257" r:id="rId3"/>
+    <p:sldId id="258" r:id="rId4"/>
   </p:sldIdLst>
   <p:sldSz cx="12192000" cy="6858000"/>
   <p:notesSz cx="6858000" cy="9144000"/>
@@ -244,7 +245,7 @@
           <a:p>
             <a:fld id="{8AEE21A2-6830-4344-823D-EC3B1CDF88AC}" type="datetimeFigureOut">
               <a:rPr lang="nb-NO" smtClean="0"/>
-              <a:t>06.06.2020</a:t>
+              <a:t>08.06.2020</a:t>
             </a:fld>
             <a:endParaRPr lang="nb-NO" dirty="0"/>
           </a:p>
@@ -414,7 +415,7 @@
           <a:p>
             <a:fld id="{8AEE21A2-6830-4344-823D-EC3B1CDF88AC}" type="datetimeFigureOut">
               <a:rPr lang="nb-NO" smtClean="0"/>
-              <a:t>06.06.2020</a:t>
+              <a:t>08.06.2020</a:t>
             </a:fld>
             <a:endParaRPr lang="nb-NO" dirty="0"/>
           </a:p>
@@ -594,7 +595,7 @@
           <a:p>
             <a:fld id="{8AEE21A2-6830-4344-823D-EC3B1CDF88AC}" type="datetimeFigureOut">
               <a:rPr lang="nb-NO" smtClean="0"/>
-              <a:t>06.06.2020</a:t>
+              <a:t>08.06.2020</a:t>
             </a:fld>
             <a:endParaRPr lang="nb-NO" dirty="0"/>
           </a:p>
@@ -764,7 +765,7 @@
           <a:p>
             <a:fld id="{8AEE21A2-6830-4344-823D-EC3B1CDF88AC}" type="datetimeFigureOut">
               <a:rPr lang="nb-NO" smtClean="0"/>
-              <a:t>06.06.2020</a:t>
+              <a:t>08.06.2020</a:t>
             </a:fld>
             <a:endParaRPr lang="nb-NO" dirty="0"/>
           </a:p>
@@ -1010,7 +1011,7 @@
           <a:p>
             <a:fld id="{8AEE21A2-6830-4344-823D-EC3B1CDF88AC}" type="datetimeFigureOut">
               <a:rPr lang="nb-NO" smtClean="0"/>
-              <a:t>06.06.2020</a:t>
+              <a:t>08.06.2020</a:t>
             </a:fld>
             <a:endParaRPr lang="nb-NO" dirty="0"/>
           </a:p>
@@ -1242,7 +1243,7 @@
           <a:p>
             <a:fld id="{8AEE21A2-6830-4344-823D-EC3B1CDF88AC}" type="datetimeFigureOut">
               <a:rPr lang="nb-NO" smtClean="0"/>
-              <a:t>06.06.2020</a:t>
+              <a:t>08.06.2020</a:t>
             </a:fld>
             <a:endParaRPr lang="nb-NO" dirty="0"/>
           </a:p>
@@ -1609,7 +1610,7 @@
           <a:p>
             <a:fld id="{8AEE21A2-6830-4344-823D-EC3B1CDF88AC}" type="datetimeFigureOut">
               <a:rPr lang="nb-NO" smtClean="0"/>
-              <a:t>06.06.2020</a:t>
+              <a:t>08.06.2020</a:t>
             </a:fld>
             <a:endParaRPr lang="nb-NO" dirty="0"/>
           </a:p>
@@ -1727,7 +1728,7 @@
           <a:p>
             <a:fld id="{8AEE21A2-6830-4344-823D-EC3B1CDF88AC}" type="datetimeFigureOut">
               <a:rPr lang="nb-NO" smtClean="0"/>
-              <a:t>06.06.2020</a:t>
+              <a:t>08.06.2020</a:t>
             </a:fld>
             <a:endParaRPr lang="nb-NO" dirty="0"/>
           </a:p>
@@ -1822,7 +1823,7 @@
           <a:p>
             <a:fld id="{8AEE21A2-6830-4344-823D-EC3B1CDF88AC}" type="datetimeFigureOut">
               <a:rPr lang="nb-NO" smtClean="0"/>
-              <a:t>06.06.2020</a:t>
+              <a:t>08.06.2020</a:t>
             </a:fld>
             <a:endParaRPr lang="nb-NO" dirty="0"/>
           </a:p>
@@ -2099,7 +2100,7 @@
           <a:p>
             <a:fld id="{8AEE21A2-6830-4344-823D-EC3B1CDF88AC}" type="datetimeFigureOut">
               <a:rPr lang="nb-NO" smtClean="0"/>
-              <a:t>06.06.2020</a:t>
+              <a:t>08.06.2020</a:t>
             </a:fld>
             <a:endParaRPr lang="nb-NO" dirty="0"/>
           </a:p>
@@ -2352,7 +2353,7 @@
           <a:p>
             <a:fld id="{8AEE21A2-6830-4344-823D-EC3B1CDF88AC}" type="datetimeFigureOut">
               <a:rPr lang="nb-NO" smtClean="0"/>
-              <a:t>06.06.2020</a:t>
+              <a:t>08.06.2020</a:t>
             </a:fld>
             <a:endParaRPr lang="nb-NO" dirty="0"/>
           </a:p>
@@ -2565,7 +2566,7 @@
           <a:p>
             <a:fld id="{8AEE21A2-6830-4344-823D-EC3B1CDF88AC}" type="datetimeFigureOut">
               <a:rPr lang="nb-NO" smtClean="0"/>
-              <a:t>06.06.2020</a:t>
+              <a:t>08.06.2020</a:t>
             </a:fld>
             <a:endParaRPr lang="nb-NO" dirty="0"/>
           </a:p>
@@ -4441,31 +4442,15 @@
           <a:p>
             <a:r>
               <a:rPr lang="en-US" sz="800" dirty="0"/>
-              <a:t>public static Spiller </a:t>
+              <a:t>public static Spiller startSpill(Terreng </a:t>
             </a:r>
             <a:r>
-              <a:rPr lang="en-US" sz="800" dirty="0" err="1"/>
-              <a:t>startSpill</a:t>
+              <a:rPr lang="en-US" sz="800" dirty="0" smtClean="0"/>
+              <a:t>, </a:t>
             </a:r>
             <a:r>
               <a:rPr lang="en-US" sz="800" dirty="0"/>
-              <a:t>(</a:t>
-            </a:r>
-            <a:r>
-              <a:rPr lang="en-US" sz="800" dirty="0" err="1"/>
-              <a:t>Terreng</a:t>
-            </a:r>
-            <a:r>
-              <a:rPr lang="en-US" sz="800" dirty="0"/>
-              <a:t> </a:t>
-            </a:r>
-            <a:r>
-              <a:rPr lang="en-US" sz="800" dirty="0" err="1"/>
-              <a:t>terreng</a:t>
-            </a:r>
-            <a:r>
-              <a:rPr lang="en-US" sz="800" dirty="0"/>
-              <a:t>, Spiller spiller</a:t>
+              <a:t>Spiller spiller</a:t>
             </a:r>
             <a:r>
               <a:rPr lang="en-US" sz="800" dirty="0" smtClean="0"/>
@@ -9396,6 +9381,7167 @@
     <p:extLst>
       <p:ext uri="{BB962C8B-B14F-4D97-AF65-F5344CB8AC3E}">
         <p14:creationId xmlns:p14="http://schemas.microsoft.com/office/powerpoint/2010/main" val="1510726945"/>
+      </p:ext>
+    </p:extLst>
+  </p:cSld>
+  <p:clrMapOvr>
+    <a:masterClrMapping/>
+  </p:clrMapOvr>
+</p:sld>
+</file>
+
+<file path=ppt/slides/slide3.xml><?xml version="1.0" encoding="utf-8"?>
+<p:sld xmlns:a="http://schemas.openxmlformats.org/drawingml/2006/main" xmlns:r="http://schemas.openxmlformats.org/officeDocument/2006/relationships" xmlns:p="http://schemas.openxmlformats.org/presentationml/2006/main">
+  <p:cSld>
+    <p:spTree>
+      <p:nvGrpSpPr>
+        <p:cNvPr id="1" name=""/>
+        <p:cNvGrpSpPr/>
+        <p:nvPr/>
+      </p:nvGrpSpPr>
+      <p:grpSpPr>
+        <a:xfrm>
+          <a:off x="0" y="0"/>
+          <a:ext cx="0" cy="0"/>
+          <a:chOff x="0" y="0"/>
+          <a:chExt cx="0" cy="0"/>
+        </a:xfrm>
+      </p:grpSpPr>
+      <p:sp>
+        <p:nvSpPr>
+          <p:cNvPr id="4" name="Avrundet rektangel 3"/>
+          <p:cNvSpPr/>
+          <p:nvPr/>
+        </p:nvSpPr>
+        <p:spPr>
+          <a:xfrm>
+            <a:off x="244266" y="224545"/>
+            <a:ext cx="2614264" cy="1948708"/>
+          </a:xfrm>
+          <a:prstGeom prst="roundRect">
+            <a:avLst/>
+          </a:prstGeom>
+          <a:noFill/>
+          <a:ln>
+            <a:prstDash val="dash"/>
+          </a:ln>
+        </p:spPr>
+        <p:style>
+          <a:lnRef idx="2">
+            <a:schemeClr val="accent1">
+              <a:shade val="50000"/>
+            </a:schemeClr>
+          </a:lnRef>
+          <a:fillRef idx="1">
+            <a:schemeClr val="accent1"/>
+          </a:fillRef>
+          <a:effectRef idx="0">
+            <a:schemeClr val="accent1"/>
+          </a:effectRef>
+          <a:fontRef idx="minor">
+            <a:schemeClr val="lt1"/>
+          </a:fontRef>
+        </p:style>
+        <p:txBody>
+          <a:bodyPr rtlCol="0" anchor="ctr"/>
+          <a:lstStyle/>
+          <a:p>
+            <a:endParaRPr lang="en-US" sz="1000" dirty="0" smtClean="0">
+              <a:solidFill>
+                <a:schemeClr val="tx1"/>
+              </a:solidFill>
+            </a:endParaRPr>
+          </a:p>
+          <a:p>
+            <a:endParaRPr lang="en-US" sz="1000" dirty="0" smtClean="0">
+              <a:solidFill>
+                <a:schemeClr val="tx1"/>
+              </a:solidFill>
+            </a:endParaRPr>
+          </a:p>
+          <a:p>
+            <a:endParaRPr lang="en-US" sz="1000" dirty="0" smtClean="0">
+              <a:solidFill>
+                <a:schemeClr val="tx1"/>
+              </a:solidFill>
+            </a:endParaRPr>
+          </a:p>
+          <a:p>
+            <a:endParaRPr lang="en-US" sz="1000" dirty="0">
+              <a:solidFill>
+                <a:schemeClr val="tx1"/>
+              </a:solidFill>
+            </a:endParaRPr>
+          </a:p>
+        </p:txBody>
+      </p:sp>
+      <p:sp>
+        <p:nvSpPr>
+          <p:cNvPr id="5" name="TekstSylinder 4"/>
+          <p:cNvSpPr txBox="1"/>
+          <p:nvPr/>
+        </p:nvSpPr>
+        <p:spPr>
+          <a:xfrm>
+            <a:off x="324707" y="17514"/>
+            <a:ext cx="1515764" cy="261610"/>
+          </a:xfrm>
+          <a:prstGeom prst="rect">
+            <a:avLst/>
+          </a:prstGeom>
+          <a:noFill/>
+        </p:spPr>
+        <p:txBody>
+          <a:bodyPr wrap="square" rtlCol="0">
+            <a:spAutoFit/>
+          </a:bodyPr>
+          <a:lstStyle/>
+          <a:p>
+            <a:r>
+              <a:rPr lang="en-US" sz="1050" dirty="0"/>
+              <a:t>k</a:t>
+            </a:r>
+            <a:r>
+              <a:rPr lang="en-US" sz="1050" dirty="0" smtClean="0"/>
+              <a:t>lasse Spill</a:t>
+            </a:r>
+            <a:endParaRPr lang="nb-NO" sz="1050" dirty="0"/>
+          </a:p>
+        </p:txBody>
+      </p:sp>
+      <p:sp>
+        <p:nvSpPr>
+          <p:cNvPr id="19" name="Avrundet rektangel 18"/>
+          <p:cNvSpPr/>
+          <p:nvPr/>
+        </p:nvSpPr>
+        <p:spPr>
+          <a:xfrm>
+            <a:off x="5065529" y="458669"/>
+            <a:ext cx="1068984" cy="1238000"/>
+          </a:xfrm>
+          <a:prstGeom prst="roundRect">
+            <a:avLst/>
+          </a:prstGeom>
+          <a:noFill/>
+        </p:spPr>
+        <p:style>
+          <a:lnRef idx="2">
+            <a:schemeClr val="accent1">
+              <a:shade val="50000"/>
+            </a:schemeClr>
+          </a:lnRef>
+          <a:fillRef idx="1">
+            <a:schemeClr val="accent1"/>
+          </a:fillRef>
+          <a:effectRef idx="0">
+            <a:schemeClr val="accent1"/>
+          </a:effectRef>
+          <a:fontRef idx="minor">
+            <a:schemeClr val="lt1"/>
+          </a:fontRef>
+        </p:style>
+        <p:txBody>
+          <a:bodyPr rtlCol="0" anchor="ctr"/>
+          <a:lstStyle/>
+          <a:p>
+            <a:endParaRPr lang="en-US" sz="1000" dirty="0" smtClean="0">
+              <a:solidFill>
+                <a:schemeClr val="tx1"/>
+              </a:solidFill>
+            </a:endParaRPr>
+          </a:p>
+        </p:txBody>
+      </p:sp>
+      <p:sp>
+        <p:nvSpPr>
+          <p:cNvPr id="20" name="TekstSylinder 19"/>
+          <p:cNvSpPr txBox="1"/>
+          <p:nvPr/>
+        </p:nvSpPr>
+        <p:spPr>
+          <a:xfrm>
+            <a:off x="4991388" y="245399"/>
+            <a:ext cx="2144488" cy="246221"/>
+          </a:xfrm>
+          <a:prstGeom prst="rect">
+            <a:avLst/>
+          </a:prstGeom>
+          <a:noFill/>
+        </p:spPr>
+        <p:txBody>
+          <a:bodyPr wrap="square" rtlCol="0">
+            <a:spAutoFit/>
+          </a:bodyPr>
+          <a:lstStyle/>
+          <a:p>
+            <a:r>
+              <a:rPr lang="en-US" sz="1000" dirty="0"/>
+              <a:t>Instans av </a:t>
+            </a:r>
+            <a:r>
+              <a:rPr lang="en-US" sz="1000" dirty="0" smtClean="0"/>
+              <a:t>Gjenstand</a:t>
+            </a:r>
+            <a:endParaRPr lang="en-US" sz="1000" dirty="0"/>
+          </a:p>
+        </p:txBody>
+      </p:sp>
+      <p:grpSp>
+        <p:nvGrpSpPr>
+          <p:cNvPr id="21" name="Gruppe 20"/>
+          <p:cNvGrpSpPr/>
+          <p:nvPr/>
+        </p:nvGrpSpPr>
+        <p:grpSpPr>
+          <a:xfrm>
+            <a:off x="470029" y="1315639"/>
+            <a:ext cx="1021491" cy="609541"/>
+            <a:chOff x="3599935" y="588258"/>
+            <a:chExt cx="1070919" cy="721038"/>
+          </a:xfrm>
+        </p:grpSpPr>
+        <p:sp>
+          <p:nvSpPr>
+            <p:cNvPr id="22" name="Rektangel 21"/>
+            <p:cNvSpPr/>
+            <p:nvPr/>
+          </p:nvSpPr>
+          <p:spPr>
+            <a:xfrm>
+              <a:off x="3599935" y="840259"/>
+              <a:ext cx="782595" cy="214184"/>
+            </a:xfrm>
+            <a:prstGeom prst="rect">
+              <a:avLst/>
+            </a:prstGeom>
+            <a:noFill/>
+          </p:spPr>
+          <p:style>
+            <a:lnRef idx="2">
+              <a:schemeClr val="accent1">
+                <a:shade val="50000"/>
+              </a:schemeClr>
+            </a:lnRef>
+            <a:fillRef idx="1">
+              <a:schemeClr val="accent1"/>
+            </a:fillRef>
+            <a:effectRef idx="0">
+              <a:schemeClr val="accent1"/>
+            </a:effectRef>
+            <a:fontRef idx="minor">
+              <a:schemeClr val="lt1"/>
+            </a:fontRef>
+          </p:style>
+          <p:txBody>
+            <a:bodyPr rtlCol="0" anchor="ctr"/>
+            <a:lstStyle/>
+            <a:p>
+              <a:pPr algn="ctr"/>
+              <a:endParaRPr lang="nb-NO" sz="800" dirty="0"/>
+            </a:p>
+          </p:txBody>
+        </p:sp>
+        <p:sp>
+          <p:nvSpPr>
+            <p:cNvPr id="23" name="TekstSylinder 22"/>
+            <p:cNvSpPr txBox="1"/>
+            <p:nvPr/>
+          </p:nvSpPr>
+          <p:spPr>
+            <a:xfrm>
+              <a:off x="3599935" y="588258"/>
+              <a:ext cx="1070919" cy="254853"/>
+            </a:xfrm>
+            <a:prstGeom prst="rect">
+              <a:avLst/>
+            </a:prstGeom>
+            <a:noFill/>
+          </p:spPr>
+          <p:txBody>
+            <a:bodyPr wrap="square" rtlCol="0">
+              <a:spAutoFit/>
+            </a:bodyPr>
+            <a:lstStyle/>
+            <a:p>
+              <a:r>
+                <a:rPr lang="en-US" sz="800" dirty="0" smtClean="0"/>
+                <a:t>Navn: terreng</a:t>
+              </a:r>
+              <a:endParaRPr lang="nb-NO" sz="800" dirty="0"/>
+            </a:p>
+          </p:txBody>
+        </p:sp>
+        <p:sp>
+          <p:nvSpPr>
+            <p:cNvPr id="24" name="TekstSylinder 23"/>
+            <p:cNvSpPr txBox="1"/>
+            <p:nvPr/>
+          </p:nvSpPr>
+          <p:spPr>
+            <a:xfrm>
+              <a:off x="3599935" y="1054443"/>
+              <a:ext cx="1070919" cy="254853"/>
+            </a:xfrm>
+            <a:prstGeom prst="rect">
+              <a:avLst/>
+            </a:prstGeom>
+            <a:noFill/>
+          </p:spPr>
+          <p:txBody>
+            <a:bodyPr wrap="square" rtlCol="0">
+              <a:spAutoFit/>
+            </a:bodyPr>
+            <a:lstStyle/>
+            <a:p>
+              <a:r>
+                <a:rPr lang="en-US" sz="800" dirty="0" smtClean="0"/>
+                <a:t>Type: Terreng</a:t>
+              </a:r>
+              <a:endParaRPr lang="nb-NO" sz="800" dirty="0"/>
+            </a:p>
+          </p:txBody>
+        </p:sp>
+      </p:grpSp>
+      <p:grpSp>
+        <p:nvGrpSpPr>
+          <p:cNvPr id="25" name="Gruppe 24"/>
+          <p:cNvGrpSpPr/>
+          <p:nvPr/>
+        </p:nvGrpSpPr>
+        <p:grpSpPr>
+          <a:xfrm>
+            <a:off x="5226166" y="1090077"/>
+            <a:ext cx="1021491" cy="609541"/>
+            <a:chOff x="3599935" y="588258"/>
+            <a:chExt cx="1070919" cy="721038"/>
+          </a:xfrm>
+        </p:grpSpPr>
+        <p:sp>
+          <p:nvSpPr>
+            <p:cNvPr id="26" name="Rektangel 25"/>
+            <p:cNvSpPr/>
+            <p:nvPr/>
+          </p:nvSpPr>
+          <p:spPr>
+            <a:xfrm>
+              <a:off x="3599935" y="840259"/>
+              <a:ext cx="782595" cy="214184"/>
+            </a:xfrm>
+            <a:prstGeom prst="rect">
+              <a:avLst/>
+            </a:prstGeom>
+            <a:noFill/>
+          </p:spPr>
+          <p:style>
+            <a:lnRef idx="2">
+              <a:schemeClr val="accent1">
+                <a:shade val="50000"/>
+              </a:schemeClr>
+            </a:lnRef>
+            <a:fillRef idx="1">
+              <a:schemeClr val="accent1"/>
+            </a:fillRef>
+            <a:effectRef idx="0">
+              <a:schemeClr val="accent1"/>
+            </a:effectRef>
+            <a:fontRef idx="minor">
+              <a:schemeClr val="lt1"/>
+            </a:fontRef>
+          </p:style>
+          <p:txBody>
+            <a:bodyPr rtlCol="0" anchor="ctr"/>
+            <a:lstStyle/>
+            <a:p>
+              <a:pPr algn="ctr"/>
+              <a:endParaRPr lang="nb-NO" sz="800" dirty="0"/>
+            </a:p>
+          </p:txBody>
+        </p:sp>
+        <p:sp>
+          <p:nvSpPr>
+            <p:cNvPr id="27" name="TekstSylinder 26"/>
+            <p:cNvSpPr txBox="1"/>
+            <p:nvPr/>
+          </p:nvSpPr>
+          <p:spPr>
+            <a:xfrm>
+              <a:off x="3599935" y="588258"/>
+              <a:ext cx="1070919" cy="254853"/>
+            </a:xfrm>
+            <a:prstGeom prst="rect">
+              <a:avLst/>
+            </a:prstGeom>
+            <a:noFill/>
+          </p:spPr>
+          <p:txBody>
+            <a:bodyPr wrap="square" rtlCol="0">
+              <a:spAutoFit/>
+            </a:bodyPr>
+            <a:lstStyle/>
+            <a:p>
+              <a:r>
+                <a:rPr lang="en-US" sz="800" dirty="0" smtClean="0"/>
+                <a:t>Navn: verdi</a:t>
+              </a:r>
+              <a:endParaRPr lang="nb-NO" sz="800" dirty="0"/>
+            </a:p>
+          </p:txBody>
+        </p:sp>
+        <p:sp>
+          <p:nvSpPr>
+            <p:cNvPr id="28" name="TekstSylinder 27"/>
+            <p:cNvSpPr txBox="1"/>
+            <p:nvPr/>
+          </p:nvSpPr>
+          <p:spPr>
+            <a:xfrm>
+              <a:off x="3599935" y="1054443"/>
+              <a:ext cx="1070919" cy="254853"/>
+            </a:xfrm>
+            <a:prstGeom prst="rect">
+              <a:avLst/>
+            </a:prstGeom>
+            <a:noFill/>
+          </p:spPr>
+          <p:txBody>
+            <a:bodyPr wrap="square" rtlCol="0">
+              <a:spAutoFit/>
+            </a:bodyPr>
+            <a:lstStyle/>
+            <a:p>
+              <a:r>
+                <a:rPr lang="en-US" sz="800" dirty="0" smtClean="0"/>
+                <a:t>Type: int</a:t>
+              </a:r>
+              <a:endParaRPr lang="nb-NO" sz="800" dirty="0"/>
+            </a:p>
+          </p:txBody>
+        </p:sp>
+      </p:grpSp>
+      <p:sp>
+        <p:nvSpPr>
+          <p:cNvPr id="61" name="TekstSylinder 60"/>
+          <p:cNvSpPr txBox="1"/>
+          <p:nvPr/>
+        </p:nvSpPr>
+        <p:spPr>
+          <a:xfrm>
+            <a:off x="7371768" y="868525"/>
+            <a:ext cx="840260" cy="369332"/>
+          </a:xfrm>
+          <a:prstGeom prst="rect">
+            <a:avLst/>
+          </a:prstGeom>
+          <a:noFill/>
+        </p:spPr>
+        <p:txBody>
+          <a:bodyPr wrap="square" rtlCol="0">
+            <a:spAutoFit/>
+          </a:bodyPr>
+          <a:lstStyle/>
+          <a:p>
+            <a:pPr algn="ctr"/>
+            <a:r>
+              <a:rPr lang="en-US" dirty="0" smtClean="0"/>
+              <a:t>…</a:t>
+            </a:r>
+            <a:endParaRPr lang="nb-NO" dirty="0"/>
+          </a:p>
+        </p:txBody>
+      </p:sp>
+      <p:sp>
+        <p:nvSpPr>
+          <p:cNvPr id="67" name="Rektangel 66"/>
+          <p:cNvSpPr/>
+          <p:nvPr/>
+        </p:nvSpPr>
+        <p:spPr>
+          <a:xfrm>
+            <a:off x="343050" y="1254590"/>
+            <a:ext cx="2424864" cy="723950"/>
+          </a:xfrm>
+          <a:prstGeom prst="rect">
+            <a:avLst/>
+          </a:prstGeom>
+          <a:noFill/>
+        </p:spPr>
+        <p:style>
+          <a:lnRef idx="2">
+            <a:schemeClr val="accent1">
+              <a:shade val="50000"/>
+            </a:schemeClr>
+          </a:lnRef>
+          <a:fillRef idx="1">
+            <a:schemeClr val="accent1"/>
+          </a:fillRef>
+          <a:effectRef idx="0">
+            <a:schemeClr val="accent1"/>
+          </a:effectRef>
+          <a:fontRef idx="minor">
+            <a:schemeClr val="lt1"/>
+          </a:fontRef>
+        </p:style>
+        <p:txBody>
+          <a:bodyPr rtlCol="0" anchor="ctr"/>
+          <a:lstStyle/>
+          <a:p>
+            <a:pPr algn="ctr"/>
+            <a:endParaRPr lang="nb-NO" dirty="0"/>
+          </a:p>
+        </p:txBody>
+      </p:sp>
+      <p:sp>
+        <p:nvSpPr>
+          <p:cNvPr id="68" name="TekstSylinder 67"/>
+          <p:cNvSpPr txBox="1"/>
+          <p:nvPr/>
+        </p:nvSpPr>
+        <p:spPr>
+          <a:xfrm>
+            <a:off x="285390" y="1025437"/>
+            <a:ext cx="2703635" cy="215444"/>
+          </a:xfrm>
+          <a:prstGeom prst="rect">
+            <a:avLst/>
+          </a:prstGeom>
+          <a:noFill/>
+        </p:spPr>
+        <p:txBody>
+          <a:bodyPr wrap="square" rtlCol="0">
+            <a:spAutoFit/>
+          </a:bodyPr>
+          <a:lstStyle/>
+          <a:p>
+            <a:r>
+              <a:rPr lang="en-US" sz="800" dirty="0"/>
+              <a:t>public static Spiller startSpill(Terreng </a:t>
+            </a:r>
+            <a:r>
+              <a:rPr lang="en-US" sz="800" dirty="0"/>
+              <a:t>terreng</a:t>
+            </a:r>
+            <a:r>
+              <a:rPr lang="en-US" sz="800" dirty="0"/>
+              <a:t>, Spiller spiller</a:t>
+            </a:r>
+            <a:r>
+              <a:rPr lang="en-US" sz="800" dirty="0" smtClean="0"/>
+              <a:t>)</a:t>
+            </a:r>
+            <a:endParaRPr lang="en-US" sz="800" dirty="0"/>
+          </a:p>
+        </p:txBody>
+      </p:sp>
+      <p:cxnSp>
+        <p:nvCxnSpPr>
+          <p:cNvPr id="70" name="Rett linje 69"/>
+          <p:cNvCxnSpPr/>
+          <p:nvPr/>
+        </p:nvCxnSpPr>
+        <p:spPr>
+          <a:xfrm flipH="1">
+            <a:off x="132985" y="1237857"/>
+            <a:ext cx="420130" cy="0"/>
+          </a:xfrm>
+          <a:prstGeom prst="line">
+            <a:avLst/>
+          </a:prstGeom>
+        </p:spPr>
+        <p:style>
+          <a:lnRef idx="1">
+            <a:schemeClr val="accent1"/>
+          </a:lnRef>
+          <a:fillRef idx="0">
+            <a:schemeClr val="accent1"/>
+          </a:fillRef>
+          <a:effectRef idx="0">
+            <a:schemeClr val="accent1"/>
+          </a:effectRef>
+          <a:fontRef idx="minor">
+            <a:schemeClr val="tx1"/>
+          </a:fontRef>
+        </p:style>
+      </p:cxnSp>
+      <p:grpSp>
+        <p:nvGrpSpPr>
+          <p:cNvPr id="71" name="Gruppe 70"/>
+          <p:cNvGrpSpPr/>
+          <p:nvPr/>
+        </p:nvGrpSpPr>
+        <p:grpSpPr>
+          <a:xfrm>
+            <a:off x="5230821" y="493374"/>
+            <a:ext cx="1021491" cy="609541"/>
+            <a:chOff x="3599935" y="588258"/>
+            <a:chExt cx="1070919" cy="721038"/>
+          </a:xfrm>
+        </p:grpSpPr>
+        <p:sp>
+          <p:nvSpPr>
+            <p:cNvPr id="72" name="Rektangel 71"/>
+            <p:cNvSpPr/>
+            <p:nvPr/>
+          </p:nvSpPr>
+          <p:spPr>
+            <a:xfrm>
+              <a:off x="3599935" y="840259"/>
+              <a:ext cx="782595" cy="214184"/>
+            </a:xfrm>
+            <a:prstGeom prst="rect">
+              <a:avLst/>
+            </a:prstGeom>
+            <a:noFill/>
+          </p:spPr>
+          <p:style>
+            <a:lnRef idx="2">
+              <a:schemeClr val="accent1">
+                <a:shade val="50000"/>
+              </a:schemeClr>
+            </a:lnRef>
+            <a:fillRef idx="1">
+              <a:schemeClr val="accent1"/>
+            </a:fillRef>
+            <a:effectRef idx="0">
+              <a:schemeClr val="accent1"/>
+            </a:effectRef>
+            <a:fontRef idx="minor">
+              <a:schemeClr val="lt1"/>
+            </a:fontRef>
+          </p:style>
+          <p:txBody>
+            <a:bodyPr rtlCol="0" anchor="ctr"/>
+            <a:lstStyle/>
+            <a:p>
+              <a:pPr algn="ctr"/>
+              <a:endParaRPr lang="nb-NO" sz="800" dirty="0"/>
+            </a:p>
+          </p:txBody>
+        </p:sp>
+        <p:sp>
+          <p:nvSpPr>
+            <p:cNvPr id="73" name="TekstSylinder 72"/>
+            <p:cNvSpPr txBox="1"/>
+            <p:nvPr/>
+          </p:nvSpPr>
+          <p:spPr>
+            <a:xfrm>
+              <a:off x="3599935" y="588258"/>
+              <a:ext cx="1070919" cy="254853"/>
+            </a:xfrm>
+            <a:prstGeom prst="rect">
+              <a:avLst/>
+            </a:prstGeom>
+            <a:noFill/>
+          </p:spPr>
+          <p:txBody>
+            <a:bodyPr wrap="square" rtlCol="0">
+              <a:spAutoFit/>
+            </a:bodyPr>
+            <a:lstStyle/>
+            <a:p>
+              <a:r>
+                <a:rPr lang="en-US" sz="800" dirty="0" smtClean="0"/>
+                <a:t>Navn: type</a:t>
+              </a:r>
+              <a:endParaRPr lang="nb-NO" sz="800" dirty="0"/>
+            </a:p>
+          </p:txBody>
+        </p:sp>
+        <p:sp>
+          <p:nvSpPr>
+            <p:cNvPr id="74" name="TekstSylinder 73"/>
+            <p:cNvSpPr txBox="1"/>
+            <p:nvPr/>
+          </p:nvSpPr>
+          <p:spPr>
+            <a:xfrm>
+              <a:off x="3599935" y="1054443"/>
+              <a:ext cx="1070919" cy="254853"/>
+            </a:xfrm>
+            <a:prstGeom prst="rect">
+              <a:avLst/>
+            </a:prstGeom>
+            <a:noFill/>
+          </p:spPr>
+          <p:txBody>
+            <a:bodyPr wrap="square" rtlCol="0">
+              <a:spAutoFit/>
+            </a:bodyPr>
+            <a:lstStyle/>
+            <a:p>
+              <a:r>
+                <a:rPr lang="en-US" sz="800" dirty="0" smtClean="0"/>
+                <a:t>Type: String</a:t>
+              </a:r>
+              <a:endParaRPr lang="nb-NO" sz="800" dirty="0"/>
+            </a:p>
+          </p:txBody>
+        </p:sp>
+      </p:grpSp>
+      <p:grpSp>
+        <p:nvGrpSpPr>
+          <p:cNvPr id="75" name="Gruppe 74"/>
+          <p:cNvGrpSpPr/>
+          <p:nvPr/>
+        </p:nvGrpSpPr>
+        <p:grpSpPr>
+          <a:xfrm>
+            <a:off x="1412529" y="1310113"/>
+            <a:ext cx="1021491" cy="609541"/>
+            <a:chOff x="3599935" y="588258"/>
+            <a:chExt cx="1070919" cy="721038"/>
+          </a:xfrm>
+        </p:grpSpPr>
+        <p:sp>
+          <p:nvSpPr>
+            <p:cNvPr id="76" name="Rektangel 75"/>
+            <p:cNvSpPr/>
+            <p:nvPr/>
+          </p:nvSpPr>
+          <p:spPr>
+            <a:xfrm>
+              <a:off x="3599935" y="840259"/>
+              <a:ext cx="782595" cy="214184"/>
+            </a:xfrm>
+            <a:prstGeom prst="rect">
+              <a:avLst/>
+            </a:prstGeom>
+            <a:noFill/>
+          </p:spPr>
+          <p:style>
+            <a:lnRef idx="2">
+              <a:schemeClr val="accent1">
+                <a:shade val="50000"/>
+              </a:schemeClr>
+            </a:lnRef>
+            <a:fillRef idx="1">
+              <a:schemeClr val="accent1"/>
+            </a:fillRef>
+            <a:effectRef idx="0">
+              <a:schemeClr val="accent1"/>
+            </a:effectRef>
+            <a:fontRef idx="minor">
+              <a:schemeClr val="lt1"/>
+            </a:fontRef>
+          </p:style>
+          <p:txBody>
+            <a:bodyPr rtlCol="0" anchor="ctr"/>
+            <a:lstStyle/>
+            <a:p>
+              <a:pPr algn="ctr"/>
+              <a:endParaRPr lang="nb-NO" sz="800" dirty="0"/>
+            </a:p>
+          </p:txBody>
+        </p:sp>
+        <p:sp>
+          <p:nvSpPr>
+            <p:cNvPr id="77" name="TekstSylinder 76"/>
+            <p:cNvSpPr txBox="1"/>
+            <p:nvPr/>
+          </p:nvSpPr>
+          <p:spPr>
+            <a:xfrm>
+              <a:off x="3599935" y="588258"/>
+              <a:ext cx="1070919" cy="254853"/>
+            </a:xfrm>
+            <a:prstGeom prst="rect">
+              <a:avLst/>
+            </a:prstGeom>
+            <a:noFill/>
+          </p:spPr>
+          <p:txBody>
+            <a:bodyPr wrap="square" rtlCol="0">
+              <a:spAutoFit/>
+            </a:bodyPr>
+            <a:lstStyle/>
+            <a:p>
+              <a:r>
+                <a:rPr lang="en-US" sz="800" dirty="0" smtClean="0"/>
+                <a:t>Navn: spiller</a:t>
+              </a:r>
+              <a:endParaRPr lang="nb-NO" sz="800" dirty="0"/>
+            </a:p>
+          </p:txBody>
+        </p:sp>
+        <p:sp>
+          <p:nvSpPr>
+            <p:cNvPr id="78" name="TekstSylinder 77"/>
+            <p:cNvSpPr txBox="1"/>
+            <p:nvPr/>
+          </p:nvSpPr>
+          <p:spPr>
+            <a:xfrm>
+              <a:off x="3599935" y="1054443"/>
+              <a:ext cx="1070919" cy="254853"/>
+            </a:xfrm>
+            <a:prstGeom prst="rect">
+              <a:avLst/>
+            </a:prstGeom>
+            <a:noFill/>
+          </p:spPr>
+          <p:txBody>
+            <a:bodyPr wrap="square" rtlCol="0">
+              <a:spAutoFit/>
+            </a:bodyPr>
+            <a:lstStyle/>
+            <a:p>
+              <a:r>
+                <a:rPr lang="en-US" sz="800" dirty="0" smtClean="0"/>
+                <a:t>Type: Spiller</a:t>
+              </a:r>
+              <a:endParaRPr lang="nb-NO" sz="800" dirty="0"/>
+            </a:p>
+          </p:txBody>
+        </p:sp>
+      </p:grpSp>
+      <p:sp>
+        <p:nvSpPr>
+          <p:cNvPr id="79" name="Avrundet rektangel 78"/>
+          <p:cNvSpPr/>
+          <p:nvPr/>
+        </p:nvSpPr>
+        <p:spPr>
+          <a:xfrm>
+            <a:off x="260178" y="3839408"/>
+            <a:ext cx="2144488" cy="693735"/>
+          </a:xfrm>
+          <a:prstGeom prst="roundRect">
+            <a:avLst/>
+          </a:prstGeom>
+          <a:noFill/>
+        </p:spPr>
+        <p:style>
+          <a:lnRef idx="2">
+            <a:schemeClr val="accent1">
+              <a:shade val="50000"/>
+            </a:schemeClr>
+          </a:lnRef>
+          <a:fillRef idx="1">
+            <a:schemeClr val="accent1"/>
+          </a:fillRef>
+          <a:effectRef idx="0">
+            <a:schemeClr val="accent1"/>
+          </a:effectRef>
+          <a:fontRef idx="minor">
+            <a:schemeClr val="lt1"/>
+          </a:fontRef>
+        </p:style>
+        <p:txBody>
+          <a:bodyPr rtlCol="0" anchor="ctr"/>
+          <a:lstStyle/>
+          <a:p>
+            <a:endParaRPr lang="en-US" sz="1000" dirty="0" smtClean="0">
+              <a:solidFill>
+                <a:schemeClr val="tx1"/>
+              </a:solidFill>
+            </a:endParaRPr>
+          </a:p>
+        </p:txBody>
+      </p:sp>
+      <p:sp>
+        <p:nvSpPr>
+          <p:cNvPr id="80" name="TekstSylinder 79"/>
+          <p:cNvSpPr txBox="1"/>
+          <p:nvPr/>
+        </p:nvSpPr>
+        <p:spPr>
+          <a:xfrm>
+            <a:off x="279820" y="3623964"/>
+            <a:ext cx="2144488" cy="246221"/>
+          </a:xfrm>
+          <a:prstGeom prst="rect">
+            <a:avLst/>
+          </a:prstGeom>
+          <a:noFill/>
+        </p:spPr>
+        <p:txBody>
+          <a:bodyPr wrap="square" rtlCol="0">
+            <a:spAutoFit/>
+          </a:bodyPr>
+          <a:lstStyle/>
+          <a:p>
+            <a:r>
+              <a:rPr lang="en-US" sz="1000" dirty="0"/>
+              <a:t>Instans av </a:t>
+            </a:r>
+            <a:r>
+              <a:rPr lang="en-US" sz="1000" dirty="0" smtClean="0"/>
+              <a:t>VeivalgTerreng</a:t>
+            </a:r>
+            <a:endParaRPr lang="en-US" sz="1000" dirty="0"/>
+          </a:p>
+        </p:txBody>
+      </p:sp>
+      <p:grpSp>
+        <p:nvGrpSpPr>
+          <p:cNvPr id="96" name="Gruppe 95"/>
+          <p:cNvGrpSpPr/>
+          <p:nvPr/>
+        </p:nvGrpSpPr>
+        <p:grpSpPr>
+          <a:xfrm>
+            <a:off x="1477690" y="3886752"/>
+            <a:ext cx="1021493" cy="609541"/>
+            <a:chOff x="6896511" y="3559237"/>
+            <a:chExt cx="1021493" cy="609541"/>
+          </a:xfrm>
+        </p:grpSpPr>
+        <p:sp>
+          <p:nvSpPr>
+            <p:cNvPr id="89" name="Rektangel 88"/>
+            <p:cNvSpPr/>
+            <p:nvPr/>
+          </p:nvSpPr>
+          <p:spPr>
+            <a:xfrm>
+              <a:off x="6896513" y="3743698"/>
+              <a:ext cx="746475" cy="62249"/>
+            </a:xfrm>
+            <a:prstGeom prst="rect">
+              <a:avLst/>
+            </a:prstGeom>
+            <a:noFill/>
+          </p:spPr>
+          <p:style>
+            <a:lnRef idx="2">
+              <a:schemeClr val="accent1">
+                <a:shade val="50000"/>
+              </a:schemeClr>
+            </a:lnRef>
+            <a:fillRef idx="1">
+              <a:schemeClr val="accent1"/>
+            </a:fillRef>
+            <a:effectRef idx="0">
+              <a:schemeClr val="accent1"/>
+            </a:effectRef>
+            <a:fontRef idx="minor">
+              <a:schemeClr val="lt1"/>
+            </a:fontRef>
+          </p:style>
+          <p:txBody>
+            <a:bodyPr rtlCol="0" anchor="ctr"/>
+            <a:lstStyle/>
+            <a:p>
+              <a:pPr algn="ctr"/>
+              <a:endParaRPr lang="nb-NO" sz="800" dirty="0"/>
+            </a:p>
+          </p:txBody>
+        </p:sp>
+        <p:sp>
+          <p:nvSpPr>
+            <p:cNvPr id="90" name="TekstSylinder 89"/>
+            <p:cNvSpPr txBox="1"/>
+            <p:nvPr/>
+          </p:nvSpPr>
+          <p:spPr>
+            <a:xfrm>
+              <a:off x="6896513" y="3559237"/>
+              <a:ext cx="1021491" cy="215444"/>
+            </a:xfrm>
+            <a:prstGeom prst="rect">
+              <a:avLst/>
+            </a:prstGeom>
+            <a:noFill/>
+          </p:spPr>
+          <p:txBody>
+            <a:bodyPr wrap="square" rtlCol="0">
+              <a:spAutoFit/>
+            </a:bodyPr>
+            <a:lstStyle/>
+            <a:p>
+              <a:r>
+                <a:rPr lang="en-US" sz="800" dirty="0" smtClean="0"/>
+                <a:t>Navn: steder</a:t>
+              </a:r>
+              <a:endParaRPr lang="nb-NO" sz="800" dirty="0"/>
+            </a:p>
+          </p:txBody>
+        </p:sp>
+        <p:sp>
+          <p:nvSpPr>
+            <p:cNvPr id="91" name="TekstSylinder 90"/>
+            <p:cNvSpPr txBox="1"/>
+            <p:nvPr/>
+          </p:nvSpPr>
+          <p:spPr>
+            <a:xfrm>
+              <a:off x="6896513" y="3953334"/>
+              <a:ext cx="1021491" cy="215444"/>
+            </a:xfrm>
+            <a:prstGeom prst="rect">
+              <a:avLst/>
+            </a:prstGeom>
+            <a:noFill/>
+          </p:spPr>
+          <p:txBody>
+            <a:bodyPr wrap="square" rtlCol="0">
+              <a:spAutoFit/>
+            </a:bodyPr>
+            <a:lstStyle/>
+            <a:p>
+              <a:r>
+                <a:rPr lang="en-US" sz="800" dirty="0" smtClean="0"/>
+                <a:t>Type: Sted[]</a:t>
+              </a:r>
+              <a:endParaRPr lang="nb-NO" sz="800" dirty="0"/>
+            </a:p>
+          </p:txBody>
+        </p:sp>
+        <p:sp>
+          <p:nvSpPr>
+            <p:cNvPr id="92" name="Rektangel 91"/>
+            <p:cNvSpPr/>
+            <p:nvPr/>
+          </p:nvSpPr>
+          <p:spPr>
+            <a:xfrm>
+              <a:off x="6896513" y="3805427"/>
+              <a:ext cx="746475" cy="62249"/>
+            </a:xfrm>
+            <a:prstGeom prst="rect">
+              <a:avLst/>
+            </a:prstGeom>
+            <a:noFill/>
+          </p:spPr>
+          <p:style>
+            <a:lnRef idx="2">
+              <a:schemeClr val="accent1">
+                <a:shade val="50000"/>
+              </a:schemeClr>
+            </a:lnRef>
+            <a:fillRef idx="1">
+              <a:schemeClr val="accent1"/>
+            </a:fillRef>
+            <a:effectRef idx="0">
+              <a:schemeClr val="accent1"/>
+            </a:effectRef>
+            <a:fontRef idx="minor">
+              <a:schemeClr val="lt1"/>
+            </a:fontRef>
+          </p:style>
+          <p:txBody>
+            <a:bodyPr rtlCol="0" anchor="ctr"/>
+            <a:lstStyle/>
+            <a:p>
+              <a:pPr algn="ctr"/>
+              <a:endParaRPr lang="nb-NO" sz="800" dirty="0"/>
+            </a:p>
+          </p:txBody>
+        </p:sp>
+        <p:sp>
+          <p:nvSpPr>
+            <p:cNvPr id="93" name="Rektangel 92"/>
+            <p:cNvSpPr/>
+            <p:nvPr/>
+          </p:nvSpPr>
+          <p:spPr>
+            <a:xfrm>
+              <a:off x="6896512" y="3929356"/>
+              <a:ext cx="746475" cy="62249"/>
+            </a:xfrm>
+            <a:prstGeom prst="rect">
+              <a:avLst/>
+            </a:prstGeom>
+            <a:noFill/>
+          </p:spPr>
+          <p:style>
+            <a:lnRef idx="2">
+              <a:schemeClr val="accent1">
+                <a:shade val="50000"/>
+              </a:schemeClr>
+            </a:lnRef>
+            <a:fillRef idx="1">
+              <a:schemeClr val="accent1"/>
+            </a:fillRef>
+            <a:effectRef idx="0">
+              <a:schemeClr val="accent1"/>
+            </a:effectRef>
+            <a:fontRef idx="minor">
+              <a:schemeClr val="lt1"/>
+            </a:fontRef>
+          </p:style>
+          <p:txBody>
+            <a:bodyPr rtlCol="0" anchor="ctr"/>
+            <a:lstStyle/>
+            <a:p>
+              <a:pPr algn="ctr"/>
+              <a:endParaRPr lang="nb-NO" sz="800" dirty="0"/>
+            </a:p>
+          </p:txBody>
+        </p:sp>
+        <p:sp>
+          <p:nvSpPr>
+            <p:cNvPr id="94" name="Rektangel 93"/>
+            <p:cNvSpPr/>
+            <p:nvPr/>
+          </p:nvSpPr>
+          <p:spPr>
+            <a:xfrm>
+              <a:off x="6896511" y="3867341"/>
+              <a:ext cx="746475" cy="62249"/>
+            </a:xfrm>
+            <a:prstGeom prst="rect">
+              <a:avLst/>
+            </a:prstGeom>
+            <a:noFill/>
+          </p:spPr>
+          <p:style>
+            <a:lnRef idx="2">
+              <a:schemeClr val="accent1">
+                <a:shade val="50000"/>
+              </a:schemeClr>
+            </a:lnRef>
+            <a:fillRef idx="1">
+              <a:schemeClr val="accent1"/>
+            </a:fillRef>
+            <a:effectRef idx="0">
+              <a:schemeClr val="accent1"/>
+            </a:effectRef>
+            <a:fontRef idx="minor">
+              <a:schemeClr val="lt1"/>
+            </a:fontRef>
+          </p:style>
+          <p:txBody>
+            <a:bodyPr rtlCol="0" anchor="ctr"/>
+            <a:lstStyle/>
+            <a:p>
+              <a:pPr algn="ctr"/>
+              <a:endParaRPr lang="nb-NO" sz="800" dirty="0"/>
+            </a:p>
+          </p:txBody>
+        </p:sp>
+        <p:sp>
+          <p:nvSpPr>
+            <p:cNvPr id="95" name="TekstSylinder 94"/>
+            <p:cNvSpPr txBox="1"/>
+            <p:nvPr/>
+          </p:nvSpPr>
+          <p:spPr>
+            <a:xfrm>
+              <a:off x="7128426" y="3740157"/>
+              <a:ext cx="207169" cy="369332"/>
+            </a:xfrm>
+            <a:prstGeom prst="rect">
+              <a:avLst/>
+            </a:prstGeom>
+            <a:noFill/>
+          </p:spPr>
+          <p:txBody>
+            <a:bodyPr wrap="square" rtlCol="0">
+              <a:spAutoFit/>
+            </a:bodyPr>
+            <a:lstStyle/>
+            <a:p>
+              <a:endParaRPr lang="nb-NO" dirty="0"/>
+            </a:p>
+          </p:txBody>
+        </p:sp>
+      </p:grpSp>
+      <p:sp>
+        <p:nvSpPr>
+          <p:cNvPr id="97" name="Avrundet rektangel 96"/>
+          <p:cNvSpPr/>
+          <p:nvPr/>
+        </p:nvSpPr>
+        <p:spPr>
+          <a:xfrm>
+            <a:off x="1431269" y="4836017"/>
+            <a:ext cx="2144488" cy="1495614"/>
+          </a:xfrm>
+          <a:prstGeom prst="roundRect">
+            <a:avLst/>
+          </a:prstGeom>
+          <a:noFill/>
+        </p:spPr>
+        <p:style>
+          <a:lnRef idx="2">
+            <a:schemeClr val="accent1">
+              <a:shade val="50000"/>
+            </a:schemeClr>
+          </a:lnRef>
+          <a:fillRef idx="1">
+            <a:schemeClr val="accent1"/>
+          </a:fillRef>
+          <a:effectRef idx="0">
+            <a:schemeClr val="accent1"/>
+          </a:effectRef>
+          <a:fontRef idx="minor">
+            <a:schemeClr val="lt1"/>
+          </a:fontRef>
+        </p:style>
+        <p:txBody>
+          <a:bodyPr rtlCol="0" anchor="ctr"/>
+          <a:lstStyle/>
+          <a:p>
+            <a:endParaRPr lang="en-US" sz="1000" dirty="0" smtClean="0">
+              <a:solidFill>
+                <a:schemeClr val="tx1"/>
+              </a:solidFill>
+            </a:endParaRPr>
+          </a:p>
+        </p:txBody>
+      </p:sp>
+      <p:sp>
+        <p:nvSpPr>
+          <p:cNvPr id="98" name="TekstSylinder 97"/>
+          <p:cNvSpPr txBox="1"/>
+          <p:nvPr/>
+        </p:nvSpPr>
+        <p:spPr>
+          <a:xfrm>
+            <a:off x="1357128" y="4620395"/>
+            <a:ext cx="2144488" cy="246221"/>
+          </a:xfrm>
+          <a:prstGeom prst="rect">
+            <a:avLst/>
+          </a:prstGeom>
+          <a:noFill/>
+        </p:spPr>
+        <p:txBody>
+          <a:bodyPr wrap="square" rtlCol="0">
+            <a:spAutoFit/>
+          </a:bodyPr>
+          <a:lstStyle/>
+          <a:p>
+            <a:r>
+              <a:rPr lang="en-US" sz="1000" dirty="0"/>
+              <a:t>Instans av </a:t>
+            </a:r>
+            <a:r>
+              <a:rPr lang="en-US" sz="1000" dirty="0" smtClean="0"/>
+              <a:t>VeivalgSted</a:t>
+            </a:r>
+            <a:endParaRPr lang="en-US" sz="1000" dirty="0"/>
+          </a:p>
+        </p:txBody>
+      </p:sp>
+      <p:sp>
+        <p:nvSpPr>
+          <p:cNvPr id="139" name="TekstSylinder 138"/>
+          <p:cNvSpPr txBox="1"/>
+          <p:nvPr/>
+        </p:nvSpPr>
+        <p:spPr>
+          <a:xfrm>
+            <a:off x="6342921" y="5515582"/>
+            <a:ext cx="647700" cy="369332"/>
+          </a:xfrm>
+          <a:prstGeom prst="rect">
+            <a:avLst/>
+          </a:prstGeom>
+          <a:noFill/>
+        </p:spPr>
+        <p:txBody>
+          <a:bodyPr wrap="square" rtlCol="0">
+            <a:spAutoFit/>
+          </a:bodyPr>
+          <a:lstStyle/>
+          <a:p>
+            <a:pPr algn="ctr"/>
+            <a:r>
+              <a:rPr lang="en-US" dirty="0" smtClean="0"/>
+              <a:t>…</a:t>
+            </a:r>
+            <a:endParaRPr lang="nb-NO" dirty="0"/>
+          </a:p>
+        </p:txBody>
+      </p:sp>
+      <p:sp>
+        <p:nvSpPr>
+          <p:cNvPr id="140" name="Avrundet rektangel 139"/>
+          <p:cNvSpPr/>
+          <p:nvPr/>
+        </p:nvSpPr>
+        <p:spPr>
+          <a:xfrm>
+            <a:off x="3978777" y="4836017"/>
+            <a:ext cx="2144488" cy="1495614"/>
+          </a:xfrm>
+          <a:prstGeom prst="roundRect">
+            <a:avLst/>
+          </a:prstGeom>
+          <a:noFill/>
+        </p:spPr>
+        <p:style>
+          <a:lnRef idx="2">
+            <a:schemeClr val="accent1">
+              <a:shade val="50000"/>
+            </a:schemeClr>
+          </a:lnRef>
+          <a:fillRef idx="1">
+            <a:schemeClr val="accent1"/>
+          </a:fillRef>
+          <a:effectRef idx="0">
+            <a:schemeClr val="accent1"/>
+          </a:effectRef>
+          <a:fontRef idx="minor">
+            <a:schemeClr val="lt1"/>
+          </a:fontRef>
+        </p:style>
+        <p:txBody>
+          <a:bodyPr rtlCol="0" anchor="ctr"/>
+          <a:lstStyle/>
+          <a:p>
+            <a:endParaRPr lang="en-US" sz="1000" dirty="0" smtClean="0">
+              <a:solidFill>
+                <a:schemeClr val="tx1"/>
+              </a:solidFill>
+            </a:endParaRPr>
+          </a:p>
+        </p:txBody>
+      </p:sp>
+      <p:sp>
+        <p:nvSpPr>
+          <p:cNvPr id="141" name="TekstSylinder 140"/>
+          <p:cNvSpPr txBox="1"/>
+          <p:nvPr/>
+        </p:nvSpPr>
+        <p:spPr>
+          <a:xfrm>
+            <a:off x="3904636" y="4620395"/>
+            <a:ext cx="2144488" cy="246221"/>
+          </a:xfrm>
+          <a:prstGeom prst="rect">
+            <a:avLst/>
+          </a:prstGeom>
+          <a:noFill/>
+        </p:spPr>
+        <p:txBody>
+          <a:bodyPr wrap="square" rtlCol="0">
+            <a:spAutoFit/>
+          </a:bodyPr>
+          <a:lstStyle/>
+          <a:p>
+            <a:r>
+              <a:rPr lang="en-US" sz="1000" dirty="0"/>
+              <a:t>Instans av </a:t>
+            </a:r>
+            <a:r>
+              <a:rPr lang="en-US" sz="1000" dirty="0" smtClean="0"/>
+              <a:t>VeivalgSted</a:t>
+            </a:r>
+            <a:endParaRPr lang="en-US" sz="1000" dirty="0"/>
+          </a:p>
+        </p:txBody>
+      </p:sp>
+      <p:sp>
+        <p:nvSpPr>
+          <p:cNvPr id="154" name="Avrundet rektangel 153"/>
+          <p:cNvSpPr/>
+          <p:nvPr/>
+        </p:nvSpPr>
+        <p:spPr>
+          <a:xfrm>
+            <a:off x="7161322" y="4799976"/>
+            <a:ext cx="2144488" cy="1495614"/>
+          </a:xfrm>
+          <a:prstGeom prst="roundRect">
+            <a:avLst/>
+          </a:prstGeom>
+          <a:noFill/>
+        </p:spPr>
+        <p:style>
+          <a:lnRef idx="2">
+            <a:schemeClr val="accent1">
+              <a:shade val="50000"/>
+            </a:schemeClr>
+          </a:lnRef>
+          <a:fillRef idx="1">
+            <a:schemeClr val="accent1"/>
+          </a:fillRef>
+          <a:effectRef idx="0">
+            <a:schemeClr val="accent1"/>
+          </a:effectRef>
+          <a:fontRef idx="minor">
+            <a:schemeClr val="lt1"/>
+          </a:fontRef>
+        </p:style>
+        <p:txBody>
+          <a:bodyPr rtlCol="0" anchor="ctr"/>
+          <a:lstStyle/>
+          <a:p>
+            <a:endParaRPr lang="en-US" sz="1000" dirty="0" smtClean="0">
+              <a:solidFill>
+                <a:schemeClr val="tx1"/>
+              </a:solidFill>
+            </a:endParaRPr>
+          </a:p>
+        </p:txBody>
+      </p:sp>
+      <p:sp>
+        <p:nvSpPr>
+          <p:cNvPr id="155" name="TekstSylinder 154"/>
+          <p:cNvSpPr txBox="1"/>
+          <p:nvPr/>
+        </p:nvSpPr>
+        <p:spPr>
+          <a:xfrm>
+            <a:off x="7087181" y="4584354"/>
+            <a:ext cx="2144488" cy="246221"/>
+          </a:xfrm>
+          <a:prstGeom prst="rect">
+            <a:avLst/>
+          </a:prstGeom>
+          <a:noFill/>
+        </p:spPr>
+        <p:txBody>
+          <a:bodyPr wrap="square" rtlCol="0">
+            <a:spAutoFit/>
+          </a:bodyPr>
+          <a:lstStyle/>
+          <a:p>
+            <a:r>
+              <a:rPr lang="en-US" sz="1000" dirty="0"/>
+              <a:t>Instans av </a:t>
+            </a:r>
+            <a:r>
+              <a:rPr lang="en-US" sz="1000" dirty="0" smtClean="0"/>
+              <a:t>VeivalgSted</a:t>
+            </a:r>
+            <a:endParaRPr lang="en-US" sz="1000" dirty="0"/>
+          </a:p>
+        </p:txBody>
+      </p:sp>
+      <p:sp>
+        <p:nvSpPr>
+          <p:cNvPr id="168" name="Avrundet rektangel 167"/>
+          <p:cNvSpPr/>
+          <p:nvPr/>
+        </p:nvSpPr>
+        <p:spPr>
+          <a:xfrm>
+            <a:off x="9726407" y="4797416"/>
+            <a:ext cx="2144488" cy="1495614"/>
+          </a:xfrm>
+          <a:prstGeom prst="roundRect">
+            <a:avLst/>
+          </a:prstGeom>
+          <a:noFill/>
+        </p:spPr>
+        <p:style>
+          <a:lnRef idx="2">
+            <a:schemeClr val="accent1">
+              <a:shade val="50000"/>
+            </a:schemeClr>
+          </a:lnRef>
+          <a:fillRef idx="1">
+            <a:schemeClr val="accent1"/>
+          </a:fillRef>
+          <a:effectRef idx="0">
+            <a:schemeClr val="accent1"/>
+          </a:effectRef>
+          <a:fontRef idx="minor">
+            <a:schemeClr val="lt1"/>
+          </a:fontRef>
+        </p:style>
+        <p:txBody>
+          <a:bodyPr rtlCol="0" anchor="ctr"/>
+          <a:lstStyle/>
+          <a:p>
+            <a:endParaRPr lang="en-US" sz="1000" dirty="0" smtClean="0">
+              <a:solidFill>
+                <a:schemeClr val="tx1"/>
+              </a:solidFill>
+            </a:endParaRPr>
+          </a:p>
+        </p:txBody>
+      </p:sp>
+      <p:sp>
+        <p:nvSpPr>
+          <p:cNvPr id="169" name="TekstSylinder 168"/>
+          <p:cNvSpPr txBox="1"/>
+          <p:nvPr/>
+        </p:nvSpPr>
+        <p:spPr>
+          <a:xfrm>
+            <a:off x="9652266" y="4581794"/>
+            <a:ext cx="2144488" cy="246221"/>
+          </a:xfrm>
+          <a:prstGeom prst="rect">
+            <a:avLst/>
+          </a:prstGeom>
+          <a:noFill/>
+        </p:spPr>
+        <p:txBody>
+          <a:bodyPr wrap="square" rtlCol="0">
+            <a:spAutoFit/>
+          </a:bodyPr>
+          <a:lstStyle/>
+          <a:p>
+            <a:r>
+              <a:rPr lang="en-US" sz="1000" dirty="0"/>
+              <a:t>Instans av </a:t>
+            </a:r>
+            <a:r>
+              <a:rPr lang="en-US" sz="1000" dirty="0" smtClean="0"/>
+              <a:t>VeivalgSted</a:t>
+            </a:r>
+            <a:endParaRPr lang="en-US" sz="1000" dirty="0"/>
+          </a:p>
+        </p:txBody>
+      </p:sp>
+      <p:sp>
+        <p:nvSpPr>
+          <p:cNvPr id="194" name="Avrundet rektangel 193"/>
+          <p:cNvSpPr/>
+          <p:nvPr/>
+        </p:nvSpPr>
+        <p:spPr>
+          <a:xfrm>
+            <a:off x="8546394" y="2662912"/>
+            <a:ext cx="2144488" cy="1116237"/>
+          </a:xfrm>
+          <a:prstGeom prst="roundRect">
+            <a:avLst/>
+          </a:prstGeom>
+          <a:noFill/>
+        </p:spPr>
+        <p:style>
+          <a:lnRef idx="2">
+            <a:schemeClr val="accent1">
+              <a:shade val="50000"/>
+            </a:schemeClr>
+          </a:lnRef>
+          <a:fillRef idx="1">
+            <a:schemeClr val="accent1"/>
+          </a:fillRef>
+          <a:effectRef idx="0">
+            <a:schemeClr val="accent1"/>
+          </a:effectRef>
+          <a:fontRef idx="minor">
+            <a:schemeClr val="lt1"/>
+          </a:fontRef>
+        </p:style>
+        <p:txBody>
+          <a:bodyPr rtlCol="0" anchor="ctr"/>
+          <a:lstStyle/>
+          <a:p>
+            <a:endParaRPr lang="en-US" sz="1000" dirty="0" smtClean="0">
+              <a:solidFill>
+                <a:schemeClr val="tx1"/>
+              </a:solidFill>
+            </a:endParaRPr>
+          </a:p>
+        </p:txBody>
+      </p:sp>
+      <p:sp>
+        <p:nvSpPr>
+          <p:cNvPr id="226" name="TekstSylinder 225"/>
+          <p:cNvSpPr txBox="1"/>
+          <p:nvPr/>
+        </p:nvSpPr>
+        <p:spPr>
+          <a:xfrm>
+            <a:off x="8515292" y="2440669"/>
+            <a:ext cx="2144488" cy="246221"/>
+          </a:xfrm>
+          <a:prstGeom prst="rect">
+            <a:avLst/>
+          </a:prstGeom>
+          <a:noFill/>
+        </p:spPr>
+        <p:txBody>
+          <a:bodyPr wrap="square" rtlCol="0">
+            <a:spAutoFit/>
+          </a:bodyPr>
+          <a:lstStyle/>
+          <a:p>
+            <a:r>
+              <a:rPr lang="en-US" sz="1000" dirty="0"/>
+              <a:t>Instans av </a:t>
+            </a:r>
+            <a:r>
+              <a:rPr lang="en-US" sz="1000" dirty="0" smtClean="0"/>
+              <a:t>Skattkiste</a:t>
+            </a:r>
+            <a:endParaRPr lang="en-US" sz="1000" dirty="0"/>
+          </a:p>
+        </p:txBody>
+      </p:sp>
+      <p:sp>
+        <p:nvSpPr>
+          <p:cNvPr id="245" name="Avrundet rektangel 244"/>
+          <p:cNvSpPr/>
+          <p:nvPr/>
+        </p:nvSpPr>
+        <p:spPr>
+          <a:xfrm>
+            <a:off x="2457934" y="2473350"/>
+            <a:ext cx="2144488" cy="1127844"/>
+          </a:xfrm>
+          <a:prstGeom prst="roundRect">
+            <a:avLst/>
+          </a:prstGeom>
+          <a:noFill/>
+        </p:spPr>
+        <p:style>
+          <a:lnRef idx="2">
+            <a:schemeClr val="accent1">
+              <a:shade val="50000"/>
+            </a:schemeClr>
+          </a:lnRef>
+          <a:fillRef idx="1">
+            <a:schemeClr val="accent1"/>
+          </a:fillRef>
+          <a:effectRef idx="0">
+            <a:schemeClr val="accent1"/>
+          </a:effectRef>
+          <a:fontRef idx="minor">
+            <a:schemeClr val="lt1"/>
+          </a:fontRef>
+        </p:style>
+        <p:txBody>
+          <a:bodyPr rtlCol="0" anchor="ctr"/>
+          <a:lstStyle/>
+          <a:p>
+            <a:endParaRPr lang="en-US" sz="1000" dirty="0" smtClean="0">
+              <a:solidFill>
+                <a:schemeClr val="tx1"/>
+              </a:solidFill>
+            </a:endParaRPr>
+          </a:p>
+        </p:txBody>
+      </p:sp>
+      <p:sp>
+        <p:nvSpPr>
+          <p:cNvPr id="246" name="TekstSylinder 245"/>
+          <p:cNvSpPr txBox="1"/>
+          <p:nvPr/>
+        </p:nvSpPr>
+        <p:spPr>
+          <a:xfrm>
+            <a:off x="2383793" y="2260080"/>
+            <a:ext cx="2144488" cy="246221"/>
+          </a:xfrm>
+          <a:prstGeom prst="rect">
+            <a:avLst/>
+          </a:prstGeom>
+          <a:noFill/>
+        </p:spPr>
+        <p:txBody>
+          <a:bodyPr wrap="square" rtlCol="0">
+            <a:spAutoFit/>
+          </a:bodyPr>
+          <a:lstStyle/>
+          <a:p>
+            <a:r>
+              <a:rPr lang="en-US" sz="1000" dirty="0"/>
+              <a:t>Instans av </a:t>
+            </a:r>
+            <a:r>
+              <a:rPr lang="en-US" sz="1000" dirty="0" smtClean="0"/>
+              <a:t>VeivalgSpiller</a:t>
+            </a:r>
+            <a:endParaRPr lang="en-US" sz="1000" dirty="0"/>
+          </a:p>
+        </p:txBody>
+      </p:sp>
+      <p:grpSp>
+        <p:nvGrpSpPr>
+          <p:cNvPr id="247" name="Gruppe 246"/>
+          <p:cNvGrpSpPr/>
+          <p:nvPr/>
+        </p:nvGrpSpPr>
+        <p:grpSpPr>
+          <a:xfrm>
+            <a:off x="3135524" y="2493598"/>
+            <a:ext cx="1021491" cy="609541"/>
+            <a:chOff x="3599935" y="588258"/>
+            <a:chExt cx="1070919" cy="721038"/>
+          </a:xfrm>
+        </p:grpSpPr>
+        <p:sp>
+          <p:nvSpPr>
+            <p:cNvPr id="248" name="Rektangel 247"/>
+            <p:cNvSpPr/>
+            <p:nvPr/>
+          </p:nvSpPr>
+          <p:spPr>
+            <a:xfrm>
+              <a:off x="3599935" y="840259"/>
+              <a:ext cx="782595" cy="214184"/>
+            </a:xfrm>
+            <a:prstGeom prst="rect">
+              <a:avLst/>
+            </a:prstGeom>
+            <a:noFill/>
+          </p:spPr>
+          <p:style>
+            <a:lnRef idx="2">
+              <a:schemeClr val="accent1">
+                <a:shade val="50000"/>
+              </a:schemeClr>
+            </a:lnRef>
+            <a:fillRef idx="1">
+              <a:schemeClr val="accent1"/>
+            </a:fillRef>
+            <a:effectRef idx="0">
+              <a:schemeClr val="accent1"/>
+            </a:effectRef>
+            <a:fontRef idx="minor">
+              <a:schemeClr val="lt1"/>
+            </a:fontRef>
+          </p:style>
+          <p:txBody>
+            <a:bodyPr rtlCol="0" anchor="ctr"/>
+            <a:lstStyle/>
+            <a:p>
+              <a:pPr algn="ctr"/>
+              <a:endParaRPr lang="nb-NO" sz="800" dirty="0"/>
+            </a:p>
+          </p:txBody>
+        </p:sp>
+        <p:sp>
+          <p:nvSpPr>
+            <p:cNvPr id="249" name="TekstSylinder 248"/>
+            <p:cNvSpPr txBox="1"/>
+            <p:nvPr/>
+          </p:nvSpPr>
+          <p:spPr>
+            <a:xfrm>
+              <a:off x="3599935" y="588258"/>
+              <a:ext cx="1070919" cy="254853"/>
+            </a:xfrm>
+            <a:prstGeom prst="rect">
+              <a:avLst/>
+            </a:prstGeom>
+            <a:noFill/>
+          </p:spPr>
+          <p:txBody>
+            <a:bodyPr wrap="square" rtlCol="0">
+              <a:spAutoFit/>
+            </a:bodyPr>
+            <a:lstStyle/>
+            <a:p>
+              <a:r>
+                <a:rPr lang="en-US" sz="800" dirty="0" smtClean="0"/>
+                <a:t>Navn: ryggsekk</a:t>
+              </a:r>
+              <a:endParaRPr lang="nb-NO" sz="800" dirty="0"/>
+            </a:p>
+          </p:txBody>
+        </p:sp>
+        <p:sp>
+          <p:nvSpPr>
+            <p:cNvPr id="250" name="TekstSylinder 249"/>
+            <p:cNvSpPr txBox="1"/>
+            <p:nvPr/>
+          </p:nvSpPr>
+          <p:spPr>
+            <a:xfrm>
+              <a:off x="3599935" y="1054443"/>
+              <a:ext cx="1070919" cy="254853"/>
+            </a:xfrm>
+            <a:prstGeom prst="rect">
+              <a:avLst/>
+            </a:prstGeom>
+            <a:noFill/>
+          </p:spPr>
+          <p:txBody>
+            <a:bodyPr wrap="square" rtlCol="0">
+              <a:spAutoFit/>
+            </a:bodyPr>
+            <a:lstStyle/>
+            <a:p>
+              <a:r>
+                <a:rPr lang="en-US" sz="800" dirty="0" smtClean="0"/>
+                <a:t>Type: Skattkiste</a:t>
+              </a:r>
+              <a:endParaRPr lang="nb-NO" sz="800" dirty="0"/>
+            </a:p>
+          </p:txBody>
+        </p:sp>
+      </p:grpSp>
+      <p:grpSp>
+        <p:nvGrpSpPr>
+          <p:cNvPr id="251" name="Gruppe 250"/>
+          <p:cNvGrpSpPr/>
+          <p:nvPr/>
+        </p:nvGrpSpPr>
+        <p:grpSpPr>
+          <a:xfrm>
+            <a:off x="2623802" y="2987063"/>
+            <a:ext cx="1021493" cy="602523"/>
+            <a:chOff x="3599935" y="596560"/>
+            <a:chExt cx="1070921" cy="712736"/>
+          </a:xfrm>
+        </p:grpSpPr>
+        <p:sp>
+          <p:nvSpPr>
+            <p:cNvPr id="252" name="Rektangel 251"/>
+            <p:cNvSpPr/>
+            <p:nvPr/>
+          </p:nvSpPr>
+          <p:spPr>
+            <a:xfrm>
+              <a:off x="3599935" y="840259"/>
+              <a:ext cx="782595" cy="214184"/>
+            </a:xfrm>
+            <a:prstGeom prst="rect">
+              <a:avLst/>
+            </a:prstGeom>
+            <a:noFill/>
+          </p:spPr>
+          <p:style>
+            <a:lnRef idx="2">
+              <a:schemeClr val="accent1">
+                <a:shade val="50000"/>
+              </a:schemeClr>
+            </a:lnRef>
+            <a:fillRef idx="1">
+              <a:schemeClr val="accent1"/>
+            </a:fillRef>
+            <a:effectRef idx="0">
+              <a:schemeClr val="accent1"/>
+            </a:effectRef>
+            <a:fontRef idx="minor">
+              <a:schemeClr val="lt1"/>
+            </a:fontRef>
+          </p:style>
+          <p:txBody>
+            <a:bodyPr rtlCol="0" anchor="ctr"/>
+            <a:lstStyle/>
+            <a:p>
+              <a:pPr algn="ctr"/>
+              <a:endParaRPr lang="nb-NO" sz="800" dirty="0"/>
+            </a:p>
+          </p:txBody>
+        </p:sp>
+        <p:sp>
+          <p:nvSpPr>
+            <p:cNvPr id="253" name="TekstSylinder 252"/>
+            <p:cNvSpPr txBox="1"/>
+            <p:nvPr/>
+          </p:nvSpPr>
+          <p:spPr>
+            <a:xfrm>
+              <a:off x="3599935" y="596560"/>
+              <a:ext cx="1070919" cy="254853"/>
+            </a:xfrm>
+            <a:prstGeom prst="rect">
+              <a:avLst/>
+            </a:prstGeom>
+            <a:noFill/>
+          </p:spPr>
+          <p:txBody>
+            <a:bodyPr wrap="square" rtlCol="0">
+              <a:spAutoFit/>
+            </a:bodyPr>
+            <a:lstStyle/>
+            <a:p>
+              <a:r>
+                <a:rPr lang="en-US" sz="800" dirty="0" smtClean="0"/>
+                <a:t>Navn: navn</a:t>
+              </a:r>
+              <a:endParaRPr lang="nb-NO" sz="800" dirty="0"/>
+            </a:p>
+          </p:txBody>
+        </p:sp>
+        <p:sp>
+          <p:nvSpPr>
+            <p:cNvPr id="254" name="TekstSylinder 253"/>
+            <p:cNvSpPr txBox="1"/>
+            <p:nvPr/>
+          </p:nvSpPr>
+          <p:spPr>
+            <a:xfrm>
+              <a:off x="3599937" y="1054443"/>
+              <a:ext cx="1070919" cy="254853"/>
+            </a:xfrm>
+            <a:prstGeom prst="rect">
+              <a:avLst/>
+            </a:prstGeom>
+            <a:noFill/>
+          </p:spPr>
+          <p:txBody>
+            <a:bodyPr wrap="square" rtlCol="0">
+              <a:spAutoFit/>
+            </a:bodyPr>
+            <a:lstStyle/>
+            <a:p>
+              <a:r>
+                <a:rPr lang="en-US" sz="800" dirty="0" smtClean="0"/>
+                <a:t>Type: String</a:t>
+              </a:r>
+              <a:endParaRPr lang="nb-NO" sz="800" dirty="0"/>
+            </a:p>
+          </p:txBody>
+        </p:sp>
+      </p:grpSp>
+      <p:grpSp>
+        <p:nvGrpSpPr>
+          <p:cNvPr id="255" name="Gruppe 254"/>
+          <p:cNvGrpSpPr/>
+          <p:nvPr/>
+        </p:nvGrpSpPr>
+        <p:grpSpPr>
+          <a:xfrm>
+            <a:off x="3629887" y="2998671"/>
+            <a:ext cx="1021493" cy="602523"/>
+            <a:chOff x="3599935" y="596560"/>
+            <a:chExt cx="1070921" cy="712736"/>
+          </a:xfrm>
+        </p:grpSpPr>
+        <p:sp>
+          <p:nvSpPr>
+            <p:cNvPr id="256" name="Rektangel 255"/>
+            <p:cNvSpPr/>
+            <p:nvPr/>
+          </p:nvSpPr>
+          <p:spPr>
+            <a:xfrm>
+              <a:off x="3599935" y="840259"/>
+              <a:ext cx="782595" cy="214184"/>
+            </a:xfrm>
+            <a:prstGeom prst="rect">
+              <a:avLst/>
+            </a:prstGeom>
+            <a:noFill/>
+          </p:spPr>
+          <p:style>
+            <a:lnRef idx="2">
+              <a:schemeClr val="accent1">
+                <a:shade val="50000"/>
+              </a:schemeClr>
+            </a:lnRef>
+            <a:fillRef idx="1">
+              <a:schemeClr val="accent1"/>
+            </a:fillRef>
+            <a:effectRef idx="0">
+              <a:schemeClr val="accent1"/>
+            </a:effectRef>
+            <a:fontRef idx="minor">
+              <a:schemeClr val="lt1"/>
+            </a:fontRef>
+          </p:style>
+          <p:txBody>
+            <a:bodyPr rtlCol="0" anchor="ctr"/>
+            <a:lstStyle/>
+            <a:p>
+              <a:pPr algn="ctr"/>
+              <a:endParaRPr lang="nb-NO" sz="800" dirty="0"/>
+            </a:p>
+          </p:txBody>
+        </p:sp>
+        <p:sp>
+          <p:nvSpPr>
+            <p:cNvPr id="257" name="TekstSylinder 256"/>
+            <p:cNvSpPr txBox="1"/>
+            <p:nvPr/>
+          </p:nvSpPr>
+          <p:spPr>
+            <a:xfrm>
+              <a:off x="3599935" y="596560"/>
+              <a:ext cx="1070919" cy="254853"/>
+            </a:xfrm>
+            <a:prstGeom prst="rect">
+              <a:avLst/>
+            </a:prstGeom>
+            <a:noFill/>
+          </p:spPr>
+          <p:txBody>
+            <a:bodyPr wrap="square" rtlCol="0">
+              <a:spAutoFit/>
+            </a:bodyPr>
+            <a:lstStyle/>
+            <a:p>
+              <a:r>
+                <a:rPr lang="en-US" sz="800" dirty="0" smtClean="0"/>
+                <a:t>Navn: her</a:t>
+              </a:r>
+              <a:endParaRPr lang="nb-NO" sz="800" dirty="0"/>
+            </a:p>
+          </p:txBody>
+        </p:sp>
+        <p:sp>
+          <p:nvSpPr>
+            <p:cNvPr id="258" name="TekstSylinder 257"/>
+            <p:cNvSpPr txBox="1"/>
+            <p:nvPr/>
+          </p:nvSpPr>
+          <p:spPr>
+            <a:xfrm>
+              <a:off x="3599937" y="1054443"/>
+              <a:ext cx="1070919" cy="254853"/>
+            </a:xfrm>
+            <a:prstGeom prst="rect">
+              <a:avLst/>
+            </a:prstGeom>
+            <a:noFill/>
+          </p:spPr>
+          <p:txBody>
+            <a:bodyPr wrap="square" rtlCol="0">
+              <a:spAutoFit/>
+            </a:bodyPr>
+            <a:lstStyle/>
+            <a:p>
+              <a:r>
+                <a:rPr lang="en-US" sz="800" dirty="0" smtClean="0"/>
+                <a:t>Type: Sted</a:t>
+              </a:r>
+              <a:endParaRPr lang="nb-NO" sz="800" dirty="0"/>
+            </a:p>
+          </p:txBody>
+        </p:sp>
+      </p:grpSp>
+      <p:sp>
+        <p:nvSpPr>
+          <p:cNvPr id="266" name="Avrundet rektangel 265"/>
+          <p:cNvSpPr/>
+          <p:nvPr/>
+        </p:nvSpPr>
+        <p:spPr>
+          <a:xfrm>
+            <a:off x="5614657" y="2657087"/>
+            <a:ext cx="2144488" cy="1116237"/>
+          </a:xfrm>
+          <a:prstGeom prst="roundRect">
+            <a:avLst/>
+          </a:prstGeom>
+          <a:noFill/>
+        </p:spPr>
+        <p:style>
+          <a:lnRef idx="2">
+            <a:schemeClr val="accent1">
+              <a:shade val="50000"/>
+            </a:schemeClr>
+          </a:lnRef>
+          <a:fillRef idx="1">
+            <a:schemeClr val="accent1"/>
+          </a:fillRef>
+          <a:effectRef idx="0">
+            <a:schemeClr val="accent1"/>
+          </a:effectRef>
+          <a:fontRef idx="minor">
+            <a:schemeClr val="lt1"/>
+          </a:fontRef>
+        </p:style>
+        <p:txBody>
+          <a:bodyPr rtlCol="0" anchor="ctr"/>
+          <a:lstStyle/>
+          <a:p>
+            <a:endParaRPr lang="en-US" sz="1000" dirty="0" smtClean="0">
+              <a:solidFill>
+                <a:schemeClr val="tx1"/>
+              </a:solidFill>
+            </a:endParaRPr>
+          </a:p>
+        </p:txBody>
+      </p:sp>
+      <p:sp>
+        <p:nvSpPr>
+          <p:cNvPr id="267" name="TekstSylinder 266"/>
+          <p:cNvSpPr txBox="1"/>
+          <p:nvPr/>
+        </p:nvSpPr>
+        <p:spPr>
+          <a:xfrm>
+            <a:off x="5533636" y="2464987"/>
+            <a:ext cx="2144488" cy="246221"/>
+          </a:xfrm>
+          <a:prstGeom prst="rect">
+            <a:avLst/>
+          </a:prstGeom>
+          <a:noFill/>
+        </p:spPr>
+        <p:txBody>
+          <a:bodyPr wrap="square" rtlCol="0">
+            <a:spAutoFit/>
+          </a:bodyPr>
+          <a:lstStyle/>
+          <a:p>
+            <a:r>
+              <a:rPr lang="en-US" sz="1000" dirty="0"/>
+              <a:t>Instans av </a:t>
+            </a:r>
+            <a:r>
+              <a:rPr lang="en-US" sz="1000" dirty="0" smtClean="0"/>
+              <a:t>Skattkiste</a:t>
+            </a:r>
+            <a:endParaRPr lang="en-US" sz="1000" dirty="0"/>
+          </a:p>
+        </p:txBody>
+      </p:sp>
+      <p:grpSp>
+        <p:nvGrpSpPr>
+          <p:cNvPr id="268" name="Gruppe 267"/>
+          <p:cNvGrpSpPr/>
+          <p:nvPr/>
+        </p:nvGrpSpPr>
+        <p:grpSpPr>
+          <a:xfrm>
+            <a:off x="5757787" y="2797280"/>
+            <a:ext cx="1322991" cy="624701"/>
+            <a:chOff x="6889658" y="3559237"/>
+            <a:chExt cx="1322991" cy="624701"/>
+          </a:xfrm>
+        </p:grpSpPr>
+        <p:sp>
+          <p:nvSpPr>
+            <p:cNvPr id="269" name="Rektangel 268"/>
+            <p:cNvSpPr/>
+            <p:nvPr/>
+          </p:nvSpPr>
+          <p:spPr>
+            <a:xfrm>
+              <a:off x="6896513" y="3743698"/>
+              <a:ext cx="746475" cy="62249"/>
+            </a:xfrm>
+            <a:prstGeom prst="rect">
+              <a:avLst/>
+            </a:prstGeom>
+            <a:noFill/>
+          </p:spPr>
+          <p:style>
+            <a:lnRef idx="2">
+              <a:schemeClr val="accent1">
+                <a:shade val="50000"/>
+              </a:schemeClr>
+            </a:lnRef>
+            <a:fillRef idx="1">
+              <a:schemeClr val="accent1"/>
+            </a:fillRef>
+            <a:effectRef idx="0">
+              <a:schemeClr val="accent1"/>
+            </a:effectRef>
+            <a:fontRef idx="minor">
+              <a:schemeClr val="lt1"/>
+            </a:fontRef>
+          </p:style>
+          <p:txBody>
+            <a:bodyPr rtlCol="0" anchor="ctr"/>
+            <a:lstStyle/>
+            <a:p>
+              <a:pPr algn="ctr"/>
+              <a:endParaRPr lang="nb-NO" sz="800" dirty="0"/>
+            </a:p>
+          </p:txBody>
+        </p:sp>
+        <p:sp>
+          <p:nvSpPr>
+            <p:cNvPr id="270" name="TekstSylinder 269"/>
+            <p:cNvSpPr txBox="1"/>
+            <p:nvPr/>
+          </p:nvSpPr>
+          <p:spPr>
+            <a:xfrm>
+              <a:off x="6896513" y="3559237"/>
+              <a:ext cx="1021491" cy="215444"/>
+            </a:xfrm>
+            <a:prstGeom prst="rect">
+              <a:avLst/>
+            </a:prstGeom>
+            <a:noFill/>
+          </p:spPr>
+          <p:txBody>
+            <a:bodyPr wrap="square" rtlCol="0">
+              <a:spAutoFit/>
+            </a:bodyPr>
+            <a:lstStyle/>
+            <a:p>
+              <a:r>
+                <a:rPr lang="en-US" sz="800" dirty="0" smtClean="0"/>
+                <a:t>Navn: innhold</a:t>
+              </a:r>
+              <a:endParaRPr lang="nb-NO" sz="800" dirty="0"/>
+            </a:p>
+          </p:txBody>
+        </p:sp>
+        <p:sp>
+          <p:nvSpPr>
+            <p:cNvPr id="271" name="TekstSylinder 270"/>
+            <p:cNvSpPr txBox="1"/>
+            <p:nvPr/>
+          </p:nvSpPr>
+          <p:spPr>
+            <a:xfrm>
+              <a:off x="6889658" y="3845384"/>
+              <a:ext cx="1322991" cy="338554"/>
+            </a:xfrm>
+            <a:prstGeom prst="rect">
+              <a:avLst/>
+            </a:prstGeom>
+            <a:noFill/>
+          </p:spPr>
+          <p:txBody>
+            <a:bodyPr wrap="square" rtlCol="0">
+              <a:spAutoFit/>
+            </a:bodyPr>
+            <a:lstStyle/>
+            <a:p>
+              <a:r>
+                <a:rPr lang="en-US" sz="800" dirty="0" smtClean="0"/>
+                <a:t>Type: ArrayList&lt;Gjenstand&gt;</a:t>
+              </a:r>
+              <a:endParaRPr lang="nb-NO" sz="800" dirty="0"/>
+            </a:p>
+          </p:txBody>
+        </p:sp>
+        <p:sp>
+          <p:nvSpPr>
+            <p:cNvPr id="272" name="Rektangel 271"/>
+            <p:cNvSpPr/>
+            <p:nvPr/>
+          </p:nvSpPr>
+          <p:spPr>
+            <a:xfrm>
+              <a:off x="6896512" y="3805531"/>
+              <a:ext cx="746475" cy="62249"/>
+            </a:xfrm>
+            <a:prstGeom prst="rect">
+              <a:avLst/>
+            </a:prstGeom>
+            <a:noFill/>
+          </p:spPr>
+          <p:style>
+            <a:lnRef idx="2">
+              <a:schemeClr val="accent1">
+                <a:shade val="50000"/>
+              </a:schemeClr>
+            </a:lnRef>
+            <a:fillRef idx="1">
+              <a:schemeClr val="accent1"/>
+            </a:fillRef>
+            <a:effectRef idx="0">
+              <a:schemeClr val="accent1"/>
+            </a:effectRef>
+            <a:fontRef idx="minor">
+              <a:schemeClr val="lt1"/>
+            </a:fontRef>
+          </p:style>
+          <p:txBody>
+            <a:bodyPr rtlCol="0" anchor="ctr"/>
+            <a:lstStyle/>
+            <a:p>
+              <a:pPr algn="ctr"/>
+              <a:endParaRPr lang="nb-NO" sz="800" dirty="0"/>
+            </a:p>
+          </p:txBody>
+        </p:sp>
+        <p:sp>
+          <p:nvSpPr>
+            <p:cNvPr id="273" name="TekstSylinder 272"/>
+            <p:cNvSpPr txBox="1"/>
+            <p:nvPr/>
+          </p:nvSpPr>
+          <p:spPr>
+            <a:xfrm>
+              <a:off x="7128426" y="3740157"/>
+              <a:ext cx="207169" cy="369332"/>
+            </a:xfrm>
+            <a:prstGeom prst="rect">
+              <a:avLst/>
+            </a:prstGeom>
+            <a:noFill/>
+          </p:spPr>
+          <p:txBody>
+            <a:bodyPr wrap="square" rtlCol="0">
+              <a:spAutoFit/>
+            </a:bodyPr>
+            <a:lstStyle/>
+            <a:p>
+              <a:endParaRPr lang="nb-NO" dirty="0"/>
+            </a:p>
+          </p:txBody>
+        </p:sp>
+      </p:grpSp>
+      <p:cxnSp>
+        <p:nvCxnSpPr>
+          <p:cNvPr id="285" name="Rett pilkobling 284"/>
+          <p:cNvCxnSpPr>
+            <a:endCxn id="245" idx="1"/>
+          </p:cNvCxnSpPr>
+          <p:nvPr/>
+        </p:nvCxnSpPr>
+        <p:spPr>
+          <a:xfrm>
+            <a:off x="1709605" y="1627781"/>
+            <a:ext cx="748329" cy="1409491"/>
+          </a:xfrm>
+          <a:prstGeom prst="straightConnector1">
+            <a:avLst/>
+          </a:prstGeom>
+          <a:ln>
+            <a:tailEnd type="triangle"/>
+          </a:ln>
+        </p:spPr>
+        <p:style>
+          <a:lnRef idx="1">
+            <a:schemeClr val="accent1"/>
+          </a:lnRef>
+          <a:fillRef idx="0">
+            <a:schemeClr val="accent1"/>
+          </a:fillRef>
+          <a:effectRef idx="0">
+            <a:schemeClr val="accent1"/>
+          </a:effectRef>
+          <a:fontRef idx="minor">
+            <a:schemeClr val="tx1"/>
+          </a:fontRef>
+        </p:style>
+      </p:cxnSp>
+      <p:sp>
+        <p:nvSpPr>
+          <p:cNvPr id="290" name="Avrundet rektangel 289"/>
+          <p:cNvSpPr/>
+          <p:nvPr/>
+        </p:nvSpPr>
+        <p:spPr>
+          <a:xfrm>
+            <a:off x="6348209" y="458633"/>
+            <a:ext cx="1068984" cy="1238000"/>
+          </a:xfrm>
+          <a:prstGeom prst="roundRect">
+            <a:avLst/>
+          </a:prstGeom>
+          <a:noFill/>
+        </p:spPr>
+        <p:style>
+          <a:lnRef idx="2">
+            <a:schemeClr val="accent1">
+              <a:shade val="50000"/>
+            </a:schemeClr>
+          </a:lnRef>
+          <a:fillRef idx="1">
+            <a:schemeClr val="accent1"/>
+          </a:fillRef>
+          <a:effectRef idx="0">
+            <a:schemeClr val="accent1"/>
+          </a:effectRef>
+          <a:fontRef idx="minor">
+            <a:schemeClr val="lt1"/>
+          </a:fontRef>
+        </p:style>
+        <p:txBody>
+          <a:bodyPr rtlCol="0" anchor="ctr"/>
+          <a:lstStyle/>
+          <a:p>
+            <a:endParaRPr lang="en-US" sz="1000" dirty="0" smtClean="0">
+              <a:solidFill>
+                <a:schemeClr val="tx1"/>
+              </a:solidFill>
+            </a:endParaRPr>
+          </a:p>
+        </p:txBody>
+      </p:sp>
+      <p:sp>
+        <p:nvSpPr>
+          <p:cNvPr id="291" name="TekstSylinder 290"/>
+          <p:cNvSpPr txBox="1"/>
+          <p:nvPr/>
+        </p:nvSpPr>
+        <p:spPr>
+          <a:xfrm>
+            <a:off x="6274068" y="245363"/>
+            <a:ext cx="2144488" cy="246221"/>
+          </a:xfrm>
+          <a:prstGeom prst="rect">
+            <a:avLst/>
+          </a:prstGeom>
+          <a:noFill/>
+        </p:spPr>
+        <p:txBody>
+          <a:bodyPr wrap="square" rtlCol="0">
+            <a:spAutoFit/>
+          </a:bodyPr>
+          <a:lstStyle/>
+          <a:p>
+            <a:r>
+              <a:rPr lang="en-US" sz="1000" dirty="0"/>
+              <a:t>Instans av </a:t>
+            </a:r>
+            <a:r>
+              <a:rPr lang="en-US" sz="1000" dirty="0" smtClean="0"/>
+              <a:t>Gjenstand</a:t>
+            </a:r>
+            <a:endParaRPr lang="en-US" sz="1000" dirty="0"/>
+          </a:p>
+        </p:txBody>
+      </p:sp>
+      <p:grpSp>
+        <p:nvGrpSpPr>
+          <p:cNvPr id="292" name="Gruppe 291"/>
+          <p:cNvGrpSpPr/>
+          <p:nvPr/>
+        </p:nvGrpSpPr>
+        <p:grpSpPr>
+          <a:xfrm>
+            <a:off x="6508846" y="1090041"/>
+            <a:ext cx="1021491" cy="609541"/>
+            <a:chOff x="3599935" y="588258"/>
+            <a:chExt cx="1070919" cy="721038"/>
+          </a:xfrm>
+        </p:grpSpPr>
+        <p:sp>
+          <p:nvSpPr>
+            <p:cNvPr id="293" name="Rektangel 292"/>
+            <p:cNvSpPr/>
+            <p:nvPr/>
+          </p:nvSpPr>
+          <p:spPr>
+            <a:xfrm>
+              <a:off x="3599935" y="840259"/>
+              <a:ext cx="782595" cy="214184"/>
+            </a:xfrm>
+            <a:prstGeom prst="rect">
+              <a:avLst/>
+            </a:prstGeom>
+            <a:noFill/>
+          </p:spPr>
+          <p:style>
+            <a:lnRef idx="2">
+              <a:schemeClr val="accent1">
+                <a:shade val="50000"/>
+              </a:schemeClr>
+            </a:lnRef>
+            <a:fillRef idx="1">
+              <a:schemeClr val="accent1"/>
+            </a:fillRef>
+            <a:effectRef idx="0">
+              <a:schemeClr val="accent1"/>
+            </a:effectRef>
+            <a:fontRef idx="minor">
+              <a:schemeClr val="lt1"/>
+            </a:fontRef>
+          </p:style>
+          <p:txBody>
+            <a:bodyPr rtlCol="0" anchor="ctr"/>
+            <a:lstStyle/>
+            <a:p>
+              <a:pPr algn="ctr"/>
+              <a:endParaRPr lang="nb-NO" sz="800" dirty="0"/>
+            </a:p>
+          </p:txBody>
+        </p:sp>
+        <p:sp>
+          <p:nvSpPr>
+            <p:cNvPr id="294" name="TekstSylinder 293"/>
+            <p:cNvSpPr txBox="1"/>
+            <p:nvPr/>
+          </p:nvSpPr>
+          <p:spPr>
+            <a:xfrm>
+              <a:off x="3599935" y="588258"/>
+              <a:ext cx="1070919" cy="254853"/>
+            </a:xfrm>
+            <a:prstGeom prst="rect">
+              <a:avLst/>
+            </a:prstGeom>
+            <a:noFill/>
+          </p:spPr>
+          <p:txBody>
+            <a:bodyPr wrap="square" rtlCol="0">
+              <a:spAutoFit/>
+            </a:bodyPr>
+            <a:lstStyle/>
+            <a:p>
+              <a:r>
+                <a:rPr lang="en-US" sz="800" dirty="0" smtClean="0"/>
+                <a:t>Navn: verdi</a:t>
+              </a:r>
+              <a:endParaRPr lang="nb-NO" sz="800" dirty="0"/>
+            </a:p>
+          </p:txBody>
+        </p:sp>
+        <p:sp>
+          <p:nvSpPr>
+            <p:cNvPr id="295" name="TekstSylinder 294"/>
+            <p:cNvSpPr txBox="1"/>
+            <p:nvPr/>
+          </p:nvSpPr>
+          <p:spPr>
+            <a:xfrm>
+              <a:off x="3599935" y="1054443"/>
+              <a:ext cx="1070919" cy="254853"/>
+            </a:xfrm>
+            <a:prstGeom prst="rect">
+              <a:avLst/>
+            </a:prstGeom>
+            <a:noFill/>
+          </p:spPr>
+          <p:txBody>
+            <a:bodyPr wrap="square" rtlCol="0">
+              <a:spAutoFit/>
+            </a:bodyPr>
+            <a:lstStyle/>
+            <a:p>
+              <a:r>
+                <a:rPr lang="en-US" sz="800" dirty="0" smtClean="0"/>
+                <a:t>Type: int</a:t>
+              </a:r>
+              <a:endParaRPr lang="nb-NO" sz="800" dirty="0"/>
+            </a:p>
+          </p:txBody>
+        </p:sp>
+      </p:grpSp>
+      <p:grpSp>
+        <p:nvGrpSpPr>
+          <p:cNvPr id="296" name="Gruppe 295"/>
+          <p:cNvGrpSpPr/>
+          <p:nvPr/>
+        </p:nvGrpSpPr>
+        <p:grpSpPr>
+          <a:xfrm>
+            <a:off x="6513501" y="493338"/>
+            <a:ext cx="1021491" cy="609541"/>
+            <a:chOff x="3599935" y="588258"/>
+            <a:chExt cx="1070919" cy="721038"/>
+          </a:xfrm>
+        </p:grpSpPr>
+        <p:sp>
+          <p:nvSpPr>
+            <p:cNvPr id="297" name="Rektangel 296"/>
+            <p:cNvSpPr/>
+            <p:nvPr/>
+          </p:nvSpPr>
+          <p:spPr>
+            <a:xfrm>
+              <a:off x="3599935" y="840259"/>
+              <a:ext cx="782595" cy="214184"/>
+            </a:xfrm>
+            <a:prstGeom prst="rect">
+              <a:avLst/>
+            </a:prstGeom>
+            <a:noFill/>
+          </p:spPr>
+          <p:style>
+            <a:lnRef idx="2">
+              <a:schemeClr val="accent1">
+                <a:shade val="50000"/>
+              </a:schemeClr>
+            </a:lnRef>
+            <a:fillRef idx="1">
+              <a:schemeClr val="accent1"/>
+            </a:fillRef>
+            <a:effectRef idx="0">
+              <a:schemeClr val="accent1"/>
+            </a:effectRef>
+            <a:fontRef idx="minor">
+              <a:schemeClr val="lt1"/>
+            </a:fontRef>
+          </p:style>
+          <p:txBody>
+            <a:bodyPr rtlCol="0" anchor="ctr"/>
+            <a:lstStyle/>
+            <a:p>
+              <a:pPr algn="ctr"/>
+              <a:endParaRPr lang="nb-NO" sz="800" dirty="0"/>
+            </a:p>
+          </p:txBody>
+        </p:sp>
+        <p:sp>
+          <p:nvSpPr>
+            <p:cNvPr id="298" name="TekstSylinder 297"/>
+            <p:cNvSpPr txBox="1"/>
+            <p:nvPr/>
+          </p:nvSpPr>
+          <p:spPr>
+            <a:xfrm>
+              <a:off x="3599935" y="588258"/>
+              <a:ext cx="1070919" cy="254853"/>
+            </a:xfrm>
+            <a:prstGeom prst="rect">
+              <a:avLst/>
+            </a:prstGeom>
+            <a:noFill/>
+          </p:spPr>
+          <p:txBody>
+            <a:bodyPr wrap="square" rtlCol="0">
+              <a:spAutoFit/>
+            </a:bodyPr>
+            <a:lstStyle/>
+            <a:p>
+              <a:r>
+                <a:rPr lang="en-US" sz="800" dirty="0" smtClean="0"/>
+                <a:t>Navn: type</a:t>
+              </a:r>
+              <a:endParaRPr lang="nb-NO" sz="800" dirty="0"/>
+            </a:p>
+          </p:txBody>
+        </p:sp>
+        <p:sp>
+          <p:nvSpPr>
+            <p:cNvPr id="299" name="TekstSylinder 298"/>
+            <p:cNvSpPr txBox="1"/>
+            <p:nvPr/>
+          </p:nvSpPr>
+          <p:spPr>
+            <a:xfrm>
+              <a:off x="3599935" y="1054443"/>
+              <a:ext cx="1070919" cy="254853"/>
+            </a:xfrm>
+            <a:prstGeom prst="rect">
+              <a:avLst/>
+            </a:prstGeom>
+            <a:noFill/>
+          </p:spPr>
+          <p:txBody>
+            <a:bodyPr wrap="square" rtlCol="0">
+              <a:spAutoFit/>
+            </a:bodyPr>
+            <a:lstStyle/>
+            <a:p>
+              <a:r>
+                <a:rPr lang="en-US" sz="800" dirty="0" smtClean="0"/>
+                <a:t>Type: String</a:t>
+              </a:r>
+              <a:endParaRPr lang="nb-NO" sz="800" dirty="0"/>
+            </a:p>
+          </p:txBody>
+        </p:sp>
+      </p:grpSp>
+      <p:sp>
+        <p:nvSpPr>
+          <p:cNvPr id="304" name="Avrundet rektangel 303"/>
+          <p:cNvSpPr/>
+          <p:nvPr/>
+        </p:nvSpPr>
+        <p:spPr>
+          <a:xfrm>
+            <a:off x="8105668" y="483166"/>
+            <a:ext cx="1068984" cy="1238000"/>
+          </a:xfrm>
+          <a:prstGeom prst="roundRect">
+            <a:avLst/>
+          </a:prstGeom>
+          <a:noFill/>
+        </p:spPr>
+        <p:style>
+          <a:lnRef idx="2">
+            <a:schemeClr val="accent1">
+              <a:shade val="50000"/>
+            </a:schemeClr>
+          </a:lnRef>
+          <a:fillRef idx="1">
+            <a:schemeClr val="accent1"/>
+          </a:fillRef>
+          <a:effectRef idx="0">
+            <a:schemeClr val="accent1"/>
+          </a:effectRef>
+          <a:fontRef idx="minor">
+            <a:schemeClr val="lt1"/>
+          </a:fontRef>
+        </p:style>
+        <p:txBody>
+          <a:bodyPr rtlCol="0" anchor="ctr"/>
+          <a:lstStyle/>
+          <a:p>
+            <a:endParaRPr lang="en-US" sz="1000" dirty="0" smtClean="0">
+              <a:solidFill>
+                <a:schemeClr val="tx1"/>
+              </a:solidFill>
+            </a:endParaRPr>
+          </a:p>
+        </p:txBody>
+      </p:sp>
+      <p:sp>
+        <p:nvSpPr>
+          <p:cNvPr id="305" name="TekstSylinder 304"/>
+          <p:cNvSpPr txBox="1"/>
+          <p:nvPr/>
+        </p:nvSpPr>
+        <p:spPr>
+          <a:xfrm>
+            <a:off x="8031527" y="269896"/>
+            <a:ext cx="2144488" cy="246221"/>
+          </a:xfrm>
+          <a:prstGeom prst="rect">
+            <a:avLst/>
+          </a:prstGeom>
+          <a:noFill/>
+        </p:spPr>
+        <p:txBody>
+          <a:bodyPr wrap="square" rtlCol="0">
+            <a:spAutoFit/>
+          </a:bodyPr>
+          <a:lstStyle/>
+          <a:p>
+            <a:r>
+              <a:rPr lang="en-US" sz="1000" dirty="0"/>
+              <a:t>Instans av </a:t>
+            </a:r>
+            <a:r>
+              <a:rPr lang="en-US" sz="1000" dirty="0" smtClean="0"/>
+              <a:t>Gjenstand</a:t>
+            </a:r>
+            <a:endParaRPr lang="en-US" sz="1000" dirty="0"/>
+          </a:p>
+        </p:txBody>
+      </p:sp>
+      <p:grpSp>
+        <p:nvGrpSpPr>
+          <p:cNvPr id="306" name="Gruppe 305"/>
+          <p:cNvGrpSpPr/>
+          <p:nvPr/>
+        </p:nvGrpSpPr>
+        <p:grpSpPr>
+          <a:xfrm>
+            <a:off x="8266305" y="1114574"/>
+            <a:ext cx="1021491" cy="609541"/>
+            <a:chOff x="3599935" y="588258"/>
+            <a:chExt cx="1070919" cy="721038"/>
+          </a:xfrm>
+        </p:grpSpPr>
+        <p:sp>
+          <p:nvSpPr>
+            <p:cNvPr id="307" name="Rektangel 306"/>
+            <p:cNvSpPr/>
+            <p:nvPr/>
+          </p:nvSpPr>
+          <p:spPr>
+            <a:xfrm>
+              <a:off x="3599935" y="840259"/>
+              <a:ext cx="782595" cy="214184"/>
+            </a:xfrm>
+            <a:prstGeom prst="rect">
+              <a:avLst/>
+            </a:prstGeom>
+            <a:noFill/>
+          </p:spPr>
+          <p:style>
+            <a:lnRef idx="2">
+              <a:schemeClr val="accent1">
+                <a:shade val="50000"/>
+              </a:schemeClr>
+            </a:lnRef>
+            <a:fillRef idx="1">
+              <a:schemeClr val="accent1"/>
+            </a:fillRef>
+            <a:effectRef idx="0">
+              <a:schemeClr val="accent1"/>
+            </a:effectRef>
+            <a:fontRef idx="minor">
+              <a:schemeClr val="lt1"/>
+            </a:fontRef>
+          </p:style>
+          <p:txBody>
+            <a:bodyPr rtlCol="0" anchor="ctr"/>
+            <a:lstStyle/>
+            <a:p>
+              <a:pPr algn="ctr"/>
+              <a:endParaRPr lang="nb-NO" sz="800" dirty="0"/>
+            </a:p>
+          </p:txBody>
+        </p:sp>
+        <p:sp>
+          <p:nvSpPr>
+            <p:cNvPr id="308" name="TekstSylinder 307"/>
+            <p:cNvSpPr txBox="1"/>
+            <p:nvPr/>
+          </p:nvSpPr>
+          <p:spPr>
+            <a:xfrm>
+              <a:off x="3599935" y="588258"/>
+              <a:ext cx="1070919" cy="254853"/>
+            </a:xfrm>
+            <a:prstGeom prst="rect">
+              <a:avLst/>
+            </a:prstGeom>
+            <a:noFill/>
+          </p:spPr>
+          <p:txBody>
+            <a:bodyPr wrap="square" rtlCol="0">
+              <a:spAutoFit/>
+            </a:bodyPr>
+            <a:lstStyle/>
+            <a:p>
+              <a:r>
+                <a:rPr lang="en-US" sz="800" dirty="0" smtClean="0"/>
+                <a:t>Navn: verdi</a:t>
+              </a:r>
+              <a:endParaRPr lang="nb-NO" sz="800" dirty="0"/>
+            </a:p>
+          </p:txBody>
+        </p:sp>
+        <p:sp>
+          <p:nvSpPr>
+            <p:cNvPr id="309" name="TekstSylinder 308"/>
+            <p:cNvSpPr txBox="1"/>
+            <p:nvPr/>
+          </p:nvSpPr>
+          <p:spPr>
+            <a:xfrm>
+              <a:off x="3599935" y="1054443"/>
+              <a:ext cx="1070919" cy="254853"/>
+            </a:xfrm>
+            <a:prstGeom prst="rect">
+              <a:avLst/>
+            </a:prstGeom>
+            <a:noFill/>
+          </p:spPr>
+          <p:txBody>
+            <a:bodyPr wrap="square" rtlCol="0">
+              <a:spAutoFit/>
+            </a:bodyPr>
+            <a:lstStyle/>
+            <a:p>
+              <a:r>
+                <a:rPr lang="en-US" sz="800" dirty="0" smtClean="0"/>
+                <a:t>Type: int</a:t>
+              </a:r>
+              <a:endParaRPr lang="nb-NO" sz="800" dirty="0"/>
+            </a:p>
+          </p:txBody>
+        </p:sp>
+      </p:grpSp>
+      <p:grpSp>
+        <p:nvGrpSpPr>
+          <p:cNvPr id="310" name="Gruppe 309"/>
+          <p:cNvGrpSpPr/>
+          <p:nvPr/>
+        </p:nvGrpSpPr>
+        <p:grpSpPr>
+          <a:xfrm>
+            <a:off x="8270960" y="517871"/>
+            <a:ext cx="1021491" cy="609541"/>
+            <a:chOff x="3599935" y="588258"/>
+            <a:chExt cx="1070919" cy="721038"/>
+          </a:xfrm>
+        </p:grpSpPr>
+        <p:sp>
+          <p:nvSpPr>
+            <p:cNvPr id="311" name="Rektangel 310"/>
+            <p:cNvSpPr/>
+            <p:nvPr/>
+          </p:nvSpPr>
+          <p:spPr>
+            <a:xfrm>
+              <a:off x="3599935" y="840259"/>
+              <a:ext cx="782595" cy="214184"/>
+            </a:xfrm>
+            <a:prstGeom prst="rect">
+              <a:avLst/>
+            </a:prstGeom>
+            <a:noFill/>
+          </p:spPr>
+          <p:style>
+            <a:lnRef idx="2">
+              <a:schemeClr val="accent1">
+                <a:shade val="50000"/>
+              </a:schemeClr>
+            </a:lnRef>
+            <a:fillRef idx="1">
+              <a:schemeClr val="accent1"/>
+            </a:fillRef>
+            <a:effectRef idx="0">
+              <a:schemeClr val="accent1"/>
+            </a:effectRef>
+            <a:fontRef idx="minor">
+              <a:schemeClr val="lt1"/>
+            </a:fontRef>
+          </p:style>
+          <p:txBody>
+            <a:bodyPr rtlCol="0" anchor="ctr"/>
+            <a:lstStyle/>
+            <a:p>
+              <a:pPr algn="ctr"/>
+              <a:endParaRPr lang="nb-NO" sz="800" dirty="0"/>
+            </a:p>
+          </p:txBody>
+        </p:sp>
+        <p:sp>
+          <p:nvSpPr>
+            <p:cNvPr id="312" name="TekstSylinder 311"/>
+            <p:cNvSpPr txBox="1"/>
+            <p:nvPr/>
+          </p:nvSpPr>
+          <p:spPr>
+            <a:xfrm>
+              <a:off x="3599935" y="588258"/>
+              <a:ext cx="1070919" cy="254853"/>
+            </a:xfrm>
+            <a:prstGeom prst="rect">
+              <a:avLst/>
+            </a:prstGeom>
+            <a:noFill/>
+          </p:spPr>
+          <p:txBody>
+            <a:bodyPr wrap="square" rtlCol="0">
+              <a:spAutoFit/>
+            </a:bodyPr>
+            <a:lstStyle/>
+            <a:p>
+              <a:r>
+                <a:rPr lang="en-US" sz="800" dirty="0" smtClean="0"/>
+                <a:t>Navn: type</a:t>
+              </a:r>
+              <a:endParaRPr lang="nb-NO" sz="800" dirty="0"/>
+            </a:p>
+          </p:txBody>
+        </p:sp>
+        <p:sp>
+          <p:nvSpPr>
+            <p:cNvPr id="313" name="TekstSylinder 312"/>
+            <p:cNvSpPr txBox="1"/>
+            <p:nvPr/>
+          </p:nvSpPr>
+          <p:spPr>
+            <a:xfrm>
+              <a:off x="3599935" y="1054443"/>
+              <a:ext cx="1070919" cy="254853"/>
+            </a:xfrm>
+            <a:prstGeom prst="rect">
+              <a:avLst/>
+            </a:prstGeom>
+            <a:noFill/>
+          </p:spPr>
+          <p:txBody>
+            <a:bodyPr wrap="square" rtlCol="0">
+              <a:spAutoFit/>
+            </a:bodyPr>
+            <a:lstStyle/>
+            <a:p>
+              <a:r>
+                <a:rPr lang="en-US" sz="800" dirty="0" smtClean="0"/>
+                <a:t>Type: String</a:t>
+              </a:r>
+              <a:endParaRPr lang="nb-NO" sz="800" dirty="0"/>
+            </a:p>
+          </p:txBody>
+        </p:sp>
+      </p:grpSp>
+      <p:sp>
+        <p:nvSpPr>
+          <p:cNvPr id="314" name="Avrundet rektangel 313"/>
+          <p:cNvSpPr/>
+          <p:nvPr/>
+        </p:nvSpPr>
+        <p:spPr>
+          <a:xfrm>
+            <a:off x="9388348" y="483130"/>
+            <a:ext cx="1068984" cy="1238000"/>
+          </a:xfrm>
+          <a:prstGeom prst="roundRect">
+            <a:avLst/>
+          </a:prstGeom>
+          <a:noFill/>
+        </p:spPr>
+        <p:style>
+          <a:lnRef idx="2">
+            <a:schemeClr val="accent1">
+              <a:shade val="50000"/>
+            </a:schemeClr>
+          </a:lnRef>
+          <a:fillRef idx="1">
+            <a:schemeClr val="accent1"/>
+          </a:fillRef>
+          <a:effectRef idx="0">
+            <a:schemeClr val="accent1"/>
+          </a:effectRef>
+          <a:fontRef idx="minor">
+            <a:schemeClr val="lt1"/>
+          </a:fontRef>
+        </p:style>
+        <p:txBody>
+          <a:bodyPr rtlCol="0" anchor="ctr"/>
+          <a:lstStyle/>
+          <a:p>
+            <a:endParaRPr lang="en-US" sz="1000" dirty="0" smtClean="0">
+              <a:solidFill>
+                <a:schemeClr val="tx1"/>
+              </a:solidFill>
+            </a:endParaRPr>
+          </a:p>
+        </p:txBody>
+      </p:sp>
+      <p:sp>
+        <p:nvSpPr>
+          <p:cNvPr id="315" name="TekstSylinder 314"/>
+          <p:cNvSpPr txBox="1"/>
+          <p:nvPr/>
+        </p:nvSpPr>
+        <p:spPr>
+          <a:xfrm>
+            <a:off x="9287796" y="259262"/>
+            <a:ext cx="2144488" cy="246221"/>
+          </a:xfrm>
+          <a:prstGeom prst="rect">
+            <a:avLst/>
+          </a:prstGeom>
+          <a:noFill/>
+        </p:spPr>
+        <p:txBody>
+          <a:bodyPr wrap="square" rtlCol="0">
+            <a:spAutoFit/>
+          </a:bodyPr>
+          <a:lstStyle/>
+          <a:p>
+            <a:r>
+              <a:rPr lang="en-US" sz="1000" dirty="0"/>
+              <a:t>Instans av </a:t>
+            </a:r>
+            <a:r>
+              <a:rPr lang="en-US" sz="1000" dirty="0" smtClean="0"/>
+              <a:t>Gjenstand</a:t>
+            </a:r>
+            <a:endParaRPr lang="en-US" sz="1000" dirty="0"/>
+          </a:p>
+        </p:txBody>
+      </p:sp>
+      <p:grpSp>
+        <p:nvGrpSpPr>
+          <p:cNvPr id="316" name="Gruppe 315"/>
+          <p:cNvGrpSpPr/>
+          <p:nvPr/>
+        </p:nvGrpSpPr>
+        <p:grpSpPr>
+          <a:xfrm>
+            <a:off x="9548985" y="1114538"/>
+            <a:ext cx="1021491" cy="609541"/>
+            <a:chOff x="3599935" y="588258"/>
+            <a:chExt cx="1070919" cy="721038"/>
+          </a:xfrm>
+        </p:grpSpPr>
+        <p:sp>
+          <p:nvSpPr>
+            <p:cNvPr id="317" name="Rektangel 316"/>
+            <p:cNvSpPr/>
+            <p:nvPr/>
+          </p:nvSpPr>
+          <p:spPr>
+            <a:xfrm>
+              <a:off x="3599935" y="840259"/>
+              <a:ext cx="782595" cy="214184"/>
+            </a:xfrm>
+            <a:prstGeom prst="rect">
+              <a:avLst/>
+            </a:prstGeom>
+            <a:noFill/>
+          </p:spPr>
+          <p:style>
+            <a:lnRef idx="2">
+              <a:schemeClr val="accent1">
+                <a:shade val="50000"/>
+              </a:schemeClr>
+            </a:lnRef>
+            <a:fillRef idx="1">
+              <a:schemeClr val="accent1"/>
+            </a:fillRef>
+            <a:effectRef idx="0">
+              <a:schemeClr val="accent1"/>
+            </a:effectRef>
+            <a:fontRef idx="minor">
+              <a:schemeClr val="lt1"/>
+            </a:fontRef>
+          </p:style>
+          <p:txBody>
+            <a:bodyPr rtlCol="0" anchor="ctr"/>
+            <a:lstStyle/>
+            <a:p>
+              <a:pPr algn="ctr"/>
+              <a:endParaRPr lang="nb-NO" sz="800" dirty="0"/>
+            </a:p>
+          </p:txBody>
+        </p:sp>
+        <p:sp>
+          <p:nvSpPr>
+            <p:cNvPr id="318" name="TekstSylinder 317"/>
+            <p:cNvSpPr txBox="1"/>
+            <p:nvPr/>
+          </p:nvSpPr>
+          <p:spPr>
+            <a:xfrm>
+              <a:off x="3599935" y="588258"/>
+              <a:ext cx="1070919" cy="254853"/>
+            </a:xfrm>
+            <a:prstGeom prst="rect">
+              <a:avLst/>
+            </a:prstGeom>
+            <a:noFill/>
+          </p:spPr>
+          <p:txBody>
+            <a:bodyPr wrap="square" rtlCol="0">
+              <a:spAutoFit/>
+            </a:bodyPr>
+            <a:lstStyle/>
+            <a:p>
+              <a:r>
+                <a:rPr lang="en-US" sz="800" dirty="0" smtClean="0"/>
+                <a:t>Navn: verdi</a:t>
+              </a:r>
+              <a:endParaRPr lang="nb-NO" sz="800" dirty="0"/>
+            </a:p>
+          </p:txBody>
+        </p:sp>
+        <p:sp>
+          <p:nvSpPr>
+            <p:cNvPr id="319" name="TekstSylinder 318"/>
+            <p:cNvSpPr txBox="1"/>
+            <p:nvPr/>
+          </p:nvSpPr>
+          <p:spPr>
+            <a:xfrm>
+              <a:off x="3599935" y="1054443"/>
+              <a:ext cx="1070919" cy="254853"/>
+            </a:xfrm>
+            <a:prstGeom prst="rect">
+              <a:avLst/>
+            </a:prstGeom>
+            <a:noFill/>
+          </p:spPr>
+          <p:txBody>
+            <a:bodyPr wrap="square" rtlCol="0">
+              <a:spAutoFit/>
+            </a:bodyPr>
+            <a:lstStyle/>
+            <a:p>
+              <a:r>
+                <a:rPr lang="en-US" sz="800" dirty="0" smtClean="0"/>
+                <a:t>Type: int</a:t>
+              </a:r>
+              <a:endParaRPr lang="nb-NO" sz="800" dirty="0"/>
+            </a:p>
+          </p:txBody>
+        </p:sp>
+      </p:grpSp>
+      <p:grpSp>
+        <p:nvGrpSpPr>
+          <p:cNvPr id="320" name="Gruppe 319"/>
+          <p:cNvGrpSpPr/>
+          <p:nvPr/>
+        </p:nvGrpSpPr>
+        <p:grpSpPr>
+          <a:xfrm>
+            <a:off x="9553640" y="517835"/>
+            <a:ext cx="1021491" cy="609541"/>
+            <a:chOff x="3599935" y="588258"/>
+            <a:chExt cx="1070919" cy="721038"/>
+          </a:xfrm>
+        </p:grpSpPr>
+        <p:sp>
+          <p:nvSpPr>
+            <p:cNvPr id="321" name="Rektangel 320"/>
+            <p:cNvSpPr/>
+            <p:nvPr/>
+          </p:nvSpPr>
+          <p:spPr>
+            <a:xfrm>
+              <a:off x="3599935" y="840259"/>
+              <a:ext cx="782595" cy="214184"/>
+            </a:xfrm>
+            <a:prstGeom prst="rect">
+              <a:avLst/>
+            </a:prstGeom>
+            <a:noFill/>
+          </p:spPr>
+          <p:style>
+            <a:lnRef idx="2">
+              <a:schemeClr val="accent1">
+                <a:shade val="50000"/>
+              </a:schemeClr>
+            </a:lnRef>
+            <a:fillRef idx="1">
+              <a:schemeClr val="accent1"/>
+            </a:fillRef>
+            <a:effectRef idx="0">
+              <a:schemeClr val="accent1"/>
+            </a:effectRef>
+            <a:fontRef idx="minor">
+              <a:schemeClr val="lt1"/>
+            </a:fontRef>
+          </p:style>
+          <p:txBody>
+            <a:bodyPr rtlCol="0" anchor="ctr"/>
+            <a:lstStyle/>
+            <a:p>
+              <a:pPr algn="ctr"/>
+              <a:endParaRPr lang="nb-NO" sz="800" dirty="0"/>
+            </a:p>
+          </p:txBody>
+        </p:sp>
+        <p:sp>
+          <p:nvSpPr>
+            <p:cNvPr id="322" name="TekstSylinder 321"/>
+            <p:cNvSpPr txBox="1"/>
+            <p:nvPr/>
+          </p:nvSpPr>
+          <p:spPr>
+            <a:xfrm>
+              <a:off x="3599935" y="588258"/>
+              <a:ext cx="1070919" cy="254853"/>
+            </a:xfrm>
+            <a:prstGeom prst="rect">
+              <a:avLst/>
+            </a:prstGeom>
+            <a:noFill/>
+          </p:spPr>
+          <p:txBody>
+            <a:bodyPr wrap="square" rtlCol="0">
+              <a:spAutoFit/>
+            </a:bodyPr>
+            <a:lstStyle/>
+            <a:p>
+              <a:r>
+                <a:rPr lang="en-US" sz="800" dirty="0" smtClean="0"/>
+                <a:t>Navn: type</a:t>
+              </a:r>
+              <a:endParaRPr lang="nb-NO" sz="800" dirty="0"/>
+            </a:p>
+          </p:txBody>
+        </p:sp>
+        <p:sp>
+          <p:nvSpPr>
+            <p:cNvPr id="323" name="TekstSylinder 322"/>
+            <p:cNvSpPr txBox="1"/>
+            <p:nvPr/>
+          </p:nvSpPr>
+          <p:spPr>
+            <a:xfrm>
+              <a:off x="3599935" y="1054443"/>
+              <a:ext cx="1070919" cy="254853"/>
+            </a:xfrm>
+            <a:prstGeom prst="rect">
+              <a:avLst/>
+            </a:prstGeom>
+            <a:noFill/>
+          </p:spPr>
+          <p:txBody>
+            <a:bodyPr wrap="square" rtlCol="0">
+              <a:spAutoFit/>
+            </a:bodyPr>
+            <a:lstStyle/>
+            <a:p>
+              <a:r>
+                <a:rPr lang="en-US" sz="800" dirty="0" smtClean="0"/>
+                <a:t>Type: String</a:t>
+              </a:r>
+              <a:endParaRPr lang="nb-NO" sz="800" dirty="0"/>
+            </a:p>
+          </p:txBody>
+        </p:sp>
+      </p:grpSp>
+      <p:cxnSp>
+        <p:nvCxnSpPr>
+          <p:cNvPr id="368" name="Rett pilkobling 367"/>
+          <p:cNvCxnSpPr/>
+          <p:nvPr/>
+        </p:nvCxnSpPr>
+        <p:spPr>
+          <a:xfrm flipH="1" flipV="1">
+            <a:off x="5614657" y="1724079"/>
+            <a:ext cx="282548" cy="1288645"/>
+          </a:xfrm>
+          <a:prstGeom prst="straightConnector1">
+            <a:avLst/>
+          </a:prstGeom>
+          <a:ln>
+            <a:tailEnd type="triangle"/>
+          </a:ln>
+        </p:spPr>
+        <p:style>
+          <a:lnRef idx="1">
+            <a:schemeClr val="accent1"/>
+          </a:lnRef>
+          <a:fillRef idx="0">
+            <a:schemeClr val="accent1"/>
+          </a:fillRef>
+          <a:effectRef idx="0">
+            <a:schemeClr val="accent1"/>
+          </a:effectRef>
+          <a:fontRef idx="minor">
+            <a:schemeClr val="tx1"/>
+          </a:fontRef>
+        </p:style>
+      </p:cxnSp>
+      <p:cxnSp>
+        <p:nvCxnSpPr>
+          <p:cNvPr id="370" name="Rett pilkobling 369"/>
+          <p:cNvCxnSpPr/>
+          <p:nvPr/>
+        </p:nvCxnSpPr>
+        <p:spPr>
+          <a:xfrm flipV="1">
+            <a:off x="6342921" y="1724079"/>
+            <a:ext cx="1890645" cy="1350619"/>
+          </a:xfrm>
+          <a:prstGeom prst="straightConnector1">
+            <a:avLst/>
+          </a:prstGeom>
+          <a:ln>
+            <a:tailEnd type="triangle"/>
+          </a:ln>
+        </p:spPr>
+        <p:style>
+          <a:lnRef idx="1">
+            <a:schemeClr val="accent1"/>
+          </a:lnRef>
+          <a:fillRef idx="0">
+            <a:schemeClr val="accent1"/>
+          </a:fillRef>
+          <a:effectRef idx="0">
+            <a:schemeClr val="accent1"/>
+          </a:effectRef>
+          <a:fontRef idx="minor">
+            <a:schemeClr val="tx1"/>
+          </a:fontRef>
+        </p:style>
+      </p:cxnSp>
+      <p:cxnSp>
+        <p:nvCxnSpPr>
+          <p:cNvPr id="372" name="Rett pilkobling 371"/>
+          <p:cNvCxnSpPr>
+            <a:endCxn id="295" idx="2"/>
+          </p:cNvCxnSpPr>
+          <p:nvPr/>
+        </p:nvCxnSpPr>
+        <p:spPr>
+          <a:xfrm flipH="1" flipV="1">
+            <a:off x="7019592" y="1699582"/>
+            <a:ext cx="1892327" cy="1299089"/>
+          </a:xfrm>
+          <a:prstGeom prst="straightConnector1">
+            <a:avLst/>
+          </a:prstGeom>
+          <a:ln>
+            <a:tailEnd type="triangle"/>
+          </a:ln>
+        </p:spPr>
+        <p:style>
+          <a:lnRef idx="1">
+            <a:schemeClr val="accent1"/>
+          </a:lnRef>
+          <a:fillRef idx="0">
+            <a:schemeClr val="accent1"/>
+          </a:fillRef>
+          <a:effectRef idx="0">
+            <a:schemeClr val="accent1"/>
+          </a:effectRef>
+          <a:fontRef idx="minor">
+            <a:schemeClr val="tx1"/>
+          </a:fontRef>
+        </p:style>
+      </p:cxnSp>
+      <p:cxnSp>
+        <p:nvCxnSpPr>
+          <p:cNvPr id="374" name="Rett pilkobling 373"/>
+          <p:cNvCxnSpPr>
+            <a:endCxn id="309" idx="2"/>
+          </p:cNvCxnSpPr>
+          <p:nvPr/>
+        </p:nvCxnSpPr>
+        <p:spPr>
+          <a:xfrm flipH="1" flipV="1">
+            <a:off x="8777051" y="1724115"/>
+            <a:ext cx="471742" cy="1339120"/>
+          </a:xfrm>
+          <a:prstGeom prst="straightConnector1">
+            <a:avLst/>
+          </a:prstGeom>
+          <a:ln>
+            <a:tailEnd type="triangle"/>
+          </a:ln>
+        </p:spPr>
+        <p:style>
+          <a:lnRef idx="1">
+            <a:schemeClr val="accent1"/>
+          </a:lnRef>
+          <a:fillRef idx="0">
+            <a:schemeClr val="accent1"/>
+          </a:fillRef>
+          <a:effectRef idx="0">
+            <a:schemeClr val="accent1"/>
+          </a:effectRef>
+          <a:fontRef idx="minor">
+            <a:schemeClr val="tx1"/>
+          </a:fontRef>
+        </p:style>
+      </p:cxnSp>
+      <p:cxnSp>
+        <p:nvCxnSpPr>
+          <p:cNvPr id="377" name="Rett pilkobling 376"/>
+          <p:cNvCxnSpPr/>
+          <p:nvPr/>
+        </p:nvCxnSpPr>
+        <p:spPr>
+          <a:xfrm>
+            <a:off x="843266" y="1591860"/>
+            <a:ext cx="866339" cy="2438048"/>
+          </a:xfrm>
+          <a:prstGeom prst="straightConnector1">
+            <a:avLst/>
+          </a:prstGeom>
+          <a:ln>
+            <a:tailEnd type="triangle"/>
+          </a:ln>
+        </p:spPr>
+        <p:style>
+          <a:lnRef idx="1">
+            <a:schemeClr val="accent1"/>
+          </a:lnRef>
+          <a:fillRef idx="0">
+            <a:schemeClr val="accent1"/>
+          </a:fillRef>
+          <a:effectRef idx="0">
+            <a:schemeClr val="accent1"/>
+          </a:effectRef>
+          <a:fontRef idx="minor">
+            <a:schemeClr val="tx1"/>
+          </a:fontRef>
+        </p:style>
+      </p:cxnSp>
+      <p:cxnSp>
+        <p:nvCxnSpPr>
+          <p:cNvPr id="379" name="Rett pilkobling 378"/>
+          <p:cNvCxnSpPr/>
+          <p:nvPr/>
+        </p:nvCxnSpPr>
+        <p:spPr>
+          <a:xfrm>
+            <a:off x="1499272" y="4099488"/>
+            <a:ext cx="646607" cy="612308"/>
+          </a:xfrm>
+          <a:prstGeom prst="straightConnector1">
+            <a:avLst/>
+          </a:prstGeom>
+          <a:ln>
+            <a:tailEnd type="triangle"/>
+          </a:ln>
+        </p:spPr>
+        <p:style>
+          <a:lnRef idx="1">
+            <a:schemeClr val="accent1"/>
+          </a:lnRef>
+          <a:fillRef idx="0">
+            <a:schemeClr val="accent1"/>
+          </a:fillRef>
+          <a:effectRef idx="0">
+            <a:schemeClr val="accent1"/>
+          </a:effectRef>
+          <a:fontRef idx="minor">
+            <a:schemeClr val="tx1"/>
+          </a:fontRef>
+        </p:style>
+      </p:cxnSp>
+      <p:cxnSp>
+        <p:nvCxnSpPr>
+          <p:cNvPr id="381" name="Rett pilkobling 380"/>
+          <p:cNvCxnSpPr/>
+          <p:nvPr/>
+        </p:nvCxnSpPr>
+        <p:spPr>
+          <a:xfrm>
+            <a:off x="1613204" y="4164066"/>
+            <a:ext cx="2348184" cy="785327"/>
+          </a:xfrm>
+          <a:prstGeom prst="straightConnector1">
+            <a:avLst/>
+          </a:prstGeom>
+          <a:ln>
+            <a:tailEnd type="triangle"/>
+          </a:ln>
+        </p:spPr>
+        <p:style>
+          <a:lnRef idx="1">
+            <a:schemeClr val="accent1"/>
+          </a:lnRef>
+          <a:fillRef idx="0">
+            <a:schemeClr val="accent1"/>
+          </a:fillRef>
+          <a:effectRef idx="0">
+            <a:schemeClr val="accent1"/>
+          </a:effectRef>
+          <a:fontRef idx="minor">
+            <a:schemeClr val="tx1"/>
+          </a:fontRef>
+        </p:style>
+      </p:cxnSp>
+      <p:cxnSp>
+        <p:nvCxnSpPr>
+          <p:cNvPr id="386" name="Rett pilkobling 385"/>
+          <p:cNvCxnSpPr/>
+          <p:nvPr/>
+        </p:nvCxnSpPr>
+        <p:spPr>
+          <a:xfrm>
+            <a:off x="1826512" y="4225980"/>
+            <a:ext cx="5309364" cy="813666"/>
+          </a:xfrm>
+          <a:prstGeom prst="straightConnector1">
+            <a:avLst/>
+          </a:prstGeom>
+          <a:ln>
+            <a:tailEnd type="triangle"/>
+          </a:ln>
+        </p:spPr>
+        <p:style>
+          <a:lnRef idx="1">
+            <a:schemeClr val="accent1"/>
+          </a:lnRef>
+          <a:fillRef idx="0">
+            <a:schemeClr val="accent1"/>
+          </a:fillRef>
+          <a:effectRef idx="0">
+            <a:schemeClr val="accent1"/>
+          </a:effectRef>
+          <a:fontRef idx="minor">
+            <a:schemeClr val="tx1"/>
+          </a:fontRef>
+        </p:style>
+      </p:cxnSp>
+      <p:cxnSp>
+        <p:nvCxnSpPr>
+          <p:cNvPr id="394" name="Rett pilkobling 393"/>
+          <p:cNvCxnSpPr/>
+          <p:nvPr/>
+        </p:nvCxnSpPr>
+        <p:spPr>
+          <a:xfrm>
+            <a:off x="2184400" y="4282588"/>
+            <a:ext cx="7597888" cy="589389"/>
+          </a:xfrm>
+          <a:prstGeom prst="straightConnector1">
+            <a:avLst/>
+          </a:prstGeom>
+          <a:ln>
+            <a:tailEnd type="triangle"/>
+          </a:ln>
+        </p:spPr>
+        <p:style>
+          <a:lnRef idx="1">
+            <a:schemeClr val="accent1"/>
+          </a:lnRef>
+          <a:fillRef idx="0">
+            <a:schemeClr val="accent1"/>
+          </a:fillRef>
+          <a:effectRef idx="0">
+            <a:schemeClr val="accent1"/>
+          </a:effectRef>
+          <a:fontRef idx="minor">
+            <a:schemeClr val="tx1"/>
+          </a:fontRef>
+        </p:style>
+      </p:cxnSp>
+      <p:cxnSp>
+        <p:nvCxnSpPr>
+          <p:cNvPr id="433" name="Rett pilkobling 432"/>
+          <p:cNvCxnSpPr/>
+          <p:nvPr/>
+        </p:nvCxnSpPr>
+        <p:spPr>
+          <a:xfrm flipH="1" flipV="1">
+            <a:off x="9848812" y="3797542"/>
+            <a:ext cx="1453952" cy="1231820"/>
+          </a:xfrm>
+          <a:prstGeom prst="straightConnector1">
+            <a:avLst/>
+          </a:prstGeom>
+          <a:ln>
+            <a:tailEnd type="triangle"/>
+          </a:ln>
+        </p:spPr>
+        <p:style>
+          <a:lnRef idx="1">
+            <a:schemeClr val="accent1"/>
+          </a:lnRef>
+          <a:fillRef idx="0">
+            <a:schemeClr val="accent1"/>
+          </a:fillRef>
+          <a:effectRef idx="0">
+            <a:schemeClr val="accent1"/>
+          </a:effectRef>
+          <a:fontRef idx="minor">
+            <a:schemeClr val="tx1"/>
+          </a:fontRef>
+        </p:style>
+      </p:cxnSp>
+      <p:cxnSp>
+        <p:nvCxnSpPr>
+          <p:cNvPr id="435" name="Rett pilkobling 434"/>
+          <p:cNvCxnSpPr/>
+          <p:nvPr/>
+        </p:nvCxnSpPr>
+        <p:spPr>
+          <a:xfrm>
+            <a:off x="3501616" y="2810576"/>
+            <a:ext cx="2113041" cy="233414"/>
+          </a:xfrm>
+          <a:prstGeom prst="straightConnector1">
+            <a:avLst/>
+          </a:prstGeom>
+          <a:ln>
+            <a:tailEnd type="triangle"/>
+          </a:ln>
+        </p:spPr>
+        <p:style>
+          <a:lnRef idx="1">
+            <a:schemeClr val="accent1"/>
+          </a:lnRef>
+          <a:fillRef idx="0">
+            <a:schemeClr val="accent1"/>
+          </a:fillRef>
+          <a:effectRef idx="0">
+            <a:schemeClr val="accent1"/>
+          </a:effectRef>
+          <a:fontRef idx="minor">
+            <a:schemeClr val="tx1"/>
+          </a:fontRef>
+        </p:style>
+      </p:cxnSp>
+      <p:cxnSp>
+        <p:nvCxnSpPr>
+          <p:cNvPr id="438" name="Rett pilkobling 437"/>
+          <p:cNvCxnSpPr/>
+          <p:nvPr/>
+        </p:nvCxnSpPr>
+        <p:spPr>
+          <a:xfrm>
+            <a:off x="3904636" y="3323214"/>
+            <a:ext cx="813267" cy="1363982"/>
+          </a:xfrm>
+          <a:prstGeom prst="straightConnector1">
+            <a:avLst/>
+          </a:prstGeom>
+          <a:ln>
+            <a:tailEnd type="triangle"/>
+          </a:ln>
+        </p:spPr>
+        <p:style>
+          <a:lnRef idx="1">
+            <a:schemeClr val="accent1"/>
+          </a:lnRef>
+          <a:fillRef idx="0">
+            <a:schemeClr val="accent1"/>
+          </a:fillRef>
+          <a:effectRef idx="0">
+            <a:schemeClr val="accent1"/>
+          </a:effectRef>
+          <a:fontRef idx="minor">
+            <a:schemeClr val="tx1"/>
+          </a:fontRef>
+        </p:style>
+      </p:cxnSp>
+      <p:cxnSp>
+        <p:nvCxnSpPr>
+          <p:cNvPr id="440" name="Rett pilkobling 439"/>
+          <p:cNvCxnSpPr>
+            <a:stCxn id="233" idx="2"/>
+          </p:cNvCxnSpPr>
+          <p:nvPr/>
+        </p:nvCxnSpPr>
+        <p:spPr>
+          <a:xfrm>
+            <a:off x="3106318" y="5953503"/>
+            <a:ext cx="872459" cy="96355"/>
+          </a:xfrm>
+          <a:prstGeom prst="straightConnector1">
+            <a:avLst/>
+          </a:prstGeom>
+          <a:ln>
+            <a:tailEnd type="triangle"/>
+          </a:ln>
+        </p:spPr>
+        <p:style>
+          <a:lnRef idx="1">
+            <a:schemeClr val="accent1"/>
+          </a:lnRef>
+          <a:fillRef idx="0">
+            <a:schemeClr val="accent1"/>
+          </a:fillRef>
+          <a:effectRef idx="0">
+            <a:schemeClr val="accent1"/>
+          </a:effectRef>
+          <a:fontRef idx="minor">
+            <a:schemeClr val="tx1"/>
+          </a:fontRef>
+        </p:style>
+      </p:cxnSp>
+      <p:cxnSp>
+        <p:nvCxnSpPr>
+          <p:cNvPr id="442" name="Rett pilkobling 441"/>
+          <p:cNvCxnSpPr>
+            <a:endCxn id="139" idx="1"/>
+          </p:cNvCxnSpPr>
+          <p:nvPr/>
+        </p:nvCxnSpPr>
+        <p:spPr>
+          <a:xfrm flipV="1">
+            <a:off x="5783752" y="5700248"/>
+            <a:ext cx="559169" cy="211624"/>
+          </a:xfrm>
+          <a:prstGeom prst="straightConnector1">
+            <a:avLst/>
+          </a:prstGeom>
+          <a:ln>
+            <a:tailEnd type="triangle"/>
+          </a:ln>
+        </p:spPr>
+        <p:style>
+          <a:lnRef idx="1">
+            <a:schemeClr val="accent1"/>
+          </a:lnRef>
+          <a:fillRef idx="0">
+            <a:schemeClr val="accent1"/>
+          </a:fillRef>
+          <a:effectRef idx="0">
+            <a:schemeClr val="accent1"/>
+          </a:effectRef>
+          <a:fontRef idx="minor">
+            <a:schemeClr val="tx1"/>
+          </a:fontRef>
+        </p:style>
+      </p:cxnSp>
+      <p:cxnSp>
+        <p:nvCxnSpPr>
+          <p:cNvPr id="444" name="Rett pilkobling 443"/>
+          <p:cNvCxnSpPr>
+            <a:stCxn id="139" idx="3"/>
+          </p:cNvCxnSpPr>
+          <p:nvPr/>
+        </p:nvCxnSpPr>
+        <p:spPr>
+          <a:xfrm>
+            <a:off x="6990621" y="5700248"/>
+            <a:ext cx="176253" cy="138459"/>
+          </a:xfrm>
+          <a:prstGeom prst="straightConnector1">
+            <a:avLst/>
+          </a:prstGeom>
+          <a:ln>
+            <a:tailEnd type="triangle"/>
+          </a:ln>
+        </p:spPr>
+        <p:style>
+          <a:lnRef idx="1">
+            <a:schemeClr val="accent1"/>
+          </a:lnRef>
+          <a:fillRef idx="0">
+            <a:schemeClr val="accent1"/>
+          </a:fillRef>
+          <a:effectRef idx="0">
+            <a:schemeClr val="accent1"/>
+          </a:effectRef>
+          <a:fontRef idx="minor">
+            <a:schemeClr val="tx1"/>
+          </a:fontRef>
+        </p:style>
+      </p:cxnSp>
+      <p:cxnSp>
+        <p:nvCxnSpPr>
+          <p:cNvPr id="448" name="Rett pilkobling 447"/>
+          <p:cNvCxnSpPr/>
+          <p:nvPr/>
+        </p:nvCxnSpPr>
+        <p:spPr>
+          <a:xfrm>
+            <a:off x="8911919" y="5881022"/>
+            <a:ext cx="814488" cy="144878"/>
+          </a:xfrm>
+          <a:prstGeom prst="straightConnector1">
+            <a:avLst/>
+          </a:prstGeom>
+          <a:ln>
+            <a:tailEnd type="triangle"/>
+          </a:ln>
+        </p:spPr>
+        <p:style>
+          <a:lnRef idx="1">
+            <a:schemeClr val="accent1"/>
+          </a:lnRef>
+          <a:fillRef idx="0">
+            <a:schemeClr val="accent1"/>
+          </a:fillRef>
+          <a:effectRef idx="0">
+            <a:schemeClr val="accent1"/>
+          </a:effectRef>
+          <a:fontRef idx="minor">
+            <a:schemeClr val="tx1"/>
+          </a:fontRef>
+        </p:style>
+      </p:cxnSp>
+      <p:sp>
+        <p:nvSpPr>
+          <p:cNvPr id="454" name="Bue 453"/>
+          <p:cNvSpPr/>
+          <p:nvPr/>
+        </p:nvSpPr>
+        <p:spPr>
+          <a:xfrm rot="10498845">
+            <a:off x="3066304" y="4529727"/>
+            <a:ext cx="8482292" cy="2138301"/>
+          </a:xfrm>
+          <a:prstGeom prst="arc">
+            <a:avLst>
+              <a:gd name="adj1" fmla="val 11306666"/>
+              <a:gd name="adj2" fmla="val 21257420"/>
+            </a:avLst>
+          </a:prstGeom>
+          <a:ln w="9525" cap="flat" cmpd="sng" algn="ctr">
+            <a:solidFill>
+              <a:schemeClr val="accent1"/>
+            </a:solidFill>
+            <a:prstDash val="solid"/>
+            <a:round/>
+            <a:headEnd type="none" w="med" len="med"/>
+            <a:tailEnd type="arrow" w="med" len="med"/>
+          </a:ln>
+        </p:spPr>
+        <p:style>
+          <a:lnRef idx="0">
+            <a:scrgbClr r="0" g="0" b="0"/>
+          </a:lnRef>
+          <a:fillRef idx="0">
+            <a:scrgbClr r="0" g="0" b="0"/>
+          </a:fillRef>
+          <a:effectRef idx="0">
+            <a:scrgbClr r="0" g="0" b="0"/>
+          </a:effectRef>
+          <a:fontRef idx="minor">
+            <a:schemeClr val="tx1"/>
+          </a:fontRef>
+        </p:style>
+        <p:txBody>
+          <a:bodyPr rtlCol="0" anchor="ctr"/>
+          <a:lstStyle/>
+          <a:p>
+            <a:pPr algn="ctr"/>
+            <a:endParaRPr lang="nb-NO" dirty="0"/>
+          </a:p>
+        </p:txBody>
+      </p:sp>
+      <p:grpSp>
+        <p:nvGrpSpPr>
+          <p:cNvPr id="3" name="Gruppe 2"/>
+          <p:cNvGrpSpPr/>
+          <p:nvPr/>
+        </p:nvGrpSpPr>
+        <p:grpSpPr>
+          <a:xfrm>
+            <a:off x="2588717" y="5738059"/>
+            <a:ext cx="1322991" cy="550252"/>
+            <a:chOff x="7274799" y="4872519"/>
+            <a:chExt cx="1322991" cy="550252"/>
+          </a:xfrm>
+        </p:grpSpPr>
+        <p:grpSp>
+          <p:nvGrpSpPr>
+            <p:cNvPr id="231" name="Gruppe 230"/>
+            <p:cNvGrpSpPr/>
+            <p:nvPr/>
+          </p:nvGrpSpPr>
+          <p:grpSpPr>
+            <a:xfrm>
+              <a:off x="7274799" y="4872519"/>
+              <a:ext cx="1322991" cy="550252"/>
+              <a:chOff x="6889658" y="3559237"/>
+              <a:chExt cx="1322991" cy="550252"/>
+            </a:xfrm>
+          </p:grpSpPr>
+          <p:sp>
+            <p:nvSpPr>
+              <p:cNvPr id="232" name="Rektangel 231"/>
+              <p:cNvSpPr/>
+              <p:nvPr/>
+            </p:nvSpPr>
+            <p:spPr>
+              <a:xfrm>
+                <a:off x="6896513" y="3743698"/>
+                <a:ext cx="746475" cy="62249"/>
+              </a:xfrm>
+              <a:prstGeom prst="rect">
+                <a:avLst/>
+              </a:prstGeom>
+              <a:noFill/>
+            </p:spPr>
+            <p:style>
+              <a:lnRef idx="2">
+                <a:schemeClr val="accent1">
+                  <a:shade val="50000"/>
+                </a:schemeClr>
+              </a:lnRef>
+              <a:fillRef idx="1">
+                <a:schemeClr val="accent1"/>
+              </a:fillRef>
+              <a:effectRef idx="0">
+                <a:schemeClr val="accent1"/>
+              </a:effectRef>
+              <a:fontRef idx="minor">
+                <a:schemeClr val="lt1"/>
+              </a:fontRef>
+            </p:style>
+            <p:txBody>
+              <a:bodyPr rtlCol="0" anchor="ctr"/>
+              <a:lstStyle/>
+              <a:p>
+                <a:pPr algn="ctr"/>
+                <a:endParaRPr lang="nb-NO" sz="800" dirty="0"/>
+              </a:p>
+            </p:txBody>
+          </p:sp>
+          <p:sp>
+            <p:nvSpPr>
+              <p:cNvPr id="233" name="TekstSylinder 232"/>
+              <p:cNvSpPr txBox="1"/>
+              <p:nvPr/>
+            </p:nvSpPr>
+            <p:spPr>
+              <a:xfrm>
+                <a:off x="6896513" y="3559237"/>
+                <a:ext cx="1021491" cy="215444"/>
+              </a:xfrm>
+              <a:prstGeom prst="rect">
+                <a:avLst/>
+              </a:prstGeom>
+              <a:noFill/>
+            </p:spPr>
+            <p:txBody>
+              <a:bodyPr wrap="square" rtlCol="0">
+                <a:spAutoFit/>
+              </a:bodyPr>
+              <a:lstStyle/>
+              <a:p>
+                <a:r>
+                  <a:rPr lang="en-US" sz="800" dirty="0" smtClean="0"/>
+                  <a:t>Navn: </a:t>
+                </a:r>
+                <a:r>
+                  <a:rPr lang="en-US" sz="800" dirty="0" smtClean="0"/>
+                  <a:t>utganger</a:t>
+                </a:r>
+                <a:endParaRPr lang="nb-NO" sz="800" dirty="0"/>
+              </a:p>
+            </p:txBody>
+          </p:sp>
+          <p:sp>
+            <p:nvSpPr>
+              <p:cNvPr id="234" name="TekstSylinder 233"/>
+              <p:cNvSpPr txBox="1"/>
+              <p:nvPr/>
+            </p:nvSpPr>
+            <p:spPr>
+              <a:xfrm>
+                <a:off x="6889658" y="3876337"/>
+                <a:ext cx="1322991" cy="215444"/>
+              </a:xfrm>
+              <a:prstGeom prst="rect">
+                <a:avLst/>
+              </a:prstGeom>
+              <a:noFill/>
+            </p:spPr>
+            <p:txBody>
+              <a:bodyPr wrap="square" rtlCol="0">
+                <a:spAutoFit/>
+              </a:bodyPr>
+              <a:lstStyle/>
+              <a:p>
+                <a:r>
+                  <a:rPr lang="en-US" sz="800" dirty="0" smtClean="0"/>
+                  <a:t>Type: </a:t>
+                </a:r>
+                <a:r>
+                  <a:rPr lang="en-US" sz="800" dirty="0" smtClean="0"/>
+                  <a:t>VeivalgSted[]</a:t>
+                </a:r>
+                <a:endParaRPr lang="nb-NO" sz="800" dirty="0"/>
+              </a:p>
+            </p:txBody>
+          </p:sp>
+          <p:sp>
+            <p:nvSpPr>
+              <p:cNvPr id="236" name="Rektangel 235"/>
+              <p:cNvSpPr/>
+              <p:nvPr/>
+            </p:nvSpPr>
+            <p:spPr>
+              <a:xfrm>
+                <a:off x="6896512" y="3805531"/>
+                <a:ext cx="746475" cy="62249"/>
+              </a:xfrm>
+              <a:prstGeom prst="rect">
+                <a:avLst/>
+              </a:prstGeom>
+              <a:noFill/>
+            </p:spPr>
+            <p:style>
+              <a:lnRef idx="2">
+                <a:schemeClr val="accent1">
+                  <a:shade val="50000"/>
+                </a:schemeClr>
+              </a:lnRef>
+              <a:fillRef idx="1">
+                <a:schemeClr val="accent1"/>
+              </a:fillRef>
+              <a:effectRef idx="0">
+                <a:schemeClr val="accent1"/>
+              </a:effectRef>
+              <a:fontRef idx="minor">
+                <a:schemeClr val="lt1"/>
+              </a:fontRef>
+            </p:style>
+            <p:txBody>
+              <a:bodyPr rtlCol="0" anchor="ctr"/>
+              <a:lstStyle/>
+              <a:p>
+                <a:pPr algn="ctr"/>
+                <a:endParaRPr lang="nb-NO" sz="800" dirty="0"/>
+              </a:p>
+            </p:txBody>
+          </p:sp>
+          <p:sp>
+            <p:nvSpPr>
+              <p:cNvPr id="238" name="TekstSylinder 237"/>
+              <p:cNvSpPr txBox="1"/>
+              <p:nvPr/>
+            </p:nvSpPr>
+            <p:spPr>
+              <a:xfrm>
+                <a:off x="7128426" y="3740157"/>
+                <a:ext cx="207169" cy="369332"/>
+              </a:xfrm>
+              <a:prstGeom prst="rect">
+                <a:avLst/>
+              </a:prstGeom>
+              <a:noFill/>
+            </p:spPr>
+            <p:txBody>
+              <a:bodyPr wrap="square" rtlCol="0">
+                <a:spAutoFit/>
+              </a:bodyPr>
+              <a:lstStyle/>
+              <a:p>
+                <a:endParaRPr lang="nb-NO" dirty="0"/>
+              </a:p>
+            </p:txBody>
+          </p:sp>
+        </p:grpSp>
+        <p:sp>
+          <p:nvSpPr>
+            <p:cNvPr id="458" name="Rektangel 457"/>
+            <p:cNvSpPr/>
+            <p:nvPr/>
+          </p:nvSpPr>
+          <p:spPr>
+            <a:xfrm>
+              <a:off x="7285486" y="5180767"/>
+              <a:ext cx="746475" cy="62249"/>
+            </a:xfrm>
+            <a:prstGeom prst="rect">
+              <a:avLst/>
+            </a:prstGeom>
+            <a:noFill/>
+          </p:spPr>
+          <p:style>
+            <a:lnRef idx="2">
+              <a:schemeClr val="accent1">
+                <a:shade val="50000"/>
+              </a:schemeClr>
+            </a:lnRef>
+            <a:fillRef idx="1">
+              <a:schemeClr val="accent1"/>
+            </a:fillRef>
+            <a:effectRef idx="0">
+              <a:schemeClr val="accent1"/>
+            </a:effectRef>
+            <a:fontRef idx="minor">
+              <a:schemeClr val="lt1"/>
+            </a:fontRef>
+          </p:style>
+          <p:txBody>
+            <a:bodyPr rtlCol="0" anchor="ctr"/>
+            <a:lstStyle/>
+            <a:p>
+              <a:pPr algn="ctr"/>
+              <a:endParaRPr lang="nb-NO" sz="800" dirty="0"/>
+            </a:p>
+          </p:txBody>
+        </p:sp>
+      </p:grpSp>
+      <p:cxnSp>
+        <p:nvCxnSpPr>
+          <p:cNvPr id="460" name="Rett pilkobling 459"/>
+          <p:cNvCxnSpPr>
+            <a:stCxn id="234" idx="0"/>
+          </p:cNvCxnSpPr>
+          <p:nvPr/>
+        </p:nvCxnSpPr>
+        <p:spPr>
+          <a:xfrm flipV="1">
+            <a:off x="9400939" y="1721130"/>
+            <a:ext cx="521283" cy="1368932"/>
+          </a:xfrm>
+          <a:prstGeom prst="straightConnector1">
+            <a:avLst/>
+          </a:prstGeom>
+          <a:ln>
+            <a:tailEnd type="triangle"/>
+          </a:ln>
+        </p:spPr>
+        <p:style>
+          <a:lnRef idx="1">
+            <a:schemeClr val="accent1"/>
+          </a:lnRef>
+          <a:fillRef idx="0">
+            <a:schemeClr val="accent1"/>
+          </a:fillRef>
+          <a:effectRef idx="0">
+            <a:schemeClr val="accent1"/>
+          </a:effectRef>
+          <a:fontRef idx="minor">
+            <a:schemeClr val="tx1"/>
+          </a:fontRef>
+        </p:style>
+      </p:cxnSp>
+      <p:grpSp>
+        <p:nvGrpSpPr>
+          <p:cNvPr id="182" name="Gruppe 181"/>
+          <p:cNvGrpSpPr/>
+          <p:nvPr/>
+        </p:nvGrpSpPr>
+        <p:grpSpPr>
+          <a:xfrm>
+            <a:off x="1663719" y="5748258"/>
+            <a:ext cx="1021491" cy="609541"/>
+            <a:chOff x="3599935" y="588258"/>
+            <a:chExt cx="1070919" cy="721038"/>
+          </a:xfrm>
+        </p:grpSpPr>
+        <p:sp>
+          <p:nvSpPr>
+            <p:cNvPr id="183" name="Rektangel 182"/>
+            <p:cNvSpPr/>
+            <p:nvPr/>
+          </p:nvSpPr>
+          <p:spPr>
+            <a:xfrm>
+              <a:off x="3599935" y="840259"/>
+              <a:ext cx="782595" cy="214184"/>
+            </a:xfrm>
+            <a:prstGeom prst="rect">
+              <a:avLst/>
+            </a:prstGeom>
+            <a:noFill/>
+          </p:spPr>
+          <p:style>
+            <a:lnRef idx="2">
+              <a:schemeClr val="accent1">
+                <a:shade val="50000"/>
+              </a:schemeClr>
+            </a:lnRef>
+            <a:fillRef idx="1">
+              <a:schemeClr val="accent1"/>
+            </a:fillRef>
+            <a:effectRef idx="0">
+              <a:schemeClr val="accent1"/>
+            </a:effectRef>
+            <a:fontRef idx="minor">
+              <a:schemeClr val="lt1"/>
+            </a:fontRef>
+          </p:style>
+          <p:txBody>
+            <a:bodyPr rtlCol="0" anchor="ctr"/>
+            <a:lstStyle/>
+            <a:p>
+              <a:pPr algn="ctr"/>
+              <a:endParaRPr lang="nb-NO" sz="800" dirty="0"/>
+            </a:p>
+          </p:txBody>
+        </p:sp>
+        <p:sp>
+          <p:nvSpPr>
+            <p:cNvPr id="184" name="TekstSylinder 183"/>
+            <p:cNvSpPr txBox="1"/>
+            <p:nvPr/>
+          </p:nvSpPr>
+          <p:spPr>
+            <a:xfrm>
+              <a:off x="3599935" y="588258"/>
+              <a:ext cx="1070919" cy="254853"/>
+            </a:xfrm>
+            <a:prstGeom prst="rect">
+              <a:avLst/>
+            </a:prstGeom>
+            <a:noFill/>
+          </p:spPr>
+          <p:txBody>
+            <a:bodyPr wrap="square" rtlCol="0">
+              <a:spAutoFit/>
+            </a:bodyPr>
+            <a:lstStyle/>
+            <a:p>
+              <a:r>
+                <a:rPr lang="en-US" sz="800" dirty="0" smtClean="0"/>
+                <a:t>Navn: beskrivelse</a:t>
+              </a:r>
+              <a:endParaRPr lang="nb-NO" sz="800" dirty="0"/>
+            </a:p>
+          </p:txBody>
+        </p:sp>
+        <p:sp>
+          <p:nvSpPr>
+            <p:cNvPr id="185" name="TekstSylinder 184"/>
+            <p:cNvSpPr txBox="1"/>
+            <p:nvPr/>
+          </p:nvSpPr>
+          <p:spPr>
+            <a:xfrm>
+              <a:off x="3599935" y="1054443"/>
+              <a:ext cx="1070919" cy="254853"/>
+            </a:xfrm>
+            <a:prstGeom prst="rect">
+              <a:avLst/>
+            </a:prstGeom>
+            <a:noFill/>
+          </p:spPr>
+          <p:txBody>
+            <a:bodyPr wrap="square" rtlCol="0">
+              <a:spAutoFit/>
+            </a:bodyPr>
+            <a:lstStyle/>
+            <a:p>
+              <a:r>
+                <a:rPr lang="en-US" sz="800" dirty="0" smtClean="0"/>
+                <a:t>Type: String</a:t>
+              </a:r>
+              <a:endParaRPr lang="nb-NO" sz="800" dirty="0"/>
+            </a:p>
+          </p:txBody>
+        </p:sp>
+      </p:grpSp>
+      <p:grpSp>
+        <p:nvGrpSpPr>
+          <p:cNvPr id="186" name="Gruppe 185"/>
+          <p:cNvGrpSpPr/>
+          <p:nvPr/>
+        </p:nvGrpSpPr>
+        <p:grpSpPr>
+          <a:xfrm>
+            <a:off x="2718891" y="4868011"/>
+            <a:ext cx="1021493" cy="602523"/>
+            <a:chOff x="3599935" y="596560"/>
+            <a:chExt cx="1070921" cy="712736"/>
+          </a:xfrm>
+        </p:grpSpPr>
+        <p:sp>
+          <p:nvSpPr>
+            <p:cNvPr id="187" name="Rektangel 186"/>
+            <p:cNvSpPr/>
+            <p:nvPr/>
+          </p:nvSpPr>
+          <p:spPr>
+            <a:xfrm>
+              <a:off x="3599935" y="840259"/>
+              <a:ext cx="782595" cy="214184"/>
+            </a:xfrm>
+            <a:prstGeom prst="rect">
+              <a:avLst/>
+            </a:prstGeom>
+            <a:noFill/>
+          </p:spPr>
+          <p:style>
+            <a:lnRef idx="2">
+              <a:schemeClr val="accent1">
+                <a:shade val="50000"/>
+              </a:schemeClr>
+            </a:lnRef>
+            <a:fillRef idx="1">
+              <a:schemeClr val="accent1"/>
+            </a:fillRef>
+            <a:effectRef idx="0">
+              <a:schemeClr val="accent1"/>
+            </a:effectRef>
+            <a:fontRef idx="minor">
+              <a:schemeClr val="lt1"/>
+            </a:fontRef>
+          </p:style>
+          <p:txBody>
+            <a:bodyPr rtlCol="0" anchor="ctr"/>
+            <a:lstStyle/>
+            <a:p>
+              <a:pPr algn="ctr"/>
+              <a:endParaRPr lang="nb-NO" sz="800" dirty="0"/>
+            </a:p>
+          </p:txBody>
+        </p:sp>
+        <p:sp>
+          <p:nvSpPr>
+            <p:cNvPr id="188" name="TekstSylinder 187"/>
+            <p:cNvSpPr txBox="1"/>
+            <p:nvPr/>
+          </p:nvSpPr>
+          <p:spPr>
+            <a:xfrm>
+              <a:off x="3599935" y="596560"/>
+              <a:ext cx="1070919" cy="254853"/>
+            </a:xfrm>
+            <a:prstGeom prst="rect">
+              <a:avLst/>
+            </a:prstGeom>
+            <a:noFill/>
+          </p:spPr>
+          <p:txBody>
+            <a:bodyPr wrap="square" rtlCol="0">
+              <a:spAutoFit/>
+            </a:bodyPr>
+            <a:lstStyle/>
+            <a:p>
+              <a:r>
+                <a:rPr lang="en-US" sz="800" dirty="0" smtClean="0"/>
+                <a:t>Navn: kiste</a:t>
+              </a:r>
+              <a:endParaRPr lang="nb-NO" sz="800" dirty="0"/>
+            </a:p>
+          </p:txBody>
+        </p:sp>
+        <p:sp>
+          <p:nvSpPr>
+            <p:cNvPr id="189" name="TekstSylinder 188"/>
+            <p:cNvSpPr txBox="1"/>
+            <p:nvPr/>
+          </p:nvSpPr>
+          <p:spPr>
+            <a:xfrm>
+              <a:off x="3599937" y="1054443"/>
+              <a:ext cx="1070919" cy="254853"/>
+            </a:xfrm>
+            <a:prstGeom prst="rect">
+              <a:avLst/>
+            </a:prstGeom>
+            <a:noFill/>
+          </p:spPr>
+          <p:txBody>
+            <a:bodyPr wrap="square" rtlCol="0">
+              <a:spAutoFit/>
+            </a:bodyPr>
+            <a:lstStyle/>
+            <a:p>
+              <a:r>
+                <a:rPr lang="en-US" sz="800" dirty="0" smtClean="0"/>
+                <a:t>Type: Skattkiste</a:t>
+              </a:r>
+              <a:endParaRPr lang="nb-NO" sz="800" dirty="0"/>
+            </a:p>
+          </p:txBody>
+        </p:sp>
+      </p:grpSp>
+      <p:grpSp>
+        <p:nvGrpSpPr>
+          <p:cNvPr id="302" name="Gruppe 301"/>
+          <p:cNvGrpSpPr/>
+          <p:nvPr/>
+        </p:nvGrpSpPr>
+        <p:grpSpPr>
+          <a:xfrm>
+            <a:off x="1579930" y="4960409"/>
+            <a:ext cx="1322991" cy="550252"/>
+            <a:chOff x="7274799" y="4872519"/>
+            <a:chExt cx="1322991" cy="550252"/>
+          </a:xfrm>
+        </p:grpSpPr>
+        <p:grpSp>
+          <p:nvGrpSpPr>
+            <p:cNvPr id="303" name="Gruppe 302"/>
+            <p:cNvGrpSpPr/>
+            <p:nvPr/>
+          </p:nvGrpSpPr>
+          <p:grpSpPr>
+            <a:xfrm>
+              <a:off x="7274799" y="4872519"/>
+              <a:ext cx="1322991" cy="550252"/>
+              <a:chOff x="6889658" y="3559237"/>
+              <a:chExt cx="1322991" cy="550252"/>
+            </a:xfrm>
+          </p:grpSpPr>
+          <p:sp>
+            <p:nvSpPr>
+              <p:cNvPr id="325" name="Rektangel 324"/>
+              <p:cNvSpPr/>
+              <p:nvPr/>
+            </p:nvSpPr>
+            <p:spPr>
+              <a:xfrm>
+                <a:off x="6896513" y="3743698"/>
+                <a:ext cx="746475" cy="62249"/>
+              </a:xfrm>
+              <a:prstGeom prst="rect">
+                <a:avLst/>
+              </a:prstGeom>
+              <a:noFill/>
+            </p:spPr>
+            <p:style>
+              <a:lnRef idx="2">
+                <a:schemeClr val="accent1">
+                  <a:shade val="50000"/>
+                </a:schemeClr>
+              </a:lnRef>
+              <a:fillRef idx="1">
+                <a:schemeClr val="accent1"/>
+              </a:fillRef>
+              <a:effectRef idx="0">
+                <a:schemeClr val="accent1"/>
+              </a:effectRef>
+              <a:fontRef idx="minor">
+                <a:schemeClr val="lt1"/>
+              </a:fontRef>
+            </p:style>
+            <p:txBody>
+              <a:bodyPr rtlCol="0" anchor="ctr"/>
+              <a:lstStyle/>
+              <a:p>
+                <a:pPr algn="ctr"/>
+                <a:r>
+                  <a:rPr lang="en-US" sz="500" dirty="0" smtClean="0">
+                    <a:solidFill>
+                      <a:schemeClr val="tx1"/>
+                    </a:solidFill>
+                  </a:rPr>
+                  <a:t>“rett frem”</a:t>
+                </a:r>
+                <a:endParaRPr lang="nb-NO" sz="500" dirty="0">
+                  <a:solidFill>
+                    <a:schemeClr val="tx1"/>
+                  </a:solidFill>
+                </a:endParaRPr>
+              </a:p>
+            </p:txBody>
+          </p:sp>
+          <p:sp>
+            <p:nvSpPr>
+              <p:cNvPr id="326" name="TekstSylinder 325"/>
+              <p:cNvSpPr txBox="1"/>
+              <p:nvPr/>
+            </p:nvSpPr>
+            <p:spPr>
+              <a:xfrm>
+                <a:off x="6896513" y="3559237"/>
+                <a:ext cx="1021491" cy="215444"/>
+              </a:xfrm>
+              <a:prstGeom prst="rect">
+                <a:avLst/>
+              </a:prstGeom>
+              <a:noFill/>
+            </p:spPr>
+            <p:txBody>
+              <a:bodyPr wrap="square" rtlCol="0">
+                <a:spAutoFit/>
+              </a:bodyPr>
+              <a:lstStyle/>
+              <a:p>
+                <a:r>
+                  <a:rPr lang="en-US" sz="800" dirty="0" smtClean="0"/>
+                  <a:t>Navn: </a:t>
+                </a:r>
+                <a:r>
+                  <a:rPr lang="en-US" sz="800" dirty="0" smtClean="0"/>
+                  <a:t>retninger</a:t>
+                </a:r>
+                <a:endParaRPr lang="nb-NO" sz="800" dirty="0"/>
+              </a:p>
+            </p:txBody>
+          </p:sp>
+          <p:sp>
+            <p:nvSpPr>
+              <p:cNvPr id="327" name="TekstSylinder 326"/>
+              <p:cNvSpPr txBox="1"/>
+              <p:nvPr/>
+            </p:nvSpPr>
+            <p:spPr>
+              <a:xfrm>
+                <a:off x="6889658" y="3876337"/>
+                <a:ext cx="1322991" cy="215444"/>
+              </a:xfrm>
+              <a:prstGeom prst="rect">
+                <a:avLst/>
+              </a:prstGeom>
+              <a:noFill/>
+            </p:spPr>
+            <p:txBody>
+              <a:bodyPr wrap="square" rtlCol="0">
+                <a:spAutoFit/>
+              </a:bodyPr>
+              <a:lstStyle/>
+              <a:p>
+                <a:r>
+                  <a:rPr lang="en-US" sz="800" dirty="0" smtClean="0"/>
+                  <a:t>Type: </a:t>
+                </a:r>
+                <a:r>
+                  <a:rPr lang="en-US" sz="800" dirty="0" smtClean="0"/>
+                  <a:t>String[]</a:t>
+                </a:r>
+                <a:endParaRPr lang="nb-NO" sz="800" dirty="0"/>
+              </a:p>
+            </p:txBody>
+          </p:sp>
+          <p:sp>
+            <p:nvSpPr>
+              <p:cNvPr id="328" name="Rektangel 327"/>
+              <p:cNvSpPr/>
+              <p:nvPr/>
+            </p:nvSpPr>
+            <p:spPr>
+              <a:xfrm>
+                <a:off x="6896512" y="3805531"/>
+                <a:ext cx="746475" cy="62249"/>
+              </a:xfrm>
+              <a:prstGeom prst="rect">
+                <a:avLst/>
+              </a:prstGeom>
+              <a:noFill/>
+            </p:spPr>
+            <p:style>
+              <a:lnRef idx="2">
+                <a:schemeClr val="accent1">
+                  <a:shade val="50000"/>
+                </a:schemeClr>
+              </a:lnRef>
+              <a:fillRef idx="1">
+                <a:schemeClr val="accent1"/>
+              </a:fillRef>
+              <a:effectRef idx="0">
+                <a:schemeClr val="accent1"/>
+              </a:effectRef>
+              <a:fontRef idx="minor">
+                <a:schemeClr val="lt1"/>
+              </a:fontRef>
+            </p:style>
+            <p:txBody>
+              <a:bodyPr rtlCol="0" anchor="ctr"/>
+              <a:lstStyle/>
+              <a:p>
+                <a:pPr algn="ctr"/>
+                <a:r>
+                  <a:rPr lang="en-US" sz="500" dirty="0" smtClean="0">
+                    <a:solidFill>
+                      <a:schemeClr val="tx1"/>
+                    </a:solidFill>
+                  </a:rPr>
+                  <a:t>“til hoyre”</a:t>
+                </a:r>
+                <a:endParaRPr lang="nb-NO" sz="500" dirty="0">
+                  <a:solidFill>
+                    <a:schemeClr val="tx1"/>
+                  </a:solidFill>
+                </a:endParaRPr>
+              </a:p>
+            </p:txBody>
+          </p:sp>
+          <p:sp>
+            <p:nvSpPr>
+              <p:cNvPr id="329" name="TekstSylinder 328"/>
+              <p:cNvSpPr txBox="1"/>
+              <p:nvPr/>
+            </p:nvSpPr>
+            <p:spPr>
+              <a:xfrm>
+                <a:off x="7128426" y="3740157"/>
+                <a:ext cx="207169" cy="369332"/>
+              </a:xfrm>
+              <a:prstGeom prst="rect">
+                <a:avLst/>
+              </a:prstGeom>
+              <a:noFill/>
+            </p:spPr>
+            <p:txBody>
+              <a:bodyPr wrap="square" rtlCol="0">
+                <a:spAutoFit/>
+              </a:bodyPr>
+              <a:lstStyle/>
+              <a:p>
+                <a:endParaRPr lang="nb-NO" dirty="0"/>
+              </a:p>
+            </p:txBody>
+          </p:sp>
+        </p:grpSp>
+        <p:sp>
+          <p:nvSpPr>
+            <p:cNvPr id="324" name="Rektangel 323"/>
+            <p:cNvSpPr/>
+            <p:nvPr/>
+          </p:nvSpPr>
+          <p:spPr>
+            <a:xfrm>
+              <a:off x="7278229" y="5180767"/>
+              <a:ext cx="746475" cy="62249"/>
+            </a:xfrm>
+            <a:prstGeom prst="rect">
+              <a:avLst/>
+            </a:prstGeom>
+            <a:noFill/>
+          </p:spPr>
+          <p:style>
+            <a:lnRef idx="2">
+              <a:schemeClr val="accent1">
+                <a:shade val="50000"/>
+              </a:schemeClr>
+            </a:lnRef>
+            <a:fillRef idx="1">
+              <a:schemeClr val="accent1"/>
+            </a:fillRef>
+            <a:effectRef idx="0">
+              <a:schemeClr val="accent1"/>
+            </a:effectRef>
+            <a:fontRef idx="minor">
+              <a:schemeClr val="lt1"/>
+            </a:fontRef>
+          </p:style>
+          <p:txBody>
+            <a:bodyPr rtlCol="0" anchor="ctr"/>
+            <a:lstStyle/>
+            <a:p>
+              <a:pPr algn="ctr"/>
+              <a:r>
+                <a:rPr lang="en-US" sz="500" dirty="0" smtClean="0">
+                  <a:solidFill>
+                    <a:schemeClr val="tx1"/>
+                  </a:solidFill>
+                </a:rPr>
+                <a:t>“til venstre”</a:t>
+              </a:r>
+              <a:endParaRPr lang="nb-NO" sz="500" dirty="0">
+                <a:solidFill>
+                  <a:schemeClr val="tx1"/>
+                </a:solidFill>
+              </a:endParaRPr>
+            </a:p>
+          </p:txBody>
+        </p:sp>
+      </p:grpSp>
+      <p:grpSp>
+        <p:nvGrpSpPr>
+          <p:cNvPr id="330" name="Gruppe 329"/>
+          <p:cNvGrpSpPr/>
+          <p:nvPr/>
+        </p:nvGrpSpPr>
+        <p:grpSpPr>
+          <a:xfrm>
+            <a:off x="5135279" y="5702443"/>
+            <a:ext cx="1322991" cy="550252"/>
+            <a:chOff x="7274799" y="4872519"/>
+            <a:chExt cx="1322991" cy="550252"/>
+          </a:xfrm>
+        </p:grpSpPr>
+        <p:grpSp>
+          <p:nvGrpSpPr>
+            <p:cNvPr id="331" name="Gruppe 330"/>
+            <p:cNvGrpSpPr/>
+            <p:nvPr/>
+          </p:nvGrpSpPr>
+          <p:grpSpPr>
+            <a:xfrm>
+              <a:off x="7274799" y="4872519"/>
+              <a:ext cx="1322991" cy="550252"/>
+              <a:chOff x="6889658" y="3559237"/>
+              <a:chExt cx="1322991" cy="550252"/>
+            </a:xfrm>
+          </p:grpSpPr>
+          <p:sp>
+            <p:nvSpPr>
+              <p:cNvPr id="333" name="Rektangel 332"/>
+              <p:cNvSpPr/>
+              <p:nvPr/>
+            </p:nvSpPr>
+            <p:spPr>
+              <a:xfrm>
+                <a:off x="6896513" y="3743698"/>
+                <a:ext cx="746475" cy="62249"/>
+              </a:xfrm>
+              <a:prstGeom prst="rect">
+                <a:avLst/>
+              </a:prstGeom>
+              <a:noFill/>
+            </p:spPr>
+            <p:style>
+              <a:lnRef idx="2">
+                <a:schemeClr val="accent1">
+                  <a:shade val="50000"/>
+                </a:schemeClr>
+              </a:lnRef>
+              <a:fillRef idx="1">
+                <a:schemeClr val="accent1"/>
+              </a:fillRef>
+              <a:effectRef idx="0">
+                <a:schemeClr val="accent1"/>
+              </a:effectRef>
+              <a:fontRef idx="minor">
+                <a:schemeClr val="lt1"/>
+              </a:fontRef>
+            </p:style>
+            <p:txBody>
+              <a:bodyPr rtlCol="0" anchor="ctr"/>
+              <a:lstStyle/>
+              <a:p>
+                <a:pPr algn="ctr"/>
+                <a:endParaRPr lang="nb-NO" sz="800" dirty="0"/>
+              </a:p>
+            </p:txBody>
+          </p:sp>
+          <p:sp>
+            <p:nvSpPr>
+              <p:cNvPr id="334" name="TekstSylinder 333"/>
+              <p:cNvSpPr txBox="1"/>
+              <p:nvPr/>
+            </p:nvSpPr>
+            <p:spPr>
+              <a:xfrm>
+                <a:off x="6896513" y="3559237"/>
+                <a:ext cx="1021491" cy="215444"/>
+              </a:xfrm>
+              <a:prstGeom prst="rect">
+                <a:avLst/>
+              </a:prstGeom>
+              <a:noFill/>
+            </p:spPr>
+            <p:txBody>
+              <a:bodyPr wrap="square" rtlCol="0">
+                <a:spAutoFit/>
+              </a:bodyPr>
+              <a:lstStyle/>
+              <a:p>
+                <a:r>
+                  <a:rPr lang="en-US" sz="800" dirty="0" smtClean="0"/>
+                  <a:t>Navn: </a:t>
+                </a:r>
+                <a:r>
+                  <a:rPr lang="en-US" sz="800" dirty="0" smtClean="0"/>
+                  <a:t>utganger</a:t>
+                </a:r>
+                <a:endParaRPr lang="nb-NO" sz="800" dirty="0"/>
+              </a:p>
+            </p:txBody>
+          </p:sp>
+          <p:sp>
+            <p:nvSpPr>
+              <p:cNvPr id="335" name="TekstSylinder 334"/>
+              <p:cNvSpPr txBox="1"/>
+              <p:nvPr/>
+            </p:nvSpPr>
+            <p:spPr>
+              <a:xfrm>
+                <a:off x="6889658" y="3876337"/>
+                <a:ext cx="1322991" cy="215444"/>
+              </a:xfrm>
+              <a:prstGeom prst="rect">
+                <a:avLst/>
+              </a:prstGeom>
+              <a:noFill/>
+            </p:spPr>
+            <p:txBody>
+              <a:bodyPr wrap="square" rtlCol="0">
+                <a:spAutoFit/>
+              </a:bodyPr>
+              <a:lstStyle/>
+              <a:p>
+                <a:r>
+                  <a:rPr lang="en-US" sz="800" dirty="0" smtClean="0"/>
+                  <a:t>Type: </a:t>
+                </a:r>
+                <a:r>
+                  <a:rPr lang="en-US" sz="800" dirty="0" smtClean="0"/>
+                  <a:t>VeivalgSted[]</a:t>
+                </a:r>
+                <a:endParaRPr lang="nb-NO" sz="800" dirty="0"/>
+              </a:p>
+            </p:txBody>
+          </p:sp>
+          <p:sp>
+            <p:nvSpPr>
+              <p:cNvPr id="336" name="Rektangel 335"/>
+              <p:cNvSpPr/>
+              <p:nvPr/>
+            </p:nvSpPr>
+            <p:spPr>
+              <a:xfrm>
+                <a:off x="6896512" y="3805531"/>
+                <a:ext cx="746475" cy="62249"/>
+              </a:xfrm>
+              <a:prstGeom prst="rect">
+                <a:avLst/>
+              </a:prstGeom>
+              <a:noFill/>
+            </p:spPr>
+            <p:style>
+              <a:lnRef idx="2">
+                <a:schemeClr val="accent1">
+                  <a:shade val="50000"/>
+                </a:schemeClr>
+              </a:lnRef>
+              <a:fillRef idx="1">
+                <a:schemeClr val="accent1"/>
+              </a:fillRef>
+              <a:effectRef idx="0">
+                <a:schemeClr val="accent1"/>
+              </a:effectRef>
+              <a:fontRef idx="minor">
+                <a:schemeClr val="lt1"/>
+              </a:fontRef>
+            </p:style>
+            <p:txBody>
+              <a:bodyPr rtlCol="0" anchor="ctr"/>
+              <a:lstStyle/>
+              <a:p>
+                <a:pPr algn="ctr"/>
+                <a:endParaRPr lang="nb-NO" sz="800" dirty="0"/>
+              </a:p>
+            </p:txBody>
+          </p:sp>
+          <p:sp>
+            <p:nvSpPr>
+              <p:cNvPr id="337" name="TekstSylinder 336"/>
+              <p:cNvSpPr txBox="1"/>
+              <p:nvPr/>
+            </p:nvSpPr>
+            <p:spPr>
+              <a:xfrm>
+                <a:off x="7128426" y="3740157"/>
+                <a:ext cx="207169" cy="369332"/>
+              </a:xfrm>
+              <a:prstGeom prst="rect">
+                <a:avLst/>
+              </a:prstGeom>
+              <a:noFill/>
+            </p:spPr>
+            <p:txBody>
+              <a:bodyPr wrap="square" rtlCol="0">
+                <a:spAutoFit/>
+              </a:bodyPr>
+              <a:lstStyle/>
+              <a:p>
+                <a:endParaRPr lang="nb-NO" dirty="0"/>
+              </a:p>
+            </p:txBody>
+          </p:sp>
+        </p:grpSp>
+        <p:sp>
+          <p:nvSpPr>
+            <p:cNvPr id="332" name="Rektangel 331"/>
+            <p:cNvSpPr/>
+            <p:nvPr/>
+          </p:nvSpPr>
+          <p:spPr>
+            <a:xfrm>
+              <a:off x="7285486" y="5180767"/>
+              <a:ext cx="746475" cy="62249"/>
+            </a:xfrm>
+            <a:prstGeom prst="rect">
+              <a:avLst/>
+            </a:prstGeom>
+            <a:noFill/>
+          </p:spPr>
+          <p:style>
+            <a:lnRef idx="2">
+              <a:schemeClr val="accent1">
+                <a:shade val="50000"/>
+              </a:schemeClr>
+            </a:lnRef>
+            <a:fillRef idx="1">
+              <a:schemeClr val="accent1"/>
+            </a:fillRef>
+            <a:effectRef idx="0">
+              <a:schemeClr val="accent1"/>
+            </a:effectRef>
+            <a:fontRef idx="minor">
+              <a:schemeClr val="lt1"/>
+            </a:fontRef>
+          </p:style>
+          <p:txBody>
+            <a:bodyPr rtlCol="0" anchor="ctr"/>
+            <a:lstStyle/>
+            <a:p>
+              <a:pPr algn="ctr"/>
+              <a:endParaRPr lang="nb-NO" sz="800" dirty="0"/>
+            </a:p>
+          </p:txBody>
+        </p:sp>
+      </p:grpSp>
+      <p:grpSp>
+        <p:nvGrpSpPr>
+          <p:cNvPr id="338" name="Gruppe 337"/>
+          <p:cNvGrpSpPr/>
+          <p:nvPr/>
+        </p:nvGrpSpPr>
+        <p:grpSpPr>
+          <a:xfrm>
+            <a:off x="4210281" y="5712642"/>
+            <a:ext cx="1021491" cy="609541"/>
+            <a:chOff x="3599935" y="588258"/>
+            <a:chExt cx="1070919" cy="721038"/>
+          </a:xfrm>
+        </p:grpSpPr>
+        <p:sp>
+          <p:nvSpPr>
+            <p:cNvPr id="339" name="Rektangel 338"/>
+            <p:cNvSpPr/>
+            <p:nvPr/>
+          </p:nvSpPr>
+          <p:spPr>
+            <a:xfrm>
+              <a:off x="3599935" y="840259"/>
+              <a:ext cx="782595" cy="214184"/>
+            </a:xfrm>
+            <a:prstGeom prst="rect">
+              <a:avLst/>
+            </a:prstGeom>
+            <a:noFill/>
+          </p:spPr>
+          <p:style>
+            <a:lnRef idx="2">
+              <a:schemeClr val="accent1">
+                <a:shade val="50000"/>
+              </a:schemeClr>
+            </a:lnRef>
+            <a:fillRef idx="1">
+              <a:schemeClr val="accent1"/>
+            </a:fillRef>
+            <a:effectRef idx="0">
+              <a:schemeClr val="accent1"/>
+            </a:effectRef>
+            <a:fontRef idx="minor">
+              <a:schemeClr val="lt1"/>
+            </a:fontRef>
+          </p:style>
+          <p:txBody>
+            <a:bodyPr rtlCol="0" anchor="ctr"/>
+            <a:lstStyle/>
+            <a:p>
+              <a:pPr algn="ctr"/>
+              <a:endParaRPr lang="nb-NO" sz="800" dirty="0"/>
+            </a:p>
+          </p:txBody>
+        </p:sp>
+        <p:sp>
+          <p:nvSpPr>
+            <p:cNvPr id="340" name="TekstSylinder 339"/>
+            <p:cNvSpPr txBox="1"/>
+            <p:nvPr/>
+          </p:nvSpPr>
+          <p:spPr>
+            <a:xfrm>
+              <a:off x="3599935" y="588258"/>
+              <a:ext cx="1070919" cy="254853"/>
+            </a:xfrm>
+            <a:prstGeom prst="rect">
+              <a:avLst/>
+            </a:prstGeom>
+            <a:noFill/>
+          </p:spPr>
+          <p:txBody>
+            <a:bodyPr wrap="square" rtlCol="0">
+              <a:spAutoFit/>
+            </a:bodyPr>
+            <a:lstStyle/>
+            <a:p>
+              <a:r>
+                <a:rPr lang="en-US" sz="800" dirty="0" smtClean="0"/>
+                <a:t>Navn: beskrivelse</a:t>
+              </a:r>
+              <a:endParaRPr lang="nb-NO" sz="800" dirty="0"/>
+            </a:p>
+          </p:txBody>
+        </p:sp>
+        <p:sp>
+          <p:nvSpPr>
+            <p:cNvPr id="341" name="TekstSylinder 340"/>
+            <p:cNvSpPr txBox="1"/>
+            <p:nvPr/>
+          </p:nvSpPr>
+          <p:spPr>
+            <a:xfrm>
+              <a:off x="3599935" y="1054443"/>
+              <a:ext cx="1070919" cy="254853"/>
+            </a:xfrm>
+            <a:prstGeom prst="rect">
+              <a:avLst/>
+            </a:prstGeom>
+            <a:noFill/>
+          </p:spPr>
+          <p:txBody>
+            <a:bodyPr wrap="square" rtlCol="0">
+              <a:spAutoFit/>
+            </a:bodyPr>
+            <a:lstStyle/>
+            <a:p>
+              <a:r>
+                <a:rPr lang="en-US" sz="800" dirty="0" smtClean="0"/>
+                <a:t>Type: String</a:t>
+              </a:r>
+              <a:endParaRPr lang="nb-NO" sz="800" dirty="0"/>
+            </a:p>
+          </p:txBody>
+        </p:sp>
+      </p:grpSp>
+      <p:grpSp>
+        <p:nvGrpSpPr>
+          <p:cNvPr id="342" name="Gruppe 341"/>
+          <p:cNvGrpSpPr/>
+          <p:nvPr/>
+        </p:nvGrpSpPr>
+        <p:grpSpPr>
+          <a:xfrm>
+            <a:off x="5265453" y="4832395"/>
+            <a:ext cx="1021493" cy="602523"/>
+            <a:chOff x="3599935" y="596560"/>
+            <a:chExt cx="1070921" cy="712736"/>
+          </a:xfrm>
+        </p:grpSpPr>
+        <p:sp>
+          <p:nvSpPr>
+            <p:cNvPr id="343" name="Rektangel 342"/>
+            <p:cNvSpPr/>
+            <p:nvPr/>
+          </p:nvSpPr>
+          <p:spPr>
+            <a:xfrm>
+              <a:off x="3599935" y="840259"/>
+              <a:ext cx="782595" cy="214184"/>
+            </a:xfrm>
+            <a:prstGeom prst="rect">
+              <a:avLst/>
+            </a:prstGeom>
+            <a:noFill/>
+          </p:spPr>
+          <p:style>
+            <a:lnRef idx="2">
+              <a:schemeClr val="accent1">
+                <a:shade val="50000"/>
+              </a:schemeClr>
+            </a:lnRef>
+            <a:fillRef idx="1">
+              <a:schemeClr val="accent1"/>
+            </a:fillRef>
+            <a:effectRef idx="0">
+              <a:schemeClr val="accent1"/>
+            </a:effectRef>
+            <a:fontRef idx="minor">
+              <a:schemeClr val="lt1"/>
+            </a:fontRef>
+          </p:style>
+          <p:txBody>
+            <a:bodyPr rtlCol="0" anchor="ctr"/>
+            <a:lstStyle/>
+            <a:p>
+              <a:pPr algn="ctr"/>
+              <a:endParaRPr lang="nb-NO" sz="800" dirty="0"/>
+            </a:p>
+          </p:txBody>
+        </p:sp>
+        <p:sp>
+          <p:nvSpPr>
+            <p:cNvPr id="344" name="TekstSylinder 343"/>
+            <p:cNvSpPr txBox="1"/>
+            <p:nvPr/>
+          </p:nvSpPr>
+          <p:spPr>
+            <a:xfrm>
+              <a:off x="3599935" y="596560"/>
+              <a:ext cx="1070919" cy="254853"/>
+            </a:xfrm>
+            <a:prstGeom prst="rect">
+              <a:avLst/>
+            </a:prstGeom>
+            <a:noFill/>
+          </p:spPr>
+          <p:txBody>
+            <a:bodyPr wrap="square" rtlCol="0">
+              <a:spAutoFit/>
+            </a:bodyPr>
+            <a:lstStyle/>
+            <a:p>
+              <a:r>
+                <a:rPr lang="en-US" sz="800" dirty="0" smtClean="0"/>
+                <a:t>Navn: kiste</a:t>
+              </a:r>
+              <a:endParaRPr lang="nb-NO" sz="800" dirty="0"/>
+            </a:p>
+          </p:txBody>
+        </p:sp>
+        <p:sp>
+          <p:nvSpPr>
+            <p:cNvPr id="345" name="TekstSylinder 344"/>
+            <p:cNvSpPr txBox="1"/>
+            <p:nvPr/>
+          </p:nvSpPr>
+          <p:spPr>
+            <a:xfrm>
+              <a:off x="3599937" y="1054443"/>
+              <a:ext cx="1070919" cy="254853"/>
+            </a:xfrm>
+            <a:prstGeom prst="rect">
+              <a:avLst/>
+            </a:prstGeom>
+            <a:noFill/>
+          </p:spPr>
+          <p:txBody>
+            <a:bodyPr wrap="square" rtlCol="0">
+              <a:spAutoFit/>
+            </a:bodyPr>
+            <a:lstStyle/>
+            <a:p>
+              <a:r>
+                <a:rPr lang="en-US" sz="800" dirty="0" smtClean="0"/>
+                <a:t>Type: Skattkiste</a:t>
+              </a:r>
+              <a:endParaRPr lang="nb-NO" sz="800" dirty="0"/>
+            </a:p>
+          </p:txBody>
+        </p:sp>
+      </p:grpSp>
+      <p:grpSp>
+        <p:nvGrpSpPr>
+          <p:cNvPr id="346" name="Gruppe 345"/>
+          <p:cNvGrpSpPr/>
+          <p:nvPr/>
+        </p:nvGrpSpPr>
+        <p:grpSpPr>
+          <a:xfrm>
+            <a:off x="4126492" y="4924793"/>
+            <a:ext cx="1322991" cy="550252"/>
+            <a:chOff x="7274799" y="4872519"/>
+            <a:chExt cx="1322991" cy="550252"/>
+          </a:xfrm>
+        </p:grpSpPr>
+        <p:grpSp>
+          <p:nvGrpSpPr>
+            <p:cNvPr id="347" name="Gruppe 346"/>
+            <p:cNvGrpSpPr/>
+            <p:nvPr/>
+          </p:nvGrpSpPr>
+          <p:grpSpPr>
+            <a:xfrm>
+              <a:off x="7274799" y="4872519"/>
+              <a:ext cx="1322991" cy="550252"/>
+              <a:chOff x="6889658" y="3559237"/>
+              <a:chExt cx="1322991" cy="550252"/>
+            </a:xfrm>
+          </p:grpSpPr>
+          <p:sp>
+            <p:nvSpPr>
+              <p:cNvPr id="349" name="Rektangel 348"/>
+              <p:cNvSpPr/>
+              <p:nvPr/>
+            </p:nvSpPr>
+            <p:spPr>
+              <a:xfrm>
+                <a:off x="6896513" y="3743698"/>
+                <a:ext cx="746475" cy="62249"/>
+              </a:xfrm>
+              <a:prstGeom prst="rect">
+                <a:avLst/>
+              </a:prstGeom>
+              <a:noFill/>
+            </p:spPr>
+            <p:style>
+              <a:lnRef idx="2">
+                <a:schemeClr val="accent1">
+                  <a:shade val="50000"/>
+                </a:schemeClr>
+              </a:lnRef>
+              <a:fillRef idx="1">
+                <a:schemeClr val="accent1"/>
+              </a:fillRef>
+              <a:effectRef idx="0">
+                <a:schemeClr val="accent1"/>
+              </a:effectRef>
+              <a:fontRef idx="minor">
+                <a:schemeClr val="lt1"/>
+              </a:fontRef>
+            </p:style>
+            <p:txBody>
+              <a:bodyPr rtlCol="0" anchor="ctr"/>
+              <a:lstStyle/>
+              <a:p>
+                <a:pPr algn="ctr"/>
+                <a:endParaRPr lang="nb-NO" sz="800" dirty="0"/>
+              </a:p>
+            </p:txBody>
+          </p:sp>
+          <p:sp>
+            <p:nvSpPr>
+              <p:cNvPr id="350" name="TekstSylinder 349"/>
+              <p:cNvSpPr txBox="1"/>
+              <p:nvPr/>
+            </p:nvSpPr>
+            <p:spPr>
+              <a:xfrm>
+                <a:off x="6896513" y="3559237"/>
+                <a:ext cx="1021491" cy="215444"/>
+              </a:xfrm>
+              <a:prstGeom prst="rect">
+                <a:avLst/>
+              </a:prstGeom>
+              <a:noFill/>
+            </p:spPr>
+            <p:txBody>
+              <a:bodyPr wrap="square" rtlCol="0">
+                <a:spAutoFit/>
+              </a:bodyPr>
+              <a:lstStyle/>
+              <a:p>
+                <a:r>
+                  <a:rPr lang="en-US" sz="800" dirty="0" smtClean="0"/>
+                  <a:t>Navn: </a:t>
+                </a:r>
+                <a:r>
+                  <a:rPr lang="en-US" sz="800" dirty="0" smtClean="0"/>
+                  <a:t>retninger</a:t>
+                </a:r>
+                <a:endParaRPr lang="nb-NO" sz="800" dirty="0"/>
+              </a:p>
+            </p:txBody>
+          </p:sp>
+          <p:sp>
+            <p:nvSpPr>
+              <p:cNvPr id="351" name="TekstSylinder 350"/>
+              <p:cNvSpPr txBox="1"/>
+              <p:nvPr/>
+            </p:nvSpPr>
+            <p:spPr>
+              <a:xfrm>
+                <a:off x="6889658" y="3876337"/>
+                <a:ext cx="1322991" cy="215444"/>
+              </a:xfrm>
+              <a:prstGeom prst="rect">
+                <a:avLst/>
+              </a:prstGeom>
+              <a:noFill/>
+            </p:spPr>
+            <p:txBody>
+              <a:bodyPr wrap="square" rtlCol="0">
+                <a:spAutoFit/>
+              </a:bodyPr>
+              <a:lstStyle/>
+              <a:p>
+                <a:r>
+                  <a:rPr lang="en-US" sz="800" dirty="0" smtClean="0"/>
+                  <a:t>Type: </a:t>
+                </a:r>
+                <a:r>
+                  <a:rPr lang="en-US" sz="800" dirty="0" smtClean="0"/>
+                  <a:t>String[]</a:t>
+                </a:r>
+                <a:endParaRPr lang="nb-NO" sz="800" dirty="0"/>
+              </a:p>
+            </p:txBody>
+          </p:sp>
+          <p:sp>
+            <p:nvSpPr>
+              <p:cNvPr id="352" name="Rektangel 351"/>
+              <p:cNvSpPr/>
+              <p:nvPr/>
+            </p:nvSpPr>
+            <p:spPr>
+              <a:xfrm>
+                <a:off x="6896512" y="3805531"/>
+                <a:ext cx="746475" cy="62249"/>
+              </a:xfrm>
+              <a:prstGeom prst="rect">
+                <a:avLst/>
+              </a:prstGeom>
+              <a:noFill/>
+            </p:spPr>
+            <p:style>
+              <a:lnRef idx="2">
+                <a:schemeClr val="accent1">
+                  <a:shade val="50000"/>
+                </a:schemeClr>
+              </a:lnRef>
+              <a:fillRef idx="1">
+                <a:schemeClr val="accent1"/>
+              </a:fillRef>
+              <a:effectRef idx="0">
+                <a:schemeClr val="accent1"/>
+              </a:effectRef>
+              <a:fontRef idx="minor">
+                <a:schemeClr val="lt1"/>
+              </a:fontRef>
+            </p:style>
+            <p:txBody>
+              <a:bodyPr rtlCol="0" anchor="ctr"/>
+              <a:lstStyle/>
+              <a:p>
+                <a:pPr algn="ctr"/>
+                <a:endParaRPr lang="nb-NO" sz="800" dirty="0"/>
+              </a:p>
+            </p:txBody>
+          </p:sp>
+          <p:sp>
+            <p:nvSpPr>
+              <p:cNvPr id="353" name="TekstSylinder 352"/>
+              <p:cNvSpPr txBox="1"/>
+              <p:nvPr/>
+            </p:nvSpPr>
+            <p:spPr>
+              <a:xfrm>
+                <a:off x="7128426" y="3740157"/>
+                <a:ext cx="207169" cy="369332"/>
+              </a:xfrm>
+              <a:prstGeom prst="rect">
+                <a:avLst/>
+              </a:prstGeom>
+              <a:noFill/>
+            </p:spPr>
+            <p:txBody>
+              <a:bodyPr wrap="square" rtlCol="0">
+                <a:spAutoFit/>
+              </a:bodyPr>
+              <a:lstStyle/>
+              <a:p>
+                <a:endParaRPr lang="nb-NO" dirty="0"/>
+              </a:p>
+            </p:txBody>
+          </p:sp>
+        </p:grpSp>
+        <p:sp>
+          <p:nvSpPr>
+            <p:cNvPr id="348" name="Rektangel 347"/>
+            <p:cNvSpPr/>
+            <p:nvPr/>
+          </p:nvSpPr>
+          <p:spPr>
+            <a:xfrm>
+              <a:off x="7278229" y="5180767"/>
+              <a:ext cx="746475" cy="62249"/>
+            </a:xfrm>
+            <a:prstGeom prst="rect">
+              <a:avLst/>
+            </a:prstGeom>
+            <a:noFill/>
+          </p:spPr>
+          <p:style>
+            <a:lnRef idx="2">
+              <a:schemeClr val="accent1">
+                <a:shade val="50000"/>
+              </a:schemeClr>
+            </a:lnRef>
+            <a:fillRef idx="1">
+              <a:schemeClr val="accent1"/>
+            </a:fillRef>
+            <a:effectRef idx="0">
+              <a:schemeClr val="accent1"/>
+            </a:effectRef>
+            <a:fontRef idx="minor">
+              <a:schemeClr val="lt1"/>
+            </a:fontRef>
+          </p:style>
+          <p:txBody>
+            <a:bodyPr rtlCol="0" anchor="ctr"/>
+            <a:lstStyle/>
+            <a:p>
+              <a:pPr algn="ctr"/>
+              <a:endParaRPr lang="nb-NO" sz="800" dirty="0"/>
+            </a:p>
+          </p:txBody>
+        </p:sp>
+      </p:grpSp>
+      <p:grpSp>
+        <p:nvGrpSpPr>
+          <p:cNvPr id="385" name="Gruppe 384"/>
+          <p:cNvGrpSpPr/>
+          <p:nvPr/>
+        </p:nvGrpSpPr>
+        <p:grpSpPr>
+          <a:xfrm>
+            <a:off x="8336893" y="5665578"/>
+            <a:ext cx="1322991" cy="550252"/>
+            <a:chOff x="7274799" y="4872519"/>
+            <a:chExt cx="1322991" cy="550252"/>
+          </a:xfrm>
+        </p:grpSpPr>
+        <p:grpSp>
+          <p:nvGrpSpPr>
+            <p:cNvPr id="387" name="Gruppe 386"/>
+            <p:cNvGrpSpPr/>
+            <p:nvPr/>
+          </p:nvGrpSpPr>
+          <p:grpSpPr>
+            <a:xfrm>
+              <a:off x="7274799" y="4872519"/>
+              <a:ext cx="1322991" cy="550252"/>
+              <a:chOff x="6889658" y="3559237"/>
+              <a:chExt cx="1322991" cy="550252"/>
+            </a:xfrm>
+          </p:grpSpPr>
+          <p:sp>
+            <p:nvSpPr>
+              <p:cNvPr id="389" name="Rektangel 388"/>
+              <p:cNvSpPr/>
+              <p:nvPr/>
+            </p:nvSpPr>
+            <p:spPr>
+              <a:xfrm>
+                <a:off x="6896513" y="3743698"/>
+                <a:ext cx="746475" cy="62249"/>
+              </a:xfrm>
+              <a:prstGeom prst="rect">
+                <a:avLst/>
+              </a:prstGeom>
+              <a:noFill/>
+            </p:spPr>
+            <p:style>
+              <a:lnRef idx="2">
+                <a:schemeClr val="accent1">
+                  <a:shade val="50000"/>
+                </a:schemeClr>
+              </a:lnRef>
+              <a:fillRef idx="1">
+                <a:schemeClr val="accent1"/>
+              </a:fillRef>
+              <a:effectRef idx="0">
+                <a:schemeClr val="accent1"/>
+              </a:effectRef>
+              <a:fontRef idx="minor">
+                <a:schemeClr val="lt1"/>
+              </a:fontRef>
+            </p:style>
+            <p:txBody>
+              <a:bodyPr rtlCol="0" anchor="ctr"/>
+              <a:lstStyle/>
+              <a:p>
+                <a:pPr algn="ctr"/>
+                <a:endParaRPr lang="nb-NO" sz="800" dirty="0"/>
+              </a:p>
+            </p:txBody>
+          </p:sp>
+          <p:sp>
+            <p:nvSpPr>
+              <p:cNvPr id="390" name="TekstSylinder 389"/>
+              <p:cNvSpPr txBox="1"/>
+              <p:nvPr/>
+            </p:nvSpPr>
+            <p:spPr>
+              <a:xfrm>
+                <a:off x="6896513" y="3559237"/>
+                <a:ext cx="1021491" cy="215444"/>
+              </a:xfrm>
+              <a:prstGeom prst="rect">
+                <a:avLst/>
+              </a:prstGeom>
+              <a:noFill/>
+            </p:spPr>
+            <p:txBody>
+              <a:bodyPr wrap="square" rtlCol="0">
+                <a:spAutoFit/>
+              </a:bodyPr>
+              <a:lstStyle/>
+              <a:p>
+                <a:r>
+                  <a:rPr lang="en-US" sz="800" dirty="0" smtClean="0"/>
+                  <a:t>Navn: </a:t>
+                </a:r>
+                <a:r>
+                  <a:rPr lang="en-US" sz="800" dirty="0" smtClean="0"/>
+                  <a:t>utganger</a:t>
+                </a:r>
+                <a:endParaRPr lang="nb-NO" sz="800" dirty="0"/>
+              </a:p>
+            </p:txBody>
+          </p:sp>
+          <p:sp>
+            <p:nvSpPr>
+              <p:cNvPr id="391" name="TekstSylinder 390"/>
+              <p:cNvSpPr txBox="1"/>
+              <p:nvPr/>
+            </p:nvSpPr>
+            <p:spPr>
+              <a:xfrm>
+                <a:off x="6889658" y="3876337"/>
+                <a:ext cx="1322991" cy="215444"/>
+              </a:xfrm>
+              <a:prstGeom prst="rect">
+                <a:avLst/>
+              </a:prstGeom>
+              <a:noFill/>
+            </p:spPr>
+            <p:txBody>
+              <a:bodyPr wrap="square" rtlCol="0">
+                <a:spAutoFit/>
+              </a:bodyPr>
+              <a:lstStyle/>
+              <a:p>
+                <a:r>
+                  <a:rPr lang="en-US" sz="800" dirty="0" smtClean="0"/>
+                  <a:t>Type: </a:t>
+                </a:r>
+                <a:r>
+                  <a:rPr lang="en-US" sz="800" dirty="0" smtClean="0"/>
+                  <a:t>VeivalgSted[]</a:t>
+                </a:r>
+                <a:endParaRPr lang="nb-NO" sz="800" dirty="0"/>
+              </a:p>
+            </p:txBody>
+          </p:sp>
+          <p:sp>
+            <p:nvSpPr>
+              <p:cNvPr id="392" name="Rektangel 391"/>
+              <p:cNvSpPr/>
+              <p:nvPr/>
+            </p:nvSpPr>
+            <p:spPr>
+              <a:xfrm>
+                <a:off x="6896512" y="3805531"/>
+                <a:ext cx="746475" cy="62249"/>
+              </a:xfrm>
+              <a:prstGeom prst="rect">
+                <a:avLst/>
+              </a:prstGeom>
+              <a:noFill/>
+            </p:spPr>
+            <p:style>
+              <a:lnRef idx="2">
+                <a:schemeClr val="accent1">
+                  <a:shade val="50000"/>
+                </a:schemeClr>
+              </a:lnRef>
+              <a:fillRef idx="1">
+                <a:schemeClr val="accent1"/>
+              </a:fillRef>
+              <a:effectRef idx="0">
+                <a:schemeClr val="accent1"/>
+              </a:effectRef>
+              <a:fontRef idx="minor">
+                <a:schemeClr val="lt1"/>
+              </a:fontRef>
+            </p:style>
+            <p:txBody>
+              <a:bodyPr rtlCol="0" anchor="ctr"/>
+              <a:lstStyle/>
+              <a:p>
+                <a:pPr algn="ctr"/>
+                <a:endParaRPr lang="nb-NO" sz="800" dirty="0"/>
+              </a:p>
+            </p:txBody>
+          </p:sp>
+          <p:sp>
+            <p:nvSpPr>
+              <p:cNvPr id="393" name="TekstSylinder 392"/>
+              <p:cNvSpPr txBox="1"/>
+              <p:nvPr/>
+            </p:nvSpPr>
+            <p:spPr>
+              <a:xfrm>
+                <a:off x="7128426" y="3740157"/>
+                <a:ext cx="207169" cy="369332"/>
+              </a:xfrm>
+              <a:prstGeom prst="rect">
+                <a:avLst/>
+              </a:prstGeom>
+              <a:noFill/>
+            </p:spPr>
+            <p:txBody>
+              <a:bodyPr wrap="square" rtlCol="0">
+                <a:spAutoFit/>
+              </a:bodyPr>
+              <a:lstStyle/>
+              <a:p>
+                <a:endParaRPr lang="nb-NO" dirty="0"/>
+              </a:p>
+            </p:txBody>
+          </p:sp>
+        </p:grpSp>
+        <p:sp>
+          <p:nvSpPr>
+            <p:cNvPr id="388" name="Rektangel 387"/>
+            <p:cNvSpPr/>
+            <p:nvPr/>
+          </p:nvSpPr>
+          <p:spPr>
+            <a:xfrm>
+              <a:off x="7285486" y="5180767"/>
+              <a:ext cx="746475" cy="62249"/>
+            </a:xfrm>
+            <a:prstGeom prst="rect">
+              <a:avLst/>
+            </a:prstGeom>
+            <a:noFill/>
+          </p:spPr>
+          <p:style>
+            <a:lnRef idx="2">
+              <a:schemeClr val="accent1">
+                <a:shade val="50000"/>
+              </a:schemeClr>
+            </a:lnRef>
+            <a:fillRef idx="1">
+              <a:schemeClr val="accent1"/>
+            </a:fillRef>
+            <a:effectRef idx="0">
+              <a:schemeClr val="accent1"/>
+            </a:effectRef>
+            <a:fontRef idx="minor">
+              <a:schemeClr val="lt1"/>
+            </a:fontRef>
+          </p:style>
+          <p:txBody>
+            <a:bodyPr rtlCol="0" anchor="ctr"/>
+            <a:lstStyle/>
+            <a:p>
+              <a:pPr algn="ctr"/>
+              <a:endParaRPr lang="nb-NO" sz="800" dirty="0"/>
+            </a:p>
+          </p:txBody>
+        </p:sp>
+      </p:grpSp>
+      <p:grpSp>
+        <p:nvGrpSpPr>
+          <p:cNvPr id="395" name="Gruppe 394"/>
+          <p:cNvGrpSpPr/>
+          <p:nvPr/>
+        </p:nvGrpSpPr>
+        <p:grpSpPr>
+          <a:xfrm>
+            <a:off x="7411895" y="5675777"/>
+            <a:ext cx="1021491" cy="609541"/>
+            <a:chOff x="3599935" y="588258"/>
+            <a:chExt cx="1070919" cy="721038"/>
+          </a:xfrm>
+        </p:grpSpPr>
+        <p:sp>
+          <p:nvSpPr>
+            <p:cNvPr id="432" name="Rektangel 431"/>
+            <p:cNvSpPr/>
+            <p:nvPr/>
+          </p:nvSpPr>
+          <p:spPr>
+            <a:xfrm>
+              <a:off x="3599935" y="840259"/>
+              <a:ext cx="782595" cy="214184"/>
+            </a:xfrm>
+            <a:prstGeom prst="rect">
+              <a:avLst/>
+            </a:prstGeom>
+            <a:noFill/>
+          </p:spPr>
+          <p:style>
+            <a:lnRef idx="2">
+              <a:schemeClr val="accent1">
+                <a:shade val="50000"/>
+              </a:schemeClr>
+            </a:lnRef>
+            <a:fillRef idx="1">
+              <a:schemeClr val="accent1"/>
+            </a:fillRef>
+            <a:effectRef idx="0">
+              <a:schemeClr val="accent1"/>
+            </a:effectRef>
+            <a:fontRef idx="minor">
+              <a:schemeClr val="lt1"/>
+            </a:fontRef>
+          </p:style>
+          <p:txBody>
+            <a:bodyPr rtlCol="0" anchor="ctr"/>
+            <a:lstStyle/>
+            <a:p>
+              <a:pPr algn="ctr"/>
+              <a:endParaRPr lang="nb-NO" sz="800" dirty="0"/>
+            </a:p>
+          </p:txBody>
+        </p:sp>
+        <p:sp>
+          <p:nvSpPr>
+            <p:cNvPr id="434" name="TekstSylinder 433"/>
+            <p:cNvSpPr txBox="1"/>
+            <p:nvPr/>
+          </p:nvSpPr>
+          <p:spPr>
+            <a:xfrm>
+              <a:off x="3599935" y="588258"/>
+              <a:ext cx="1070919" cy="254853"/>
+            </a:xfrm>
+            <a:prstGeom prst="rect">
+              <a:avLst/>
+            </a:prstGeom>
+            <a:noFill/>
+          </p:spPr>
+          <p:txBody>
+            <a:bodyPr wrap="square" rtlCol="0">
+              <a:spAutoFit/>
+            </a:bodyPr>
+            <a:lstStyle/>
+            <a:p>
+              <a:r>
+                <a:rPr lang="en-US" sz="800" dirty="0" smtClean="0"/>
+                <a:t>Navn: beskrivelse</a:t>
+              </a:r>
+              <a:endParaRPr lang="nb-NO" sz="800" dirty="0"/>
+            </a:p>
+          </p:txBody>
+        </p:sp>
+        <p:sp>
+          <p:nvSpPr>
+            <p:cNvPr id="436" name="TekstSylinder 435"/>
+            <p:cNvSpPr txBox="1"/>
+            <p:nvPr/>
+          </p:nvSpPr>
+          <p:spPr>
+            <a:xfrm>
+              <a:off x="3599935" y="1054443"/>
+              <a:ext cx="1070919" cy="254853"/>
+            </a:xfrm>
+            <a:prstGeom prst="rect">
+              <a:avLst/>
+            </a:prstGeom>
+            <a:noFill/>
+          </p:spPr>
+          <p:txBody>
+            <a:bodyPr wrap="square" rtlCol="0">
+              <a:spAutoFit/>
+            </a:bodyPr>
+            <a:lstStyle/>
+            <a:p>
+              <a:r>
+                <a:rPr lang="en-US" sz="800" dirty="0" smtClean="0"/>
+                <a:t>Type: String</a:t>
+              </a:r>
+              <a:endParaRPr lang="nb-NO" sz="800" dirty="0"/>
+            </a:p>
+          </p:txBody>
+        </p:sp>
+      </p:grpSp>
+      <p:grpSp>
+        <p:nvGrpSpPr>
+          <p:cNvPr id="437" name="Gruppe 436"/>
+          <p:cNvGrpSpPr/>
+          <p:nvPr/>
+        </p:nvGrpSpPr>
+        <p:grpSpPr>
+          <a:xfrm>
+            <a:off x="8467067" y="4795530"/>
+            <a:ext cx="1021493" cy="602523"/>
+            <a:chOff x="3599935" y="596560"/>
+            <a:chExt cx="1070921" cy="712736"/>
+          </a:xfrm>
+        </p:grpSpPr>
+        <p:sp>
+          <p:nvSpPr>
+            <p:cNvPr id="439" name="Rektangel 438"/>
+            <p:cNvSpPr/>
+            <p:nvPr/>
+          </p:nvSpPr>
+          <p:spPr>
+            <a:xfrm>
+              <a:off x="3599935" y="840259"/>
+              <a:ext cx="782595" cy="214184"/>
+            </a:xfrm>
+            <a:prstGeom prst="rect">
+              <a:avLst/>
+            </a:prstGeom>
+            <a:noFill/>
+          </p:spPr>
+          <p:style>
+            <a:lnRef idx="2">
+              <a:schemeClr val="accent1">
+                <a:shade val="50000"/>
+              </a:schemeClr>
+            </a:lnRef>
+            <a:fillRef idx="1">
+              <a:schemeClr val="accent1"/>
+            </a:fillRef>
+            <a:effectRef idx="0">
+              <a:schemeClr val="accent1"/>
+            </a:effectRef>
+            <a:fontRef idx="minor">
+              <a:schemeClr val="lt1"/>
+            </a:fontRef>
+          </p:style>
+          <p:txBody>
+            <a:bodyPr rtlCol="0" anchor="ctr"/>
+            <a:lstStyle/>
+            <a:p>
+              <a:pPr algn="ctr"/>
+              <a:endParaRPr lang="nb-NO" sz="800" dirty="0"/>
+            </a:p>
+          </p:txBody>
+        </p:sp>
+        <p:sp>
+          <p:nvSpPr>
+            <p:cNvPr id="441" name="TekstSylinder 440"/>
+            <p:cNvSpPr txBox="1"/>
+            <p:nvPr/>
+          </p:nvSpPr>
+          <p:spPr>
+            <a:xfrm>
+              <a:off x="3599935" y="596560"/>
+              <a:ext cx="1070919" cy="254853"/>
+            </a:xfrm>
+            <a:prstGeom prst="rect">
+              <a:avLst/>
+            </a:prstGeom>
+            <a:noFill/>
+          </p:spPr>
+          <p:txBody>
+            <a:bodyPr wrap="square" rtlCol="0">
+              <a:spAutoFit/>
+            </a:bodyPr>
+            <a:lstStyle/>
+            <a:p>
+              <a:r>
+                <a:rPr lang="en-US" sz="800" dirty="0" smtClean="0"/>
+                <a:t>Navn: kiste</a:t>
+              </a:r>
+              <a:endParaRPr lang="nb-NO" sz="800" dirty="0"/>
+            </a:p>
+          </p:txBody>
+        </p:sp>
+        <p:sp>
+          <p:nvSpPr>
+            <p:cNvPr id="443" name="TekstSylinder 442"/>
+            <p:cNvSpPr txBox="1"/>
+            <p:nvPr/>
+          </p:nvSpPr>
+          <p:spPr>
+            <a:xfrm>
+              <a:off x="3599937" y="1054443"/>
+              <a:ext cx="1070919" cy="254853"/>
+            </a:xfrm>
+            <a:prstGeom prst="rect">
+              <a:avLst/>
+            </a:prstGeom>
+            <a:noFill/>
+          </p:spPr>
+          <p:txBody>
+            <a:bodyPr wrap="square" rtlCol="0">
+              <a:spAutoFit/>
+            </a:bodyPr>
+            <a:lstStyle/>
+            <a:p>
+              <a:r>
+                <a:rPr lang="en-US" sz="800" dirty="0" smtClean="0"/>
+                <a:t>Type: Skattkiste</a:t>
+              </a:r>
+              <a:endParaRPr lang="nb-NO" sz="800" dirty="0"/>
+            </a:p>
+          </p:txBody>
+        </p:sp>
+      </p:grpSp>
+      <p:grpSp>
+        <p:nvGrpSpPr>
+          <p:cNvPr id="445" name="Gruppe 444"/>
+          <p:cNvGrpSpPr/>
+          <p:nvPr/>
+        </p:nvGrpSpPr>
+        <p:grpSpPr>
+          <a:xfrm>
+            <a:off x="7328106" y="4887928"/>
+            <a:ext cx="1322991" cy="550252"/>
+            <a:chOff x="7274799" y="4872519"/>
+            <a:chExt cx="1322991" cy="550252"/>
+          </a:xfrm>
+        </p:grpSpPr>
+        <p:grpSp>
+          <p:nvGrpSpPr>
+            <p:cNvPr id="446" name="Gruppe 445"/>
+            <p:cNvGrpSpPr/>
+            <p:nvPr/>
+          </p:nvGrpSpPr>
+          <p:grpSpPr>
+            <a:xfrm>
+              <a:off x="7274799" y="4872519"/>
+              <a:ext cx="1322991" cy="550252"/>
+              <a:chOff x="6889658" y="3559237"/>
+              <a:chExt cx="1322991" cy="550252"/>
+            </a:xfrm>
+          </p:grpSpPr>
+          <p:sp>
+            <p:nvSpPr>
+              <p:cNvPr id="449" name="Rektangel 448"/>
+              <p:cNvSpPr/>
+              <p:nvPr/>
+            </p:nvSpPr>
+            <p:spPr>
+              <a:xfrm>
+                <a:off x="6896513" y="3743698"/>
+                <a:ext cx="746475" cy="62249"/>
+              </a:xfrm>
+              <a:prstGeom prst="rect">
+                <a:avLst/>
+              </a:prstGeom>
+              <a:noFill/>
+            </p:spPr>
+            <p:style>
+              <a:lnRef idx="2">
+                <a:schemeClr val="accent1">
+                  <a:shade val="50000"/>
+                </a:schemeClr>
+              </a:lnRef>
+              <a:fillRef idx="1">
+                <a:schemeClr val="accent1"/>
+              </a:fillRef>
+              <a:effectRef idx="0">
+                <a:schemeClr val="accent1"/>
+              </a:effectRef>
+              <a:fontRef idx="minor">
+                <a:schemeClr val="lt1"/>
+              </a:fontRef>
+            </p:style>
+            <p:txBody>
+              <a:bodyPr rtlCol="0" anchor="ctr"/>
+              <a:lstStyle/>
+              <a:p>
+                <a:pPr algn="ctr"/>
+                <a:endParaRPr lang="nb-NO" sz="800" dirty="0"/>
+              </a:p>
+            </p:txBody>
+          </p:sp>
+          <p:sp>
+            <p:nvSpPr>
+              <p:cNvPr id="450" name="TekstSylinder 449"/>
+              <p:cNvSpPr txBox="1"/>
+              <p:nvPr/>
+            </p:nvSpPr>
+            <p:spPr>
+              <a:xfrm>
+                <a:off x="6896513" y="3559237"/>
+                <a:ext cx="1021491" cy="215444"/>
+              </a:xfrm>
+              <a:prstGeom prst="rect">
+                <a:avLst/>
+              </a:prstGeom>
+              <a:noFill/>
+            </p:spPr>
+            <p:txBody>
+              <a:bodyPr wrap="square" rtlCol="0">
+                <a:spAutoFit/>
+              </a:bodyPr>
+              <a:lstStyle/>
+              <a:p>
+                <a:r>
+                  <a:rPr lang="en-US" sz="800" dirty="0" smtClean="0"/>
+                  <a:t>Navn: </a:t>
+                </a:r>
+                <a:r>
+                  <a:rPr lang="en-US" sz="800" dirty="0" smtClean="0"/>
+                  <a:t>retninger</a:t>
+                </a:r>
+                <a:endParaRPr lang="nb-NO" sz="800" dirty="0"/>
+              </a:p>
+            </p:txBody>
+          </p:sp>
+          <p:sp>
+            <p:nvSpPr>
+              <p:cNvPr id="451" name="TekstSylinder 450"/>
+              <p:cNvSpPr txBox="1"/>
+              <p:nvPr/>
+            </p:nvSpPr>
+            <p:spPr>
+              <a:xfrm>
+                <a:off x="6889658" y="3876337"/>
+                <a:ext cx="1322991" cy="215444"/>
+              </a:xfrm>
+              <a:prstGeom prst="rect">
+                <a:avLst/>
+              </a:prstGeom>
+              <a:noFill/>
+            </p:spPr>
+            <p:txBody>
+              <a:bodyPr wrap="square" rtlCol="0">
+                <a:spAutoFit/>
+              </a:bodyPr>
+              <a:lstStyle/>
+              <a:p>
+                <a:r>
+                  <a:rPr lang="en-US" sz="800" dirty="0" smtClean="0"/>
+                  <a:t>Type: </a:t>
+                </a:r>
+                <a:r>
+                  <a:rPr lang="en-US" sz="800" dirty="0" smtClean="0"/>
+                  <a:t>String[]</a:t>
+                </a:r>
+                <a:endParaRPr lang="nb-NO" sz="800" dirty="0"/>
+              </a:p>
+            </p:txBody>
+          </p:sp>
+          <p:sp>
+            <p:nvSpPr>
+              <p:cNvPr id="452" name="Rektangel 451"/>
+              <p:cNvSpPr/>
+              <p:nvPr/>
+            </p:nvSpPr>
+            <p:spPr>
+              <a:xfrm>
+                <a:off x="6896512" y="3805531"/>
+                <a:ext cx="746475" cy="62249"/>
+              </a:xfrm>
+              <a:prstGeom prst="rect">
+                <a:avLst/>
+              </a:prstGeom>
+              <a:noFill/>
+            </p:spPr>
+            <p:style>
+              <a:lnRef idx="2">
+                <a:schemeClr val="accent1">
+                  <a:shade val="50000"/>
+                </a:schemeClr>
+              </a:lnRef>
+              <a:fillRef idx="1">
+                <a:schemeClr val="accent1"/>
+              </a:fillRef>
+              <a:effectRef idx="0">
+                <a:schemeClr val="accent1"/>
+              </a:effectRef>
+              <a:fontRef idx="minor">
+                <a:schemeClr val="lt1"/>
+              </a:fontRef>
+            </p:style>
+            <p:txBody>
+              <a:bodyPr rtlCol="0" anchor="ctr"/>
+              <a:lstStyle/>
+              <a:p>
+                <a:pPr algn="ctr"/>
+                <a:endParaRPr lang="nb-NO" sz="800" dirty="0"/>
+              </a:p>
+            </p:txBody>
+          </p:sp>
+          <p:sp>
+            <p:nvSpPr>
+              <p:cNvPr id="453" name="TekstSylinder 452"/>
+              <p:cNvSpPr txBox="1"/>
+              <p:nvPr/>
+            </p:nvSpPr>
+            <p:spPr>
+              <a:xfrm>
+                <a:off x="7128426" y="3740157"/>
+                <a:ext cx="207169" cy="369332"/>
+              </a:xfrm>
+              <a:prstGeom prst="rect">
+                <a:avLst/>
+              </a:prstGeom>
+              <a:noFill/>
+            </p:spPr>
+            <p:txBody>
+              <a:bodyPr wrap="square" rtlCol="0">
+                <a:spAutoFit/>
+              </a:bodyPr>
+              <a:lstStyle/>
+              <a:p>
+                <a:endParaRPr lang="nb-NO" dirty="0"/>
+              </a:p>
+            </p:txBody>
+          </p:sp>
+        </p:grpSp>
+        <p:sp>
+          <p:nvSpPr>
+            <p:cNvPr id="447" name="Rektangel 446"/>
+            <p:cNvSpPr/>
+            <p:nvPr/>
+          </p:nvSpPr>
+          <p:spPr>
+            <a:xfrm>
+              <a:off x="7278229" y="5180767"/>
+              <a:ext cx="746475" cy="62249"/>
+            </a:xfrm>
+            <a:prstGeom prst="rect">
+              <a:avLst/>
+            </a:prstGeom>
+            <a:noFill/>
+          </p:spPr>
+          <p:style>
+            <a:lnRef idx="2">
+              <a:schemeClr val="accent1">
+                <a:shade val="50000"/>
+              </a:schemeClr>
+            </a:lnRef>
+            <a:fillRef idx="1">
+              <a:schemeClr val="accent1"/>
+            </a:fillRef>
+            <a:effectRef idx="0">
+              <a:schemeClr val="accent1"/>
+            </a:effectRef>
+            <a:fontRef idx="minor">
+              <a:schemeClr val="lt1"/>
+            </a:fontRef>
+          </p:style>
+          <p:txBody>
+            <a:bodyPr rtlCol="0" anchor="ctr"/>
+            <a:lstStyle/>
+            <a:p>
+              <a:pPr algn="ctr"/>
+              <a:endParaRPr lang="nb-NO" sz="800" dirty="0"/>
+            </a:p>
+          </p:txBody>
+        </p:sp>
+      </p:grpSp>
+      <p:grpSp>
+        <p:nvGrpSpPr>
+          <p:cNvPr id="481" name="Gruppe 480"/>
+          <p:cNvGrpSpPr/>
+          <p:nvPr/>
+        </p:nvGrpSpPr>
+        <p:grpSpPr>
+          <a:xfrm>
+            <a:off x="10833257" y="5607196"/>
+            <a:ext cx="1322991" cy="550252"/>
+            <a:chOff x="7274799" y="4872519"/>
+            <a:chExt cx="1322991" cy="550252"/>
+          </a:xfrm>
+        </p:grpSpPr>
+        <p:grpSp>
+          <p:nvGrpSpPr>
+            <p:cNvPr id="482" name="Gruppe 481"/>
+            <p:cNvGrpSpPr/>
+            <p:nvPr/>
+          </p:nvGrpSpPr>
+          <p:grpSpPr>
+            <a:xfrm>
+              <a:off x="7274799" y="4872519"/>
+              <a:ext cx="1322991" cy="550252"/>
+              <a:chOff x="6889658" y="3559237"/>
+              <a:chExt cx="1322991" cy="550252"/>
+            </a:xfrm>
+          </p:grpSpPr>
+          <p:sp>
+            <p:nvSpPr>
+              <p:cNvPr id="484" name="Rektangel 483"/>
+              <p:cNvSpPr/>
+              <p:nvPr/>
+            </p:nvSpPr>
+            <p:spPr>
+              <a:xfrm>
+                <a:off x="6896513" y="3743698"/>
+                <a:ext cx="746475" cy="62249"/>
+              </a:xfrm>
+              <a:prstGeom prst="rect">
+                <a:avLst/>
+              </a:prstGeom>
+              <a:noFill/>
+            </p:spPr>
+            <p:style>
+              <a:lnRef idx="2">
+                <a:schemeClr val="accent1">
+                  <a:shade val="50000"/>
+                </a:schemeClr>
+              </a:lnRef>
+              <a:fillRef idx="1">
+                <a:schemeClr val="accent1"/>
+              </a:fillRef>
+              <a:effectRef idx="0">
+                <a:schemeClr val="accent1"/>
+              </a:effectRef>
+              <a:fontRef idx="minor">
+                <a:schemeClr val="lt1"/>
+              </a:fontRef>
+            </p:style>
+            <p:txBody>
+              <a:bodyPr rtlCol="0" anchor="ctr"/>
+              <a:lstStyle/>
+              <a:p>
+                <a:pPr algn="ctr"/>
+                <a:endParaRPr lang="nb-NO" sz="800" dirty="0"/>
+              </a:p>
+            </p:txBody>
+          </p:sp>
+          <p:sp>
+            <p:nvSpPr>
+              <p:cNvPr id="485" name="TekstSylinder 484"/>
+              <p:cNvSpPr txBox="1"/>
+              <p:nvPr/>
+            </p:nvSpPr>
+            <p:spPr>
+              <a:xfrm>
+                <a:off x="6896513" y="3559237"/>
+                <a:ext cx="1021491" cy="215444"/>
+              </a:xfrm>
+              <a:prstGeom prst="rect">
+                <a:avLst/>
+              </a:prstGeom>
+              <a:noFill/>
+            </p:spPr>
+            <p:txBody>
+              <a:bodyPr wrap="square" rtlCol="0">
+                <a:spAutoFit/>
+              </a:bodyPr>
+              <a:lstStyle/>
+              <a:p>
+                <a:r>
+                  <a:rPr lang="en-US" sz="800" dirty="0" smtClean="0"/>
+                  <a:t>Navn: </a:t>
+                </a:r>
+                <a:r>
+                  <a:rPr lang="en-US" sz="800" dirty="0" smtClean="0"/>
+                  <a:t>utganger</a:t>
+                </a:r>
+                <a:endParaRPr lang="nb-NO" sz="800" dirty="0"/>
+              </a:p>
+            </p:txBody>
+          </p:sp>
+          <p:sp>
+            <p:nvSpPr>
+              <p:cNvPr id="486" name="TekstSylinder 485"/>
+              <p:cNvSpPr txBox="1"/>
+              <p:nvPr/>
+            </p:nvSpPr>
+            <p:spPr>
+              <a:xfrm>
+                <a:off x="6889658" y="3876337"/>
+                <a:ext cx="1322991" cy="215444"/>
+              </a:xfrm>
+              <a:prstGeom prst="rect">
+                <a:avLst/>
+              </a:prstGeom>
+              <a:noFill/>
+            </p:spPr>
+            <p:txBody>
+              <a:bodyPr wrap="square" rtlCol="0">
+                <a:spAutoFit/>
+              </a:bodyPr>
+              <a:lstStyle/>
+              <a:p>
+                <a:r>
+                  <a:rPr lang="en-US" sz="800" dirty="0" smtClean="0"/>
+                  <a:t>Type: </a:t>
+                </a:r>
+                <a:r>
+                  <a:rPr lang="en-US" sz="800" dirty="0" smtClean="0"/>
+                  <a:t>VeivalgSted[]</a:t>
+                </a:r>
+                <a:endParaRPr lang="nb-NO" sz="800" dirty="0"/>
+              </a:p>
+            </p:txBody>
+          </p:sp>
+          <p:sp>
+            <p:nvSpPr>
+              <p:cNvPr id="487" name="Rektangel 486"/>
+              <p:cNvSpPr/>
+              <p:nvPr/>
+            </p:nvSpPr>
+            <p:spPr>
+              <a:xfrm>
+                <a:off x="6896512" y="3805531"/>
+                <a:ext cx="746475" cy="62249"/>
+              </a:xfrm>
+              <a:prstGeom prst="rect">
+                <a:avLst/>
+              </a:prstGeom>
+              <a:noFill/>
+            </p:spPr>
+            <p:style>
+              <a:lnRef idx="2">
+                <a:schemeClr val="accent1">
+                  <a:shade val="50000"/>
+                </a:schemeClr>
+              </a:lnRef>
+              <a:fillRef idx="1">
+                <a:schemeClr val="accent1"/>
+              </a:fillRef>
+              <a:effectRef idx="0">
+                <a:schemeClr val="accent1"/>
+              </a:effectRef>
+              <a:fontRef idx="minor">
+                <a:schemeClr val="lt1"/>
+              </a:fontRef>
+            </p:style>
+            <p:txBody>
+              <a:bodyPr rtlCol="0" anchor="ctr"/>
+              <a:lstStyle/>
+              <a:p>
+                <a:pPr algn="ctr"/>
+                <a:endParaRPr lang="nb-NO" sz="800" dirty="0"/>
+              </a:p>
+            </p:txBody>
+          </p:sp>
+          <p:sp>
+            <p:nvSpPr>
+              <p:cNvPr id="488" name="TekstSylinder 487"/>
+              <p:cNvSpPr txBox="1"/>
+              <p:nvPr/>
+            </p:nvSpPr>
+            <p:spPr>
+              <a:xfrm>
+                <a:off x="7128426" y="3740157"/>
+                <a:ext cx="207169" cy="369332"/>
+              </a:xfrm>
+              <a:prstGeom prst="rect">
+                <a:avLst/>
+              </a:prstGeom>
+              <a:noFill/>
+            </p:spPr>
+            <p:txBody>
+              <a:bodyPr wrap="square" rtlCol="0">
+                <a:spAutoFit/>
+              </a:bodyPr>
+              <a:lstStyle/>
+              <a:p>
+                <a:endParaRPr lang="nb-NO" dirty="0"/>
+              </a:p>
+            </p:txBody>
+          </p:sp>
+        </p:grpSp>
+        <p:sp>
+          <p:nvSpPr>
+            <p:cNvPr id="483" name="Rektangel 482"/>
+            <p:cNvSpPr/>
+            <p:nvPr/>
+          </p:nvSpPr>
+          <p:spPr>
+            <a:xfrm>
+              <a:off x="7285486" y="5180767"/>
+              <a:ext cx="746475" cy="62249"/>
+            </a:xfrm>
+            <a:prstGeom prst="rect">
+              <a:avLst/>
+            </a:prstGeom>
+            <a:noFill/>
+          </p:spPr>
+          <p:style>
+            <a:lnRef idx="2">
+              <a:schemeClr val="accent1">
+                <a:shade val="50000"/>
+              </a:schemeClr>
+            </a:lnRef>
+            <a:fillRef idx="1">
+              <a:schemeClr val="accent1"/>
+            </a:fillRef>
+            <a:effectRef idx="0">
+              <a:schemeClr val="accent1"/>
+            </a:effectRef>
+            <a:fontRef idx="minor">
+              <a:schemeClr val="lt1"/>
+            </a:fontRef>
+          </p:style>
+          <p:txBody>
+            <a:bodyPr rtlCol="0" anchor="ctr"/>
+            <a:lstStyle/>
+            <a:p>
+              <a:pPr algn="ctr"/>
+              <a:endParaRPr lang="nb-NO" sz="800" dirty="0"/>
+            </a:p>
+          </p:txBody>
+        </p:sp>
+      </p:grpSp>
+      <p:grpSp>
+        <p:nvGrpSpPr>
+          <p:cNvPr id="489" name="Gruppe 488"/>
+          <p:cNvGrpSpPr/>
+          <p:nvPr/>
+        </p:nvGrpSpPr>
+        <p:grpSpPr>
+          <a:xfrm>
+            <a:off x="9908259" y="5617395"/>
+            <a:ext cx="1021491" cy="609541"/>
+            <a:chOff x="3599935" y="588258"/>
+            <a:chExt cx="1070919" cy="721038"/>
+          </a:xfrm>
+        </p:grpSpPr>
+        <p:sp>
+          <p:nvSpPr>
+            <p:cNvPr id="490" name="Rektangel 489"/>
+            <p:cNvSpPr/>
+            <p:nvPr/>
+          </p:nvSpPr>
+          <p:spPr>
+            <a:xfrm>
+              <a:off x="3599935" y="840259"/>
+              <a:ext cx="782595" cy="214184"/>
+            </a:xfrm>
+            <a:prstGeom prst="rect">
+              <a:avLst/>
+            </a:prstGeom>
+            <a:noFill/>
+          </p:spPr>
+          <p:style>
+            <a:lnRef idx="2">
+              <a:schemeClr val="accent1">
+                <a:shade val="50000"/>
+              </a:schemeClr>
+            </a:lnRef>
+            <a:fillRef idx="1">
+              <a:schemeClr val="accent1"/>
+            </a:fillRef>
+            <a:effectRef idx="0">
+              <a:schemeClr val="accent1"/>
+            </a:effectRef>
+            <a:fontRef idx="minor">
+              <a:schemeClr val="lt1"/>
+            </a:fontRef>
+          </p:style>
+          <p:txBody>
+            <a:bodyPr rtlCol="0" anchor="ctr"/>
+            <a:lstStyle/>
+            <a:p>
+              <a:pPr algn="ctr"/>
+              <a:endParaRPr lang="nb-NO" sz="800" dirty="0"/>
+            </a:p>
+          </p:txBody>
+        </p:sp>
+        <p:sp>
+          <p:nvSpPr>
+            <p:cNvPr id="491" name="TekstSylinder 490"/>
+            <p:cNvSpPr txBox="1"/>
+            <p:nvPr/>
+          </p:nvSpPr>
+          <p:spPr>
+            <a:xfrm>
+              <a:off x="3599935" y="588258"/>
+              <a:ext cx="1070919" cy="254853"/>
+            </a:xfrm>
+            <a:prstGeom prst="rect">
+              <a:avLst/>
+            </a:prstGeom>
+            <a:noFill/>
+          </p:spPr>
+          <p:txBody>
+            <a:bodyPr wrap="square" rtlCol="0">
+              <a:spAutoFit/>
+            </a:bodyPr>
+            <a:lstStyle/>
+            <a:p>
+              <a:r>
+                <a:rPr lang="en-US" sz="800" dirty="0" smtClean="0"/>
+                <a:t>Navn: beskrivelse</a:t>
+              </a:r>
+              <a:endParaRPr lang="nb-NO" sz="800" dirty="0"/>
+            </a:p>
+          </p:txBody>
+        </p:sp>
+        <p:sp>
+          <p:nvSpPr>
+            <p:cNvPr id="492" name="TekstSylinder 491"/>
+            <p:cNvSpPr txBox="1"/>
+            <p:nvPr/>
+          </p:nvSpPr>
+          <p:spPr>
+            <a:xfrm>
+              <a:off x="3599935" y="1054443"/>
+              <a:ext cx="1070919" cy="254853"/>
+            </a:xfrm>
+            <a:prstGeom prst="rect">
+              <a:avLst/>
+            </a:prstGeom>
+            <a:noFill/>
+          </p:spPr>
+          <p:txBody>
+            <a:bodyPr wrap="square" rtlCol="0">
+              <a:spAutoFit/>
+            </a:bodyPr>
+            <a:lstStyle/>
+            <a:p>
+              <a:r>
+                <a:rPr lang="en-US" sz="800" dirty="0" smtClean="0"/>
+                <a:t>Type: String</a:t>
+              </a:r>
+              <a:endParaRPr lang="nb-NO" sz="800" dirty="0"/>
+            </a:p>
+          </p:txBody>
+        </p:sp>
+      </p:grpSp>
+      <p:grpSp>
+        <p:nvGrpSpPr>
+          <p:cNvPr id="493" name="Gruppe 492"/>
+          <p:cNvGrpSpPr/>
+          <p:nvPr/>
+        </p:nvGrpSpPr>
+        <p:grpSpPr>
+          <a:xfrm>
+            <a:off x="10963431" y="4737148"/>
+            <a:ext cx="1021493" cy="602523"/>
+            <a:chOff x="3599935" y="596560"/>
+            <a:chExt cx="1070921" cy="712736"/>
+          </a:xfrm>
+        </p:grpSpPr>
+        <p:sp>
+          <p:nvSpPr>
+            <p:cNvPr id="494" name="Rektangel 493"/>
+            <p:cNvSpPr/>
+            <p:nvPr/>
+          </p:nvSpPr>
+          <p:spPr>
+            <a:xfrm>
+              <a:off x="3599935" y="840259"/>
+              <a:ext cx="782595" cy="214184"/>
+            </a:xfrm>
+            <a:prstGeom prst="rect">
+              <a:avLst/>
+            </a:prstGeom>
+            <a:noFill/>
+          </p:spPr>
+          <p:style>
+            <a:lnRef idx="2">
+              <a:schemeClr val="accent1">
+                <a:shade val="50000"/>
+              </a:schemeClr>
+            </a:lnRef>
+            <a:fillRef idx="1">
+              <a:schemeClr val="accent1"/>
+            </a:fillRef>
+            <a:effectRef idx="0">
+              <a:schemeClr val="accent1"/>
+            </a:effectRef>
+            <a:fontRef idx="minor">
+              <a:schemeClr val="lt1"/>
+            </a:fontRef>
+          </p:style>
+          <p:txBody>
+            <a:bodyPr rtlCol="0" anchor="ctr"/>
+            <a:lstStyle/>
+            <a:p>
+              <a:pPr algn="ctr"/>
+              <a:endParaRPr lang="nb-NO" sz="800" dirty="0"/>
+            </a:p>
+          </p:txBody>
+        </p:sp>
+        <p:sp>
+          <p:nvSpPr>
+            <p:cNvPr id="495" name="TekstSylinder 494"/>
+            <p:cNvSpPr txBox="1"/>
+            <p:nvPr/>
+          </p:nvSpPr>
+          <p:spPr>
+            <a:xfrm>
+              <a:off x="3599935" y="596560"/>
+              <a:ext cx="1070919" cy="254853"/>
+            </a:xfrm>
+            <a:prstGeom prst="rect">
+              <a:avLst/>
+            </a:prstGeom>
+            <a:noFill/>
+          </p:spPr>
+          <p:txBody>
+            <a:bodyPr wrap="square" rtlCol="0">
+              <a:spAutoFit/>
+            </a:bodyPr>
+            <a:lstStyle/>
+            <a:p>
+              <a:r>
+                <a:rPr lang="en-US" sz="800" dirty="0" smtClean="0"/>
+                <a:t>Navn: kiste</a:t>
+              </a:r>
+              <a:endParaRPr lang="nb-NO" sz="800" dirty="0"/>
+            </a:p>
+          </p:txBody>
+        </p:sp>
+        <p:sp>
+          <p:nvSpPr>
+            <p:cNvPr id="496" name="TekstSylinder 495"/>
+            <p:cNvSpPr txBox="1"/>
+            <p:nvPr/>
+          </p:nvSpPr>
+          <p:spPr>
+            <a:xfrm>
+              <a:off x="3599937" y="1054443"/>
+              <a:ext cx="1070919" cy="254853"/>
+            </a:xfrm>
+            <a:prstGeom prst="rect">
+              <a:avLst/>
+            </a:prstGeom>
+            <a:noFill/>
+          </p:spPr>
+          <p:txBody>
+            <a:bodyPr wrap="square" rtlCol="0">
+              <a:spAutoFit/>
+            </a:bodyPr>
+            <a:lstStyle/>
+            <a:p>
+              <a:r>
+                <a:rPr lang="en-US" sz="800" dirty="0" smtClean="0"/>
+                <a:t>Type: Skattkiste</a:t>
+              </a:r>
+              <a:endParaRPr lang="nb-NO" sz="800" dirty="0"/>
+            </a:p>
+          </p:txBody>
+        </p:sp>
+      </p:grpSp>
+      <p:grpSp>
+        <p:nvGrpSpPr>
+          <p:cNvPr id="497" name="Gruppe 496"/>
+          <p:cNvGrpSpPr/>
+          <p:nvPr/>
+        </p:nvGrpSpPr>
+        <p:grpSpPr>
+          <a:xfrm>
+            <a:off x="9824470" y="4829546"/>
+            <a:ext cx="1322991" cy="550252"/>
+            <a:chOff x="7274799" y="4872519"/>
+            <a:chExt cx="1322991" cy="550252"/>
+          </a:xfrm>
+        </p:grpSpPr>
+        <p:grpSp>
+          <p:nvGrpSpPr>
+            <p:cNvPr id="498" name="Gruppe 497"/>
+            <p:cNvGrpSpPr/>
+            <p:nvPr/>
+          </p:nvGrpSpPr>
+          <p:grpSpPr>
+            <a:xfrm>
+              <a:off x="7274799" y="4872519"/>
+              <a:ext cx="1322991" cy="550252"/>
+              <a:chOff x="6889658" y="3559237"/>
+              <a:chExt cx="1322991" cy="550252"/>
+            </a:xfrm>
+          </p:grpSpPr>
+          <p:sp>
+            <p:nvSpPr>
+              <p:cNvPr id="500" name="Rektangel 499"/>
+              <p:cNvSpPr/>
+              <p:nvPr/>
+            </p:nvSpPr>
+            <p:spPr>
+              <a:xfrm>
+                <a:off x="6896513" y="3743698"/>
+                <a:ext cx="746475" cy="62249"/>
+              </a:xfrm>
+              <a:prstGeom prst="rect">
+                <a:avLst/>
+              </a:prstGeom>
+              <a:noFill/>
+            </p:spPr>
+            <p:style>
+              <a:lnRef idx="2">
+                <a:schemeClr val="accent1">
+                  <a:shade val="50000"/>
+                </a:schemeClr>
+              </a:lnRef>
+              <a:fillRef idx="1">
+                <a:schemeClr val="accent1"/>
+              </a:fillRef>
+              <a:effectRef idx="0">
+                <a:schemeClr val="accent1"/>
+              </a:effectRef>
+              <a:fontRef idx="minor">
+                <a:schemeClr val="lt1"/>
+              </a:fontRef>
+            </p:style>
+            <p:txBody>
+              <a:bodyPr rtlCol="0" anchor="ctr"/>
+              <a:lstStyle/>
+              <a:p>
+                <a:pPr algn="ctr"/>
+                <a:endParaRPr lang="nb-NO" sz="800" dirty="0"/>
+              </a:p>
+            </p:txBody>
+          </p:sp>
+          <p:sp>
+            <p:nvSpPr>
+              <p:cNvPr id="501" name="TekstSylinder 500"/>
+              <p:cNvSpPr txBox="1"/>
+              <p:nvPr/>
+            </p:nvSpPr>
+            <p:spPr>
+              <a:xfrm>
+                <a:off x="6896513" y="3559237"/>
+                <a:ext cx="1021491" cy="215444"/>
+              </a:xfrm>
+              <a:prstGeom prst="rect">
+                <a:avLst/>
+              </a:prstGeom>
+              <a:noFill/>
+            </p:spPr>
+            <p:txBody>
+              <a:bodyPr wrap="square" rtlCol="0">
+                <a:spAutoFit/>
+              </a:bodyPr>
+              <a:lstStyle/>
+              <a:p>
+                <a:r>
+                  <a:rPr lang="en-US" sz="800" dirty="0" smtClean="0"/>
+                  <a:t>Navn: </a:t>
+                </a:r>
+                <a:r>
+                  <a:rPr lang="en-US" sz="800" dirty="0" smtClean="0"/>
+                  <a:t>retninger</a:t>
+                </a:r>
+                <a:endParaRPr lang="nb-NO" sz="800" dirty="0"/>
+              </a:p>
+            </p:txBody>
+          </p:sp>
+          <p:sp>
+            <p:nvSpPr>
+              <p:cNvPr id="502" name="TekstSylinder 501"/>
+              <p:cNvSpPr txBox="1"/>
+              <p:nvPr/>
+            </p:nvSpPr>
+            <p:spPr>
+              <a:xfrm>
+                <a:off x="6889658" y="3876337"/>
+                <a:ext cx="1322991" cy="215444"/>
+              </a:xfrm>
+              <a:prstGeom prst="rect">
+                <a:avLst/>
+              </a:prstGeom>
+              <a:noFill/>
+            </p:spPr>
+            <p:txBody>
+              <a:bodyPr wrap="square" rtlCol="0">
+                <a:spAutoFit/>
+              </a:bodyPr>
+              <a:lstStyle/>
+              <a:p>
+                <a:r>
+                  <a:rPr lang="en-US" sz="800" dirty="0" smtClean="0"/>
+                  <a:t>Type: </a:t>
+                </a:r>
+                <a:r>
+                  <a:rPr lang="en-US" sz="800" dirty="0" smtClean="0"/>
+                  <a:t>String[]</a:t>
+                </a:r>
+                <a:endParaRPr lang="nb-NO" sz="800" dirty="0"/>
+              </a:p>
+            </p:txBody>
+          </p:sp>
+          <p:sp>
+            <p:nvSpPr>
+              <p:cNvPr id="503" name="Rektangel 502"/>
+              <p:cNvSpPr/>
+              <p:nvPr/>
+            </p:nvSpPr>
+            <p:spPr>
+              <a:xfrm>
+                <a:off x="6896512" y="3805531"/>
+                <a:ext cx="746475" cy="62249"/>
+              </a:xfrm>
+              <a:prstGeom prst="rect">
+                <a:avLst/>
+              </a:prstGeom>
+              <a:noFill/>
+            </p:spPr>
+            <p:style>
+              <a:lnRef idx="2">
+                <a:schemeClr val="accent1">
+                  <a:shade val="50000"/>
+                </a:schemeClr>
+              </a:lnRef>
+              <a:fillRef idx="1">
+                <a:schemeClr val="accent1"/>
+              </a:fillRef>
+              <a:effectRef idx="0">
+                <a:schemeClr val="accent1"/>
+              </a:effectRef>
+              <a:fontRef idx="minor">
+                <a:schemeClr val="lt1"/>
+              </a:fontRef>
+            </p:style>
+            <p:txBody>
+              <a:bodyPr rtlCol="0" anchor="ctr"/>
+              <a:lstStyle/>
+              <a:p>
+                <a:pPr algn="ctr"/>
+                <a:endParaRPr lang="nb-NO" sz="800" dirty="0"/>
+              </a:p>
+            </p:txBody>
+          </p:sp>
+          <p:sp>
+            <p:nvSpPr>
+              <p:cNvPr id="504" name="TekstSylinder 503"/>
+              <p:cNvSpPr txBox="1"/>
+              <p:nvPr/>
+            </p:nvSpPr>
+            <p:spPr>
+              <a:xfrm>
+                <a:off x="7128426" y="3740157"/>
+                <a:ext cx="207169" cy="369332"/>
+              </a:xfrm>
+              <a:prstGeom prst="rect">
+                <a:avLst/>
+              </a:prstGeom>
+              <a:noFill/>
+            </p:spPr>
+            <p:txBody>
+              <a:bodyPr wrap="square" rtlCol="0">
+                <a:spAutoFit/>
+              </a:bodyPr>
+              <a:lstStyle/>
+              <a:p>
+                <a:endParaRPr lang="nb-NO" dirty="0"/>
+              </a:p>
+            </p:txBody>
+          </p:sp>
+        </p:grpSp>
+        <p:sp>
+          <p:nvSpPr>
+            <p:cNvPr id="499" name="Rektangel 498"/>
+            <p:cNvSpPr/>
+            <p:nvPr/>
+          </p:nvSpPr>
+          <p:spPr>
+            <a:xfrm>
+              <a:off x="7278229" y="5180767"/>
+              <a:ext cx="746475" cy="62249"/>
+            </a:xfrm>
+            <a:prstGeom prst="rect">
+              <a:avLst/>
+            </a:prstGeom>
+            <a:noFill/>
+          </p:spPr>
+          <p:style>
+            <a:lnRef idx="2">
+              <a:schemeClr val="accent1">
+                <a:shade val="50000"/>
+              </a:schemeClr>
+            </a:lnRef>
+            <a:fillRef idx="1">
+              <a:schemeClr val="accent1"/>
+            </a:fillRef>
+            <a:effectRef idx="0">
+              <a:schemeClr val="accent1"/>
+            </a:effectRef>
+            <a:fontRef idx="minor">
+              <a:schemeClr val="lt1"/>
+            </a:fontRef>
+          </p:style>
+          <p:txBody>
+            <a:bodyPr rtlCol="0" anchor="ctr"/>
+            <a:lstStyle/>
+            <a:p>
+              <a:pPr algn="ctr"/>
+              <a:endParaRPr lang="nb-NO" sz="800" dirty="0"/>
+            </a:p>
+          </p:txBody>
+        </p:sp>
+      </p:grpSp>
+      <p:cxnSp>
+        <p:nvCxnSpPr>
+          <p:cNvPr id="506" name="Rett pilkobling 505"/>
+          <p:cNvCxnSpPr>
+            <a:endCxn id="508" idx="1"/>
+          </p:cNvCxnSpPr>
+          <p:nvPr/>
+        </p:nvCxnSpPr>
+        <p:spPr>
+          <a:xfrm>
+            <a:off x="5655357" y="5982678"/>
+            <a:ext cx="578015" cy="148081"/>
+          </a:xfrm>
+          <a:prstGeom prst="straightConnector1">
+            <a:avLst/>
+          </a:prstGeom>
+          <a:ln>
+            <a:tailEnd type="triangle"/>
+          </a:ln>
+        </p:spPr>
+        <p:style>
+          <a:lnRef idx="1">
+            <a:schemeClr val="accent1"/>
+          </a:lnRef>
+          <a:fillRef idx="0">
+            <a:schemeClr val="accent1"/>
+          </a:fillRef>
+          <a:effectRef idx="0">
+            <a:schemeClr val="accent1"/>
+          </a:effectRef>
+          <a:fontRef idx="minor">
+            <a:schemeClr val="tx1"/>
+          </a:fontRef>
+        </p:style>
+      </p:cxnSp>
+      <p:cxnSp>
+        <p:nvCxnSpPr>
+          <p:cNvPr id="507" name="Rett pilkobling 506"/>
+          <p:cNvCxnSpPr>
+            <a:endCxn id="36" idx="1"/>
+          </p:cNvCxnSpPr>
+          <p:nvPr/>
+        </p:nvCxnSpPr>
+        <p:spPr>
+          <a:xfrm>
+            <a:off x="5349005" y="6036073"/>
+            <a:ext cx="692210" cy="461991"/>
+          </a:xfrm>
+          <a:prstGeom prst="straightConnector1">
+            <a:avLst/>
+          </a:prstGeom>
+          <a:ln>
+            <a:tailEnd type="triangle"/>
+          </a:ln>
+        </p:spPr>
+        <p:style>
+          <a:lnRef idx="1">
+            <a:schemeClr val="accent1"/>
+          </a:lnRef>
+          <a:fillRef idx="0">
+            <a:schemeClr val="accent1"/>
+          </a:fillRef>
+          <a:effectRef idx="0">
+            <a:schemeClr val="accent1"/>
+          </a:effectRef>
+          <a:fontRef idx="minor">
+            <a:schemeClr val="tx1"/>
+          </a:fontRef>
+        </p:style>
+      </p:cxnSp>
+      <p:sp>
+        <p:nvSpPr>
+          <p:cNvPr id="36" name="TekstSylinder 35"/>
+          <p:cNvSpPr txBox="1"/>
+          <p:nvPr/>
+        </p:nvSpPr>
+        <p:spPr>
+          <a:xfrm>
+            <a:off x="6041215" y="6328787"/>
+            <a:ext cx="944572" cy="338554"/>
+          </a:xfrm>
+          <a:prstGeom prst="rect">
+            <a:avLst/>
+          </a:prstGeom>
+          <a:noFill/>
+          <a:ln>
+            <a:solidFill>
+              <a:schemeClr val="accent1"/>
+            </a:solidFill>
+          </a:ln>
+        </p:spPr>
+        <p:txBody>
+          <a:bodyPr wrap="square" rtlCol="0">
+            <a:spAutoFit/>
+          </a:bodyPr>
+          <a:lstStyle/>
+          <a:p>
+            <a:r>
+              <a:rPr lang="en-US" sz="800" dirty="0" smtClean="0"/>
+              <a:t>Tilfeldig instans av VeivalgSted</a:t>
+            </a:r>
+            <a:endParaRPr lang="nb-NO" sz="800" dirty="0"/>
+          </a:p>
+        </p:txBody>
+      </p:sp>
+      <p:sp>
+        <p:nvSpPr>
+          <p:cNvPr id="508" name="TekstSylinder 507"/>
+          <p:cNvSpPr txBox="1"/>
+          <p:nvPr/>
+        </p:nvSpPr>
+        <p:spPr>
+          <a:xfrm>
+            <a:off x="6233372" y="5961482"/>
+            <a:ext cx="944572" cy="338554"/>
+          </a:xfrm>
+          <a:prstGeom prst="rect">
+            <a:avLst/>
+          </a:prstGeom>
+          <a:noFill/>
+          <a:ln>
+            <a:solidFill>
+              <a:schemeClr val="accent1"/>
+            </a:solidFill>
+          </a:ln>
+        </p:spPr>
+        <p:txBody>
+          <a:bodyPr wrap="square" rtlCol="0">
+            <a:spAutoFit/>
+          </a:bodyPr>
+          <a:lstStyle/>
+          <a:p>
+            <a:r>
+              <a:rPr lang="en-US" sz="800" dirty="0" smtClean="0"/>
+              <a:t>Tilfeldig instans av VeivalgSted</a:t>
+            </a:r>
+            <a:endParaRPr lang="nb-NO" sz="800" dirty="0"/>
+          </a:p>
+        </p:txBody>
+      </p:sp>
+      <p:grpSp>
+        <p:nvGrpSpPr>
+          <p:cNvPr id="509" name="Gruppe 508"/>
+          <p:cNvGrpSpPr/>
+          <p:nvPr/>
+        </p:nvGrpSpPr>
+        <p:grpSpPr>
+          <a:xfrm>
+            <a:off x="8812440" y="2776088"/>
+            <a:ext cx="1322991" cy="668243"/>
+            <a:chOff x="6889658" y="3559237"/>
+            <a:chExt cx="1322991" cy="668243"/>
+          </a:xfrm>
+        </p:grpSpPr>
+        <p:sp>
+          <p:nvSpPr>
+            <p:cNvPr id="510" name="Rektangel 509"/>
+            <p:cNvSpPr/>
+            <p:nvPr/>
+          </p:nvSpPr>
+          <p:spPr>
+            <a:xfrm>
+              <a:off x="6896513" y="3743698"/>
+              <a:ext cx="746475" cy="62249"/>
+            </a:xfrm>
+            <a:prstGeom prst="rect">
+              <a:avLst/>
+            </a:prstGeom>
+            <a:noFill/>
+          </p:spPr>
+          <p:style>
+            <a:lnRef idx="2">
+              <a:schemeClr val="accent1">
+                <a:shade val="50000"/>
+              </a:schemeClr>
+            </a:lnRef>
+            <a:fillRef idx="1">
+              <a:schemeClr val="accent1"/>
+            </a:fillRef>
+            <a:effectRef idx="0">
+              <a:schemeClr val="accent1"/>
+            </a:effectRef>
+            <a:fontRef idx="minor">
+              <a:schemeClr val="lt1"/>
+            </a:fontRef>
+          </p:style>
+          <p:txBody>
+            <a:bodyPr rtlCol="0" anchor="ctr"/>
+            <a:lstStyle/>
+            <a:p>
+              <a:pPr algn="ctr"/>
+              <a:endParaRPr lang="nb-NO" sz="800" dirty="0"/>
+            </a:p>
+          </p:txBody>
+        </p:sp>
+        <p:sp>
+          <p:nvSpPr>
+            <p:cNvPr id="511" name="TekstSylinder 510"/>
+            <p:cNvSpPr txBox="1"/>
+            <p:nvPr/>
+          </p:nvSpPr>
+          <p:spPr>
+            <a:xfrm>
+              <a:off x="6896513" y="3559237"/>
+              <a:ext cx="1021491" cy="215444"/>
+            </a:xfrm>
+            <a:prstGeom prst="rect">
+              <a:avLst/>
+            </a:prstGeom>
+            <a:noFill/>
+          </p:spPr>
+          <p:txBody>
+            <a:bodyPr wrap="square" rtlCol="0">
+              <a:spAutoFit/>
+            </a:bodyPr>
+            <a:lstStyle/>
+            <a:p>
+              <a:r>
+                <a:rPr lang="en-US" sz="800" dirty="0" smtClean="0"/>
+                <a:t>Navn: innhold</a:t>
+              </a:r>
+              <a:endParaRPr lang="nb-NO" sz="800" dirty="0"/>
+            </a:p>
+          </p:txBody>
+        </p:sp>
+        <p:sp>
+          <p:nvSpPr>
+            <p:cNvPr id="512" name="TekstSylinder 511"/>
+            <p:cNvSpPr txBox="1"/>
+            <p:nvPr/>
+          </p:nvSpPr>
+          <p:spPr>
+            <a:xfrm>
+              <a:off x="6889658" y="3888926"/>
+              <a:ext cx="1322991" cy="338554"/>
+            </a:xfrm>
+            <a:prstGeom prst="rect">
+              <a:avLst/>
+            </a:prstGeom>
+            <a:noFill/>
+          </p:spPr>
+          <p:txBody>
+            <a:bodyPr wrap="square" rtlCol="0">
+              <a:spAutoFit/>
+            </a:bodyPr>
+            <a:lstStyle/>
+            <a:p>
+              <a:r>
+                <a:rPr lang="en-US" sz="800" dirty="0" smtClean="0"/>
+                <a:t>Type: ArrayList&lt;Gjenstand&gt;</a:t>
+              </a:r>
+              <a:endParaRPr lang="nb-NO" sz="800" dirty="0"/>
+            </a:p>
+          </p:txBody>
+        </p:sp>
+        <p:sp>
+          <p:nvSpPr>
+            <p:cNvPr id="513" name="Rektangel 512"/>
+            <p:cNvSpPr/>
+            <p:nvPr/>
+          </p:nvSpPr>
+          <p:spPr>
+            <a:xfrm>
+              <a:off x="6896512" y="3805531"/>
+              <a:ext cx="746475" cy="62249"/>
+            </a:xfrm>
+            <a:prstGeom prst="rect">
+              <a:avLst/>
+            </a:prstGeom>
+            <a:noFill/>
+          </p:spPr>
+          <p:style>
+            <a:lnRef idx="2">
+              <a:schemeClr val="accent1">
+                <a:shade val="50000"/>
+              </a:schemeClr>
+            </a:lnRef>
+            <a:fillRef idx="1">
+              <a:schemeClr val="accent1"/>
+            </a:fillRef>
+            <a:effectRef idx="0">
+              <a:schemeClr val="accent1"/>
+            </a:effectRef>
+            <a:fontRef idx="minor">
+              <a:schemeClr val="lt1"/>
+            </a:fontRef>
+          </p:style>
+          <p:txBody>
+            <a:bodyPr rtlCol="0" anchor="ctr"/>
+            <a:lstStyle/>
+            <a:p>
+              <a:pPr algn="ctr"/>
+              <a:endParaRPr lang="nb-NO" sz="800" dirty="0"/>
+            </a:p>
+          </p:txBody>
+        </p:sp>
+        <p:sp>
+          <p:nvSpPr>
+            <p:cNvPr id="514" name="TekstSylinder 513"/>
+            <p:cNvSpPr txBox="1"/>
+            <p:nvPr/>
+          </p:nvSpPr>
+          <p:spPr>
+            <a:xfrm>
+              <a:off x="7128426" y="3740157"/>
+              <a:ext cx="207169" cy="369332"/>
+            </a:xfrm>
+            <a:prstGeom prst="rect">
+              <a:avLst/>
+            </a:prstGeom>
+            <a:noFill/>
+          </p:spPr>
+          <p:txBody>
+            <a:bodyPr wrap="square" rtlCol="0">
+              <a:spAutoFit/>
+            </a:bodyPr>
+            <a:lstStyle/>
+            <a:p>
+              <a:endParaRPr lang="nb-NO" dirty="0"/>
+            </a:p>
+          </p:txBody>
+        </p:sp>
+      </p:grpSp>
+      <p:sp>
+        <p:nvSpPr>
+          <p:cNvPr id="515" name="Rektangel 514"/>
+          <p:cNvSpPr/>
+          <p:nvPr/>
+        </p:nvSpPr>
+        <p:spPr>
+          <a:xfrm>
+            <a:off x="8819294" y="3087698"/>
+            <a:ext cx="746475" cy="62249"/>
+          </a:xfrm>
+          <a:prstGeom prst="rect">
+            <a:avLst/>
+          </a:prstGeom>
+          <a:noFill/>
+        </p:spPr>
+        <p:style>
+          <a:lnRef idx="2">
+            <a:schemeClr val="accent1">
+              <a:shade val="50000"/>
+            </a:schemeClr>
+          </a:lnRef>
+          <a:fillRef idx="1">
+            <a:schemeClr val="accent1"/>
+          </a:fillRef>
+          <a:effectRef idx="0">
+            <a:schemeClr val="accent1"/>
+          </a:effectRef>
+          <a:fontRef idx="minor">
+            <a:schemeClr val="lt1"/>
+          </a:fontRef>
+        </p:style>
+        <p:txBody>
+          <a:bodyPr rtlCol="0" anchor="ctr"/>
+          <a:lstStyle/>
+          <a:p>
+            <a:pPr algn="ctr"/>
+            <a:endParaRPr lang="nb-NO" sz="800" dirty="0"/>
+          </a:p>
+        </p:txBody>
+      </p:sp>
+    </p:spTree>
+    <p:extLst>
+      <p:ext uri="{BB962C8B-B14F-4D97-AF65-F5344CB8AC3E}">
+        <p14:creationId xmlns:p14="http://schemas.microsoft.com/office/powerpoint/2010/main" val="2214548510"/>
       </p:ext>
     </p:extLst>
   </p:cSld>
